--- a/Astro_Origin_table_horiz.pptx
+++ b/Astro_Origin_table_horiz.pptx
@@ -197,7 +197,7 @@
           <a:p>
             <a:fld id="{56190867-FD12-ED4C-AD02-12B91CD72869}" type="datetimeFigureOut">
               <a:rPr lang="en-US" smtClean="0"/>
-              <a:t>5/12/25</a:t>
+              <a:t>5/23/25</a:t>
             </a:fld>
             <a:endParaRPr lang="en-US"/>
           </a:p>
@@ -1038,7 +1038,7 @@
           <a:p>
             <a:fld id="{42B10BCD-A866-B34B-B7E8-44C4BB9D2819}" type="datetimeFigureOut">
               <a:rPr lang="en-US" smtClean="0"/>
-              <a:t>5/12/25</a:t>
+              <a:t>5/23/25</a:t>
             </a:fld>
             <a:endParaRPr lang="en-US"/>
           </a:p>
@@ -1208,7 +1208,7 @@
           <a:p>
             <a:fld id="{42B10BCD-A866-B34B-B7E8-44C4BB9D2819}" type="datetimeFigureOut">
               <a:rPr lang="en-US" smtClean="0"/>
-              <a:t>5/12/25</a:t>
+              <a:t>5/23/25</a:t>
             </a:fld>
             <a:endParaRPr lang="en-US"/>
           </a:p>
@@ -1388,7 +1388,7 @@
           <a:p>
             <a:fld id="{42B10BCD-A866-B34B-B7E8-44C4BB9D2819}" type="datetimeFigureOut">
               <a:rPr lang="en-US" smtClean="0"/>
-              <a:t>5/12/25</a:t>
+              <a:t>5/23/25</a:t>
             </a:fld>
             <a:endParaRPr lang="en-US"/>
           </a:p>
@@ -1619,7 +1619,7 @@
           <a:p>
             <a:fld id="{42B10BCD-A866-B34B-B7E8-44C4BB9D2819}" type="datetimeFigureOut">
               <a:rPr lang="en-US" smtClean="0"/>
-              <a:t>5/12/25</a:t>
+              <a:t>5/23/25</a:t>
             </a:fld>
             <a:endParaRPr lang="en-US"/>
           </a:p>
@@ -1865,7 +1865,7 @@
           <a:p>
             <a:fld id="{42B10BCD-A866-B34B-B7E8-44C4BB9D2819}" type="datetimeFigureOut">
               <a:rPr lang="en-US" smtClean="0"/>
-              <a:t>5/12/25</a:t>
+              <a:t>5/23/25</a:t>
             </a:fld>
             <a:endParaRPr lang="en-US"/>
           </a:p>
@@ -2097,7 +2097,7 @@
           <a:p>
             <a:fld id="{42B10BCD-A866-B34B-B7E8-44C4BB9D2819}" type="datetimeFigureOut">
               <a:rPr lang="en-US" smtClean="0"/>
-              <a:t>5/12/25</a:t>
+              <a:t>5/23/25</a:t>
             </a:fld>
             <a:endParaRPr lang="en-US"/>
           </a:p>
@@ -2464,7 +2464,7 @@
           <a:p>
             <a:fld id="{42B10BCD-A866-B34B-B7E8-44C4BB9D2819}" type="datetimeFigureOut">
               <a:rPr lang="en-US" smtClean="0"/>
-              <a:t>5/12/25</a:t>
+              <a:t>5/23/25</a:t>
             </a:fld>
             <a:endParaRPr lang="en-US"/>
           </a:p>
@@ -2582,7 +2582,7 @@
           <a:p>
             <a:fld id="{42B10BCD-A866-B34B-B7E8-44C4BB9D2819}" type="datetimeFigureOut">
               <a:rPr lang="en-US" smtClean="0"/>
-              <a:t>5/12/25</a:t>
+              <a:t>5/23/25</a:t>
             </a:fld>
             <a:endParaRPr lang="en-US"/>
           </a:p>
@@ -2677,7 +2677,7 @@
           <a:p>
             <a:fld id="{42B10BCD-A866-B34B-B7E8-44C4BB9D2819}" type="datetimeFigureOut">
               <a:rPr lang="en-US" smtClean="0"/>
-              <a:t>5/12/25</a:t>
+              <a:t>5/23/25</a:t>
             </a:fld>
             <a:endParaRPr lang="en-US"/>
           </a:p>
@@ -2954,7 +2954,7 @@
           <a:p>
             <a:fld id="{42B10BCD-A866-B34B-B7E8-44C4BB9D2819}" type="datetimeFigureOut">
               <a:rPr lang="en-US" smtClean="0"/>
-              <a:t>5/12/25</a:t>
+              <a:t>5/23/25</a:t>
             </a:fld>
             <a:endParaRPr lang="en-US"/>
           </a:p>
@@ -3211,7 +3211,7 @@
           <a:p>
             <a:fld id="{42B10BCD-A866-B34B-B7E8-44C4BB9D2819}" type="datetimeFigureOut">
               <a:rPr lang="en-US" smtClean="0"/>
-              <a:t>5/12/25</a:t>
+              <a:t>5/23/25</a:t>
             </a:fld>
             <a:endParaRPr lang="en-US"/>
           </a:p>
@@ -3424,7 +3424,7 @@
           <a:p>
             <a:fld id="{42B10BCD-A866-B34B-B7E8-44C4BB9D2819}" type="datetimeFigureOut">
               <a:rPr lang="en-US" smtClean="0"/>
-              <a:t>5/12/25</a:t>
+              <a:t>5/23/25</a:t>
             </a:fld>
             <a:endParaRPr lang="en-US"/>
           </a:p>

--- a/Astro_Origin_table_horiz.pptx
+++ b/Astro_Origin_table_horiz.pptx
@@ -197,7 +197,7 @@
           <a:p>
             <a:fld id="{56190867-FD12-ED4C-AD02-12B91CD72869}" type="datetimeFigureOut">
               <a:rPr lang="en-US" smtClean="0"/>
-              <a:t>5/23/25</a:t>
+              <a:t>6/2/25</a:t>
             </a:fld>
             <a:endParaRPr lang="en-US"/>
           </a:p>
@@ -1038,7 +1038,7 @@
           <a:p>
             <a:fld id="{42B10BCD-A866-B34B-B7E8-44C4BB9D2819}" type="datetimeFigureOut">
               <a:rPr lang="en-US" smtClean="0"/>
-              <a:t>5/23/25</a:t>
+              <a:t>6/2/25</a:t>
             </a:fld>
             <a:endParaRPr lang="en-US"/>
           </a:p>
@@ -1208,7 +1208,7 @@
           <a:p>
             <a:fld id="{42B10BCD-A866-B34B-B7E8-44C4BB9D2819}" type="datetimeFigureOut">
               <a:rPr lang="en-US" smtClean="0"/>
-              <a:t>5/23/25</a:t>
+              <a:t>6/2/25</a:t>
             </a:fld>
             <a:endParaRPr lang="en-US"/>
           </a:p>
@@ -1388,7 +1388,7 @@
           <a:p>
             <a:fld id="{42B10BCD-A866-B34B-B7E8-44C4BB9D2819}" type="datetimeFigureOut">
               <a:rPr lang="en-US" smtClean="0"/>
-              <a:t>5/23/25</a:t>
+              <a:t>6/2/25</a:t>
             </a:fld>
             <a:endParaRPr lang="en-US"/>
           </a:p>
@@ -1619,7 +1619,7 @@
           <a:p>
             <a:fld id="{42B10BCD-A866-B34B-B7E8-44C4BB9D2819}" type="datetimeFigureOut">
               <a:rPr lang="en-US" smtClean="0"/>
-              <a:t>5/23/25</a:t>
+              <a:t>6/2/25</a:t>
             </a:fld>
             <a:endParaRPr lang="en-US"/>
           </a:p>
@@ -1865,7 +1865,7 @@
           <a:p>
             <a:fld id="{42B10BCD-A866-B34B-B7E8-44C4BB9D2819}" type="datetimeFigureOut">
               <a:rPr lang="en-US" smtClean="0"/>
-              <a:t>5/23/25</a:t>
+              <a:t>6/2/25</a:t>
             </a:fld>
             <a:endParaRPr lang="en-US"/>
           </a:p>
@@ -2097,7 +2097,7 @@
           <a:p>
             <a:fld id="{42B10BCD-A866-B34B-B7E8-44C4BB9D2819}" type="datetimeFigureOut">
               <a:rPr lang="en-US" smtClean="0"/>
-              <a:t>5/23/25</a:t>
+              <a:t>6/2/25</a:t>
             </a:fld>
             <a:endParaRPr lang="en-US"/>
           </a:p>
@@ -2464,7 +2464,7 @@
           <a:p>
             <a:fld id="{42B10BCD-A866-B34B-B7E8-44C4BB9D2819}" type="datetimeFigureOut">
               <a:rPr lang="en-US" smtClean="0"/>
-              <a:t>5/23/25</a:t>
+              <a:t>6/2/25</a:t>
             </a:fld>
             <a:endParaRPr lang="en-US"/>
           </a:p>
@@ -2582,7 +2582,7 @@
           <a:p>
             <a:fld id="{42B10BCD-A866-B34B-B7E8-44C4BB9D2819}" type="datetimeFigureOut">
               <a:rPr lang="en-US" smtClean="0"/>
-              <a:t>5/23/25</a:t>
+              <a:t>6/2/25</a:t>
             </a:fld>
             <a:endParaRPr lang="en-US"/>
           </a:p>
@@ -2677,7 +2677,7 @@
           <a:p>
             <a:fld id="{42B10BCD-A866-B34B-B7E8-44C4BB9D2819}" type="datetimeFigureOut">
               <a:rPr lang="en-US" smtClean="0"/>
-              <a:t>5/23/25</a:t>
+              <a:t>6/2/25</a:t>
             </a:fld>
             <a:endParaRPr lang="en-US"/>
           </a:p>
@@ -2954,7 +2954,7 @@
           <a:p>
             <a:fld id="{42B10BCD-A866-B34B-B7E8-44C4BB9D2819}" type="datetimeFigureOut">
               <a:rPr lang="en-US" smtClean="0"/>
-              <a:t>5/23/25</a:t>
+              <a:t>6/2/25</a:t>
             </a:fld>
             <a:endParaRPr lang="en-US"/>
           </a:p>
@@ -3211,7 +3211,7 @@
           <a:p>
             <a:fld id="{42B10BCD-A866-B34B-B7E8-44C4BB9D2819}" type="datetimeFigureOut">
               <a:rPr lang="en-US" smtClean="0"/>
-              <a:t>5/23/25</a:t>
+              <a:t>6/2/25</a:t>
             </a:fld>
             <a:endParaRPr lang="en-US"/>
           </a:p>
@@ -3424,7 +3424,7 @@
           <a:p>
             <a:fld id="{42B10BCD-A866-B34B-B7E8-44C4BB9D2819}" type="datetimeFigureOut">
               <a:rPr lang="en-US" smtClean="0"/>
-              <a:t>5/23/25</a:t>
+              <a:t>6/2/25</a:t>
             </a:fld>
             <a:endParaRPr lang="en-US"/>
           </a:p>
@@ -4145,8 +4145,8 @@
         </p:nvSpPr>
         <p:spPr>
           <a:xfrm>
-            <a:off x="2293079" y="20874"/>
-            <a:ext cx="1592351" cy="200055"/>
+            <a:off x="2245791" y="20874"/>
+            <a:ext cx="1686928" cy="215444"/>
           </a:xfrm>
           <a:prstGeom prst="rect">
             <a:avLst/>
@@ -4161,7 +4161,7 @@
           <a:p>
             <a:pPr algn="ctr"/>
             <a:r>
-              <a:rPr lang="en-US" sz="1300" dirty="0">
+              <a:rPr lang="en-US" sz="1400" dirty="0">
                 <a:solidFill>
                   <a:schemeClr val="tx2">
                     <a:lumMod val="50000"/>
@@ -4172,7 +4172,7 @@
               <a:t>Shape of </a:t>
             </a:r>
             <a:r>
-              <a:rPr lang="en-US" sz="1300" i="1" dirty="0">
+              <a:rPr lang="en-US" sz="1400" i="1" dirty="0">
                 <a:solidFill>
                   <a:schemeClr val="tx2">
                     <a:lumMod val="50000"/>
@@ -4185,7 +4185,7 @@
               <a:t>m</a:t>
             </a:r>
             <a:r>
-              <a:rPr lang="en-US" sz="1300" i="1" baseline="-25000" dirty="0">
+              <a:rPr lang="en-US" sz="1400" i="1" baseline="-25000" dirty="0">
                 <a:solidFill>
                   <a:schemeClr val="tx2">
                     <a:lumMod val="50000"/>
@@ -4198,7 +4198,7 @@
               <a:t>1</a:t>
             </a:r>
             <a:r>
-              <a:rPr lang="en-US" sz="1300" dirty="0">
+              <a:rPr lang="en-US" sz="1400" dirty="0">
                 <a:solidFill>
                   <a:schemeClr val="tx2">
                     <a:lumMod val="50000"/>
@@ -4225,8 +4225,8 @@
         </p:nvSpPr>
         <p:spPr>
           <a:xfrm>
-            <a:off x="2730469" y="441288"/>
-            <a:ext cx="710996" cy="369332"/>
+            <a:off x="2730469" y="488271"/>
+            <a:ext cx="710996" cy="353943"/>
           </a:xfrm>
           <a:prstGeom prst="rect">
             <a:avLst/>
@@ -4241,17 +4241,17 @@
           <a:p>
             <a:pPr algn="ctr"/>
             <a:r>
-              <a:rPr lang="en-US" sz="1200" dirty="0"/>
+              <a:rPr lang="en-US" sz="1150" dirty="0"/>
               <a:t>peak at </a:t>
             </a:r>
           </a:p>
           <a:p>
             <a:pPr algn="ctr"/>
             <a:r>
-              <a:rPr lang="en-US" sz="1200" dirty="0"/>
+              <a:rPr lang="en-US" sz="1150" dirty="0"/>
               <a:t>34</a:t>
             </a:r>
-            <a:endParaRPr lang="en-US" sz="1200" baseline="-25000" dirty="0"/>
+            <a:endParaRPr lang="en-US" sz="1150" baseline="-25000" dirty="0"/>
           </a:p>
         </p:txBody>
       </p:sp>
@@ -4269,8 +4269,8 @@
         </p:nvSpPr>
         <p:spPr>
           <a:xfrm>
-            <a:off x="3450881" y="444476"/>
-            <a:ext cx="703579" cy="369332"/>
+            <a:off x="3450881" y="576756"/>
+            <a:ext cx="703579" cy="176972"/>
           </a:xfrm>
           <a:prstGeom prst="rect">
             <a:avLst/>
@@ -4285,15 +4285,8 @@
           <a:p>
             <a:pPr algn="ctr"/>
             <a:r>
-              <a:rPr lang="en-US" sz="1200" dirty="0"/>
-              <a:t>Sharp </a:t>
-            </a:r>
-          </a:p>
-          <a:p>
-            <a:pPr algn="ctr"/>
-            <a:r>
-              <a:rPr lang="en-US" sz="1200" dirty="0"/>
-              <a:t>drop</a:t>
+              <a:rPr lang="en-US" sz="1150" dirty="0"/>
+              <a:t> drop</a:t>
             </a:r>
           </a:p>
         </p:txBody>
@@ -4355,8 +4348,8 @@
         </p:nvSpPr>
         <p:spPr>
           <a:xfrm>
-            <a:off x="4194303" y="20874"/>
-            <a:ext cx="824512" cy="400110"/>
+            <a:off x="4165707" y="20874"/>
+            <a:ext cx="881707" cy="430887"/>
           </a:xfrm>
           <a:prstGeom prst="rect">
             <a:avLst/>
@@ -4371,7 +4364,7 @@
           <a:p>
             <a:pPr algn="ctr"/>
             <a:r>
-              <a:rPr lang="en-US" sz="1300" dirty="0">
+              <a:rPr lang="en-US" sz="1400" dirty="0">
                 <a:solidFill>
                   <a:srgbClr val="96BAC8"/>
                 </a:solidFill>
@@ -4383,7 +4376,7 @@
           <a:p>
             <a:pPr algn="ctr"/>
             <a:r>
-              <a:rPr lang="en-US" sz="1300" i="1" dirty="0">
+              <a:rPr lang="en-US" sz="1400" i="1" dirty="0">
                 <a:solidFill>
                   <a:srgbClr val="96BAC8"/>
                 </a:solidFill>
@@ -4395,8 +4388,8 @@
           </a:p>
         </p:txBody>
       </p:sp>
-      <mc:AlternateContent xmlns:mc="http://schemas.openxmlformats.org/markup-compatibility/2006" xmlns:a14="http://schemas.microsoft.com/office/drawing/2010/main">
-        <mc:Choice Requires="a14">
+      <mc:AlternateContent xmlns:mc="http://schemas.openxmlformats.org/markup-compatibility/2006">
+        <mc:Choice xmlns:a14="http://schemas.microsoft.com/office/drawing/2010/main" Requires="a14">
           <p:sp>
             <p:nvSpPr>
               <p:cNvPr id="20" name="TextBox 19">
@@ -4411,8 +4404,8 @@
             </p:nvSpPr>
             <p:spPr>
               <a:xfrm>
-                <a:off x="5215612" y="20874"/>
-                <a:ext cx="1035595" cy="400110"/>
+                <a:off x="5178102" y="20874"/>
+                <a:ext cx="1110616" cy="430887"/>
               </a:xfrm>
               <a:prstGeom prst="rect">
                 <a:avLst/>
@@ -4427,7 +4420,7 @@
               <a:p>
                 <a:pPr algn="ctr"/>
                 <a:r>
-                  <a:rPr lang="en-US" sz="1300" dirty="0">
+                  <a:rPr lang="en-US" sz="1400" dirty="0">
                     <a:solidFill>
                       <a:srgbClr val="EBBE67"/>
                     </a:solidFill>
@@ -4445,7 +4438,7 @@
                     </m:oMathParaPr>
                     <m:oMath xmlns:m="http://schemas.openxmlformats.org/officeDocument/2006/math">
                       <m:r>
-                        <a:rPr lang="en-US" sz="1300" i="1" smtClean="0">
+                        <a:rPr lang="en-US" sz="1400" i="1" smtClean="0">
                           <a:solidFill>
                             <a:srgbClr val="EBBE67"/>
                           </a:solidFill>
@@ -4458,7 +4451,7 @@
                         <m:rPr>
                           <m:sty m:val="p"/>
                         </m:rPr>
-                        <a:rPr lang="en-US" sz="1300" b="0" i="0" baseline="-25000" smtClean="0">
+                        <a:rPr lang="en-US" sz="1400" b="0" i="0" baseline="-25000" smtClean="0">
                           <a:solidFill>
                             <a:srgbClr val="EBBE67"/>
                           </a:solidFill>
@@ -4470,7 +4463,7 @@
                     </m:oMath>
                   </m:oMathPara>
                 </a14:m>
-                <a:endParaRPr lang="en-US" sz="1300" dirty="0">
+                <a:endParaRPr lang="en-US" sz="1400" dirty="0">
                   <a:solidFill>
                     <a:srgbClr val="EBBE67"/>
                   </a:solidFill>
@@ -4479,7 +4472,7 @@
             </p:txBody>
           </p:sp>
         </mc:Choice>
-        <mc:Fallback xmlns="">
+        <mc:Fallback>
           <p:sp>
             <p:nvSpPr>
               <p:cNvPr id="20" name="TextBox 19">
@@ -4496,8 +4489,8 @@
             </p:nvSpPr>
             <p:spPr>
               <a:xfrm>
-                <a:off x="5215612" y="20874"/>
-                <a:ext cx="1035595" cy="400110"/>
+                <a:off x="5178102" y="20874"/>
+                <a:ext cx="1110616" cy="430887"/>
               </a:xfrm>
               <a:prstGeom prst="rect">
                 <a:avLst/>
@@ -4505,7 +4498,7 @@
               <a:blipFill>
                 <a:blip r:embed="rId3"/>
                 <a:stretch>
-                  <a:fillRect l="-6024" t="-12121" r="-6024" b="-6061"/>
+                  <a:fillRect l="-5618" t="-11429" r="-5618" b="-11429"/>
                 </a:stretch>
               </a:blipFill>
             </p:spPr>
@@ -4524,8 +4517,8 @@
           </p:sp>
         </mc:Fallback>
       </mc:AlternateContent>
-      <mc:AlternateContent xmlns:mc="http://schemas.openxmlformats.org/markup-compatibility/2006" xmlns:a14="http://schemas.microsoft.com/office/drawing/2010/main">
-        <mc:Choice Requires="a14">
+      <mc:AlternateContent xmlns:mc="http://schemas.openxmlformats.org/markup-compatibility/2006">
+        <mc:Choice xmlns:a14="http://schemas.microsoft.com/office/drawing/2010/main" Requires="a14">
           <p:sp>
             <p:nvSpPr>
               <p:cNvPr id="21" name="TextBox 20">
@@ -4540,8 +4533,8 @@
             </p:nvSpPr>
             <p:spPr>
               <a:xfrm>
-                <a:off x="6445038" y="20874"/>
-                <a:ext cx="621956" cy="400110"/>
+                <a:off x="6423526" y="20874"/>
+                <a:ext cx="664981" cy="430887"/>
               </a:xfrm>
               <a:prstGeom prst="rect">
                 <a:avLst/>
@@ -4561,7 +4554,7 @@
                       <m:rPr>
                         <m:nor/>
                       </m:rPr>
-                      <a:rPr lang="en-US" sz="1300" i="1" dirty="0" smtClean="0">
+                      <a:rPr lang="en-US" sz="1400" i="1" dirty="0" smtClean="0">
                         <a:solidFill>
                           <a:srgbClr val="D0735B"/>
                         </a:solidFill>
@@ -4571,7 +4564,7 @@
                       <m:t>q</m:t>
                     </m:r>
                     <m:r>
-                      <a:rPr lang="en-US" sz="1300" b="0" i="1" dirty="0" smtClean="0">
+                      <a:rPr lang="en-US" sz="1400" b="0" i="1" dirty="0" smtClean="0">
                         <a:solidFill>
                           <a:srgbClr val="D0735B"/>
                         </a:solidFill>
@@ -4581,7 +4574,7 @@
                       <m:t>−</m:t>
                     </m:r>
                     <m:r>
-                      <a:rPr lang="en-US" sz="1300" i="1" smtClean="0">
+                      <a:rPr lang="en-US" sz="1400" i="1" smtClean="0">
                         <a:solidFill>
                           <a:srgbClr val="D0735B"/>
                         </a:solidFill>
@@ -4594,7 +4587,7 @@
                       <m:rPr>
                         <m:sty m:val="p"/>
                       </m:rPr>
-                      <a:rPr lang="en-US" sz="1300" b="0" i="0" baseline="-25000" smtClean="0">
+                      <a:rPr lang="en-US" sz="1400" b="0" i="0" baseline="-25000" smtClean="0">
                         <a:solidFill>
                           <a:srgbClr val="D0735B"/>
                         </a:solidFill>
@@ -4606,7 +4599,7 @@
                   </m:oMath>
                 </a14:m>
                 <a:r>
-                  <a:rPr lang="en-US" sz="1300" dirty="0">
+                  <a:rPr lang="en-US" sz="1400" dirty="0">
                     <a:solidFill>
                       <a:srgbClr val="D0735B"/>
                     </a:solidFill>
@@ -4617,7 +4610,7 @@
               <a:p>
                 <a:pPr algn="ctr"/>
                 <a:r>
-                  <a:rPr lang="en-US" sz="1300" dirty="0">
+                  <a:rPr lang="en-US" sz="1400" dirty="0">
                     <a:solidFill>
                       <a:srgbClr val="D0735B"/>
                     </a:solidFill>
@@ -4628,7 +4621,7 @@
             </p:txBody>
           </p:sp>
         </mc:Choice>
-        <mc:Fallback xmlns="">
+        <mc:Fallback>
           <p:sp>
             <p:nvSpPr>
               <p:cNvPr id="21" name="TextBox 20">
@@ -4645,8 +4638,8 @@
             </p:nvSpPr>
             <p:spPr>
               <a:xfrm>
-                <a:off x="6445038" y="20874"/>
-                <a:ext cx="621956" cy="400110"/>
+                <a:off x="6423526" y="20874"/>
+                <a:ext cx="664981" cy="430887"/>
               </a:xfrm>
               <a:prstGeom prst="rect">
                 <a:avLst/>
@@ -4654,7 +4647,7 @@
               <a:blipFill>
                 <a:blip r:embed="rId4"/>
                 <a:stretch>
-                  <a:fillRect l="-10000" r="-10000" b="-24242"/>
+                  <a:fillRect l="-9259" r="-9259" b="-25714"/>
                 </a:stretch>
               </a:blipFill>
             </p:spPr>
@@ -4687,8 +4680,8 @@
         </p:nvSpPr>
         <p:spPr>
           <a:xfrm>
-            <a:off x="4127902" y="490643"/>
-            <a:ext cx="957314" cy="276999"/>
+            <a:off x="4112290" y="526743"/>
+            <a:ext cx="988540" cy="276999"/>
           </a:xfrm>
           <a:prstGeom prst="rect">
             <a:avLst/>
@@ -4703,150 +4696,18 @@
           <a:p>
             <a:pPr algn="ctr"/>
             <a:r>
-              <a:rPr lang="en-US" sz="1200" dirty="0"/>
-              <a:t>equal mass</a:t>
+              <a:rPr lang="en-US" sz="1150" dirty="0"/>
+              <a:t>prefer equal</a:t>
             </a:r>
           </a:p>
         </p:txBody>
       </p:sp>
-      <mc:AlternateContent xmlns:mc="http://schemas.openxmlformats.org/markup-compatibility/2006" xmlns:a14="http://schemas.microsoft.com/office/drawing/2010/main">
-        <mc:Choice Requires="a14">
-          <p:sp>
-            <p:nvSpPr>
-              <p:cNvPr id="23" name="TextBox 22">
-                <a:extLst>
-                  <a:ext uri="{FF2B5EF4-FFF2-40B4-BE49-F238E27FC236}">
-                    <a16:creationId xmlns:a16="http://schemas.microsoft.com/office/drawing/2014/main" id="{A9E09463-FE70-08BC-25F1-025AC69B68A9}"/>
-                  </a:ext>
-                </a:extLst>
-              </p:cNvPr>
-              <p:cNvSpPr txBox="1"/>
-              <p:nvPr/>
-            </p:nvSpPr>
-            <p:spPr>
-              <a:xfrm>
-                <a:off x="5291865" y="490643"/>
-                <a:ext cx="939168" cy="276999"/>
-              </a:xfrm>
-              <a:prstGeom prst="rect">
-                <a:avLst/>
-              </a:prstGeom>
-              <a:noFill/>
-            </p:spPr>
-            <p:txBody>
-              <a:bodyPr wrap="none" rtlCol="0">
-                <a:spAutoFit/>
-              </a:bodyPr>
-              <a:lstStyle/>
-              <a:p>
-                <a:pPr algn="ctr"/>
-                <a:r>
-                  <a:rPr lang="en-US" sz="1200" dirty="0">
-                    <a:solidFill>
-                      <a:schemeClr val="tx1"/>
-                    </a:solidFill>
-                    <a:ea typeface="Cambria Math" panose="02040503050406030204" pitchFamily="18" charset="0"/>
-                  </a:rPr>
-                  <a:t>&lt;</a:t>
-                </a:r>
-                <a14:m>
-                  <m:oMath xmlns:m="http://schemas.openxmlformats.org/officeDocument/2006/math">
-                    <m:r>
-                      <a:rPr lang="en-US" sz="1200" i="1" smtClean="0">
-                        <a:solidFill>
-                          <a:schemeClr val="tx1"/>
-                        </a:solidFill>
-                        <a:latin typeface="Cambria Math" panose="02040503050406030204" pitchFamily="18" charset="0"/>
-                        <a:ea typeface="Cambria Math" panose="02040503050406030204" pitchFamily="18" charset="0"/>
-                      </a:rPr>
-                      <m:t>𝜒</m:t>
-                    </m:r>
-                    <m:r>
-                      <m:rPr>
-                        <m:sty m:val="p"/>
-                      </m:rPr>
-                      <a:rPr lang="en-US" sz="1200" b="0" i="0" baseline="-25000" smtClean="0">
-                        <a:solidFill>
-                          <a:schemeClr val="tx1"/>
-                        </a:solidFill>
-                        <a:latin typeface="Cambria Math" panose="02040503050406030204" pitchFamily="18" charset="0"/>
-                        <a:ea typeface="Cambria Math" panose="02040503050406030204" pitchFamily="18" charset="0"/>
-                      </a:rPr>
-                      <m:t>eff</m:t>
-                    </m:r>
-                  </m:oMath>
-                </a14:m>
-                <a:r>
-                  <a:rPr lang="en-US" sz="1200" dirty="0"/>
-                  <a:t>&gt; </a:t>
-                </a:r>
-                <a14:m>
-                  <m:oMath xmlns:m="http://schemas.openxmlformats.org/officeDocument/2006/math">
-                    <m:r>
-                      <a:rPr lang="en-US" sz="1200" i="1">
-                        <a:latin typeface="Cambria Math" panose="02040503050406030204" pitchFamily="18" charset="0"/>
-                        <a:ea typeface="Cambria Math" panose="02040503050406030204" pitchFamily="18" charset="0"/>
-                      </a:rPr>
-                      <m:t>≈0.1</m:t>
-                    </m:r>
-                  </m:oMath>
-                </a14:m>
-                <a:endParaRPr lang="en-US" sz="1200" dirty="0"/>
-              </a:p>
-            </p:txBody>
-          </p:sp>
-        </mc:Choice>
-        <mc:Fallback xmlns="">
-          <p:sp>
-            <p:nvSpPr>
-              <p:cNvPr id="23" name="TextBox 22">
-                <a:extLst>
-                  <a:ext uri="{FF2B5EF4-FFF2-40B4-BE49-F238E27FC236}">
-                    <a16:creationId xmlns:a16="http://schemas.microsoft.com/office/drawing/2014/main" id="{A9E09463-FE70-08BC-25F1-025AC69B68A9}"/>
-                  </a:ext>
-                </a:extLst>
-              </p:cNvPr>
-              <p:cNvSpPr txBox="1">
-                <a:spLocks noRot="1" noChangeAspect="1" noMove="1" noResize="1" noEditPoints="1" noAdjustHandles="1" noChangeArrowheads="1" noChangeShapeType="1" noTextEdit="1"/>
-              </p:cNvSpPr>
-              <p:nvPr/>
-            </p:nvSpPr>
-            <p:spPr>
-              <a:xfrm>
-                <a:off x="5291865" y="490643"/>
-                <a:ext cx="939168" cy="276999"/>
-              </a:xfrm>
-              <a:prstGeom prst="rect">
-                <a:avLst/>
-              </a:prstGeom>
-              <a:blipFill>
-                <a:blip r:embed="rId5"/>
-                <a:stretch>
-                  <a:fillRect b="-13043"/>
-                </a:stretch>
-              </a:blipFill>
-            </p:spPr>
-            <p:txBody>
-              <a:bodyPr/>
-              <a:lstStyle/>
-              <a:p>
-                <a:r>
-                  <a:rPr lang="en-US">
-                    <a:noFill/>
-                  </a:rPr>
-                  <a:t> </a:t>
-                </a:r>
-              </a:p>
-            </p:txBody>
-          </p:sp>
-        </mc:Fallback>
-      </mc:AlternateContent>
       <p:sp>
         <p:nvSpPr>
-          <p:cNvPr id="24" name="TextBox 23">
+          <p:cNvPr id="23" name="TextBox 22">
             <a:extLst>
               <a:ext uri="{FF2B5EF4-FFF2-40B4-BE49-F238E27FC236}">
-                <a16:creationId xmlns:a16="http://schemas.microsoft.com/office/drawing/2014/main" id="{CF613851-74A8-EF39-F11D-36A4882A1905}"/>
+                <a16:creationId xmlns:a16="http://schemas.microsoft.com/office/drawing/2014/main" id="{A9E09463-FE70-08BC-25F1-025AC69B68A9}"/>
               </a:ext>
             </a:extLst>
           </p:cNvPr>
@@ -4855,8 +4716,56 @@
         </p:nvSpPr>
         <p:spPr>
           <a:xfrm>
-            <a:off x="7321820" y="20874"/>
-            <a:ext cx="880425" cy="200055"/>
+            <a:off x="5140287" y="526743"/>
+            <a:ext cx="1242328" cy="276999"/>
+          </a:xfrm>
+          <a:prstGeom prst="rect">
+            <a:avLst/>
+          </a:prstGeom>
+          <a:noFill/>
+        </p:spPr>
+        <p:txBody>
+          <a:bodyPr wrap="none" rtlCol="0">
+            <a:spAutoFit/>
+          </a:bodyPr>
+          <a:lstStyle/>
+          <a:p>
+            <a:pPr algn="ctr"/>
+            <a:r>
+              <a:rPr lang="en-US" sz="1150" dirty="0">
+                <a:ea typeface="Cambria Math" panose="02040503050406030204" pitchFamily="18" charset="0"/>
+              </a:rPr>
+              <a:t>s</a:t>
+            </a:r>
+            <a:r>
+              <a:rPr lang="en-US" sz="1150" dirty="0">
+                <a:solidFill>
+                  <a:schemeClr val="tx1"/>
+                </a:solidFill>
+                <a:ea typeface="Cambria Math" panose="02040503050406030204" pitchFamily="18" charset="0"/>
+              </a:rPr>
+              <a:t>kewed positive</a:t>
+            </a:r>
+            <a:endParaRPr lang="en-US" sz="1150" dirty="0"/>
+          </a:p>
+        </p:txBody>
+      </p:sp>
+      <p:sp>
+        <p:nvSpPr>
+          <p:cNvPr id="24" name="TextBox 23">
+            <a:extLst>
+              <a:ext uri="{FF2B5EF4-FFF2-40B4-BE49-F238E27FC236}">
+                <a16:creationId xmlns:a16="http://schemas.microsoft.com/office/drawing/2014/main" id="{CF613851-74A8-EF39-F11D-36A4882A1905}"/>
+              </a:ext>
+            </a:extLst>
+          </p:cNvPr>
+          <p:cNvSpPr txBox="1"/>
+          <p:nvPr/>
+        </p:nvSpPr>
+        <p:spPr>
+          <a:xfrm>
+            <a:off x="7288221" y="20874"/>
+            <a:ext cx="947623" cy="215444"/>
           </a:xfrm>
           <a:prstGeom prst="rect">
             <a:avLst/>
@@ -4871,7 +4780,7 @@
           <a:p>
             <a:pPr algn="ctr"/>
             <a:r>
-              <a:rPr lang="en-US" sz="1300" i="1" dirty="0">
+              <a:rPr lang="en-US" sz="1400" i="1" dirty="0">
                 <a:solidFill>
                   <a:srgbClr val="CA2143"/>
                 </a:solidFill>
@@ -4881,7 +4790,7 @@
               <a:t>z</a:t>
             </a:r>
             <a:r>
-              <a:rPr lang="en-US" sz="1300" dirty="0">
+              <a:rPr lang="en-US" sz="1400" dirty="0">
                 <a:solidFill>
                   <a:srgbClr val="CA2143"/>
                 </a:solidFill>
@@ -4905,8 +4814,8 @@
         </p:nvSpPr>
         <p:spPr>
           <a:xfrm>
-            <a:off x="2012868" y="442645"/>
-            <a:ext cx="703580" cy="369332"/>
+            <a:off x="2029312" y="576756"/>
+            <a:ext cx="703580" cy="176972"/>
           </a:xfrm>
           <a:prstGeom prst="rect">
             <a:avLst/>
@@ -4921,15 +4830,8 @@
           <a:p>
             <a:pPr algn="ctr"/>
             <a:r>
-              <a:rPr lang="en-US" sz="1200" dirty="0"/>
-              <a:t>(shallow)</a:t>
-            </a:r>
-          </a:p>
-          <a:p>
-            <a:pPr algn="ctr"/>
-            <a:r>
-              <a:rPr lang="en-US" sz="1200" dirty="0"/>
-              <a:t>rise</a:t>
+              <a:rPr lang="en-US" sz="1150" dirty="0"/>
+              <a:t>flat/rise</a:t>
             </a:r>
           </a:p>
         </p:txBody>
@@ -4949,7 +4851,7 @@
           <p:nvPr/>
         </p:nvPicPr>
         <p:blipFill rotWithShape="1">
-          <a:blip r:embed="rId6"/>
+          <a:blip r:embed="rId5"/>
           <a:srcRect l="23131" t="62423" r="58018" b="11058"/>
           <a:stretch/>
         </p:blipFill>
@@ -5827,7 +5729,7 @@
         <p:spPr>
           <a:xfrm>
             <a:off x="1212022" y="892148"/>
-            <a:ext cx="704039" cy="261610"/>
+            <a:ext cx="849913" cy="261610"/>
           </a:xfrm>
           <a:prstGeom prst="rect">
             <a:avLst/>
@@ -5842,7 +5744,7 @@
           <a:p>
             <a:r>
               <a:rPr lang="en-US" sz="1100" dirty="0"/>
-              <a:t>I) Pile up</a:t>
+              <a:t>I) Standard</a:t>
             </a:r>
           </a:p>
         </p:txBody>
@@ -5862,7 +5764,7 @@
         <p:spPr>
           <a:xfrm>
             <a:off x="1192714" y="1285045"/>
-            <a:ext cx="869149" cy="261610"/>
+            <a:ext cx="880369" cy="261610"/>
           </a:xfrm>
           <a:prstGeom prst="rect">
             <a:avLst/>
@@ -5877,7 +5779,7 @@
           <a:p>
             <a:r>
               <a:rPr lang="en-US" sz="1100" dirty="0"/>
-              <a:t>II) shoulder</a:t>
+              <a:t>II) Shoulder</a:t>
             </a:r>
           </a:p>
         </p:txBody>
@@ -5931,7 +5833,7 @@
         </p:nvSpPr>
         <p:spPr>
           <a:xfrm>
-            <a:off x="-1322" y="1982277"/>
+            <a:off x="-1323" y="3954872"/>
             <a:ext cx="1445682" cy="200055"/>
           </a:xfrm>
           <a:prstGeom prst="rect">
@@ -5974,7 +5876,7 @@
         </p:nvGrpSpPr>
         <p:grpSpPr>
           <a:xfrm rot="4900185">
-            <a:off x="342110" y="2223192"/>
+            <a:off x="342109" y="4195787"/>
             <a:ext cx="711311" cy="691395"/>
             <a:chOff x="7859369" y="1870318"/>
             <a:chExt cx="1397910" cy="1272012"/>
@@ -8035,8 +7937,8 @@
         </p:nvSpPr>
         <p:spPr>
           <a:xfrm>
-            <a:off x="6352417" y="498337"/>
-            <a:ext cx="968534" cy="261610"/>
+            <a:off x="6351618" y="442104"/>
+            <a:ext cx="970137" cy="446276"/>
           </a:xfrm>
           <a:prstGeom prst="rect">
             <a:avLst/>
@@ -8051,8 +7953,15 @@
           <a:p>
             <a:pPr algn="ctr"/>
             <a:r>
-              <a:rPr lang="en-US" sz="1100" dirty="0"/>
-              <a:t>unconfirmed</a:t>
+              <a:rPr lang="en-US" sz="1150" dirty="0"/>
+              <a:t>small slope/</a:t>
+            </a:r>
+          </a:p>
+          <a:p>
+            <a:pPr algn="ctr"/>
+            <a:r>
+              <a:rPr lang="en-US" sz="1150" dirty="0"/>
+              <a:t>narrow</a:t>
             </a:r>
           </a:p>
         </p:txBody>
@@ -8071,8 +7980,8 @@
         </p:nvSpPr>
         <p:spPr>
           <a:xfrm>
-            <a:off x="7431236" y="498337"/>
-            <a:ext cx="710451" cy="261610"/>
+            <a:off x="7418412" y="530590"/>
+            <a:ext cx="736099" cy="269304"/>
           </a:xfrm>
           <a:prstGeom prst="rect">
             <a:avLst/>
@@ -8087,7 +7996,7 @@
           <a:p>
             <a:pPr algn="ctr"/>
             <a:r>
-              <a:rPr lang="en-US" sz="1100" dirty="0"/>
+              <a:rPr lang="en-US" sz="1150" dirty="0"/>
               <a:t>with SFR</a:t>
             </a:r>
           </a:p>
@@ -8109,7 +8018,7 @@
         </p:nvCxnSpPr>
         <p:spPr>
           <a:xfrm flipH="1">
-            <a:off x="4140200" y="-8128"/>
+            <a:off x="4091711" y="-8128"/>
             <a:ext cx="9087" cy="5820977"/>
           </a:xfrm>
           <a:prstGeom prst="line">
@@ -8277,12 +8186,864 @@
           </a:fontRef>
         </p:style>
       </p:cxnSp>
+      <p:sp>
+        <p:nvSpPr>
+          <p:cNvPr id="154" name="TextBox 153">
+            <a:extLst>
+              <a:ext uri="{FF2B5EF4-FFF2-40B4-BE49-F238E27FC236}">
+                <a16:creationId xmlns:a16="http://schemas.microsoft.com/office/drawing/2014/main" id="{FAC9C6D5-9018-957D-DEAB-0011A2ED8A22}"/>
+              </a:ext>
+            </a:extLst>
+          </p:cNvPr>
+          <p:cNvSpPr txBox="1"/>
+          <p:nvPr/>
+        </p:nvSpPr>
+        <p:spPr>
+          <a:xfrm>
+            <a:off x="-1322" y="4943475"/>
+            <a:ext cx="857680" cy="229344"/>
+          </a:xfrm>
+          <a:prstGeom prst="rect">
+            <a:avLst/>
+          </a:prstGeom>
+        </p:spPr>
+        <p:txBody>
+          <a:bodyPr wrap="square" lIns="0" tIns="0" rIns="0" bIns="0" rtlCol="0">
+            <a:noAutofit/>
+          </a:bodyPr>
+          <a:lstStyle/>
+          <a:p>
+            <a:pPr>
+              <a:defRPr/>
+            </a:pPr>
+            <a:r>
+              <a:rPr lang="en-GB" sz="1300" b="1" dirty="0">
+                <a:solidFill>
+                  <a:srgbClr val="000000"/>
+                </a:solidFill>
+                <a:latin typeface="Calibri" panose="020F0502020204030204"/>
+              </a:rPr>
+              <a:t>  Pop III</a:t>
+            </a:r>
+            <a:endParaRPr lang="en-GB" sz="1300" b="1" u="sng" dirty="0">
+              <a:solidFill>
+                <a:srgbClr val="000000"/>
+              </a:solidFill>
+              <a:latin typeface="Calibri" panose="020F0502020204030204"/>
+            </a:endParaRPr>
+          </a:p>
+        </p:txBody>
+      </p:sp>
+      <p:cxnSp>
+        <p:nvCxnSpPr>
+          <p:cNvPr id="157" name="Straight Connector 156">
+            <a:extLst>
+              <a:ext uri="{FF2B5EF4-FFF2-40B4-BE49-F238E27FC236}">
+                <a16:creationId xmlns:a16="http://schemas.microsoft.com/office/drawing/2014/main" id="{D900D7DE-C6B5-4E8D-251A-733C3C69953E}"/>
+              </a:ext>
+            </a:extLst>
+          </p:cNvPr>
+          <p:cNvCxnSpPr>
+            <a:cxnSpLocks/>
+          </p:cNvCxnSpPr>
+          <p:nvPr/>
+        </p:nvCxnSpPr>
+        <p:spPr>
+          <a:xfrm>
+            <a:off x="2736239" y="818060"/>
+            <a:ext cx="0" cy="5005390"/>
+          </a:xfrm>
+          <a:prstGeom prst="line">
+            <a:avLst/>
+          </a:prstGeom>
+          <a:ln w="6350">
+            <a:solidFill>
+              <a:schemeClr val="tx1">
+                <a:lumMod val="50000"/>
+                <a:lumOff val="50000"/>
+              </a:schemeClr>
+            </a:solidFill>
+          </a:ln>
+        </p:spPr>
+        <p:style>
+          <a:lnRef idx="2">
+            <a:schemeClr val="accent1"/>
+          </a:lnRef>
+          <a:fillRef idx="0">
+            <a:schemeClr val="accent1"/>
+          </a:fillRef>
+          <a:effectRef idx="1">
+            <a:schemeClr val="accent1"/>
+          </a:effectRef>
+          <a:fontRef idx="minor">
+            <a:schemeClr val="tx1"/>
+          </a:fontRef>
+        </p:style>
+      </p:cxnSp>
+      <p:cxnSp>
+        <p:nvCxnSpPr>
+          <p:cNvPr id="159" name="Straight Connector 158">
+            <a:extLst>
+              <a:ext uri="{FF2B5EF4-FFF2-40B4-BE49-F238E27FC236}">
+                <a16:creationId xmlns:a16="http://schemas.microsoft.com/office/drawing/2014/main" id="{ABB536B2-F4D6-A64D-659A-A73780950D97}"/>
+              </a:ext>
+            </a:extLst>
+          </p:cNvPr>
+          <p:cNvCxnSpPr>
+            <a:cxnSpLocks/>
+          </p:cNvCxnSpPr>
+          <p:nvPr/>
+        </p:nvCxnSpPr>
+        <p:spPr>
+          <a:xfrm flipH="1">
+            <a:off x="3425558" y="818060"/>
+            <a:ext cx="25323" cy="4995309"/>
+          </a:xfrm>
+          <a:prstGeom prst="line">
+            <a:avLst/>
+          </a:prstGeom>
+          <a:ln w="6350">
+            <a:solidFill>
+              <a:schemeClr val="tx1">
+                <a:lumMod val="50000"/>
+                <a:lumOff val="50000"/>
+              </a:schemeClr>
+            </a:solidFill>
+          </a:ln>
+        </p:spPr>
+        <p:style>
+          <a:lnRef idx="2">
+            <a:schemeClr val="accent1"/>
+          </a:lnRef>
+          <a:fillRef idx="0">
+            <a:schemeClr val="accent1"/>
+          </a:fillRef>
+          <a:effectRef idx="1">
+            <a:schemeClr val="accent1"/>
+          </a:effectRef>
+          <a:fontRef idx="minor">
+            <a:schemeClr val="tx1"/>
+          </a:fontRef>
+        </p:style>
+      </p:cxnSp>
+      <p:cxnSp>
+        <p:nvCxnSpPr>
+          <p:cNvPr id="161" name="Straight Connector 160">
+            <a:extLst>
+              <a:ext uri="{FF2B5EF4-FFF2-40B4-BE49-F238E27FC236}">
+                <a16:creationId xmlns:a16="http://schemas.microsoft.com/office/drawing/2014/main" id="{91C01683-5B38-19E6-C4D9-C0135BC13293}"/>
+              </a:ext>
+            </a:extLst>
+          </p:cNvPr>
+          <p:cNvCxnSpPr>
+            <a:cxnSpLocks/>
+          </p:cNvCxnSpPr>
+          <p:nvPr/>
+        </p:nvCxnSpPr>
+        <p:spPr>
+          <a:xfrm>
+            <a:off x="2061863" y="1205500"/>
+            <a:ext cx="6233480" cy="0"/>
+          </a:xfrm>
+          <a:prstGeom prst="line">
+            <a:avLst/>
+          </a:prstGeom>
+          <a:ln w="6350">
+            <a:solidFill>
+              <a:schemeClr val="tx1">
+                <a:lumMod val="50000"/>
+                <a:lumOff val="50000"/>
+              </a:schemeClr>
+            </a:solidFill>
+            <a:prstDash val="lgDash"/>
+          </a:ln>
+        </p:spPr>
+        <p:style>
+          <a:lnRef idx="2">
+            <a:schemeClr val="accent1"/>
+          </a:lnRef>
+          <a:fillRef idx="0">
+            <a:schemeClr val="accent1"/>
+          </a:fillRef>
+          <a:effectRef idx="1">
+            <a:schemeClr val="accent1"/>
+          </a:effectRef>
+          <a:fontRef idx="minor">
+            <a:schemeClr val="tx1"/>
+          </a:fontRef>
+        </p:style>
+      </p:cxnSp>
+      <p:cxnSp>
+        <p:nvCxnSpPr>
+          <p:cNvPr id="164" name="Straight Connector 163">
+            <a:extLst>
+              <a:ext uri="{FF2B5EF4-FFF2-40B4-BE49-F238E27FC236}">
+                <a16:creationId xmlns:a16="http://schemas.microsoft.com/office/drawing/2014/main" id="{6D630679-4C53-AEA9-F113-249CA4D6E2D2}"/>
+              </a:ext>
+            </a:extLst>
+          </p:cNvPr>
+          <p:cNvCxnSpPr>
+            <a:cxnSpLocks/>
+          </p:cNvCxnSpPr>
+          <p:nvPr/>
+        </p:nvCxnSpPr>
+        <p:spPr>
+          <a:xfrm>
+            <a:off x="2042637" y="1588560"/>
+            <a:ext cx="6233480" cy="0"/>
+          </a:xfrm>
+          <a:prstGeom prst="line">
+            <a:avLst/>
+          </a:prstGeom>
+          <a:ln w="6350">
+            <a:solidFill>
+              <a:schemeClr val="tx1">
+                <a:lumMod val="50000"/>
+                <a:lumOff val="50000"/>
+              </a:schemeClr>
+            </a:solidFill>
+            <a:prstDash val="lgDash"/>
+          </a:ln>
+        </p:spPr>
+        <p:style>
+          <a:lnRef idx="2">
+            <a:schemeClr val="accent1"/>
+          </a:lnRef>
+          <a:fillRef idx="0">
+            <a:schemeClr val="accent1"/>
+          </a:fillRef>
+          <a:effectRef idx="1">
+            <a:schemeClr val="accent1"/>
+          </a:effectRef>
+          <a:fontRef idx="minor">
+            <a:schemeClr val="tx1"/>
+          </a:fontRef>
+        </p:style>
+      </p:cxnSp>
+      <p:pic>
+        <p:nvPicPr>
+          <p:cNvPr id="1053" name="Picture 1052" descr="A black background with a black square&#10;&#10;AI-generated content may be incorrect.">
+            <a:extLst>
+              <a:ext uri="{FF2B5EF4-FFF2-40B4-BE49-F238E27FC236}">
+                <a16:creationId xmlns:a16="http://schemas.microsoft.com/office/drawing/2014/main" id="{7585B7E8-0B34-70F7-A922-8A11AE5906F3}"/>
+              </a:ext>
+            </a:extLst>
+          </p:cNvPr>
+          <p:cNvPicPr>
+            <a:picLocks noChangeAspect="1"/>
+          </p:cNvPicPr>
+          <p:nvPr/>
+        </p:nvPicPr>
+        <p:blipFill>
+          <a:blip r:embed="rId6"/>
+          <a:stretch>
+            <a:fillRect/>
+          </a:stretch>
+        </p:blipFill>
+        <p:spPr>
+          <a:xfrm>
+            <a:off x="335941" y="4992200"/>
+            <a:ext cx="1330476" cy="782523"/>
+          </a:xfrm>
+          <a:prstGeom prst="rect">
+            <a:avLst/>
+          </a:prstGeom>
+        </p:spPr>
+      </p:pic>
+      <p:pic>
+        <p:nvPicPr>
+          <p:cNvPr id="1055" name="Graphic 1054" descr="Stars outline">
+            <a:extLst>
+              <a:ext uri="{FF2B5EF4-FFF2-40B4-BE49-F238E27FC236}">
+                <a16:creationId xmlns:a16="http://schemas.microsoft.com/office/drawing/2014/main" id="{7DBCC7C7-5859-6EB2-382C-0EDB2FD5C8C0}"/>
+              </a:ext>
+            </a:extLst>
+          </p:cNvPr>
+          <p:cNvPicPr>
+            <a:picLocks noChangeAspect="1"/>
+          </p:cNvPicPr>
+          <p:nvPr/>
+        </p:nvPicPr>
+        <p:blipFill>
+          <a:blip r:embed="rId7">
+            <a:extLst>
+              <a:ext uri="{96DAC541-7B7A-43D3-8B79-37D633B846F1}">
+                <asvg:svgBlip xmlns:asvg="http://schemas.microsoft.com/office/drawing/2016/SVG/main" r:embed="rId8"/>
+              </a:ext>
+            </a:extLst>
+          </a:blip>
+          <a:stretch>
+            <a:fillRect/>
+          </a:stretch>
+        </p:blipFill>
+        <p:spPr>
+          <a:xfrm>
+            <a:off x="550610" y="4929156"/>
+            <a:ext cx="427733" cy="427733"/>
+          </a:xfrm>
+          <a:prstGeom prst="rect">
+            <a:avLst/>
+          </a:prstGeom>
+        </p:spPr>
+      </p:pic>
+      <p:pic>
+        <p:nvPicPr>
+          <p:cNvPr id="1059" name="Graphic 1058" descr="Checkmark with solid fill">
+            <a:extLst>
+              <a:ext uri="{FF2B5EF4-FFF2-40B4-BE49-F238E27FC236}">
+                <a16:creationId xmlns:a16="http://schemas.microsoft.com/office/drawing/2014/main" id="{97895D4E-0E42-54B3-0D4A-9BF90F2FCA41}"/>
+              </a:ext>
+            </a:extLst>
+          </p:cNvPr>
+          <p:cNvPicPr>
+            <a:picLocks noChangeAspect="1"/>
+          </p:cNvPicPr>
+          <p:nvPr/>
+        </p:nvPicPr>
+        <p:blipFill>
+          <a:blip r:embed="rId9">
+            <a:extLst>
+              <a:ext uri="{96DAC541-7B7A-43D3-8B79-37D633B846F1}">
+                <asvg:svgBlip xmlns:asvg="http://schemas.microsoft.com/office/drawing/2016/SVG/main" r:embed="rId10"/>
+              </a:ext>
+            </a:extLst>
+          </a:blip>
+          <a:stretch>
+            <a:fillRect/>
+          </a:stretch>
+        </p:blipFill>
+        <p:spPr>
+          <a:xfrm>
+            <a:off x="3610459" y="846118"/>
+            <a:ext cx="332400" cy="332400"/>
+          </a:xfrm>
+          <a:prstGeom prst="rect">
+            <a:avLst/>
+          </a:prstGeom>
+        </p:spPr>
+      </p:pic>
+      <p:pic>
+        <p:nvPicPr>
+          <p:cNvPr id="1061" name="Graphic 1060" descr="Close with solid fill">
+            <a:extLst>
+              <a:ext uri="{FF2B5EF4-FFF2-40B4-BE49-F238E27FC236}">
+                <a16:creationId xmlns:a16="http://schemas.microsoft.com/office/drawing/2014/main" id="{57797A67-C548-E8A2-BE56-49C4B4E1A2AC}"/>
+              </a:ext>
+            </a:extLst>
+          </p:cNvPr>
+          <p:cNvPicPr>
+            <a:picLocks noChangeAspect="1"/>
+          </p:cNvPicPr>
+          <p:nvPr/>
+        </p:nvPicPr>
+        <p:blipFill>
+          <a:blip r:embed="rId11">
+            <a:extLst>
+              <a:ext uri="{96DAC541-7B7A-43D3-8B79-37D633B846F1}">
+                <asvg:svgBlip xmlns:asvg="http://schemas.microsoft.com/office/drawing/2016/SVG/main" r:embed="rId12"/>
+              </a:ext>
+            </a:extLst>
+          </a:blip>
+          <a:stretch>
+            <a:fillRect/>
+          </a:stretch>
+        </p:blipFill>
+        <p:spPr>
+          <a:xfrm>
+            <a:off x="2935210" y="839089"/>
+            <a:ext cx="350688" cy="350688"/>
+          </a:xfrm>
+          <a:prstGeom prst="rect">
+            <a:avLst/>
+          </a:prstGeom>
+        </p:spPr>
+      </p:pic>
+      <p:sp>
+        <p:nvSpPr>
+          <p:cNvPr id="2" name="TextBox 1">
+            <a:extLst>
+              <a:ext uri="{FF2B5EF4-FFF2-40B4-BE49-F238E27FC236}">
+                <a16:creationId xmlns:a16="http://schemas.microsoft.com/office/drawing/2014/main" id="{86E5FCD2-7E9F-8504-DBC5-0AC39E01CC36}"/>
+              </a:ext>
+            </a:extLst>
+          </p:cNvPr>
+          <p:cNvSpPr txBox="1"/>
+          <p:nvPr/>
+        </p:nvSpPr>
+        <p:spPr>
+          <a:xfrm>
+            <a:off x="7580453" y="1852151"/>
+            <a:ext cx="384924" cy="738664"/>
+          </a:xfrm>
+          <a:prstGeom prst="rect">
+            <a:avLst/>
+          </a:prstGeom>
+          <a:noFill/>
+        </p:spPr>
+        <p:txBody>
+          <a:bodyPr wrap="square" lIns="0" tIns="0" rIns="0" bIns="0" rtlCol="0" anchor="ctr">
+            <a:spAutoFit/>
+          </a:bodyPr>
+          <a:lstStyle/>
+          <a:p>
+            <a:pPr algn="ctr"/>
+            <a:r>
+              <a:rPr lang="en-US" sz="4800" dirty="0">
+                <a:latin typeface="Latin Modern Math" panose="02000503000000000000" pitchFamily="2" charset="77"/>
+                <a:ea typeface="Latin Modern Math" panose="02000503000000000000" pitchFamily="2" charset="77"/>
+              </a:rPr>
+              <a:t>~</a:t>
+            </a:r>
+            <a:endParaRPr lang="en-US" sz="2800" dirty="0">
+              <a:latin typeface="Latin Modern Math" panose="02000503000000000000" pitchFamily="2" charset="77"/>
+              <a:ea typeface="Latin Modern Math" panose="02000503000000000000" pitchFamily="2" charset="77"/>
+            </a:endParaRPr>
+          </a:p>
+        </p:txBody>
+      </p:sp>
+      <p:sp>
+        <p:nvSpPr>
+          <p:cNvPr id="7" name="TextBox 6">
+            <a:extLst>
+              <a:ext uri="{FF2B5EF4-FFF2-40B4-BE49-F238E27FC236}">
+                <a16:creationId xmlns:a16="http://schemas.microsoft.com/office/drawing/2014/main" id="{2DE6D9EA-2477-ECA0-E3E5-01F8F05111F5}"/>
+              </a:ext>
+            </a:extLst>
+          </p:cNvPr>
+          <p:cNvSpPr txBox="1"/>
+          <p:nvPr/>
+        </p:nvSpPr>
+        <p:spPr>
+          <a:xfrm>
+            <a:off x="7557983" y="2534324"/>
+            <a:ext cx="429865" cy="430887"/>
+          </a:xfrm>
+          <a:prstGeom prst="rect">
+            <a:avLst/>
+          </a:prstGeom>
+          <a:noFill/>
+        </p:spPr>
+        <p:txBody>
+          <a:bodyPr wrap="square" lIns="0" tIns="0" rIns="0" bIns="0" rtlCol="0" anchor="ctr">
+            <a:spAutoFit/>
+          </a:bodyPr>
+          <a:lstStyle/>
+          <a:p>
+            <a:pPr algn="ctr"/>
+            <a:r>
+              <a:rPr lang="en-US" sz="2800" dirty="0">
+                <a:solidFill>
+                  <a:srgbClr val="FF0000"/>
+                </a:solidFill>
+                <a:latin typeface="Latin Modern Math" panose="02000503000000000000" pitchFamily="2" charset="77"/>
+                <a:ea typeface="Latin Modern Math" panose="02000503000000000000" pitchFamily="2" charset="77"/>
+              </a:rPr>
+              <a:t>?</a:t>
+            </a:r>
+            <a:endParaRPr lang="en-US" sz="1400" dirty="0">
+              <a:solidFill>
+                <a:srgbClr val="FF0000"/>
+              </a:solidFill>
+              <a:latin typeface="Latin Modern Math" panose="02000503000000000000" pitchFamily="2" charset="77"/>
+              <a:ea typeface="Latin Modern Math" panose="02000503000000000000" pitchFamily="2" charset="77"/>
+            </a:endParaRPr>
+          </a:p>
+        </p:txBody>
+      </p:sp>
+      <p:pic>
+        <p:nvPicPr>
+          <p:cNvPr id="16" name="Graphic 15" descr="Close with solid fill">
+            <a:extLst>
+              <a:ext uri="{FF2B5EF4-FFF2-40B4-BE49-F238E27FC236}">
+                <a16:creationId xmlns:a16="http://schemas.microsoft.com/office/drawing/2014/main" id="{BDD0EB3D-AB10-146A-032D-F92F6430D149}"/>
+              </a:ext>
+            </a:extLst>
+          </p:cNvPr>
+          <p:cNvPicPr>
+            <a:picLocks noChangeAspect="1"/>
+          </p:cNvPicPr>
+          <p:nvPr/>
+        </p:nvPicPr>
+        <p:blipFill>
+          <a:blip r:embed="rId11">
+            <a:extLst>
+              <a:ext uri="{96DAC541-7B7A-43D3-8B79-37D633B846F1}">
+                <asvg:svgBlip xmlns:asvg="http://schemas.microsoft.com/office/drawing/2016/SVG/main" r:embed="rId12"/>
+              </a:ext>
+            </a:extLst>
+          </a:blip>
+          <a:stretch>
+            <a:fillRect/>
+          </a:stretch>
+        </p:blipFill>
+        <p:spPr>
+          <a:xfrm>
+            <a:off x="3601315" y="1218625"/>
+            <a:ext cx="350688" cy="350688"/>
+          </a:xfrm>
+          <a:prstGeom prst="rect">
+            <a:avLst/>
+          </a:prstGeom>
+        </p:spPr>
+      </p:pic>
+      <p:sp>
+        <p:nvSpPr>
+          <p:cNvPr id="17" name="TextBox 16">
+            <a:extLst>
+              <a:ext uri="{FF2B5EF4-FFF2-40B4-BE49-F238E27FC236}">
+                <a16:creationId xmlns:a16="http://schemas.microsoft.com/office/drawing/2014/main" id="{FC5D85EE-D159-FBBF-D51B-3674F73D053C}"/>
+              </a:ext>
+            </a:extLst>
+          </p:cNvPr>
+          <p:cNvSpPr txBox="1"/>
+          <p:nvPr/>
+        </p:nvSpPr>
+        <p:spPr>
+          <a:xfrm>
+            <a:off x="4374537" y="3251060"/>
+            <a:ext cx="384924" cy="738664"/>
+          </a:xfrm>
+          <a:prstGeom prst="rect">
+            <a:avLst/>
+          </a:prstGeom>
+          <a:noFill/>
+        </p:spPr>
+        <p:txBody>
+          <a:bodyPr wrap="square" lIns="0" tIns="0" rIns="0" bIns="0" rtlCol="0" anchor="ctr">
+            <a:spAutoFit/>
+          </a:bodyPr>
+          <a:lstStyle/>
+          <a:p>
+            <a:pPr algn="ctr"/>
+            <a:r>
+              <a:rPr lang="en-US" sz="4800" dirty="0">
+                <a:latin typeface="Latin Modern Math" panose="02000503000000000000" pitchFamily="2" charset="77"/>
+                <a:ea typeface="Latin Modern Math" panose="02000503000000000000" pitchFamily="2" charset="77"/>
+              </a:rPr>
+              <a:t>~</a:t>
+            </a:r>
+            <a:endParaRPr lang="en-US" sz="2800" dirty="0">
+              <a:latin typeface="Latin Modern Math" panose="02000503000000000000" pitchFamily="2" charset="77"/>
+              <a:ea typeface="Latin Modern Math" panose="02000503000000000000" pitchFamily="2" charset="77"/>
+            </a:endParaRPr>
+          </a:p>
+        </p:txBody>
+      </p:sp>
+      <p:sp>
+        <p:nvSpPr>
+          <p:cNvPr id="18" name="TextBox 17">
+            <a:extLst>
+              <a:ext uri="{FF2B5EF4-FFF2-40B4-BE49-F238E27FC236}">
+                <a16:creationId xmlns:a16="http://schemas.microsoft.com/office/drawing/2014/main" id="{9103432C-FC78-1DC4-2C3A-F84DF827B26B}"/>
+              </a:ext>
+            </a:extLst>
+          </p:cNvPr>
+          <p:cNvSpPr txBox="1"/>
+          <p:nvPr/>
+        </p:nvSpPr>
+        <p:spPr>
+          <a:xfrm>
+            <a:off x="5516137" y="4928083"/>
+            <a:ext cx="384924" cy="738664"/>
+          </a:xfrm>
+          <a:prstGeom prst="rect">
+            <a:avLst/>
+          </a:prstGeom>
+          <a:noFill/>
+        </p:spPr>
+        <p:txBody>
+          <a:bodyPr wrap="square" lIns="0" tIns="0" rIns="0" bIns="0" rtlCol="0" anchor="ctr">
+            <a:spAutoFit/>
+          </a:bodyPr>
+          <a:lstStyle/>
+          <a:p>
+            <a:pPr algn="ctr"/>
+            <a:r>
+              <a:rPr lang="en-US" sz="4800" dirty="0">
+                <a:latin typeface="Latin Modern Math" panose="02000503000000000000" pitchFamily="2" charset="77"/>
+                <a:ea typeface="Latin Modern Math" panose="02000503000000000000" pitchFamily="2" charset="77"/>
+              </a:rPr>
+              <a:t>~</a:t>
+            </a:r>
+            <a:endParaRPr lang="en-US" sz="2800" dirty="0">
+              <a:latin typeface="Latin Modern Math" panose="02000503000000000000" pitchFamily="2" charset="77"/>
+              <a:ea typeface="Latin Modern Math" panose="02000503000000000000" pitchFamily="2" charset="77"/>
+            </a:endParaRPr>
+          </a:p>
+        </p:txBody>
+      </p:sp>
+      <p:pic>
+        <p:nvPicPr>
+          <p:cNvPr id="86" name="Graphic 85" descr="Checkmark with solid fill">
+            <a:extLst>
+              <a:ext uri="{FF2B5EF4-FFF2-40B4-BE49-F238E27FC236}">
+                <a16:creationId xmlns:a16="http://schemas.microsoft.com/office/drawing/2014/main" id="{D3821014-D64E-8AB1-B93E-5EB646AD247A}"/>
+              </a:ext>
+            </a:extLst>
+          </p:cNvPr>
+          <p:cNvPicPr>
+            <a:picLocks noChangeAspect="1"/>
+          </p:cNvPicPr>
+          <p:nvPr/>
+        </p:nvPicPr>
+        <p:blipFill>
+          <a:blip r:embed="rId9">
+            <a:extLst>
+              <a:ext uri="{96DAC541-7B7A-43D3-8B79-37D633B846F1}">
+                <asvg:svgBlip xmlns:asvg="http://schemas.microsoft.com/office/drawing/2016/SVG/main" r:embed="rId10"/>
+              </a:ext>
+            </a:extLst>
+          </a:blip>
+          <a:stretch>
+            <a:fillRect/>
+          </a:stretch>
+        </p:blipFill>
+        <p:spPr>
+          <a:xfrm>
+            <a:off x="2944354" y="1586104"/>
+            <a:ext cx="332400" cy="332400"/>
+          </a:xfrm>
+          <a:prstGeom prst="rect">
+            <a:avLst/>
+          </a:prstGeom>
+        </p:spPr>
+      </p:pic>
+      <p:sp>
+        <p:nvSpPr>
+          <p:cNvPr id="87" name="TextBox 86">
+            <a:extLst>
+              <a:ext uri="{FF2B5EF4-FFF2-40B4-BE49-F238E27FC236}">
+                <a16:creationId xmlns:a16="http://schemas.microsoft.com/office/drawing/2014/main" id="{8BAAD629-FA73-B0DE-3620-3D18B6973CC5}"/>
+              </a:ext>
+            </a:extLst>
+          </p:cNvPr>
+          <p:cNvSpPr txBox="1"/>
+          <p:nvPr/>
+        </p:nvSpPr>
+        <p:spPr>
+          <a:xfrm>
+            <a:off x="5516137" y="2308781"/>
+            <a:ext cx="384924" cy="738664"/>
+          </a:xfrm>
+          <a:prstGeom prst="rect">
+            <a:avLst/>
+          </a:prstGeom>
+          <a:noFill/>
+        </p:spPr>
+        <p:txBody>
+          <a:bodyPr wrap="square" lIns="0" tIns="0" rIns="0" bIns="0" rtlCol="0" anchor="ctr">
+            <a:spAutoFit/>
+          </a:bodyPr>
+          <a:lstStyle/>
+          <a:p>
+            <a:pPr algn="ctr"/>
+            <a:r>
+              <a:rPr lang="en-US" sz="4800" dirty="0">
+                <a:latin typeface="Latin Modern Math" panose="02000503000000000000" pitchFamily="2" charset="77"/>
+                <a:ea typeface="Latin Modern Math" panose="02000503000000000000" pitchFamily="2" charset="77"/>
+              </a:rPr>
+              <a:t>~</a:t>
+            </a:r>
+            <a:endParaRPr lang="en-US" sz="2800" dirty="0">
+              <a:latin typeface="Latin Modern Math" panose="02000503000000000000" pitchFamily="2" charset="77"/>
+              <a:ea typeface="Latin Modern Math" panose="02000503000000000000" pitchFamily="2" charset="77"/>
+            </a:endParaRPr>
+          </a:p>
+        </p:txBody>
+      </p:sp>
+      <p:sp>
+        <p:nvSpPr>
+          <p:cNvPr id="139" name="TextBox 138">
+            <a:extLst>
+              <a:ext uri="{FF2B5EF4-FFF2-40B4-BE49-F238E27FC236}">
+                <a16:creationId xmlns:a16="http://schemas.microsoft.com/office/drawing/2014/main" id="{D5A8D42E-256B-AEA4-12CE-63DB9415BD0B}"/>
+              </a:ext>
+            </a:extLst>
+          </p:cNvPr>
+          <p:cNvSpPr txBox="1"/>
+          <p:nvPr/>
+        </p:nvSpPr>
+        <p:spPr>
+          <a:xfrm>
+            <a:off x="7557983" y="3404949"/>
+            <a:ext cx="429865" cy="430887"/>
+          </a:xfrm>
+          <a:prstGeom prst="rect">
+            <a:avLst/>
+          </a:prstGeom>
+          <a:noFill/>
+        </p:spPr>
+        <p:txBody>
+          <a:bodyPr wrap="square" lIns="0" tIns="0" rIns="0" bIns="0" rtlCol="0" anchor="ctr">
+            <a:spAutoFit/>
+          </a:bodyPr>
+          <a:lstStyle/>
+          <a:p>
+            <a:pPr algn="ctr"/>
+            <a:r>
+              <a:rPr lang="en-US" sz="2800" dirty="0">
+                <a:latin typeface="Latin Modern Math" panose="02000503000000000000" pitchFamily="2" charset="77"/>
+                <a:ea typeface="Latin Modern Math" panose="02000503000000000000" pitchFamily="2" charset="77"/>
+              </a:rPr>
+              <a:t>?</a:t>
+            </a:r>
+            <a:endParaRPr lang="en-US" sz="1400" dirty="0">
+              <a:latin typeface="Latin Modern Math" panose="02000503000000000000" pitchFamily="2" charset="77"/>
+              <a:ea typeface="Latin Modern Math" panose="02000503000000000000" pitchFamily="2" charset="77"/>
+            </a:endParaRPr>
+          </a:p>
+        </p:txBody>
+      </p:sp>
+      <p:pic>
+        <p:nvPicPr>
+          <p:cNvPr id="140" name="Graphic 139" descr="Checkmark with solid fill">
+            <a:extLst>
+              <a:ext uri="{FF2B5EF4-FFF2-40B4-BE49-F238E27FC236}">
+                <a16:creationId xmlns:a16="http://schemas.microsoft.com/office/drawing/2014/main" id="{93BE8F4F-DAE2-7B28-6C2C-4054EAB9BC68}"/>
+              </a:ext>
+            </a:extLst>
+          </p:cNvPr>
+          <p:cNvPicPr>
+            <a:picLocks noChangeAspect="1"/>
+          </p:cNvPicPr>
+          <p:nvPr/>
+        </p:nvPicPr>
+        <p:blipFill>
+          <a:blip r:embed="rId9">
+            <a:extLst>
+              <a:ext uri="{96DAC541-7B7A-43D3-8B79-37D633B846F1}">
+                <asvg:svgBlip xmlns:asvg="http://schemas.microsoft.com/office/drawing/2016/SVG/main" r:embed="rId10"/>
+              </a:ext>
+            </a:extLst>
+          </a:blip>
+          <a:stretch>
+            <a:fillRect/>
+          </a:stretch>
+        </p:blipFill>
+        <p:spPr>
+          <a:xfrm>
+            <a:off x="2250317" y="1232483"/>
+            <a:ext cx="332400" cy="332400"/>
+          </a:xfrm>
+          <a:prstGeom prst="rect">
+            <a:avLst/>
+          </a:prstGeom>
+        </p:spPr>
+      </p:pic>
+      <p:pic>
+        <p:nvPicPr>
+          <p:cNvPr id="141" name="Graphic 140" descr="Close with solid fill">
+            <a:extLst>
+              <a:ext uri="{FF2B5EF4-FFF2-40B4-BE49-F238E27FC236}">
+                <a16:creationId xmlns:a16="http://schemas.microsoft.com/office/drawing/2014/main" id="{AE9F14DA-1DF4-4008-55F7-F1000AFA9F8C}"/>
+              </a:ext>
+            </a:extLst>
+          </p:cNvPr>
+          <p:cNvPicPr>
+            <a:picLocks noChangeAspect="1"/>
+          </p:cNvPicPr>
+          <p:nvPr/>
+        </p:nvPicPr>
+        <p:blipFill>
+          <a:blip r:embed="rId11">
+            <a:extLst>
+              <a:ext uri="{96DAC541-7B7A-43D3-8B79-37D633B846F1}">
+                <asvg:svgBlip xmlns:asvg="http://schemas.microsoft.com/office/drawing/2016/SVG/main" r:embed="rId12"/>
+              </a:ext>
+            </a:extLst>
+          </a:blip>
+          <a:stretch>
+            <a:fillRect/>
+          </a:stretch>
+        </p:blipFill>
+        <p:spPr>
+          <a:xfrm>
+            <a:off x="3601315" y="2095501"/>
+            <a:ext cx="350688" cy="350688"/>
+          </a:xfrm>
+          <a:prstGeom prst="rect">
+            <a:avLst/>
+          </a:prstGeom>
+        </p:spPr>
+      </p:pic>
+      <p:pic>
+        <p:nvPicPr>
+          <p:cNvPr id="144" name="Graphic 143" descr="Checkmark with solid fill">
+            <a:extLst>
+              <a:ext uri="{FF2B5EF4-FFF2-40B4-BE49-F238E27FC236}">
+                <a16:creationId xmlns:a16="http://schemas.microsoft.com/office/drawing/2014/main" id="{A5911E0C-72C9-394F-601C-85FBD7A91A57}"/>
+              </a:ext>
+            </a:extLst>
+          </p:cNvPr>
+          <p:cNvPicPr>
+            <a:picLocks noChangeAspect="1"/>
+          </p:cNvPicPr>
+          <p:nvPr/>
+        </p:nvPicPr>
+        <p:blipFill>
+          <a:blip r:embed="rId9">
+            <a:extLst>
+              <a:ext uri="{96DAC541-7B7A-43D3-8B79-37D633B846F1}">
+                <asvg:svgBlip xmlns:asvg="http://schemas.microsoft.com/office/drawing/2016/SVG/main" r:embed="rId10"/>
+              </a:ext>
+            </a:extLst>
+          </a:blip>
+          <a:stretch>
+            <a:fillRect/>
+          </a:stretch>
+        </p:blipFill>
+        <p:spPr>
+          <a:xfrm>
+            <a:off x="2250317" y="5164831"/>
+            <a:ext cx="332400" cy="332400"/>
+          </a:xfrm>
+          <a:prstGeom prst="rect">
+            <a:avLst/>
+          </a:prstGeom>
+        </p:spPr>
+      </p:pic>
+      <p:pic>
+        <p:nvPicPr>
+          <p:cNvPr id="146" name="Graphic 145" descr="Close with solid fill">
+            <a:extLst>
+              <a:ext uri="{FF2B5EF4-FFF2-40B4-BE49-F238E27FC236}">
+                <a16:creationId xmlns:a16="http://schemas.microsoft.com/office/drawing/2014/main" id="{8D4949D1-7A77-AB6B-0DC5-B4FAEECEFE55}"/>
+              </a:ext>
+            </a:extLst>
+          </p:cNvPr>
+          <p:cNvPicPr>
+            <a:picLocks noChangeAspect="1"/>
+          </p:cNvPicPr>
+          <p:nvPr/>
+        </p:nvPicPr>
+        <p:blipFill>
+          <a:blip r:embed="rId11">
+            <a:extLst>
+              <a:ext uri="{96DAC541-7B7A-43D3-8B79-37D633B846F1}">
+                <asvg:svgBlip xmlns:asvg="http://schemas.microsoft.com/office/drawing/2016/SVG/main" r:embed="rId12"/>
+              </a:ext>
+            </a:extLst>
+          </a:blip>
+          <a:stretch>
+            <a:fillRect/>
+          </a:stretch>
+        </p:blipFill>
+        <p:spPr>
+          <a:xfrm>
+            <a:off x="3601315" y="5155687"/>
+            <a:ext cx="350688" cy="350688"/>
+          </a:xfrm>
+          <a:prstGeom prst="rect">
+            <a:avLst/>
+          </a:prstGeom>
+        </p:spPr>
+      </p:pic>
       <p:grpSp>
         <p:nvGrpSpPr>
-          <p:cNvPr id="92" name="Group 91">
+          <p:cNvPr id="9" name="Group 8">
             <a:extLst>
               <a:ext uri="{FF2B5EF4-FFF2-40B4-BE49-F238E27FC236}">
-                <a16:creationId xmlns:a16="http://schemas.microsoft.com/office/drawing/2014/main" id="{9E3A5A27-4721-B206-8CF3-4FCF1954C89A}"/>
+                <a16:creationId xmlns:a16="http://schemas.microsoft.com/office/drawing/2014/main" id="{FD811FC0-5295-B4F9-4F6C-34C2E31616A2}"/>
               </a:ext>
             </a:extLst>
           </p:cNvPr>
@@ -8291,7 +9052,7 @@
         </p:nvGrpSpPr>
         <p:grpSpPr>
           <a:xfrm>
-            <a:off x="65619" y="4266923"/>
+            <a:off x="37999" y="2287520"/>
             <a:ext cx="1178622" cy="525450"/>
             <a:chOff x="3669267" y="4748573"/>
             <a:chExt cx="2508144" cy="984930"/>
@@ -8299,10 +9060,10 @@
         </p:grpSpPr>
         <p:grpSp>
           <p:nvGrpSpPr>
-            <p:cNvPr id="94" name="Group 93">
+            <p:cNvPr id="13" name="Group 12">
               <a:extLst>
                 <a:ext uri="{FF2B5EF4-FFF2-40B4-BE49-F238E27FC236}">
-                  <a16:creationId xmlns:a16="http://schemas.microsoft.com/office/drawing/2014/main" id="{81FFC324-9832-6C0E-AB16-293DC8FD70AD}"/>
+                  <a16:creationId xmlns:a16="http://schemas.microsoft.com/office/drawing/2014/main" id="{78158E50-58E1-4CED-EC0B-47DBFCE1A4EA}"/>
                 </a:ext>
               </a:extLst>
             </p:cNvPr>
@@ -8319,10 +9080,10 @@
           </p:grpSpPr>
           <p:sp>
             <p:nvSpPr>
-              <p:cNvPr id="117" name="Oval 116">
+              <p:cNvPr id="179" name="Oval 178">
                 <a:extLst>
                   <a:ext uri="{FF2B5EF4-FFF2-40B4-BE49-F238E27FC236}">
-                    <a16:creationId xmlns:a16="http://schemas.microsoft.com/office/drawing/2014/main" id="{6D667FE4-73BC-DD79-3F1F-F297899652D8}"/>
+                    <a16:creationId xmlns:a16="http://schemas.microsoft.com/office/drawing/2014/main" id="{7F2440CC-4DCC-F141-4207-F8AB826B9D4C}"/>
                   </a:ext>
                 </a:extLst>
               </p:cNvPr>
@@ -8399,10 +9160,10 @@
           </p:sp>
           <p:grpSp>
             <p:nvGrpSpPr>
-              <p:cNvPr id="118" name="Group 117">
+              <p:cNvPr id="180" name="Group 179">
                 <a:extLst>
                   <a:ext uri="{FF2B5EF4-FFF2-40B4-BE49-F238E27FC236}">
-                    <a16:creationId xmlns:a16="http://schemas.microsoft.com/office/drawing/2014/main" id="{FF16E5E9-BF39-C929-2797-89422A43CD8A}"/>
+                    <a16:creationId xmlns:a16="http://schemas.microsoft.com/office/drawing/2014/main" id="{9FA6B6B7-FAF0-BD86-C3FB-E98DF6DD241A}"/>
                   </a:ext>
                 </a:extLst>
               </p:cNvPr>
@@ -8419,10 +9180,10 @@
             </p:grpSpPr>
             <p:grpSp>
               <p:nvGrpSpPr>
-                <p:cNvPr id="134" name="Group 133">
+                <p:cNvPr id="1028" name="Group 1027">
                   <a:extLst>
                     <a:ext uri="{FF2B5EF4-FFF2-40B4-BE49-F238E27FC236}">
-                      <a16:creationId xmlns:a16="http://schemas.microsoft.com/office/drawing/2014/main" id="{49F646FE-D7D7-0E0A-DD6C-8B82488B4AC5}"/>
+                      <a16:creationId xmlns:a16="http://schemas.microsoft.com/office/drawing/2014/main" id="{23D42E17-837F-725E-4AEE-51F28D1E09EB}"/>
                     </a:ext>
                   </a:extLst>
                 </p:cNvPr>
@@ -8439,10 +9200,10 @@
               </p:grpSpPr>
               <p:sp>
                 <p:nvSpPr>
-                  <p:cNvPr id="136" name="Oval 135">
+                  <p:cNvPr id="1030" name="Oval 1029">
                     <a:extLst>
                       <a:ext uri="{FF2B5EF4-FFF2-40B4-BE49-F238E27FC236}">
-                        <a16:creationId xmlns:a16="http://schemas.microsoft.com/office/drawing/2014/main" id="{6B7B3F06-EE02-2EE8-B13D-8814D28AD992}"/>
+                        <a16:creationId xmlns:a16="http://schemas.microsoft.com/office/drawing/2014/main" id="{483AF665-BB7F-9FF4-0977-46E317653336}"/>
                       </a:ext>
                     </a:extLst>
                   </p:cNvPr>
@@ -8498,10 +9259,10 @@
               </p:sp>
               <p:sp>
                 <p:nvSpPr>
-                  <p:cNvPr id="137" name="Triangle 136">
+                  <p:cNvPr id="1031" name="Triangle 1030">
                     <a:extLst>
                       <a:ext uri="{FF2B5EF4-FFF2-40B4-BE49-F238E27FC236}">
-                        <a16:creationId xmlns:a16="http://schemas.microsoft.com/office/drawing/2014/main" id="{0210F382-55E5-DFA9-F723-098CEA6B7859}"/>
+                        <a16:creationId xmlns:a16="http://schemas.microsoft.com/office/drawing/2014/main" id="{B0DC32C5-2133-5AFC-BB86-D93373AA1E84}"/>
                       </a:ext>
                     </a:extLst>
                   </p:cNvPr>
@@ -8560,10 +9321,10 @@
             </p:grpSp>
             <p:sp>
               <p:nvSpPr>
-                <p:cNvPr id="135" name="Triangle 134">
+                <p:cNvPr id="1029" name="Triangle 1028">
                   <a:extLst>
                     <a:ext uri="{FF2B5EF4-FFF2-40B4-BE49-F238E27FC236}">
-                      <a16:creationId xmlns:a16="http://schemas.microsoft.com/office/drawing/2014/main" id="{72393647-3E8A-FD7F-35AD-80434EB98B31}"/>
+                      <a16:creationId xmlns:a16="http://schemas.microsoft.com/office/drawing/2014/main" id="{0469C28F-BF00-78D8-8939-A74BF4D4B39D}"/>
                     </a:ext>
                   </a:extLst>
                 </p:cNvPr>
@@ -8622,10 +9383,10 @@
           </p:grpSp>
           <p:grpSp>
             <p:nvGrpSpPr>
-              <p:cNvPr id="119" name="Group 118">
+              <p:cNvPr id="181" name="Group 180">
                 <a:extLst>
                   <a:ext uri="{FF2B5EF4-FFF2-40B4-BE49-F238E27FC236}">
-                    <a16:creationId xmlns:a16="http://schemas.microsoft.com/office/drawing/2014/main" id="{7E2F52AD-4322-0182-C51F-AF32E3FD7258}"/>
+                    <a16:creationId xmlns:a16="http://schemas.microsoft.com/office/drawing/2014/main" id="{A2C99AE3-0E9A-BED8-DDA0-A19CE4D6CB34}"/>
                   </a:ext>
                 </a:extLst>
               </p:cNvPr>
@@ -8642,10 +9403,10 @@
             </p:grpSpPr>
             <p:grpSp>
               <p:nvGrpSpPr>
-                <p:cNvPr id="130" name="Group 129">
+                <p:cNvPr id="1024" name="Group 1023">
                   <a:extLst>
                     <a:ext uri="{FF2B5EF4-FFF2-40B4-BE49-F238E27FC236}">
-                      <a16:creationId xmlns:a16="http://schemas.microsoft.com/office/drawing/2014/main" id="{0FEB312F-3784-3EF4-5161-0BBF923D0A26}"/>
+                      <a16:creationId xmlns:a16="http://schemas.microsoft.com/office/drawing/2014/main" id="{06A92464-28CE-3A67-0533-9CD041D04482}"/>
                     </a:ext>
                   </a:extLst>
                 </p:cNvPr>
@@ -8662,10 +9423,10 @@
               </p:grpSpPr>
               <p:sp>
                 <p:nvSpPr>
-                  <p:cNvPr id="132" name="Oval 131">
+                  <p:cNvPr id="1026" name="Oval 1025">
                     <a:extLst>
                       <a:ext uri="{FF2B5EF4-FFF2-40B4-BE49-F238E27FC236}">
-                        <a16:creationId xmlns:a16="http://schemas.microsoft.com/office/drawing/2014/main" id="{F13C0B64-BAA0-3483-2E03-92CE82E6FE71}"/>
+                        <a16:creationId xmlns:a16="http://schemas.microsoft.com/office/drawing/2014/main" id="{C8846056-5E34-542A-B5D6-05C40F923B46}"/>
                       </a:ext>
                     </a:extLst>
                   </p:cNvPr>
@@ -8721,10 +9482,10 @@
               </p:sp>
               <p:sp>
                 <p:nvSpPr>
-                  <p:cNvPr id="133" name="Triangle 132">
+                  <p:cNvPr id="1027" name="Triangle 1026">
                     <a:extLst>
                       <a:ext uri="{FF2B5EF4-FFF2-40B4-BE49-F238E27FC236}">
-                        <a16:creationId xmlns:a16="http://schemas.microsoft.com/office/drawing/2014/main" id="{8683686B-FF34-5D59-B74B-03217F4168D7}"/>
+                        <a16:creationId xmlns:a16="http://schemas.microsoft.com/office/drawing/2014/main" id="{98FBDEC6-3435-27DA-4CA7-3DB225633B99}"/>
                       </a:ext>
                     </a:extLst>
                   </p:cNvPr>
@@ -8783,10 +9544,10 @@
             </p:grpSp>
             <p:sp>
               <p:nvSpPr>
-                <p:cNvPr id="131" name="Triangle 130">
+                <p:cNvPr id="1025" name="Triangle 1024">
                   <a:extLst>
                     <a:ext uri="{FF2B5EF4-FFF2-40B4-BE49-F238E27FC236}">
-                      <a16:creationId xmlns:a16="http://schemas.microsoft.com/office/drawing/2014/main" id="{1B2A5BC3-3A80-8F62-5D37-43794AF69546}"/>
+                      <a16:creationId xmlns:a16="http://schemas.microsoft.com/office/drawing/2014/main" id="{AC9074C6-6F3C-1486-3EA1-FAA446F53092}"/>
                     </a:ext>
                   </a:extLst>
                 </p:cNvPr>
@@ -8845,10 +9606,10 @@
           </p:grpSp>
           <p:grpSp>
             <p:nvGrpSpPr>
-              <p:cNvPr id="120" name="Group 119">
+              <p:cNvPr id="182" name="Group 181">
                 <a:extLst>
                   <a:ext uri="{FF2B5EF4-FFF2-40B4-BE49-F238E27FC236}">
-                    <a16:creationId xmlns:a16="http://schemas.microsoft.com/office/drawing/2014/main" id="{768043E0-DB4E-3DCC-1AAF-5EDB51832758}"/>
+                    <a16:creationId xmlns:a16="http://schemas.microsoft.com/office/drawing/2014/main" id="{FD1E06DF-FBB5-3727-A041-076FF847DFE4}"/>
                   </a:ext>
                 </a:extLst>
               </p:cNvPr>
@@ -8865,10 +9626,10 @@
             </p:grpSpPr>
             <p:grpSp>
               <p:nvGrpSpPr>
-                <p:cNvPr id="126" name="Group 125">
+                <p:cNvPr id="188" name="Group 187">
                   <a:extLst>
                     <a:ext uri="{FF2B5EF4-FFF2-40B4-BE49-F238E27FC236}">
-                      <a16:creationId xmlns:a16="http://schemas.microsoft.com/office/drawing/2014/main" id="{FB69B2CB-30F4-4638-0299-602FF5438080}"/>
+                      <a16:creationId xmlns:a16="http://schemas.microsoft.com/office/drawing/2014/main" id="{BFDB6636-961E-597A-1D36-5FA898B05854}"/>
                     </a:ext>
                   </a:extLst>
                 </p:cNvPr>
@@ -8885,10 +9646,10 @@
               </p:grpSpPr>
               <p:sp>
                 <p:nvSpPr>
-                  <p:cNvPr id="128" name="Oval 127">
+                  <p:cNvPr id="190" name="Oval 189">
                     <a:extLst>
                       <a:ext uri="{FF2B5EF4-FFF2-40B4-BE49-F238E27FC236}">
-                        <a16:creationId xmlns:a16="http://schemas.microsoft.com/office/drawing/2014/main" id="{CCB72A69-ECFE-55BA-EF94-8E5D2CBE0F86}"/>
+                        <a16:creationId xmlns:a16="http://schemas.microsoft.com/office/drawing/2014/main" id="{DBBC451A-6996-6730-1FD6-A29B096D67FD}"/>
                       </a:ext>
                     </a:extLst>
                   </p:cNvPr>
@@ -8944,10 +9705,10 @@
               </p:sp>
               <p:sp>
                 <p:nvSpPr>
-                  <p:cNvPr id="129" name="Triangle 128">
+                  <p:cNvPr id="191" name="Triangle 190">
                     <a:extLst>
                       <a:ext uri="{FF2B5EF4-FFF2-40B4-BE49-F238E27FC236}">
-                        <a16:creationId xmlns:a16="http://schemas.microsoft.com/office/drawing/2014/main" id="{35E8D262-8514-F993-28A6-498B796D0127}"/>
+                        <a16:creationId xmlns:a16="http://schemas.microsoft.com/office/drawing/2014/main" id="{E65BFA99-9D0E-DCA2-217C-BF6D27B6F282}"/>
                       </a:ext>
                     </a:extLst>
                   </p:cNvPr>
@@ -9006,10 +9767,10 @@
             </p:grpSp>
             <p:sp>
               <p:nvSpPr>
-                <p:cNvPr id="127" name="Triangle 126">
+                <p:cNvPr id="189" name="Triangle 188">
                   <a:extLst>
                     <a:ext uri="{FF2B5EF4-FFF2-40B4-BE49-F238E27FC236}">
-                      <a16:creationId xmlns:a16="http://schemas.microsoft.com/office/drawing/2014/main" id="{173B394C-8CEB-C7A1-94A2-B8FDC2354960}"/>
+                      <a16:creationId xmlns:a16="http://schemas.microsoft.com/office/drawing/2014/main" id="{1DF225E3-89D3-7734-8ACE-F4CB4189828D}"/>
                     </a:ext>
                   </a:extLst>
                 </p:cNvPr>
@@ -9068,10 +9829,10 @@
           </p:grpSp>
           <p:grpSp>
             <p:nvGrpSpPr>
-              <p:cNvPr id="121" name="Group 120">
+              <p:cNvPr id="183" name="Group 182">
                 <a:extLst>
                   <a:ext uri="{FF2B5EF4-FFF2-40B4-BE49-F238E27FC236}">
-                    <a16:creationId xmlns:a16="http://schemas.microsoft.com/office/drawing/2014/main" id="{4CD0815E-8608-103A-1567-3FFB77A18EDE}"/>
+                    <a16:creationId xmlns:a16="http://schemas.microsoft.com/office/drawing/2014/main" id="{5A0E190F-7506-2E9B-8AED-1CD1584DC072}"/>
                   </a:ext>
                 </a:extLst>
               </p:cNvPr>
@@ -9088,10 +9849,10 @@
             </p:grpSpPr>
             <p:grpSp>
               <p:nvGrpSpPr>
-                <p:cNvPr id="122" name="Group 121">
+                <p:cNvPr id="184" name="Group 183">
                   <a:extLst>
                     <a:ext uri="{FF2B5EF4-FFF2-40B4-BE49-F238E27FC236}">
-                      <a16:creationId xmlns:a16="http://schemas.microsoft.com/office/drawing/2014/main" id="{05AB6FDA-93E2-C42C-5DA1-2412EB2DA646}"/>
+                      <a16:creationId xmlns:a16="http://schemas.microsoft.com/office/drawing/2014/main" id="{D9D9D97F-E213-D02F-5553-0CBD5F652378}"/>
                     </a:ext>
                   </a:extLst>
                 </p:cNvPr>
@@ -9108,10 +9869,10 @@
               </p:grpSpPr>
               <p:sp>
                 <p:nvSpPr>
-                  <p:cNvPr id="124" name="Oval 123">
+                  <p:cNvPr id="186" name="Oval 185">
                     <a:extLst>
                       <a:ext uri="{FF2B5EF4-FFF2-40B4-BE49-F238E27FC236}">
-                        <a16:creationId xmlns:a16="http://schemas.microsoft.com/office/drawing/2014/main" id="{5832E220-12D1-5892-C9A9-CBDDC6E4FF11}"/>
+                        <a16:creationId xmlns:a16="http://schemas.microsoft.com/office/drawing/2014/main" id="{863C6466-7D3A-CAF3-D15A-3502ECDEF119}"/>
                       </a:ext>
                     </a:extLst>
                   </p:cNvPr>
@@ -9167,10 +9928,10 @@
               </p:sp>
               <p:sp>
                 <p:nvSpPr>
-                  <p:cNvPr id="125" name="Triangle 124">
+                  <p:cNvPr id="187" name="Triangle 186">
                     <a:extLst>
                       <a:ext uri="{FF2B5EF4-FFF2-40B4-BE49-F238E27FC236}">
-                        <a16:creationId xmlns:a16="http://schemas.microsoft.com/office/drawing/2014/main" id="{E01757F5-295C-F73B-9744-9772DF1DF770}"/>
+                        <a16:creationId xmlns:a16="http://schemas.microsoft.com/office/drawing/2014/main" id="{7317AFBF-22FE-E67B-9D7B-ED9B1975732F}"/>
                       </a:ext>
                     </a:extLst>
                   </p:cNvPr>
@@ -9229,10 +9990,10 @@
             </p:grpSp>
             <p:sp>
               <p:nvSpPr>
-                <p:cNvPr id="123" name="Triangle 122">
+                <p:cNvPr id="185" name="Triangle 184">
                   <a:extLst>
                     <a:ext uri="{FF2B5EF4-FFF2-40B4-BE49-F238E27FC236}">
-                      <a16:creationId xmlns:a16="http://schemas.microsoft.com/office/drawing/2014/main" id="{E1E5EA5D-F583-F50E-7C44-0889FF2D7AAC}"/>
+                      <a16:creationId xmlns:a16="http://schemas.microsoft.com/office/drawing/2014/main" id="{51E43E08-BC9E-2901-0BA9-E1A226C3674E}"/>
                     </a:ext>
                   </a:extLst>
                 </p:cNvPr>
@@ -9292,10 +10053,10 @@
         </p:grpSp>
         <p:grpSp>
           <p:nvGrpSpPr>
-            <p:cNvPr id="95" name="Group 94">
+            <p:cNvPr id="149" name="Group 148">
               <a:extLst>
                 <a:ext uri="{FF2B5EF4-FFF2-40B4-BE49-F238E27FC236}">
-                  <a16:creationId xmlns:a16="http://schemas.microsoft.com/office/drawing/2014/main" id="{530F2558-067B-0E29-8F70-E8AD75A0F51F}"/>
+                  <a16:creationId xmlns:a16="http://schemas.microsoft.com/office/drawing/2014/main" id="{23794857-A16D-493E-387E-088BC2CEA270}"/>
                 </a:ext>
               </a:extLst>
             </p:cNvPr>
@@ -9312,10 +10073,10 @@
           </p:grpSpPr>
           <p:sp>
             <p:nvSpPr>
-              <p:cNvPr id="96" name="Oval 95">
+              <p:cNvPr id="150" name="Oval 149">
                 <a:extLst>
                   <a:ext uri="{FF2B5EF4-FFF2-40B4-BE49-F238E27FC236}">
-                    <a16:creationId xmlns:a16="http://schemas.microsoft.com/office/drawing/2014/main" id="{69E5CF2E-6ECF-1519-8613-7903E2850292}"/>
+                    <a16:creationId xmlns:a16="http://schemas.microsoft.com/office/drawing/2014/main" id="{30D76F84-C7A3-887D-AF56-D9D79E870884}"/>
                   </a:ext>
                 </a:extLst>
               </p:cNvPr>
@@ -9392,10 +10153,10 @@
           </p:sp>
           <p:grpSp>
             <p:nvGrpSpPr>
-              <p:cNvPr id="97" name="Group 96">
+              <p:cNvPr id="151" name="Group 150">
                 <a:extLst>
                   <a:ext uri="{FF2B5EF4-FFF2-40B4-BE49-F238E27FC236}">
-                    <a16:creationId xmlns:a16="http://schemas.microsoft.com/office/drawing/2014/main" id="{01260AE6-9276-D489-007B-50451C834552}"/>
+                    <a16:creationId xmlns:a16="http://schemas.microsoft.com/office/drawing/2014/main" id="{87A042C1-6334-6029-33FE-56826BAD66D1}"/>
                   </a:ext>
                 </a:extLst>
               </p:cNvPr>
@@ -9412,10 +10173,10 @@
             </p:grpSpPr>
             <p:grpSp>
               <p:nvGrpSpPr>
-                <p:cNvPr id="113" name="Group 112">
+                <p:cNvPr id="175" name="Group 174">
                   <a:extLst>
                     <a:ext uri="{FF2B5EF4-FFF2-40B4-BE49-F238E27FC236}">
-                      <a16:creationId xmlns:a16="http://schemas.microsoft.com/office/drawing/2014/main" id="{54A8C978-C92C-3326-8628-C7CD7EFB80BF}"/>
+                      <a16:creationId xmlns:a16="http://schemas.microsoft.com/office/drawing/2014/main" id="{CA44CCA0-CA9E-760D-7D60-2F4A6B394E93}"/>
                     </a:ext>
                   </a:extLst>
                 </p:cNvPr>
@@ -9432,10 +10193,10 @@
               </p:grpSpPr>
               <p:sp>
                 <p:nvSpPr>
-                  <p:cNvPr id="115" name="Oval 114">
+                  <p:cNvPr id="177" name="Oval 176">
                     <a:extLst>
                       <a:ext uri="{FF2B5EF4-FFF2-40B4-BE49-F238E27FC236}">
-                        <a16:creationId xmlns:a16="http://schemas.microsoft.com/office/drawing/2014/main" id="{D5574B08-24C5-7D3A-02F4-3523EAA4E896}"/>
+                        <a16:creationId xmlns:a16="http://schemas.microsoft.com/office/drawing/2014/main" id="{AF124F78-6578-2D66-64FB-2116696B5CB4}"/>
                       </a:ext>
                     </a:extLst>
                   </p:cNvPr>
@@ -9491,10 +10252,10 @@
               </p:sp>
               <p:sp>
                 <p:nvSpPr>
-                  <p:cNvPr id="116" name="Triangle 115">
+                  <p:cNvPr id="178" name="Triangle 177">
                     <a:extLst>
                       <a:ext uri="{FF2B5EF4-FFF2-40B4-BE49-F238E27FC236}">
-                        <a16:creationId xmlns:a16="http://schemas.microsoft.com/office/drawing/2014/main" id="{0472ED64-C3A3-A1F1-8378-062C0ED57979}"/>
+                        <a16:creationId xmlns:a16="http://schemas.microsoft.com/office/drawing/2014/main" id="{C8841EEA-EF17-FF8C-66F6-DF54100DAEF0}"/>
                       </a:ext>
                     </a:extLst>
                   </p:cNvPr>
@@ -9553,10 +10314,10 @@
             </p:grpSp>
             <p:sp>
               <p:nvSpPr>
-                <p:cNvPr id="114" name="Triangle 113">
+                <p:cNvPr id="176" name="Triangle 175">
                   <a:extLst>
                     <a:ext uri="{FF2B5EF4-FFF2-40B4-BE49-F238E27FC236}">
-                      <a16:creationId xmlns:a16="http://schemas.microsoft.com/office/drawing/2014/main" id="{EEA3F8A3-2CB7-8618-9FEB-314F712F2245}"/>
+                      <a16:creationId xmlns:a16="http://schemas.microsoft.com/office/drawing/2014/main" id="{43F30C94-6C31-45D5-D11F-8C82B30276FD}"/>
                     </a:ext>
                   </a:extLst>
                 </p:cNvPr>
@@ -9615,10 +10376,10 @@
           </p:grpSp>
           <p:grpSp>
             <p:nvGrpSpPr>
-              <p:cNvPr id="98" name="Group 97">
+              <p:cNvPr id="152" name="Group 151">
                 <a:extLst>
                   <a:ext uri="{FF2B5EF4-FFF2-40B4-BE49-F238E27FC236}">
-                    <a16:creationId xmlns:a16="http://schemas.microsoft.com/office/drawing/2014/main" id="{82FB68AA-7AAD-097E-214E-CD51446BFE96}"/>
+                    <a16:creationId xmlns:a16="http://schemas.microsoft.com/office/drawing/2014/main" id="{FB33A2F5-554C-55B9-A3B6-C139B63DB8A2}"/>
                   </a:ext>
                 </a:extLst>
               </p:cNvPr>
@@ -9635,10 +10396,10 @@
             </p:grpSpPr>
             <p:grpSp>
               <p:nvGrpSpPr>
-                <p:cNvPr id="109" name="Group 108">
+                <p:cNvPr id="171" name="Group 170">
                   <a:extLst>
                     <a:ext uri="{FF2B5EF4-FFF2-40B4-BE49-F238E27FC236}">
-                      <a16:creationId xmlns:a16="http://schemas.microsoft.com/office/drawing/2014/main" id="{BA1514EA-B250-B467-D869-202F21B4F1E0}"/>
+                      <a16:creationId xmlns:a16="http://schemas.microsoft.com/office/drawing/2014/main" id="{2FE79BE4-CD33-5394-353D-D7369729F901}"/>
                     </a:ext>
                   </a:extLst>
                 </p:cNvPr>
@@ -9655,10 +10416,10 @@
               </p:grpSpPr>
               <p:sp>
                 <p:nvSpPr>
-                  <p:cNvPr id="111" name="Oval 110">
+                  <p:cNvPr id="173" name="Oval 172">
                     <a:extLst>
                       <a:ext uri="{FF2B5EF4-FFF2-40B4-BE49-F238E27FC236}">
-                        <a16:creationId xmlns:a16="http://schemas.microsoft.com/office/drawing/2014/main" id="{D0AB2BDB-4C08-8838-17D3-51714901A158}"/>
+                        <a16:creationId xmlns:a16="http://schemas.microsoft.com/office/drawing/2014/main" id="{A76A3994-C601-B72F-9207-EDDFA8262F5F}"/>
                       </a:ext>
                     </a:extLst>
                   </p:cNvPr>
@@ -9714,10 +10475,10 @@
               </p:sp>
               <p:sp>
                 <p:nvSpPr>
-                  <p:cNvPr id="112" name="Triangle 111">
+                  <p:cNvPr id="174" name="Triangle 173">
                     <a:extLst>
                       <a:ext uri="{FF2B5EF4-FFF2-40B4-BE49-F238E27FC236}">
-                        <a16:creationId xmlns:a16="http://schemas.microsoft.com/office/drawing/2014/main" id="{D1B84CFF-D619-8698-BF8D-41BDA38C4263}"/>
+                        <a16:creationId xmlns:a16="http://schemas.microsoft.com/office/drawing/2014/main" id="{76977C01-9619-3843-89F3-C66D47B0F820}"/>
                       </a:ext>
                     </a:extLst>
                   </p:cNvPr>
@@ -9776,10 +10537,10 @@
             </p:grpSp>
             <p:sp>
               <p:nvSpPr>
-                <p:cNvPr id="110" name="Triangle 109">
+                <p:cNvPr id="172" name="Triangle 171">
                   <a:extLst>
                     <a:ext uri="{FF2B5EF4-FFF2-40B4-BE49-F238E27FC236}">
-                      <a16:creationId xmlns:a16="http://schemas.microsoft.com/office/drawing/2014/main" id="{20656896-17B7-695F-1F7C-2D3C2853FE3F}"/>
+                      <a16:creationId xmlns:a16="http://schemas.microsoft.com/office/drawing/2014/main" id="{99701DE4-6950-EF81-BA68-C3B5A550C682}"/>
                     </a:ext>
                   </a:extLst>
                 </p:cNvPr>
@@ -9838,10 +10599,10 @@
           </p:grpSp>
           <p:grpSp>
             <p:nvGrpSpPr>
-              <p:cNvPr id="99" name="Group 98">
+              <p:cNvPr id="153" name="Group 152">
                 <a:extLst>
                   <a:ext uri="{FF2B5EF4-FFF2-40B4-BE49-F238E27FC236}">
-                    <a16:creationId xmlns:a16="http://schemas.microsoft.com/office/drawing/2014/main" id="{B67B7486-B6E4-F68D-0A54-BBAE3C2188FA}"/>
+                    <a16:creationId xmlns:a16="http://schemas.microsoft.com/office/drawing/2014/main" id="{70357B98-141D-6D5C-9E75-8163771FE003}"/>
                   </a:ext>
                 </a:extLst>
               </p:cNvPr>
@@ -9858,10 +10619,10 @@
             </p:grpSpPr>
             <p:grpSp>
               <p:nvGrpSpPr>
-                <p:cNvPr id="105" name="Group 104">
+                <p:cNvPr id="166" name="Group 165">
                   <a:extLst>
                     <a:ext uri="{FF2B5EF4-FFF2-40B4-BE49-F238E27FC236}">
-                      <a16:creationId xmlns:a16="http://schemas.microsoft.com/office/drawing/2014/main" id="{721CD45F-0267-BABD-26FE-0B4AA59854B3}"/>
+                      <a16:creationId xmlns:a16="http://schemas.microsoft.com/office/drawing/2014/main" id="{B7DF3BBD-A8B2-639A-B7BF-71384ED38F3E}"/>
                     </a:ext>
                   </a:extLst>
                 </p:cNvPr>
@@ -9878,10 +10639,10 @@
               </p:grpSpPr>
               <p:sp>
                 <p:nvSpPr>
-                  <p:cNvPr id="107" name="Oval 106">
+                  <p:cNvPr id="169" name="Oval 168">
                     <a:extLst>
                       <a:ext uri="{FF2B5EF4-FFF2-40B4-BE49-F238E27FC236}">
-                        <a16:creationId xmlns:a16="http://schemas.microsoft.com/office/drawing/2014/main" id="{521ACCA0-B8BC-C6DD-7740-4AAB07AD31C9}"/>
+                        <a16:creationId xmlns:a16="http://schemas.microsoft.com/office/drawing/2014/main" id="{4C9BB8F4-DACD-D683-6E96-8C24D6D0D1FA}"/>
                       </a:ext>
                     </a:extLst>
                   </p:cNvPr>
@@ -9937,10 +10698,10 @@
               </p:sp>
               <p:sp>
                 <p:nvSpPr>
-                  <p:cNvPr id="108" name="Triangle 107">
+                  <p:cNvPr id="170" name="Triangle 169">
                     <a:extLst>
                       <a:ext uri="{FF2B5EF4-FFF2-40B4-BE49-F238E27FC236}">
-                        <a16:creationId xmlns:a16="http://schemas.microsoft.com/office/drawing/2014/main" id="{BF5CEDD7-76C9-4F4C-01BD-01A6AE50EE63}"/>
+                        <a16:creationId xmlns:a16="http://schemas.microsoft.com/office/drawing/2014/main" id="{1708090B-2423-EA4E-5002-8C6BE940FFA5}"/>
                       </a:ext>
                     </a:extLst>
                   </p:cNvPr>
@@ -9999,10 +10760,10 @@
             </p:grpSp>
             <p:sp>
               <p:nvSpPr>
-                <p:cNvPr id="106" name="Triangle 105">
+                <p:cNvPr id="168" name="Triangle 167">
                   <a:extLst>
                     <a:ext uri="{FF2B5EF4-FFF2-40B4-BE49-F238E27FC236}">
-                      <a16:creationId xmlns:a16="http://schemas.microsoft.com/office/drawing/2014/main" id="{AF5D42ED-F67E-6E4B-70C1-FCDA6CC5A229}"/>
+                      <a16:creationId xmlns:a16="http://schemas.microsoft.com/office/drawing/2014/main" id="{841C0F2E-19BA-C7D5-7F3A-4EB53C7750B6}"/>
                     </a:ext>
                   </a:extLst>
                 </p:cNvPr>
@@ -10061,10 +10822,10 @@
           </p:grpSp>
           <p:grpSp>
             <p:nvGrpSpPr>
-              <p:cNvPr id="100" name="Group 99">
+              <p:cNvPr id="158" name="Group 157">
                 <a:extLst>
                   <a:ext uri="{FF2B5EF4-FFF2-40B4-BE49-F238E27FC236}">
-                    <a16:creationId xmlns:a16="http://schemas.microsoft.com/office/drawing/2014/main" id="{C962F48A-31A8-BFD2-E764-232F7325FFE7}"/>
+                    <a16:creationId xmlns:a16="http://schemas.microsoft.com/office/drawing/2014/main" id="{2DCA6113-5B47-6792-3E14-4010C4DE905A}"/>
                   </a:ext>
                 </a:extLst>
               </p:cNvPr>
@@ -10081,10 +10842,10 @@
             </p:grpSpPr>
             <p:grpSp>
               <p:nvGrpSpPr>
-                <p:cNvPr id="101" name="Group 100">
+                <p:cNvPr id="160" name="Group 159">
                   <a:extLst>
                     <a:ext uri="{FF2B5EF4-FFF2-40B4-BE49-F238E27FC236}">
-                      <a16:creationId xmlns:a16="http://schemas.microsoft.com/office/drawing/2014/main" id="{14F927A6-DF39-25C6-9D5E-031FF12AF720}"/>
+                      <a16:creationId xmlns:a16="http://schemas.microsoft.com/office/drawing/2014/main" id="{76045454-171D-9771-9C86-E1E340F62350}"/>
                     </a:ext>
                   </a:extLst>
                 </p:cNvPr>
@@ -10101,10 +10862,10 @@
               </p:grpSpPr>
               <p:sp>
                 <p:nvSpPr>
-                  <p:cNvPr id="103" name="Oval 102">
+                  <p:cNvPr id="163" name="Oval 162">
                     <a:extLst>
                       <a:ext uri="{FF2B5EF4-FFF2-40B4-BE49-F238E27FC236}">
-                        <a16:creationId xmlns:a16="http://schemas.microsoft.com/office/drawing/2014/main" id="{33CE6764-2F33-0372-A8E1-EC3F9069A3C7}"/>
+                        <a16:creationId xmlns:a16="http://schemas.microsoft.com/office/drawing/2014/main" id="{50EEAA1E-4575-77A6-0B99-DCE96F44E0B7}"/>
                       </a:ext>
                     </a:extLst>
                   </p:cNvPr>
@@ -10160,10 +10921,10 @@
               </p:sp>
               <p:sp>
                 <p:nvSpPr>
-                  <p:cNvPr id="104" name="Triangle 103">
+                  <p:cNvPr id="165" name="Triangle 164">
                     <a:extLst>
                       <a:ext uri="{FF2B5EF4-FFF2-40B4-BE49-F238E27FC236}">
-                        <a16:creationId xmlns:a16="http://schemas.microsoft.com/office/drawing/2014/main" id="{B4FBC8FE-042D-64CC-483F-6E9C8A5BFD18}"/>
+                        <a16:creationId xmlns:a16="http://schemas.microsoft.com/office/drawing/2014/main" id="{3262DF8F-98C9-ECEF-F7B5-63CC072B90E6}"/>
                       </a:ext>
                     </a:extLst>
                   </p:cNvPr>
@@ -10222,10 +10983,10 @@
             </p:grpSp>
             <p:sp>
               <p:nvSpPr>
-                <p:cNvPr id="102" name="Triangle 101">
+                <p:cNvPr id="162" name="Triangle 161">
                   <a:extLst>
                     <a:ext uri="{FF2B5EF4-FFF2-40B4-BE49-F238E27FC236}">
-                      <a16:creationId xmlns:a16="http://schemas.microsoft.com/office/drawing/2014/main" id="{52141847-E478-030A-A189-C36D8A44A5F1}"/>
+                      <a16:creationId xmlns:a16="http://schemas.microsoft.com/office/drawing/2014/main" id="{0F221590-70EA-3AD8-F6F8-F918D1FB4746}"/>
                     </a:ext>
                   </a:extLst>
                 </p:cNvPr>
@@ -10286,10 +11047,10 @@
       </p:grpSp>
       <p:sp>
         <p:nvSpPr>
-          <p:cNvPr id="93" name="TextBox 92">
+          <p:cNvPr id="1032" name="TextBox 1031">
             <a:extLst>
               <a:ext uri="{FF2B5EF4-FFF2-40B4-BE49-F238E27FC236}">
-                <a16:creationId xmlns:a16="http://schemas.microsoft.com/office/drawing/2014/main" id="{F6377829-43CB-9DB1-9393-363443FF3F55}"/>
+                <a16:creationId xmlns:a16="http://schemas.microsoft.com/office/drawing/2014/main" id="{C6906580-138B-3D1F-B552-A495F706C499}"/>
               </a:ext>
             </a:extLst>
           </p:cNvPr>
@@ -10298,7 +11059,7 @@
         </p:nvSpPr>
         <p:spPr>
           <a:xfrm>
-            <a:off x="-1322" y="3908617"/>
+            <a:off x="-28942" y="1995474"/>
             <a:ext cx="1969599" cy="200055"/>
           </a:xfrm>
           <a:prstGeom prst="rect">
@@ -10329,10 +11090,10 @@
       </p:sp>
       <p:sp>
         <p:nvSpPr>
-          <p:cNvPr id="154" name="TextBox 153">
+          <p:cNvPr id="1033" name="TextBox 1032">
             <a:extLst>
               <a:ext uri="{FF2B5EF4-FFF2-40B4-BE49-F238E27FC236}">
-                <a16:creationId xmlns:a16="http://schemas.microsoft.com/office/drawing/2014/main" id="{FAC9C6D5-9018-957D-DEAB-0011A2ED8A22}"/>
+                <a16:creationId xmlns:a16="http://schemas.microsoft.com/office/drawing/2014/main" id="{64A3858C-C716-ED76-E69C-AAD62F6F533B}"/>
               </a:ext>
             </a:extLst>
           </p:cNvPr>
@@ -10341,55 +11102,7 @@
         </p:nvSpPr>
         <p:spPr>
           <a:xfrm>
-            <a:off x="-1322" y="4943475"/>
-            <a:ext cx="857680" cy="229344"/>
-          </a:xfrm>
-          <a:prstGeom prst="rect">
-            <a:avLst/>
-          </a:prstGeom>
-        </p:spPr>
-        <p:txBody>
-          <a:bodyPr wrap="square" lIns="0" tIns="0" rIns="0" bIns="0" rtlCol="0">
-            <a:noAutofit/>
-          </a:bodyPr>
-          <a:lstStyle/>
-          <a:p>
-            <a:pPr>
-              <a:defRPr/>
-            </a:pPr>
-            <a:r>
-              <a:rPr lang="en-GB" sz="1300" b="1" dirty="0">
-                <a:solidFill>
-                  <a:srgbClr val="000000"/>
-                </a:solidFill>
-                <a:latin typeface="Calibri" panose="020F0502020204030204"/>
-              </a:rPr>
-              <a:t>  Pop III</a:t>
-            </a:r>
-            <a:endParaRPr lang="en-GB" sz="1300" b="1" u="sng" dirty="0">
-              <a:solidFill>
-                <a:srgbClr val="000000"/>
-              </a:solidFill>
-              <a:latin typeface="Calibri" panose="020F0502020204030204"/>
-            </a:endParaRPr>
-          </a:p>
-        </p:txBody>
-      </p:sp>
-      <p:sp>
-        <p:nvSpPr>
-          <p:cNvPr id="155" name="TextBox 154">
-            <a:extLst>
-              <a:ext uri="{FF2B5EF4-FFF2-40B4-BE49-F238E27FC236}">
-                <a16:creationId xmlns:a16="http://schemas.microsoft.com/office/drawing/2014/main" id="{DF71E964-E710-B27B-1A45-FEA80B2483ED}"/>
-              </a:ext>
-            </a:extLst>
-          </p:cNvPr>
-          <p:cNvSpPr txBox="1"/>
-          <p:nvPr/>
-        </p:nvSpPr>
-        <p:spPr>
-          <a:xfrm>
-            <a:off x="1248451" y="4132688"/>
+            <a:off x="1220831" y="2219545"/>
             <a:ext cx="569387" cy="261610"/>
           </a:xfrm>
           <a:prstGeom prst="rect">
@@ -10412,10 +11125,10 @@
       </p:sp>
       <p:sp>
         <p:nvSpPr>
-          <p:cNvPr id="156" name="TextBox 155">
+          <p:cNvPr id="1034" name="TextBox 1033">
             <a:extLst>
               <a:ext uri="{FF2B5EF4-FFF2-40B4-BE49-F238E27FC236}">
-                <a16:creationId xmlns:a16="http://schemas.microsoft.com/office/drawing/2014/main" id="{7E342DCC-4C21-0F74-BF14-AF8AD8DCD154}"/>
+                <a16:creationId xmlns:a16="http://schemas.microsoft.com/office/drawing/2014/main" id="{75CA4956-A409-E757-3303-12B6396E4E96}"/>
               </a:ext>
             </a:extLst>
           </p:cNvPr>
@@ -10424,7 +11137,7 @@
         </p:nvSpPr>
         <p:spPr>
           <a:xfrm>
-            <a:off x="1230941" y="4551802"/>
+            <a:off x="1203321" y="2638659"/>
             <a:ext cx="663964" cy="261610"/>
           </a:xfrm>
           <a:prstGeom prst="rect">
@@ -10447,10 +11160,10 @@
       </p:sp>
       <p:cxnSp>
         <p:nvCxnSpPr>
-          <p:cNvPr id="157" name="Straight Connector 156">
+          <p:cNvPr id="1035" name="Straight Connector 1034">
             <a:extLst>
               <a:ext uri="{FF2B5EF4-FFF2-40B4-BE49-F238E27FC236}">
-                <a16:creationId xmlns:a16="http://schemas.microsoft.com/office/drawing/2014/main" id="{D900D7DE-C6B5-4E8D-251A-733C3C69953E}"/>
+                <a16:creationId xmlns:a16="http://schemas.microsoft.com/office/drawing/2014/main" id="{801ADD79-8A07-3E77-A738-C8E2445BFC5C}"/>
               </a:ext>
             </a:extLst>
           </p:cNvPr>
@@ -10461,193 +11174,7 @@
         </p:nvCxnSpPr>
         <p:spPr>
           <a:xfrm>
-            <a:off x="2736239" y="818060"/>
-            <a:ext cx="0" cy="5005390"/>
-          </a:xfrm>
-          <a:prstGeom prst="line">
-            <a:avLst/>
-          </a:prstGeom>
-          <a:ln w="6350">
-            <a:solidFill>
-              <a:schemeClr val="tx1">
-                <a:lumMod val="50000"/>
-                <a:lumOff val="50000"/>
-              </a:schemeClr>
-            </a:solidFill>
-          </a:ln>
-        </p:spPr>
-        <p:style>
-          <a:lnRef idx="2">
-            <a:schemeClr val="accent1"/>
-          </a:lnRef>
-          <a:fillRef idx="0">
-            <a:schemeClr val="accent1"/>
-          </a:fillRef>
-          <a:effectRef idx="1">
-            <a:schemeClr val="accent1"/>
-          </a:effectRef>
-          <a:fontRef idx="minor">
-            <a:schemeClr val="tx1"/>
-          </a:fontRef>
-        </p:style>
-      </p:cxnSp>
-      <p:cxnSp>
-        <p:nvCxnSpPr>
-          <p:cNvPr id="159" name="Straight Connector 158">
-            <a:extLst>
-              <a:ext uri="{FF2B5EF4-FFF2-40B4-BE49-F238E27FC236}">
-                <a16:creationId xmlns:a16="http://schemas.microsoft.com/office/drawing/2014/main" id="{ABB536B2-F4D6-A64D-659A-A73780950D97}"/>
-              </a:ext>
-            </a:extLst>
-          </p:cNvPr>
-          <p:cNvCxnSpPr>
-            <a:cxnSpLocks/>
-          </p:cNvCxnSpPr>
-          <p:nvPr/>
-        </p:nvCxnSpPr>
-        <p:spPr>
-          <a:xfrm flipH="1">
-            <a:off x="3425558" y="818060"/>
-            <a:ext cx="25323" cy="4995309"/>
-          </a:xfrm>
-          <a:prstGeom prst="line">
-            <a:avLst/>
-          </a:prstGeom>
-          <a:ln w="6350">
-            <a:solidFill>
-              <a:schemeClr val="tx1">
-                <a:lumMod val="50000"/>
-                <a:lumOff val="50000"/>
-              </a:schemeClr>
-            </a:solidFill>
-          </a:ln>
-        </p:spPr>
-        <p:style>
-          <a:lnRef idx="2">
-            <a:schemeClr val="accent1"/>
-          </a:lnRef>
-          <a:fillRef idx="0">
-            <a:schemeClr val="accent1"/>
-          </a:fillRef>
-          <a:effectRef idx="1">
-            <a:schemeClr val="accent1"/>
-          </a:effectRef>
-          <a:fontRef idx="minor">
-            <a:schemeClr val="tx1"/>
-          </a:fontRef>
-        </p:style>
-      </p:cxnSp>
-      <p:cxnSp>
-        <p:nvCxnSpPr>
-          <p:cNvPr id="161" name="Straight Connector 160">
-            <a:extLst>
-              <a:ext uri="{FF2B5EF4-FFF2-40B4-BE49-F238E27FC236}">
-                <a16:creationId xmlns:a16="http://schemas.microsoft.com/office/drawing/2014/main" id="{91C01683-5B38-19E6-C4D9-C0135BC13293}"/>
-              </a:ext>
-            </a:extLst>
-          </p:cNvPr>
-          <p:cNvCxnSpPr>
-            <a:cxnSpLocks/>
-          </p:cNvCxnSpPr>
-          <p:nvPr/>
-        </p:nvCxnSpPr>
-        <p:spPr>
-          <a:xfrm>
-            <a:off x="2061863" y="1205500"/>
-            <a:ext cx="6233480" cy="0"/>
-          </a:xfrm>
-          <a:prstGeom prst="line">
-            <a:avLst/>
-          </a:prstGeom>
-          <a:ln w="6350">
-            <a:solidFill>
-              <a:schemeClr val="tx1">
-                <a:lumMod val="50000"/>
-                <a:lumOff val="50000"/>
-              </a:schemeClr>
-            </a:solidFill>
-            <a:prstDash val="lgDash"/>
-          </a:ln>
-        </p:spPr>
-        <p:style>
-          <a:lnRef idx="2">
-            <a:schemeClr val="accent1"/>
-          </a:lnRef>
-          <a:fillRef idx="0">
-            <a:schemeClr val="accent1"/>
-          </a:fillRef>
-          <a:effectRef idx="1">
-            <a:schemeClr val="accent1"/>
-          </a:effectRef>
-          <a:fontRef idx="minor">
-            <a:schemeClr val="tx1"/>
-          </a:fontRef>
-        </p:style>
-      </p:cxnSp>
-      <p:cxnSp>
-        <p:nvCxnSpPr>
-          <p:cNvPr id="164" name="Straight Connector 163">
-            <a:extLst>
-              <a:ext uri="{FF2B5EF4-FFF2-40B4-BE49-F238E27FC236}">
-                <a16:creationId xmlns:a16="http://schemas.microsoft.com/office/drawing/2014/main" id="{6D630679-4C53-AEA9-F113-249CA4D6E2D2}"/>
-              </a:ext>
-            </a:extLst>
-          </p:cNvPr>
-          <p:cNvCxnSpPr>
-            <a:cxnSpLocks/>
-          </p:cNvCxnSpPr>
-          <p:nvPr/>
-        </p:nvCxnSpPr>
-        <p:spPr>
-          <a:xfrm>
-            <a:off x="2042637" y="1588560"/>
-            <a:ext cx="6233480" cy="0"/>
-          </a:xfrm>
-          <a:prstGeom prst="line">
-            <a:avLst/>
-          </a:prstGeom>
-          <a:ln w="6350">
-            <a:solidFill>
-              <a:schemeClr val="tx1">
-                <a:lumMod val="50000"/>
-                <a:lumOff val="50000"/>
-              </a:schemeClr>
-            </a:solidFill>
-            <a:prstDash val="lgDash"/>
-          </a:ln>
-        </p:spPr>
-        <p:style>
-          <a:lnRef idx="2">
-            <a:schemeClr val="accent1"/>
-          </a:lnRef>
-          <a:fillRef idx="0">
-            <a:schemeClr val="accent1"/>
-          </a:fillRef>
-          <a:effectRef idx="1">
-            <a:schemeClr val="accent1"/>
-          </a:effectRef>
-          <a:fontRef idx="minor">
-            <a:schemeClr val="tx1"/>
-          </a:fontRef>
-        </p:style>
-      </p:cxnSp>
-      <p:cxnSp>
-        <p:nvCxnSpPr>
-          <p:cNvPr id="167" name="Straight Connector 166">
-            <a:extLst>
-              <a:ext uri="{FF2B5EF4-FFF2-40B4-BE49-F238E27FC236}">
-                <a16:creationId xmlns:a16="http://schemas.microsoft.com/office/drawing/2014/main" id="{DB718D27-619B-EBBA-9749-75DB93374DFA}"/>
-              </a:ext>
-            </a:extLst>
-          </p:cNvPr>
-          <p:cNvCxnSpPr>
-            <a:cxnSpLocks/>
-          </p:cNvCxnSpPr>
-          <p:nvPr/>
-        </p:nvCxnSpPr>
-        <p:spPr>
-          <a:xfrm>
-            <a:off x="2024060" y="4421737"/>
+            <a:off x="2061362" y="2525527"/>
             <a:ext cx="6233480" cy="0"/>
           </a:xfrm>
           <a:prstGeom prst="line">
@@ -10680,10 +11207,10 @@
       </p:cxnSp>
       <p:pic>
         <p:nvPicPr>
-          <p:cNvPr id="1053" name="Picture 1052" descr="A black background with a black square&#10;&#10;AI-generated content may be incorrect.">
+          <p:cNvPr id="1036" name="Graphic 1035" descr="Checkmark with solid fill">
             <a:extLst>
               <a:ext uri="{FF2B5EF4-FFF2-40B4-BE49-F238E27FC236}">
-                <a16:creationId xmlns:a16="http://schemas.microsoft.com/office/drawing/2014/main" id="{7585B7E8-0B34-70F7-A922-8A11AE5906F3}"/>
+                <a16:creationId xmlns:a16="http://schemas.microsoft.com/office/drawing/2014/main" id="{ADD067F0-C306-3E4B-7491-5062BFDC295B}"/>
               </a:ext>
             </a:extLst>
           </p:cNvPr>
@@ -10693,40 +11220,10 @@
           <p:nvPr/>
         </p:nvPicPr>
         <p:blipFill>
-          <a:blip r:embed="rId7"/>
-          <a:stretch>
-            <a:fillRect/>
-          </a:stretch>
-        </p:blipFill>
-        <p:spPr>
-          <a:xfrm>
-            <a:off x="335941" y="4992200"/>
-            <a:ext cx="1330476" cy="782523"/>
-          </a:xfrm>
-          <a:prstGeom prst="rect">
-            <a:avLst/>
-          </a:prstGeom>
-        </p:spPr>
-      </p:pic>
-      <p:pic>
-        <p:nvPicPr>
-          <p:cNvPr id="1055" name="Graphic 1054" descr="Stars outline">
-            <a:extLst>
-              <a:ext uri="{FF2B5EF4-FFF2-40B4-BE49-F238E27FC236}">
-                <a16:creationId xmlns:a16="http://schemas.microsoft.com/office/drawing/2014/main" id="{7DBCC7C7-5859-6EB2-382C-0EDB2FD5C8C0}"/>
-              </a:ext>
-            </a:extLst>
-          </p:cNvPr>
-          <p:cNvPicPr>
-            <a:picLocks noChangeAspect="1"/>
-          </p:cNvPicPr>
-          <p:nvPr/>
-        </p:nvPicPr>
-        <p:blipFill>
-          <a:blip r:embed="rId8">
+          <a:blip r:embed="rId9">
             <a:extLst>
               <a:ext uri="{96DAC541-7B7A-43D3-8B79-37D633B846F1}">
-                <asvg:svgBlip xmlns:asvg="http://schemas.microsoft.com/office/drawing/2016/SVG/main" r:embed="rId9"/>
+                <asvg:svgBlip xmlns:asvg="http://schemas.microsoft.com/office/drawing/2016/SVG/main" r:embed="rId10"/>
               </a:ext>
             </a:extLst>
           </a:blip>
@@ -10736,43 +11233,7 @@
         </p:blipFill>
         <p:spPr>
           <a:xfrm>
-            <a:off x="550610" y="4929156"/>
-            <a:ext cx="427733" cy="427733"/>
-          </a:xfrm>
-          <a:prstGeom prst="rect">
-            <a:avLst/>
-          </a:prstGeom>
-        </p:spPr>
-      </p:pic>
-      <p:pic>
-        <p:nvPicPr>
-          <p:cNvPr id="1059" name="Graphic 1058" descr="Checkmark with solid fill">
-            <a:extLst>
-              <a:ext uri="{FF2B5EF4-FFF2-40B4-BE49-F238E27FC236}">
-                <a16:creationId xmlns:a16="http://schemas.microsoft.com/office/drawing/2014/main" id="{97895D4E-0E42-54B3-0D4A-9BF90F2FCA41}"/>
-              </a:ext>
-            </a:extLst>
-          </p:cNvPr>
-          <p:cNvPicPr>
-            <a:picLocks noChangeAspect="1"/>
-          </p:cNvPicPr>
-          <p:nvPr/>
-        </p:nvPicPr>
-        <p:blipFill>
-          <a:blip r:embed="rId10">
-            <a:extLst>
-              <a:ext uri="{96DAC541-7B7A-43D3-8B79-37D633B846F1}">
-                <asvg:svgBlip xmlns:asvg="http://schemas.microsoft.com/office/drawing/2016/SVG/main" r:embed="rId11"/>
-              </a:ext>
-            </a:extLst>
-          </a:blip>
-          <a:stretch>
-            <a:fillRect/>
-          </a:stretch>
-        </p:blipFill>
-        <p:spPr>
-          <a:xfrm>
-            <a:off x="3636470" y="846118"/>
+            <a:off x="2250317" y="858666"/>
             <a:ext cx="332400" cy="332400"/>
           </a:xfrm>
           <a:prstGeom prst="rect">
@@ -10782,10 +11243,10 @@
       </p:pic>
       <p:pic>
         <p:nvPicPr>
-          <p:cNvPr id="1061" name="Graphic 1060" descr="Close with solid fill">
+          <p:cNvPr id="1037" name="Graphic 1036" descr="Checkmark with solid fill">
             <a:extLst>
               <a:ext uri="{FF2B5EF4-FFF2-40B4-BE49-F238E27FC236}">
-                <a16:creationId xmlns:a16="http://schemas.microsoft.com/office/drawing/2014/main" id="{57797A67-C548-E8A2-BE56-49C4B4E1A2AC}"/>
+                <a16:creationId xmlns:a16="http://schemas.microsoft.com/office/drawing/2014/main" id="{F7B5A35C-DA4C-362A-6DFB-E73991273D57}"/>
               </a:ext>
             </a:extLst>
           </p:cNvPr>
@@ -10795,10 +11256,10 @@
           <p:nvPr/>
         </p:nvPicPr>
         <p:blipFill>
-          <a:blip r:embed="rId12">
+          <a:blip r:embed="rId9">
             <a:extLst>
               <a:ext uri="{96DAC541-7B7A-43D3-8B79-37D633B846F1}">
-                <asvg:svgBlip xmlns:asvg="http://schemas.microsoft.com/office/drawing/2016/SVG/main" r:embed="rId13"/>
+                <asvg:svgBlip xmlns:asvg="http://schemas.microsoft.com/office/drawing/2016/SVG/main" r:embed="rId10"/>
               </a:ext>
             </a:extLst>
           </a:blip>
@@ -10808,8 +11269,44 @@
         </p:blipFill>
         <p:spPr>
           <a:xfrm>
-            <a:off x="2915560" y="839089"/>
-            <a:ext cx="350688" cy="350688"/>
+            <a:off x="2250317" y="1606788"/>
+            <a:ext cx="332400" cy="332400"/>
+          </a:xfrm>
+          <a:prstGeom prst="rect">
+            <a:avLst/>
+          </a:prstGeom>
+        </p:spPr>
+      </p:pic>
+      <p:pic>
+        <p:nvPicPr>
+          <p:cNvPr id="1038" name="Graphic 1037" descr="Checkmark with solid fill">
+            <a:extLst>
+              <a:ext uri="{FF2B5EF4-FFF2-40B4-BE49-F238E27FC236}">
+                <a16:creationId xmlns:a16="http://schemas.microsoft.com/office/drawing/2014/main" id="{B6E75AE8-2384-A9E4-817A-A5698C40C0CA}"/>
+              </a:ext>
+            </a:extLst>
+          </p:cNvPr>
+          <p:cNvPicPr>
+            <a:picLocks noChangeAspect="1"/>
+          </p:cNvPicPr>
+          <p:nvPr/>
+        </p:nvPicPr>
+        <p:blipFill>
+          <a:blip r:embed="rId9">
+            <a:extLst>
+              <a:ext uri="{96DAC541-7B7A-43D3-8B79-37D633B846F1}">
+                <asvg:svgBlip xmlns:asvg="http://schemas.microsoft.com/office/drawing/2016/SVG/main" r:embed="rId10"/>
+              </a:ext>
+            </a:extLst>
+          </a:blip>
+          <a:stretch>
+            <a:fillRect/>
+          </a:stretch>
+        </p:blipFill>
+        <p:spPr>
+          <a:xfrm>
+            <a:off x="2944354" y="1239743"/>
+            <a:ext cx="332400" cy="332400"/>
           </a:xfrm>
           <a:prstGeom prst="rect">
             <a:avLst/>
@@ -10818,10 +11315,10 @@
       </p:pic>
       <p:sp>
         <p:nvSpPr>
-          <p:cNvPr id="2" name="TextBox 1">
+          <p:cNvPr id="1039" name="TextBox 1038">
             <a:extLst>
               <a:ext uri="{FF2B5EF4-FFF2-40B4-BE49-F238E27FC236}">
-                <a16:creationId xmlns:a16="http://schemas.microsoft.com/office/drawing/2014/main" id="{86E5FCD2-7E9F-8504-DBC5-0AC39E01CC36}"/>
+                <a16:creationId xmlns:a16="http://schemas.microsoft.com/office/drawing/2014/main" id="{F7488075-C781-F269-BFD7-47E4149BDE68}"/>
               </a:ext>
             </a:extLst>
           </p:cNvPr>
@@ -10830,7 +11327,1647 @@
         </p:nvSpPr>
         <p:spPr>
           <a:xfrm>
-            <a:off x="2200087" y="572708"/>
+            <a:off x="4352067" y="782626"/>
+            <a:ext cx="429865" cy="430887"/>
+          </a:xfrm>
+          <a:prstGeom prst="rect">
+            <a:avLst/>
+          </a:prstGeom>
+          <a:noFill/>
+        </p:spPr>
+        <p:txBody>
+          <a:bodyPr wrap="square" lIns="0" tIns="0" rIns="0" bIns="0" rtlCol="0" anchor="ctr">
+            <a:spAutoFit/>
+          </a:bodyPr>
+          <a:lstStyle/>
+          <a:p>
+            <a:pPr algn="ctr"/>
+            <a:r>
+              <a:rPr lang="en-US" sz="2800" dirty="0">
+                <a:latin typeface="Latin Modern Math" panose="02000503000000000000" pitchFamily="2" charset="77"/>
+                <a:ea typeface="Latin Modern Math" panose="02000503000000000000" pitchFamily="2" charset="77"/>
+              </a:rPr>
+              <a:t>?</a:t>
+            </a:r>
+            <a:endParaRPr lang="en-US" sz="1400" dirty="0">
+              <a:latin typeface="Latin Modern Math" panose="02000503000000000000" pitchFamily="2" charset="77"/>
+              <a:ea typeface="Latin Modern Math" panose="02000503000000000000" pitchFamily="2" charset="77"/>
+            </a:endParaRPr>
+          </a:p>
+        </p:txBody>
+      </p:sp>
+      <p:sp>
+        <p:nvSpPr>
+          <p:cNvPr id="1040" name="TextBox 1039">
+            <a:extLst>
+              <a:ext uri="{FF2B5EF4-FFF2-40B4-BE49-F238E27FC236}">
+                <a16:creationId xmlns:a16="http://schemas.microsoft.com/office/drawing/2014/main" id="{99436B14-BD79-8738-499A-D5126DA84151}"/>
+              </a:ext>
+            </a:extLst>
+          </p:cNvPr>
+          <p:cNvSpPr txBox="1"/>
+          <p:nvPr/>
+        </p:nvSpPr>
+        <p:spPr>
+          <a:xfrm>
+            <a:off x="4352067" y="1188631"/>
+            <a:ext cx="429865" cy="430887"/>
+          </a:xfrm>
+          <a:prstGeom prst="rect">
+            <a:avLst/>
+          </a:prstGeom>
+          <a:noFill/>
+        </p:spPr>
+        <p:txBody>
+          <a:bodyPr wrap="square" lIns="0" tIns="0" rIns="0" bIns="0" rtlCol="0" anchor="ctr">
+            <a:spAutoFit/>
+          </a:bodyPr>
+          <a:lstStyle/>
+          <a:p>
+            <a:pPr algn="ctr"/>
+            <a:r>
+              <a:rPr lang="en-US" sz="2800" dirty="0">
+                <a:latin typeface="Latin Modern Math" panose="02000503000000000000" pitchFamily="2" charset="77"/>
+                <a:ea typeface="Latin Modern Math" panose="02000503000000000000" pitchFamily="2" charset="77"/>
+              </a:rPr>
+              <a:t>?</a:t>
+            </a:r>
+            <a:endParaRPr lang="en-US" sz="1400" dirty="0">
+              <a:latin typeface="Latin Modern Math" panose="02000503000000000000" pitchFamily="2" charset="77"/>
+              <a:ea typeface="Latin Modern Math" panose="02000503000000000000" pitchFamily="2" charset="77"/>
+            </a:endParaRPr>
+          </a:p>
+        </p:txBody>
+      </p:sp>
+      <p:sp>
+        <p:nvSpPr>
+          <p:cNvPr id="1041" name="TextBox 1040">
+            <a:extLst>
+              <a:ext uri="{FF2B5EF4-FFF2-40B4-BE49-F238E27FC236}">
+                <a16:creationId xmlns:a16="http://schemas.microsoft.com/office/drawing/2014/main" id="{2E2CFC42-79F2-089E-B153-7719EA20287A}"/>
+              </a:ext>
+            </a:extLst>
+          </p:cNvPr>
+          <p:cNvSpPr txBox="1"/>
+          <p:nvPr/>
+        </p:nvSpPr>
+        <p:spPr>
+          <a:xfrm>
+            <a:off x="4352067" y="1559980"/>
+            <a:ext cx="429865" cy="430887"/>
+          </a:xfrm>
+          <a:prstGeom prst="rect">
+            <a:avLst/>
+          </a:prstGeom>
+          <a:noFill/>
+        </p:spPr>
+        <p:txBody>
+          <a:bodyPr wrap="square" lIns="0" tIns="0" rIns="0" bIns="0" rtlCol="0" anchor="ctr">
+            <a:spAutoFit/>
+          </a:bodyPr>
+          <a:lstStyle/>
+          <a:p>
+            <a:pPr algn="ctr"/>
+            <a:r>
+              <a:rPr lang="en-US" sz="2800" dirty="0">
+                <a:latin typeface="Latin Modern Math" panose="02000503000000000000" pitchFamily="2" charset="77"/>
+                <a:ea typeface="Latin Modern Math" panose="02000503000000000000" pitchFamily="2" charset="77"/>
+              </a:rPr>
+              <a:t>?</a:t>
+            </a:r>
+            <a:endParaRPr lang="en-US" sz="1400" dirty="0">
+              <a:latin typeface="Latin Modern Math" panose="02000503000000000000" pitchFamily="2" charset="77"/>
+              <a:ea typeface="Latin Modern Math" panose="02000503000000000000" pitchFamily="2" charset="77"/>
+            </a:endParaRPr>
+          </a:p>
+        </p:txBody>
+      </p:sp>
+      <p:sp>
+        <p:nvSpPr>
+          <p:cNvPr id="1042" name="TextBox 1041">
+            <a:extLst>
+              <a:ext uri="{FF2B5EF4-FFF2-40B4-BE49-F238E27FC236}">
+                <a16:creationId xmlns:a16="http://schemas.microsoft.com/office/drawing/2014/main" id="{1F1028EB-6656-47F5-A70F-7372F5D19316}"/>
+              </a:ext>
+            </a:extLst>
+          </p:cNvPr>
+          <p:cNvSpPr txBox="1"/>
+          <p:nvPr/>
+        </p:nvSpPr>
+        <p:spPr>
+          <a:xfrm>
+            <a:off x="6532208" y="804177"/>
+            <a:ext cx="429865" cy="430887"/>
+          </a:xfrm>
+          <a:prstGeom prst="rect">
+            <a:avLst/>
+          </a:prstGeom>
+          <a:noFill/>
+        </p:spPr>
+        <p:txBody>
+          <a:bodyPr wrap="square" lIns="0" tIns="0" rIns="0" bIns="0" rtlCol="0" anchor="ctr">
+            <a:spAutoFit/>
+          </a:bodyPr>
+          <a:lstStyle/>
+          <a:p>
+            <a:pPr algn="ctr"/>
+            <a:r>
+              <a:rPr lang="en-US" sz="2800" dirty="0">
+                <a:latin typeface="Latin Modern Math" panose="02000503000000000000" pitchFamily="2" charset="77"/>
+                <a:ea typeface="Latin Modern Math" panose="02000503000000000000" pitchFamily="2" charset="77"/>
+              </a:rPr>
+              <a:t>?</a:t>
+            </a:r>
+            <a:endParaRPr lang="en-US" sz="1400" dirty="0">
+              <a:latin typeface="Latin Modern Math" panose="02000503000000000000" pitchFamily="2" charset="77"/>
+              <a:ea typeface="Latin Modern Math" panose="02000503000000000000" pitchFamily="2" charset="77"/>
+            </a:endParaRPr>
+          </a:p>
+        </p:txBody>
+      </p:sp>
+      <p:sp>
+        <p:nvSpPr>
+          <p:cNvPr id="1043" name="TextBox 1042">
+            <a:extLst>
+              <a:ext uri="{FF2B5EF4-FFF2-40B4-BE49-F238E27FC236}">
+                <a16:creationId xmlns:a16="http://schemas.microsoft.com/office/drawing/2014/main" id="{636BD9D7-2835-5867-BCE5-39B685F1C88D}"/>
+              </a:ext>
+            </a:extLst>
+          </p:cNvPr>
+          <p:cNvSpPr txBox="1"/>
+          <p:nvPr/>
+        </p:nvSpPr>
+        <p:spPr>
+          <a:xfrm>
+            <a:off x="6546125" y="1178518"/>
+            <a:ext cx="429865" cy="430887"/>
+          </a:xfrm>
+          <a:prstGeom prst="rect">
+            <a:avLst/>
+          </a:prstGeom>
+          <a:noFill/>
+        </p:spPr>
+        <p:txBody>
+          <a:bodyPr wrap="square" lIns="0" tIns="0" rIns="0" bIns="0" rtlCol="0" anchor="ctr">
+            <a:spAutoFit/>
+          </a:bodyPr>
+          <a:lstStyle/>
+          <a:p>
+            <a:pPr algn="ctr"/>
+            <a:r>
+              <a:rPr lang="en-US" sz="2800" dirty="0">
+                <a:latin typeface="Latin Modern Math" panose="02000503000000000000" pitchFamily="2" charset="77"/>
+                <a:ea typeface="Latin Modern Math" panose="02000503000000000000" pitchFamily="2" charset="77"/>
+              </a:rPr>
+              <a:t>?</a:t>
+            </a:r>
+            <a:endParaRPr lang="en-US" sz="1400" dirty="0">
+              <a:latin typeface="Latin Modern Math" panose="02000503000000000000" pitchFamily="2" charset="77"/>
+              <a:ea typeface="Latin Modern Math" panose="02000503000000000000" pitchFamily="2" charset="77"/>
+            </a:endParaRPr>
+          </a:p>
+        </p:txBody>
+      </p:sp>
+      <p:sp>
+        <p:nvSpPr>
+          <p:cNvPr id="1044" name="TextBox 1043">
+            <a:extLst>
+              <a:ext uri="{FF2B5EF4-FFF2-40B4-BE49-F238E27FC236}">
+                <a16:creationId xmlns:a16="http://schemas.microsoft.com/office/drawing/2014/main" id="{3FBB529F-0527-A5DE-3997-52A65C9151E8}"/>
+              </a:ext>
+            </a:extLst>
+          </p:cNvPr>
+          <p:cNvSpPr txBox="1"/>
+          <p:nvPr/>
+        </p:nvSpPr>
+        <p:spPr>
+          <a:xfrm>
+            <a:off x="6556595" y="1649014"/>
+            <a:ext cx="429865" cy="430887"/>
+          </a:xfrm>
+          <a:prstGeom prst="rect">
+            <a:avLst/>
+          </a:prstGeom>
+          <a:noFill/>
+        </p:spPr>
+        <p:txBody>
+          <a:bodyPr wrap="square" lIns="0" tIns="0" rIns="0" bIns="0" rtlCol="0" anchor="ctr">
+            <a:spAutoFit/>
+          </a:bodyPr>
+          <a:lstStyle/>
+          <a:p>
+            <a:pPr algn="ctr"/>
+            <a:r>
+              <a:rPr lang="en-US" sz="2800" dirty="0">
+                <a:latin typeface="Latin Modern Math" panose="02000503000000000000" pitchFamily="2" charset="77"/>
+                <a:ea typeface="Latin Modern Math" panose="02000503000000000000" pitchFamily="2" charset="77"/>
+              </a:rPr>
+              <a:t>?</a:t>
+            </a:r>
+            <a:endParaRPr lang="en-US" sz="1400" dirty="0">
+              <a:latin typeface="Latin Modern Math" panose="02000503000000000000" pitchFamily="2" charset="77"/>
+              <a:ea typeface="Latin Modern Math" panose="02000503000000000000" pitchFamily="2" charset="77"/>
+            </a:endParaRPr>
+          </a:p>
+        </p:txBody>
+      </p:sp>
+      <p:sp>
+        <p:nvSpPr>
+          <p:cNvPr id="1045" name="TextBox 1044">
+            <a:extLst>
+              <a:ext uri="{FF2B5EF4-FFF2-40B4-BE49-F238E27FC236}">
+                <a16:creationId xmlns:a16="http://schemas.microsoft.com/office/drawing/2014/main" id="{F3CC43AA-1460-1F96-CB61-7F069DAC01F1}"/>
+              </a:ext>
+            </a:extLst>
+          </p:cNvPr>
+          <p:cNvSpPr txBox="1"/>
+          <p:nvPr/>
+        </p:nvSpPr>
+        <p:spPr>
+          <a:xfrm>
+            <a:off x="6570512" y="2023355"/>
+            <a:ext cx="429865" cy="430887"/>
+          </a:xfrm>
+          <a:prstGeom prst="rect">
+            <a:avLst/>
+          </a:prstGeom>
+          <a:noFill/>
+        </p:spPr>
+        <p:txBody>
+          <a:bodyPr wrap="square" lIns="0" tIns="0" rIns="0" bIns="0" rtlCol="0" anchor="ctr">
+            <a:spAutoFit/>
+          </a:bodyPr>
+          <a:lstStyle/>
+          <a:p>
+            <a:pPr algn="ctr"/>
+            <a:r>
+              <a:rPr lang="en-US" sz="2800" dirty="0">
+                <a:latin typeface="Latin Modern Math" panose="02000503000000000000" pitchFamily="2" charset="77"/>
+                <a:ea typeface="Latin Modern Math" panose="02000503000000000000" pitchFamily="2" charset="77"/>
+              </a:rPr>
+              <a:t>?</a:t>
+            </a:r>
+            <a:endParaRPr lang="en-US" sz="1400" dirty="0">
+              <a:latin typeface="Latin Modern Math" panose="02000503000000000000" pitchFamily="2" charset="77"/>
+              <a:ea typeface="Latin Modern Math" panose="02000503000000000000" pitchFamily="2" charset="77"/>
+            </a:endParaRPr>
+          </a:p>
+        </p:txBody>
+      </p:sp>
+      <p:sp>
+        <p:nvSpPr>
+          <p:cNvPr id="1046" name="TextBox 1045">
+            <a:extLst>
+              <a:ext uri="{FF2B5EF4-FFF2-40B4-BE49-F238E27FC236}">
+                <a16:creationId xmlns:a16="http://schemas.microsoft.com/office/drawing/2014/main" id="{3D6CC824-99FD-AB35-2717-D22EBB1E09C8}"/>
+              </a:ext>
+            </a:extLst>
+          </p:cNvPr>
+          <p:cNvSpPr txBox="1"/>
+          <p:nvPr/>
+        </p:nvSpPr>
+        <p:spPr>
+          <a:xfrm>
+            <a:off x="6558584" y="2569476"/>
+            <a:ext cx="429865" cy="430887"/>
+          </a:xfrm>
+          <a:prstGeom prst="rect">
+            <a:avLst/>
+          </a:prstGeom>
+          <a:noFill/>
+        </p:spPr>
+        <p:txBody>
+          <a:bodyPr wrap="square" lIns="0" tIns="0" rIns="0" bIns="0" rtlCol="0" anchor="ctr">
+            <a:spAutoFit/>
+          </a:bodyPr>
+          <a:lstStyle/>
+          <a:p>
+            <a:pPr algn="ctr"/>
+            <a:r>
+              <a:rPr lang="en-US" sz="2800" dirty="0">
+                <a:latin typeface="Latin Modern Math" panose="02000503000000000000" pitchFamily="2" charset="77"/>
+                <a:ea typeface="Latin Modern Math" panose="02000503000000000000" pitchFamily="2" charset="77"/>
+              </a:rPr>
+              <a:t>?</a:t>
+            </a:r>
+            <a:endParaRPr lang="en-US" sz="1400" dirty="0">
+              <a:latin typeface="Latin Modern Math" panose="02000503000000000000" pitchFamily="2" charset="77"/>
+              <a:ea typeface="Latin Modern Math" panose="02000503000000000000" pitchFamily="2" charset="77"/>
+            </a:endParaRPr>
+          </a:p>
+        </p:txBody>
+      </p:sp>
+      <p:sp>
+        <p:nvSpPr>
+          <p:cNvPr id="1047" name="TextBox 1046">
+            <a:extLst>
+              <a:ext uri="{FF2B5EF4-FFF2-40B4-BE49-F238E27FC236}">
+                <a16:creationId xmlns:a16="http://schemas.microsoft.com/office/drawing/2014/main" id="{573E92AB-3CB1-EBA1-2475-1E0A9A473463}"/>
+              </a:ext>
+            </a:extLst>
+          </p:cNvPr>
+          <p:cNvSpPr txBox="1"/>
+          <p:nvPr/>
+        </p:nvSpPr>
+        <p:spPr>
+          <a:xfrm>
+            <a:off x="6595045" y="3404949"/>
+            <a:ext cx="429865" cy="430887"/>
+          </a:xfrm>
+          <a:prstGeom prst="rect">
+            <a:avLst/>
+          </a:prstGeom>
+          <a:noFill/>
+        </p:spPr>
+        <p:txBody>
+          <a:bodyPr wrap="square" lIns="0" tIns="0" rIns="0" bIns="0" rtlCol="0" anchor="ctr">
+            <a:spAutoFit/>
+          </a:bodyPr>
+          <a:lstStyle/>
+          <a:p>
+            <a:pPr algn="ctr"/>
+            <a:r>
+              <a:rPr lang="en-US" sz="2800" dirty="0">
+                <a:latin typeface="Latin Modern Math" panose="02000503000000000000" pitchFamily="2" charset="77"/>
+                <a:ea typeface="Latin Modern Math" panose="02000503000000000000" pitchFamily="2" charset="77"/>
+              </a:rPr>
+              <a:t>?</a:t>
+            </a:r>
+            <a:endParaRPr lang="en-US" sz="1400" dirty="0">
+              <a:latin typeface="Latin Modern Math" panose="02000503000000000000" pitchFamily="2" charset="77"/>
+              <a:ea typeface="Latin Modern Math" panose="02000503000000000000" pitchFamily="2" charset="77"/>
+            </a:endParaRPr>
+          </a:p>
+        </p:txBody>
+      </p:sp>
+      <p:sp>
+        <p:nvSpPr>
+          <p:cNvPr id="1049" name="TextBox 1048">
+            <a:extLst>
+              <a:ext uri="{FF2B5EF4-FFF2-40B4-BE49-F238E27FC236}">
+                <a16:creationId xmlns:a16="http://schemas.microsoft.com/office/drawing/2014/main" id="{0837E1EF-6F75-12DC-CB38-23600D991784}"/>
+              </a:ext>
+            </a:extLst>
+          </p:cNvPr>
+          <p:cNvSpPr txBox="1"/>
+          <p:nvPr/>
+        </p:nvSpPr>
+        <p:spPr>
+          <a:xfrm>
+            <a:off x="7557983" y="3014323"/>
+            <a:ext cx="429865" cy="430887"/>
+          </a:xfrm>
+          <a:prstGeom prst="rect">
+            <a:avLst/>
+          </a:prstGeom>
+          <a:noFill/>
+        </p:spPr>
+        <p:txBody>
+          <a:bodyPr wrap="square" lIns="0" tIns="0" rIns="0" bIns="0" rtlCol="0" anchor="ctr">
+            <a:spAutoFit/>
+          </a:bodyPr>
+          <a:lstStyle/>
+          <a:p>
+            <a:pPr algn="ctr"/>
+            <a:r>
+              <a:rPr lang="en-US" sz="2800" dirty="0">
+                <a:latin typeface="Latin Modern Math" panose="02000503000000000000" pitchFamily="2" charset="77"/>
+                <a:ea typeface="Latin Modern Math" panose="02000503000000000000" pitchFamily="2" charset="77"/>
+              </a:rPr>
+              <a:t>?</a:t>
+            </a:r>
+            <a:endParaRPr lang="en-US" sz="1400" dirty="0">
+              <a:latin typeface="Latin Modern Math" panose="02000503000000000000" pitchFamily="2" charset="77"/>
+              <a:ea typeface="Latin Modern Math" panose="02000503000000000000" pitchFamily="2" charset="77"/>
+            </a:endParaRPr>
+          </a:p>
+        </p:txBody>
+      </p:sp>
+      <p:sp>
+        <p:nvSpPr>
+          <p:cNvPr id="1054" name="TextBox 1053">
+            <a:extLst>
+              <a:ext uri="{FF2B5EF4-FFF2-40B4-BE49-F238E27FC236}">
+                <a16:creationId xmlns:a16="http://schemas.microsoft.com/office/drawing/2014/main" id="{05CF3B58-8409-B417-D84A-12C0F0FBA130}"/>
+              </a:ext>
+            </a:extLst>
+          </p:cNvPr>
+          <p:cNvSpPr txBox="1"/>
+          <p:nvPr/>
+        </p:nvSpPr>
+        <p:spPr>
+          <a:xfrm>
+            <a:off x="5493667" y="783076"/>
+            <a:ext cx="429865" cy="430887"/>
+          </a:xfrm>
+          <a:prstGeom prst="rect">
+            <a:avLst/>
+          </a:prstGeom>
+          <a:noFill/>
+        </p:spPr>
+        <p:txBody>
+          <a:bodyPr wrap="square" lIns="0" tIns="0" rIns="0" bIns="0" rtlCol="0" anchor="ctr">
+            <a:spAutoFit/>
+          </a:bodyPr>
+          <a:lstStyle/>
+          <a:p>
+            <a:pPr algn="ctr"/>
+            <a:r>
+              <a:rPr lang="en-US" sz="2800" dirty="0">
+                <a:latin typeface="Latin Modern Math" panose="02000503000000000000" pitchFamily="2" charset="77"/>
+                <a:ea typeface="Latin Modern Math" panose="02000503000000000000" pitchFamily="2" charset="77"/>
+              </a:rPr>
+              <a:t>?</a:t>
+            </a:r>
+            <a:endParaRPr lang="en-US" sz="1400" dirty="0">
+              <a:latin typeface="Latin Modern Math" panose="02000503000000000000" pitchFamily="2" charset="77"/>
+              <a:ea typeface="Latin Modern Math" panose="02000503000000000000" pitchFamily="2" charset="77"/>
+            </a:endParaRPr>
+          </a:p>
+        </p:txBody>
+      </p:sp>
+      <p:sp>
+        <p:nvSpPr>
+          <p:cNvPr id="1056" name="TextBox 1055">
+            <a:extLst>
+              <a:ext uri="{FF2B5EF4-FFF2-40B4-BE49-F238E27FC236}">
+                <a16:creationId xmlns:a16="http://schemas.microsoft.com/office/drawing/2014/main" id="{93090173-59CC-DFAB-EE1A-412C74D81228}"/>
+              </a:ext>
+            </a:extLst>
+          </p:cNvPr>
+          <p:cNvSpPr txBox="1"/>
+          <p:nvPr/>
+        </p:nvSpPr>
+        <p:spPr>
+          <a:xfrm>
+            <a:off x="5493667" y="1189081"/>
+            <a:ext cx="429865" cy="430887"/>
+          </a:xfrm>
+          <a:prstGeom prst="rect">
+            <a:avLst/>
+          </a:prstGeom>
+          <a:noFill/>
+        </p:spPr>
+        <p:txBody>
+          <a:bodyPr wrap="square" lIns="0" tIns="0" rIns="0" bIns="0" rtlCol="0" anchor="ctr">
+            <a:spAutoFit/>
+          </a:bodyPr>
+          <a:lstStyle/>
+          <a:p>
+            <a:pPr algn="ctr"/>
+            <a:r>
+              <a:rPr lang="en-US" sz="2800" dirty="0">
+                <a:latin typeface="Latin Modern Math" panose="02000503000000000000" pitchFamily="2" charset="77"/>
+                <a:ea typeface="Latin Modern Math" panose="02000503000000000000" pitchFamily="2" charset="77"/>
+              </a:rPr>
+              <a:t>?</a:t>
+            </a:r>
+            <a:endParaRPr lang="en-US" sz="1400" dirty="0">
+              <a:latin typeface="Latin Modern Math" panose="02000503000000000000" pitchFamily="2" charset="77"/>
+              <a:ea typeface="Latin Modern Math" panose="02000503000000000000" pitchFamily="2" charset="77"/>
+            </a:endParaRPr>
+          </a:p>
+        </p:txBody>
+      </p:sp>
+      <p:sp>
+        <p:nvSpPr>
+          <p:cNvPr id="1057" name="TextBox 1056">
+            <a:extLst>
+              <a:ext uri="{FF2B5EF4-FFF2-40B4-BE49-F238E27FC236}">
+                <a16:creationId xmlns:a16="http://schemas.microsoft.com/office/drawing/2014/main" id="{6A77B745-EC98-D27D-2A65-49D73E38918E}"/>
+              </a:ext>
+            </a:extLst>
+          </p:cNvPr>
+          <p:cNvSpPr txBox="1"/>
+          <p:nvPr/>
+        </p:nvSpPr>
+        <p:spPr>
+          <a:xfrm>
+            <a:off x="5493667" y="1560430"/>
+            <a:ext cx="429865" cy="430887"/>
+          </a:xfrm>
+          <a:prstGeom prst="rect">
+            <a:avLst/>
+          </a:prstGeom>
+          <a:noFill/>
+        </p:spPr>
+        <p:txBody>
+          <a:bodyPr wrap="square" lIns="0" tIns="0" rIns="0" bIns="0" rtlCol="0" anchor="ctr">
+            <a:spAutoFit/>
+          </a:bodyPr>
+          <a:lstStyle/>
+          <a:p>
+            <a:pPr algn="ctr"/>
+            <a:r>
+              <a:rPr lang="en-US" sz="2800" dirty="0">
+                <a:latin typeface="Latin Modern Math" panose="02000503000000000000" pitchFamily="2" charset="77"/>
+                <a:ea typeface="Latin Modern Math" panose="02000503000000000000" pitchFamily="2" charset="77"/>
+              </a:rPr>
+              <a:t>?</a:t>
+            </a:r>
+            <a:endParaRPr lang="en-US" sz="1400" dirty="0">
+              <a:latin typeface="Latin Modern Math" panose="02000503000000000000" pitchFamily="2" charset="77"/>
+              <a:ea typeface="Latin Modern Math" panose="02000503000000000000" pitchFamily="2" charset="77"/>
+            </a:endParaRPr>
+          </a:p>
+        </p:txBody>
+      </p:sp>
+      <p:sp>
+        <p:nvSpPr>
+          <p:cNvPr id="1058" name="TextBox 1057">
+            <a:extLst>
+              <a:ext uri="{FF2B5EF4-FFF2-40B4-BE49-F238E27FC236}">
+                <a16:creationId xmlns:a16="http://schemas.microsoft.com/office/drawing/2014/main" id="{8ECA113B-82AB-45A7-1EBB-36503D6ED111}"/>
+              </a:ext>
+            </a:extLst>
+          </p:cNvPr>
+          <p:cNvSpPr txBox="1"/>
+          <p:nvPr/>
+        </p:nvSpPr>
+        <p:spPr>
+          <a:xfrm>
+            <a:off x="7557983" y="785901"/>
+            <a:ext cx="429865" cy="430887"/>
+          </a:xfrm>
+          <a:prstGeom prst="rect">
+            <a:avLst/>
+          </a:prstGeom>
+          <a:noFill/>
+        </p:spPr>
+        <p:txBody>
+          <a:bodyPr wrap="square" lIns="0" tIns="0" rIns="0" bIns="0" rtlCol="0" anchor="ctr">
+            <a:spAutoFit/>
+          </a:bodyPr>
+          <a:lstStyle/>
+          <a:p>
+            <a:pPr algn="ctr"/>
+            <a:r>
+              <a:rPr lang="en-US" sz="2800" dirty="0">
+                <a:latin typeface="Latin Modern Math" panose="02000503000000000000" pitchFamily="2" charset="77"/>
+                <a:ea typeface="Latin Modern Math" panose="02000503000000000000" pitchFamily="2" charset="77"/>
+              </a:rPr>
+              <a:t>?</a:t>
+            </a:r>
+            <a:endParaRPr lang="en-US" sz="1400" dirty="0">
+              <a:latin typeface="Latin Modern Math" panose="02000503000000000000" pitchFamily="2" charset="77"/>
+              <a:ea typeface="Latin Modern Math" panose="02000503000000000000" pitchFamily="2" charset="77"/>
+            </a:endParaRPr>
+          </a:p>
+        </p:txBody>
+      </p:sp>
+      <p:sp>
+        <p:nvSpPr>
+          <p:cNvPr id="1060" name="TextBox 1059">
+            <a:extLst>
+              <a:ext uri="{FF2B5EF4-FFF2-40B4-BE49-F238E27FC236}">
+                <a16:creationId xmlns:a16="http://schemas.microsoft.com/office/drawing/2014/main" id="{ECCFF2E2-483E-6EA4-CD2E-EBB9551DCF3E}"/>
+              </a:ext>
+            </a:extLst>
+          </p:cNvPr>
+          <p:cNvSpPr txBox="1"/>
+          <p:nvPr/>
+        </p:nvSpPr>
+        <p:spPr>
+          <a:xfrm>
+            <a:off x="7557983" y="1191906"/>
+            <a:ext cx="429865" cy="430887"/>
+          </a:xfrm>
+          <a:prstGeom prst="rect">
+            <a:avLst/>
+          </a:prstGeom>
+          <a:noFill/>
+        </p:spPr>
+        <p:txBody>
+          <a:bodyPr wrap="square" lIns="0" tIns="0" rIns="0" bIns="0" rtlCol="0" anchor="ctr">
+            <a:spAutoFit/>
+          </a:bodyPr>
+          <a:lstStyle/>
+          <a:p>
+            <a:pPr algn="ctr"/>
+            <a:r>
+              <a:rPr lang="en-US" sz="2800" dirty="0">
+                <a:latin typeface="Latin Modern Math" panose="02000503000000000000" pitchFamily="2" charset="77"/>
+                <a:ea typeface="Latin Modern Math" panose="02000503000000000000" pitchFamily="2" charset="77"/>
+              </a:rPr>
+              <a:t>?</a:t>
+            </a:r>
+            <a:endParaRPr lang="en-US" sz="1400" dirty="0">
+              <a:latin typeface="Latin Modern Math" panose="02000503000000000000" pitchFamily="2" charset="77"/>
+              <a:ea typeface="Latin Modern Math" panose="02000503000000000000" pitchFamily="2" charset="77"/>
+            </a:endParaRPr>
+          </a:p>
+        </p:txBody>
+      </p:sp>
+      <p:sp>
+        <p:nvSpPr>
+          <p:cNvPr id="1062" name="TextBox 1061">
+            <a:extLst>
+              <a:ext uri="{FF2B5EF4-FFF2-40B4-BE49-F238E27FC236}">
+                <a16:creationId xmlns:a16="http://schemas.microsoft.com/office/drawing/2014/main" id="{D00A87C3-BAB4-DAE3-2FE9-5ABE9DDE31E7}"/>
+              </a:ext>
+            </a:extLst>
+          </p:cNvPr>
+          <p:cNvSpPr txBox="1"/>
+          <p:nvPr/>
+        </p:nvSpPr>
+        <p:spPr>
+          <a:xfrm>
+            <a:off x="7557983" y="1563255"/>
+            <a:ext cx="429865" cy="430887"/>
+          </a:xfrm>
+          <a:prstGeom prst="rect">
+            <a:avLst/>
+          </a:prstGeom>
+          <a:noFill/>
+        </p:spPr>
+        <p:txBody>
+          <a:bodyPr wrap="square" lIns="0" tIns="0" rIns="0" bIns="0" rtlCol="0" anchor="ctr">
+            <a:spAutoFit/>
+          </a:bodyPr>
+          <a:lstStyle/>
+          <a:p>
+            <a:pPr algn="ctr"/>
+            <a:r>
+              <a:rPr lang="en-US" sz="2800" dirty="0">
+                <a:latin typeface="Latin Modern Math" panose="02000503000000000000" pitchFamily="2" charset="77"/>
+                <a:ea typeface="Latin Modern Math" panose="02000503000000000000" pitchFamily="2" charset="77"/>
+              </a:rPr>
+              <a:t>?</a:t>
+            </a:r>
+            <a:endParaRPr lang="en-US" sz="1400" dirty="0">
+              <a:latin typeface="Latin Modern Math" panose="02000503000000000000" pitchFamily="2" charset="77"/>
+              <a:ea typeface="Latin Modern Math" panose="02000503000000000000" pitchFamily="2" charset="77"/>
+            </a:endParaRPr>
+          </a:p>
+        </p:txBody>
+      </p:sp>
+      <p:pic>
+        <p:nvPicPr>
+          <p:cNvPr id="1063" name="Graphic 1062" descr="Checkmark with solid fill">
+            <a:extLst>
+              <a:ext uri="{FF2B5EF4-FFF2-40B4-BE49-F238E27FC236}">
+                <a16:creationId xmlns:a16="http://schemas.microsoft.com/office/drawing/2014/main" id="{47C1DAD1-F998-053A-6705-927BAD7AE68D}"/>
+              </a:ext>
+            </a:extLst>
+          </p:cNvPr>
+          <p:cNvPicPr>
+            <a:picLocks noChangeAspect="1"/>
+          </p:cNvPicPr>
+          <p:nvPr/>
+        </p:nvPicPr>
+        <p:blipFill>
+          <a:blip r:embed="rId9">
+            <a:extLst>
+              <a:ext uri="{96DAC541-7B7A-43D3-8B79-37D633B846F1}">
+                <asvg:svgBlip xmlns:asvg="http://schemas.microsoft.com/office/drawing/2016/SVG/main" r:embed="rId10"/>
+              </a:ext>
+            </a:extLst>
+          </a:blip>
+          <a:stretch>
+            <a:fillRect/>
+          </a:stretch>
+        </p:blipFill>
+        <p:spPr>
+          <a:xfrm>
+            <a:off x="2250317" y="2109177"/>
+            <a:ext cx="332400" cy="332400"/>
+          </a:xfrm>
+          <a:prstGeom prst="rect">
+            <a:avLst/>
+          </a:prstGeom>
+        </p:spPr>
+      </p:pic>
+      <p:pic>
+        <p:nvPicPr>
+          <p:cNvPr id="1064" name="Graphic 1063" descr="Checkmark with solid fill">
+            <a:extLst>
+              <a:ext uri="{FF2B5EF4-FFF2-40B4-BE49-F238E27FC236}">
+                <a16:creationId xmlns:a16="http://schemas.microsoft.com/office/drawing/2014/main" id="{A41A3BCA-CE4C-27EE-39DA-5B48807B9BE1}"/>
+              </a:ext>
+            </a:extLst>
+          </p:cNvPr>
+          <p:cNvPicPr>
+            <a:picLocks noChangeAspect="1"/>
+          </p:cNvPicPr>
+          <p:nvPr/>
+        </p:nvPicPr>
+        <p:blipFill>
+          <a:blip r:embed="rId9">
+            <a:extLst>
+              <a:ext uri="{96DAC541-7B7A-43D3-8B79-37D633B846F1}">
+                <asvg:svgBlip xmlns:asvg="http://schemas.microsoft.com/office/drawing/2016/SVG/main" r:embed="rId10"/>
+              </a:ext>
+            </a:extLst>
+          </a:blip>
+          <a:stretch>
+            <a:fillRect/>
+          </a:stretch>
+        </p:blipFill>
+        <p:spPr>
+          <a:xfrm>
+            <a:off x="2944354" y="2096289"/>
+            <a:ext cx="332400" cy="332400"/>
+          </a:xfrm>
+          <a:prstGeom prst="rect">
+            <a:avLst/>
+          </a:prstGeom>
+        </p:spPr>
+      </p:pic>
+      <p:pic>
+        <p:nvPicPr>
+          <p:cNvPr id="1065" name="Graphic 1064" descr="Checkmark with solid fill">
+            <a:extLst>
+              <a:ext uri="{FF2B5EF4-FFF2-40B4-BE49-F238E27FC236}">
+                <a16:creationId xmlns:a16="http://schemas.microsoft.com/office/drawing/2014/main" id="{83A921E2-6203-7C1A-C70C-903A0DD4DBF8}"/>
+              </a:ext>
+            </a:extLst>
+          </p:cNvPr>
+          <p:cNvPicPr>
+            <a:picLocks noChangeAspect="1"/>
+          </p:cNvPicPr>
+          <p:nvPr/>
+        </p:nvPicPr>
+        <p:blipFill>
+          <a:blip r:embed="rId9">
+            <a:extLst>
+              <a:ext uri="{96DAC541-7B7A-43D3-8B79-37D633B846F1}">
+                <asvg:svgBlip xmlns:asvg="http://schemas.microsoft.com/office/drawing/2016/SVG/main" r:embed="rId10"/>
+              </a:ext>
+            </a:extLst>
+          </a:blip>
+          <a:stretch>
+            <a:fillRect/>
+          </a:stretch>
+        </p:blipFill>
+        <p:spPr>
+          <a:xfrm>
+            <a:off x="2250317" y="2601281"/>
+            <a:ext cx="332400" cy="332400"/>
+          </a:xfrm>
+          <a:prstGeom prst="rect">
+            <a:avLst/>
+          </a:prstGeom>
+        </p:spPr>
+      </p:pic>
+      <p:pic>
+        <p:nvPicPr>
+          <p:cNvPr id="1066" name="Graphic 1065" descr="Checkmark with solid fill">
+            <a:extLst>
+              <a:ext uri="{FF2B5EF4-FFF2-40B4-BE49-F238E27FC236}">
+                <a16:creationId xmlns:a16="http://schemas.microsoft.com/office/drawing/2014/main" id="{34D99EB9-79EB-6163-2C11-0D4FCCB9E61F}"/>
+              </a:ext>
+            </a:extLst>
+          </p:cNvPr>
+          <p:cNvPicPr>
+            <a:picLocks noChangeAspect="1"/>
+          </p:cNvPicPr>
+          <p:nvPr/>
+        </p:nvPicPr>
+        <p:blipFill>
+          <a:blip r:embed="rId9">
+            <a:extLst>
+              <a:ext uri="{96DAC541-7B7A-43D3-8B79-37D633B846F1}">
+                <asvg:svgBlip xmlns:asvg="http://schemas.microsoft.com/office/drawing/2016/SVG/main" r:embed="rId10"/>
+              </a:ext>
+            </a:extLst>
+          </a:blip>
+          <a:stretch>
+            <a:fillRect/>
+          </a:stretch>
+        </p:blipFill>
+        <p:spPr>
+          <a:xfrm>
+            <a:off x="2944354" y="2588393"/>
+            <a:ext cx="332400" cy="332400"/>
+          </a:xfrm>
+          <a:prstGeom prst="rect">
+            <a:avLst/>
+          </a:prstGeom>
+        </p:spPr>
+      </p:pic>
+      <p:pic>
+        <p:nvPicPr>
+          <p:cNvPr id="1067" name="Graphic 1066" descr="Checkmark with solid fill">
+            <a:extLst>
+              <a:ext uri="{FF2B5EF4-FFF2-40B4-BE49-F238E27FC236}">
+                <a16:creationId xmlns:a16="http://schemas.microsoft.com/office/drawing/2014/main" id="{3F2DAE91-C39D-BD8C-B584-E0629D860EDF}"/>
+              </a:ext>
+            </a:extLst>
+          </p:cNvPr>
+          <p:cNvPicPr>
+            <a:picLocks noChangeAspect="1"/>
+          </p:cNvPicPr>
+          <p:nvPr/>
+        </p:nvPicPr>
+        <p:blipFill>
+          <a:blip r:embed="rId9">
+            <a:extLst>
+              <a:ext uri="{96DAC541-7B7A-43D3-8B79-37D633B846F1}">
+                <asvg:svgBlip xmlns:asvg="http://schemas.microsoft.com/office/drawing/2016/SVG/main" r:embed="rId10"/>
+              </a:ext>
+            </a:extLst>
+          </a:blip>
+          <a:stretch>
+            <a:fillRect/>
+          </a:stretch>
+        </p:blipFill>
+        <p:spPr>
+          <a:xfrm>
+            <a:off x="3610459" y="2605241"/>
+            <a:ext cx="332400" cy="332400"/>
+          </a:xfrm>
+          <a:prstGeom prst="rect">
+            <a:avLst/>
+          </a:prstGeom>
+        </p:spPr>
+      </p:pic>
+      <p:pic>
+        <p:nvPicPr>
+          <p:cNvPr id="1068" name="Graphic 1067" descr="Checkmark with solid fill">
+            <a:extLst>
+              <a:ext uri="{FF2B5EF4-FFF2-40B4-BE49-F238E27FC236}">
+                <a16:creationId xmlns:a16="http://schemas.microsoft.com/office/drawing/2014/main" id="{8C0D4E4D-B87E-3B03-B5DA-EFD14BCCFF8E}"/>
+              </a:ext>
+            </a:extLst>
+          </p:cNvPr>
+          <p:cNvPicPr>
+            <a:picLocks noChangeAspect="1"/>
+          </p:cNvPicPr>
+          <p:nvPr/>
+        </p:nvPicPr>
+        <p:blipFill>
+          <a:blip r:embed="rId9">
+            <a:extLst>
+              <a:ext uri="{96DAC541-7B7A-43D3-8B79-37D633B846F1}">
+                <asvg:svgBlip xmlns:asvg="http://schemas.microsoft.com/office/drawing/2016/SVG/main" r:embed="rId10"/>
+              </a:ext>
+            </a:extLst>
+          </a:blip>
+          <a:stretch>
+            <a:fillRect/>
+          </a:stretch>
+        </p:blipFill>
+        <p:spPr>
+          <a:xfrm>
+            <a:off x="4400799" y="2092965"/>
+            <a:ext cx="332400" cy="332400"/>
+          </a:xfrm>
+          <a:prstGeom prst="rect">
+            <a:avLst/>
+          </a:prstGeom>
+        </p:spPr>
+      </p:pic>
+      <p:pic>
+        <p:nvPicPr>
+          <p:cNvPr id="1069" name="Graphic 1068" descr="Close with solid fill">
+            <a:extLst>
+              <a:ext uri="{FF2B5EF4-FFF2-40B4-BE49-F238E27FC236}">
+                <a16:creationId xmlns:a16="http://schemas.microsoft.com/office/drawing/2014/main" id="{7DA73FF4-29FE-5F84-B5C2-56A51EB26603}"/>
+              </a:ext>
+            </a:extLst>
+          </p:cNvPr>
+          <p:cNvPicPr>
+            <a:picLocks noChangeAspect="1"/>
+          </p:cNvPicPr>
+          <p:nvPr/>
+        </p:nvPicPr>
+        <p:blipFill>
+          <a:blip r:embed="rId13">
+            <a:extLst>
+              <a:ext uri="{96DAC541-7B7A-43D3-8B79-37D633B846F1}">
+                <asvg:svgBlip xmlns:asvg="http://schemas.microsoft.com/office/drawing/2016/SVG/main" r:embed="rId14"/>
+              </a:ext>
+            </a:extLst>
+          </a:blip>
+          <a:stretch>
+            <a:fillRect/>
+          </a:stretch>
+        </p:blipFill>
+        <p:spPr>
+          <a:xfrm>
+            <a:off x="5533255" y="2099718"/>
+            <a:ext cx="350688" cy="350688"/>
+          </a:xfrm>
+          <a:prstGeom prst="rect">
+            <a:avLst/>
+          </a:prstGeom>
+        </p:spPr>
+      </p:pic>
+      <p:pic>
+        <p:nvPicPr>
+          <p:cNvPr id="1071" name="Graphic 1070" descr="Close with solid fill">
+            <a:extLst>
+              <a:ext uri="{FF2B5EF4-FFF2-40B4-BE49-F238E27FC236}">
+                <a16:creationId xmlns:a16="http://schemas.microsoft.com/office/drawing/2014/main" id="{C7C21A03-2AAD-C301-84CF-67530A097D2D}"/>
+              </a:ext>
+            </a:extLst>
+          </p:cNvPr>
+          <p:cNvPicPr>
+            <a:picLocks noChangeAspect="1"/>
+          </p:cNvPicPr>
+          <p:nvPr/>
+        </p:nvPicPr>
+        <p:blipFill>
+          <a:blip r:embed="rId11">
+            <a:extLst>
+              <a:ext uri="{96DAC541-7B7A-43D3-8B79-37D633B846F1}">
+                <asvg:svgBlip xmlns:asvg="http://schemas.microsoft.com/office/drawing/2016/SVG/main" r:embed="rId12"/>
+              </a:ext>
+            </a:extLst>
+          </a:blip>
+          <a:stretch>
+            <a:fillRect/>
+          </a:stretch>
+        </p:blipFill>
+        <p:spPr>
+          <a:xfrm>
+            <a:off x="4391655" y="2583158"/>
+            <a:ext cx="350688" cy="350688"/>
+          </a:xfrm>
+          <a:prstGeom prst="rect">
+            <a:avLst/>
+          </a:prstGeom>
+        </p:spPr>
+      </p:pic>
+      <p:pic>
+        <p:nvPicPr>
+          <p:cNvPr id="1072" name="Graphic 1071" descr="Close with solid fill">
+            <a:extLst>
+              <a:ext uri="{FF2B5EF4-FFF2-40B4-BE49-F238E27FC236}">
+                <a16:creationId xmlns:a16="http://schemas.microsoft.com/office/drawing/2014/main" id="{C7EE9C60-F9EF-70E2-666F-F9F617034E33}"/>
+              </a:ext>
+            </a:extLst>
+          </p:cNvPr>
+          <p:cNvPicPr>
+            <a:picLocks noChangeAspect="1"/>
+          </p:cNvPicPr>
+          <p:nvPr/>
+        </p:nvPicPr>
+        <p:blipFill>
+          <a:blip r:embed="rId11">
+            <a:extLst>
+              <a:ext uri="{96DAC541-7B7A-43D3-8B79-37D633B846F1}">
+                <asvg:svgBlip xmlns:asvg="http://schemas.microsoft.com/office/drawing/2016/SVG/main" r:embed="rId12"/>
+              </a:ext>
+            </a:extLst>
+          </a:blip>
+          <a:stretch>
+            <a:fillRect/>
+          </a:stretch>
+        </p:blipFill>
+        <p:spPr>
+          <a:xfrm>
+            <a:off x="4391655" y="5155687"/>
+            <a:ext cx="350688" cy="350688"/>
+          </a:xfrm>
+          <a:prstGeom prst="rect">
+            <a:avLst/>
+          </a:prstGeom>
+        </p:spPr>
+      </p:pic>
+      <p:pic>
+        <p:nvPicPr>
+          <p:cNvPr id="1073" name="Graphic 1072" descr="Close with solid fill">
+            <a:extLst>
+              <a:ext uri="{FF2B5EF4-FFF2-40B4-BE49-F238E27FC236}">
+                <a16:creationId xmlns:a16="http://schemas.microsoft.com/office/drawing/2014/main" id="{68A58F84-D5EF-6FC7-9C6C-A523B98C712D}"/>
+              </a:ext>
+            </a:extLst>
+          </p:cNvPr>
+          <p:cNvPicPr>
+            <a:picLocks noChangeAspect="1"/>
+          </p:cNvPicPr>
+          <p:nvPr/>
+        </p:nvPicPr>
+        <p:blipFill>
+          <a:blip r:embed="rId11">
+            <a:extLst>
+              <a:ext uri="{96DAC541-7B7A-43D3-8B79-37D633B846F1}">
+                <asvg:svgBlip xmlns:asvg="http://schemas.microsoft.com/office/drawing/2016/SVG/main" r:embed="rId12"/>
+              </a:ext>
+            </a:extLst>
+          </a:blip>
+          <a:stretch>
+            <a:fillRect/>
+          </a:stretch>
+        </p:blipFill>
+        <p:spPr>
+          <a:xfrm>
+            <a:off x="4391655" y="4240023"/>
+            <a:ext cx="350688" cy="350688"/>
+          </a:xfrm>
+          <a:prstGeom prst="rect">
+            <a:avLst/>
+          </a:prstGeom>
+        </p:spPr>
+      </p:pic>
+      <p:cxnSp>
+        <p:nvCxnSpPr>
+          <p:cNvPr id="1074" name="Straight Connector 1073">
+            <a:extLst>
+              <a:ext uri="{FF2B5EF4-FFF2-40B4-BE49-F238E27FC236}">
+                <a16:creationId xmlns:a16="http://schemas.microsoft.com/office/drawing/2014/main" id="{DF052159-0020-1402-5441-2A889F76A8DF}"/>
+              </a:ext>
+            </a:extLst>
+          </p:cNvPr>
+          <p:cNvCxnSpPr>
+            <a:cxnSpLocks/>
+          </p:cNvCxnSpPr>
+          <p:nvPr/>
+        </p:nvCxnSpPr>
+        <p:spPr>
+          <a:xfrm>
+            <a:off x="2042637" y="3437019"/>
+            <a:ext cx="6233480" cy="0"/>
+          </a:xfrm>
+          <a:prstGeom prst="line">
+            <a:avLst/>
+          </a:prstGeom>
+          <a:ln w="6350">
+            <a:solidFill>
+              <a:schemeClr val="tx1">
+                <a:lumMod val="50000"/>
+                <a:lumOff val="50000"/>
+              </a:schemeClr>
+            </a:solidFill>
+            <a:prstDash val="lgDash"/>
+          </a:ln>
+        </p:spPr>
+        <p:style>
+          <a:lnRef idx="2">
+            <a:schemeClr val="accent1"/>
+          </a:lnRef>
+          <a:fillRef idx="0">
+            <a:schemeClr val="accent1"/>
+          </a:fillRef>
+          <a:effectRef idx="1">
+            <a:schemeClr val="accent1"/>
+          </a:effectRef>
+          <a:fontRef idx="minor">
+            <a:schemeClr val="tx1"/>
+          </a:fontRef>
+        </p:style>
+      </p:cxnSp>
+      <p:sp>
+        <p:nvSpPr>
+          <p:cNvPr id="1076" name="TextBox 1075">
+            <a:extLst>
+              <a:ext uri="{FF2B5EF4-FFF2-40B4-BE49-F238E27FC236}">
+                <a16:creationId xmlns:a16="http://schemas.microsoft.com/office/drawing/2014/main" id="{631B9772-C4B4-2987-5A40-858F874D8E00}"/>
+              </a:ext>
+            </a:extLst>
+          </p:cNvPr>
+          <p:cNvSpPr txBox="1"/>
+          <p:nvPr/>
+        </p:nvSpPr>
+        <p:spPr>
+          <a:xfrm>
+            <a:off x="1326343" y="3090850"/>
+            <a:ext cx="606256" cy="261610"/>
+          </a:xfrm>
+          <a:prstGeom prst="rect">
+            <a:avLst/>
+          </a:prstGeom>
+          <a:noFill/>
+        </p:spPr>
+        <p:txBody>
+          <a:bodyPr wrap="none" rtlCol="0">
+            <a:spAutoFit/>
+          </a:bodyPr>
+          <a:lstStyle/>
+          <a:p>
+            <a:r>
+              <a:rPr lang="en-US" sz="1100" dirty="0"/>
+              <a:t>2g + 1g</a:t>
+            </a:r>
+          </a:p>
+        </p:txBody>
+      </p:sp>
+      <p:sp>
+        <p:nvSpPr>
+          <p:cNvPr id="1077" name="TextBox 1076">
+            <a:extLst>
+              <a:ext uri="{FF2B5EF4-FFF2-40B4-BE49-F238E27FC236}">
+                <a16:creationId xmlns:a16="http://schemas.microsoft.com/office/drawing/2014/main" id="{E11C4A95-6B84-1C2F-5991-28C980C3A3C1}"/>
+              </a:ext>
+            </a:extLst>
+          </p:cNvPr>
+          <p:cNvSpPr txBox="1"/>
+          <p:nvPr/>
+        </p:nvSpPr>
+        <p:spPr>
+          <a:xfrm>
+            <a:off x="1336384" y="3564675"/>
+            <a:ext cx="606256" cy="261610"/>
+          </a:xfrm>
+          <a:prstGeom prst="rect">
+            <a:avLst/>
+          </a:prstGeom>
+          <a:noFill/>
+        </p:spPr>
+        <p:txBody>
+          <a:bodyPr wrap="none" rtlCol="0">
+            <a:spAutoFit/>
+          </a:bodyPr>
+          <a:lstStyle/>
+          <a:p>
+            <a:r>
+              <a:rPr lang="en-US" sz="1100" dirty="0"/>
+              <a:t>2g + 2g</a:t>
+            </a:r>
+          </a:p>
+        </p:txBody>
+      </p:sp>
+      <p:pic>
+        <p:nvPicPr>
+          <p:cNvPr id="1078" name="Graphic 1077" descr="Checkmark with solid fill">
+            <a:extLst>
+              <a:ext uri="{FF2B5EF4-FFF2-40B4-BE49-F238E27FC236}">
+                <a16:creationId xmlns:a16="http://schemas.microsoft.com/office/drawing/2014/main" id="{E02E7053-F88A-B559-5F58-DA174BACB4F4}"/>
+              </a:ext>
+            </a:extLst>
+          </p:cNvPr>
+          <p:cNvPicPr>
+            <a:picLocks noChangeAspect="1"/>
+          </p:cNvPicPr>
+          <p:nvPr/>
+        </p:nvPicPr>
+        <p:blipFill>
+          <a:blip r:embed="rId9">
+            <a:extLst>
+              <a:ext uri="{96DAC541-7B7A-43D3-8B79-37D633B846F1}">
+                <asvg:svgBlip xmlns:asvg="http://schemas.microsoft.com/office/drawing/2016/SVG/main" r:embed="rId10"/>
+              </a:ext>
+            </a:extLst>
+          </a:blip>
+          <a:stretch>
+            <a:fillRect/>
+          </a:stretch>
+        </p:blipFill>
+        <p:spPr>
+          <a:xfrm>
+            <a:off x="2250317" y="4249167"/>
+            <a:ext cx="332400" cy="332400"/>
+          </a:xfrm>
+          <a:prstGeom prst="rect">
+            <a:avLst/>
+          </a:prstGeom>
+        </p:spPr>
+      </p:pic>
+      <p:pic>
+        <p:nvPicPr>
+          <p:cNvPr id="1079" name="Graphic 1078" descr="Close with solid fill">
+            <a:extLst>
+              <a:ext uri="{FF2B5EF4-FFF2-40B4-BE49-F238E27FC236}">
+                <a16:creationId xmlns:a16="http://schemas.microsoft.com/office/drawing/2014/main" id="{0AD9C8A9-4DE9-07A3-B66C-4BE663B63822}"/>
+              </a:ext>
+            </a:extLst>
+          </p:cNvPr>
+          <p:cNvPicPr>
+            <a:picLocks noChangeAspect="1"/>
+          </p:cNvPicPr>
+          <p:nvPr/>
+        </p:nvPicPr>
+        <p:blipFill>
+          <a:blip r:embed="rId11">
+            <a:extLst>
+              <a:ext uri="{96DAC541-7B7A-43D3-8B79-37D633B846F1}">
+                <asvg:svgBlip xmlns:asvg="http://schemas.microsoft.com/office/drawing/2016/SVG/main" r:embed="rId12"/>
+              </a:ext>
+            </a:extLst>
+          </a:blip>
+          <a:stretch>
+            <a:fillRect/>
+          </a:stretch>
+        </p:blipFill>
+        <p:spPr>
+          <a:xfrm>
+            <a:off x="2241173" y="3068303"/>
+            <a:ext cx="350688" cy="350688"/>
+          </a:xfrm>
+          <a:prstGeom prst="rect">
+            <a:avLst/>
+          </a:prstGeom>
+        </p:spPr>
+      </p:pic>
+      <p:pic>
+        <p:nvPicPr>
+          <p:cNvPr id="1080" name="Graphic 1079" descr="Close with solid fill">
+            <a:extLst>
+              <a:ext uri="{FF2B5EF4-FFF2-40B4-BE49-F238E27FC236}">
+                <a16:creationId xmlns:a16="http://schemas.microsoft.com/office/drawing/2014/main" id="{3D344D75-288F-AFF1-B451-118B6E5B02B2}"/>
+              </a:ext>
+            </a:extLst>
+          </p:cNvPr>
+          <p:cNvPicPr>
+            <a:picLocks noChangeAspect="1"/>
+          </p:cNvPicPr>
+          <p:nvPr/>
+        </p:nvPicPr>
+        <p:blipFill>
+          <a:blip r:embed="rId11">
+            <a:extLst>
+              <a:ext uri="{96DAC541-7B7A-43D3-8B79-37D633B846F1}">
+                <asvg:svgBlip xmlns:asvg="http://schemas.microsoft.com/office/drawing/2016/SVG/main" r:embed="rId12"/>
+              </a:ext>
+            </a:extLst>
+          </a:blip>
+          <a:stretch>
+            <a:fillRect/>
+          </a:stretch>
+        </p:blipFill>
+        <p:spPr>
+          <a:xfrm>
+            <a:off x="4391655" y="3052469"/>
+            <a:ext cx="350688" cy="350688"/>
+          </a:xfrm>
+          <a:prstGeom prst="rect">
+            <a:avLst/>
+          </a:prstGeom>
+        </p:spPr>
+      </p:pic>
+      <p:pic>
+        <p:nvPicPr>
+          <p:cNvPr id="1081" name="Graphic 1080" descr="Close with solid fill">
+            <a:extLst>
+              <a:ext uri="{FF2B5EF4-FFF2-40B4-BE49-F238E27FC236}">
+                <a16:creationId xmlns:a16="http://schemas.microsoft.com/office/drawing/2014/main" id="{980B4799-7584-BE65-5CD9-B39C6525466A}"/>
+              </a:ext>
+            </a:extLst>
+          </p:cNvPr>
+          <p:cNvPicPr>
+            <a:picLocks noChangeAspect="1"/>
+          </p:cNvPicPr>
+          <p:nvPr/>
+        </p:nvPicPr>
+        <p:blipFill>
+          <a:blip r:embed="rId11">
+            <a:extLst>
+              <a:ext uri="{96DAC541-7B7A-43D3-8B79-37D633B846F1}">
+                <asvg:svgBlip xmlns:asvg="http://schemas.microsoft.com/office/drawing/2016/SVG/main" r:embed="rId12"/>
+              </a:ext>
+            </a:extLst>
+          </a:blip>
+          <a:stretch>
+            <a:fillRect/>
+          </a:stretch>
+        </p:blipFill>
+        <p:spPr>
+          <a:xfrm>
+            <a:off x="5533255" y="3052396"/>
+            <a:ext cx="350688" cy="350688"/>
+          </a:xfrm>
+          <a:prstGeom prst="rect">
+            <a:avLst/>
+          </a:prstGeom>
+        </p:spPr>
+      </p:pic>
+      <p:pic>
+        <p:nvPicPr>
+          <p:cNvPr id="1082" name="Graphic 1081" descr="Close with solid fill">
+            <a:extLst>
+              <a:ext uri="{FF2B5EF4-FFF2-40B4-BE49-F238E27FC236}">
+                <a16:creationId xmlns:a16="http://schemas.microsoft.com/office/drawing/2014/main" id="{F4D026C8-CFAC-368B-60BC-940DDBD3E91E}"/>
+              </a:ext>
+            </a:extLst>
+          </p:cNvPr>
+          <p:cNvPicPr>
+            <a:picLocks noChangeAspect="1"/>
+          </p:cNvPicPr>
+          <p:nvPr/>
+        </p:nvPicPr>
+        <p:blipFill>
+          <a:blip r:embed="rId11">
+            <a:extLst>
+              <a:ext uri="{96DAC541-7B7A-43D3-8B79-37D633B846F1}">
+                <asvg:svgBlip xmlns:asvg="http://schemas.microsoft.com/office/drawing/2016/SVG/main" r:embed="rId12"/>
+              </a:ext>
+            </a:extLst>
+          </a:blip>
+          <a:stretch>
+            <a:fillRect/>
+          </a:stretch>
+        </p:blipFill>
+        <p:spPr>
+          <a:xfrm>
+            <a:off x="5533255" y="3445048"/>
+            <a:ext cx="350688" cy="350688"/>
+          </a:xfrm>
+          <a:prstGeom prst="rect">
+            <a:avLst/>
+          </a:prstGeom>
+        </p:spPr>
+      </p:pic>
+      <p:pic>
+        <p:nvPicPr>
+          <p:cNvPr id="1083" name="Graphic 1082" descr="Checkmark with solid fill">
+            <a:extLst>
+              <a:ext uri="{FF2B5EF4-FFF2-40B4-BE49-F238E27FC236}">
+                <a16:creationId xmlns:a16="http://schemas.microsoft.com/office/drawing/2014/main" id="{85018758-90EB-17C9-4483-5C9FAF8A4847}"/>
+              </a:ext>
+            </a:extLst>
+          </p:cNvPr>
+          <p:cNvPicPr>
+            <a:picLocks noChangeAspect="1"/>
+          </p:cNvPicPr>
+          <p:nvPr/>
+        </p:nvPicPr>
+        <p:blipFill>
+          <a:blip r:embed="rId9">
+            <a:extLst>
+              <a:ext uri="{96DAC541-7B7A-43D3-8B79-37D633B846F1}">
+                <asvg:svgBlip xmlns:asvg="http://schemas.microsoft.com/office/drawing/2016/SVG/main" r:embed="rId10"/>
+              </a:ext>
+            </a:extLst>
+          </a:blip>
+          <a:stretch>
+            <a:fillRect/>
+          </a:stretch>
+        </p:blipFill>
+        <p:spPr>
+          <a:xfrm>
+            <a:off x="2944354" y="5164831"/>
+            <a:ext cx="332400" cy="332400"/>
+          </a:xfrm>
+          <a:prstGeom prst="rect">
+            <a:avLst/>
+          </a:prstGeom>
+        </p:spPr>
+      </p:pic>
+      <p:pic>
+        <p:nvPicPr>
+          <p:cNvPr id="1084" name="Graphic 1083" descr="Close with solid fill">
+            <a:extLst>
+              <a:ext uri="{FF2B5EF4-FFF2-40B4-BE49-F238E27FC236}">
+                <a16:creationId xmlns:a16="http://schemas.microsoft.com/office/drawing/2014/main" id="{F8E49F57-90DC-03EB-0C6B-437E53C303FF}"/>
+              </a:ext>
+            </a:extLst>
+          </p:cNvPr>
+          <p:cNvPicPr>
+            <a:picLocks noChangeAspect="1"/>
+          </p:cNvPicPr>
+          <p:nvPr/>
+        </p:nvPicPr>
+        <p:blipFill>
+          <a:blip r:embed="rId11">
+            <a:extLst>
+              <a:ext uri="{96DAC541-7B7A-43D3-8B79-37D633B846F1}">
+                <asvg:svgBlip xmlns:asvg="http://schemas.microsoft.com/office/drawing/2016/SVG/main" r:embed="rId12"/>
+              </a:ext>
+            </a:extLst>
+          </a:blip>
+          <a:stretch>
+            <a:fillRect/>
+          </a:stretch>
+        </p:blipFill>
+        <p:spPr>
+          <a:xfrm>
+            <a:off x="2241173" y="3445048"/>
+            <a:ext cx="350688" cy="350688"/>
+          </a:xfrm>
+          <a:prstGeom prst="rect">
+            <a:avLst/>
+          </a:prstGeom>
+        </p:spPr>
+      </p:pic>
+      <p:pic>
+        <p:nvPicPr>
+          <p:cNvPr id="1085" name="Graphic 1084" descr="Checkmark with solid fill">
+            <a:extLst>
+              <a:ext uri="{FF2B5EF4-FFF2-40B4-BE49-F238E27FC236}">
+                <a16:creationId xmlns:a16="http://schemas.microsoft.com/office/drawing/2014/main" id="{FE3D82A5-73EF-1007-2B72-D0DDB659C976}"/>
+              </a:ext>
+            </a:extLst>
+          </p:cNvPr>
+          <p:cNvPicPr>
+            <a:picLocks noChangeAspect="1"/>
+          </p:cNvPicPr>
+          <p:nvPr/>
+        </p:nvPicPr>
+        <p:blipFill>
+          <a:blip r:embed="rId9">
+            <a:extLst>
+              <a:ext uri="{96DAC541-7B7A-43D3-8B79-37D633B846F1}">
+                <asvg:svgBlip xmlns:asvg="http://schemas.microsoft.com/office/drawing/2016/SVG/main" r:embed="rId10"/>
+              </a:ext>
+            </a:extLst>
+          </a:blip>
+          <a:stretch>
+            <a:fillRect/>
+          </a:stretch>
+        </p:blipFill>
+        <p:spPr>
+          <a:xfrm>
+            <a:off x="3610459" y="4249167"/>
+            <a:ext cx="332400" cy="332400"/>
+          </a:xfrm>
+          <a:prstGeom prst="rect">
+            <a:avLst/>
+          </a:prstGeom>
+        </p:spPr>
+      </p:pic>
+      <p:pic>
+        <p:nvPicPr>
+          <p:cNvPr id="1087" name="Graphic 1086" descr="Checkmark with solid fill">
+            <a:extLst>
+              <a:ext uri="{FF2B5EF4-FFF2-40B4-BE49-F238E27FC236}">
+                <a16:creationId xmlns:a16="http://schemas.microsoft.com/office/drawing/2014/main" id="{491CEEA7-09F9-3827-21E1-85F6899DEF13}"/>
+              </a:ext>
+            </a:extLst>
+          </p:cNvPr>
+          <p:cNvPicPr>
+            <a:picLocks noChangeAspect="1"/>
+          </p:cNvPicPr>
+          <p:nvPr/>
+        </p:nvPicPr>
+        <p:blipFill>
+          <a:blip r:embed="rId9">
+            <a:extLst>
+              <a:ext uri="{96DAC541-7B7A-43D3-8B79-37D633B846F1}">
+                <asvg:svgBlip xmlns:asvg="http://schemas.microsoft.com/office/drawing/2016/SVG/main" r:embed="rId10"/>
+              </a:ext>
+            </a:extLst>
+          </a:blip>
+          <a:stretch>
+            <a:fillRect/>
+          </a:stretch>
+        </p:blipFill>
+        <p:spPr>
+          <a:xfrm>
+            <a:off x="2944354" y="3073109"/>
+            <a:ext cx="332400" cy="332400"/>
+          </a:xfrm>
+          <a:prstGeom prst="rect">
+            <a:avLst/>
+          </a:prstGeom>
+        </p:spPr>
+      </p:pic>
+      <p:pic>
+        <p:nvPicPr>
+          <p:cNvPr id="1088" name="Graphic 1087" descr="Checkmark with solid fill">
+            <a:extLst>
+              <a:ext uri="{FF2B5EF4-FFF2-40B4-BE49-F238E27FC236}">
+                <a16:creationId xmlns:a16="http://schemas.microsoft.com/office/drawing/2014/main" id="{9F769F36-45B0-3244-6480-BB898ECC6B58}"/>
+              </a:ext>
+            </a:extLst>
+          </p:cNvPr>
+          <p:cNvPicPr>
+            <a:picLocks noChangeAspect="1"/>
+          </p:cNvPicPr>
+          <p:nvPr/>
+        </p:nvPicPr>
+        <p:blipFill>
+          <a:blip r:embed="rId9">
+            <a:extLst>
+              <a:ext uri="{96DAC541-7B7A-43D3-8B79-37D633B846F1}">
+                <asvg:svgBlip xmlns:asvg="http://schemas.microsoft.com/office/drawing/2016/SVG/main" r:embed="rId10"/>
+              </a:ext>
+            </a:extLst>
+          </a:blip>
+          <a:stretch>
+            <a:fillRect/>
+          </a:stretch>
+        </p:blipFill>
+        <p:spPr>
+          <a:xfrm>
+            <a:off x="3610459" y="3035259"/>
+            <a:ext cx="332400" cy="332400"/>
+          </a:xfrm>
+          <a:prstGeom prst="rect">
+            <a:avLst/>
+          </a:prstGeom>
+        </p:spPr>
+      </p:pic>
+      <p:pic>
+        <p:nvPicPr>
+          <p:cNvPr id="1089" name="Graphic 1088" descr="Checkmark with solid fill">
+            <a:extLst>
+              <a:ext uri="{FF2B5EF4-FFF2-40B4-BE49-F238E27FC236}">
+                <a16:creationId xmlns:a16="http://schemas.microsoft.com/office/drawing/2014/main" id="{46859CF0-20F3-C233-E247-E70497FB6FCC}"/>
+              </a:ext>
+            </a:extLst>
+          </p:cNvPr>
+          <p:cNvPicPr>
+            <a:picLocks noChangeAspect="1"/>
+          </p:cNvPicPr>
+          <p:nvPr/>
+        </p:nvPicPr>
+        <p:blipFill>
+          <a:blip r:embed="rId9">
+            <a:extLst>
+              <a:ext uri="{96DAC541-7B7A-43D3-8B79-37D633B846F1}">
+                <asvg:svgBlip xmlns:asvg="http://schemas.microsoft.com/office/drawing/2016/SVG/main" r:embed="rId10"/>
+              </a:ext>
+            </a:extLst>
+          </a:blip>
+          <a:stretch>
+            <a:fillRect/>
+          </a:stretch>
+        </p:blipFill>
+        <p:spPr>
+          <a:xfrm>
+            <a:off x="2944354" y="3454192"/>
+            <a:ext cx="332400" cy="332400"/>
+          </a:xfrm>
+          <a:prstGeom prst="rect">
+            <a:avLst/>
+          </a:prstGeom>
+        </p:spPr>
+      </p:pic>
+      <p:pic>
+        <p:nvPicPr>
+          <p:cNvPr id="1090" name="Graphic 1089" descr="Checkmark with solid fill">
+            <a:extLst>
+              <a:ext uri="{FF2B5EF4-FFF2-40B4-BE49-F238E27FC236}">
+                <a16:creationId xmlns:a16="http://schemas.microsoft.com/office/drawing/2014/main" id="{D067E672-BC39-DBE8-6724-AA405B846D79}"/>
+              </a:ext>
+            </a:extLst>
+          </p:cNvPr>
+          <p:cNvPicPr>
+            <a:picLocks noChangeAspect="1"/>
+          </p:cNvPicPr>
+          <p:nvPr/>
+        </p:nvPicPr>
+        <p:blipFill>
+          <a:blip r:embed="rId9">
+            <a:extLst>
+              <a:ext uri="{96DAC541-7B7A-43D3-8B79-37D633B846F1}">
+                <asvg:svgBlip xmlns:asvg="http://schemas.microsoft.com/office/drawing/2016/SVG/main" r:embed="rId10"/>
+              </a:ext>
+            </a:extLst>
+          </a:blip>
+          <a:stretch>
+            <a:fillRect/>
+          </a:stretch>
+        </p:blipFill>
+        <p:spPr>
+          <a:xfrm>
+            <a:off x="3610459" y="3454192"/>
+            <a:ext cx="332400" cy="332400"/>
+          </a:xfrm>
+          <a:prstGeom prst="rect">
+            <a:avLst/>
+          </a:prstGeom>
+        </p:spPr>
+      </p:pic>
+      <p:sp>
+        <p:nvSpPr>
+          <p:cNvPr id="1091" name="TextBox 1090">
+            <a:extLst>
+              <a:ext uri="{FF2B5EF4-FFF2-40B4-BE49-F238E27FC236}">
+                <a16:creationId xmlns:a16="http://schemas.microsoft.com/office/drawing/2014/main" id="{86DA880A-F9CB-0190-F248-81355AC68D72}"/>
+              </a:ext>
+            </a:extLst>
+          </p:cNvPr>
+          <p:cNvSpPr txBox="1"/>
+          <p:nvPr/>
+        </p:nvSpPr>
+        <p:spPr>
+          <a:xfrm>
+            <a:off x="6579041" y="3009463"/>
+            <a:ext cx="429865" cy="430887"/>
+          </a:xfrm>
+          <a:prstGeom prst="rect">
+            <a:avLst/>
+          </a:prstGeom>
+          <a:noFill/>
+        </p:spPr>
+        <p:txBody>
+          <a:bodyPr wrap="square" lIns="0" tIns="0" rIns="0" bIns="0" rtlCol="0" anchor="ctr">
+            <a:spAutoFit/>
+          </a:bodyPr>
+          <a:lstStyle/>
+          <a:p>
+            <a:pPr algn="ctr"/>
+            <a:r>
+              <a:rPr lang="en-US" sz="2800" dirty="0">
+                <a:latin typeface="Latin Modern Math" panose="02000503000000000000" pitchFamily="2" charset="77"/>
+                <a:ea typeface="Latin Modern Math" panose="02000503000000000000" pitchFamily="2" charset="77"/>
+              </a:rPr>
+              <a:t>?</a:t>
+            </a:r>
+            <a:endParaRPr lang="en-US" sz="1400" dirty="0">
+              <a:latin typeface="Latin Modern Math" panose="02000503000000000000" pitchFamily="2" charset="77"/>
+              <a:ea typeface="Latin Modern Math" panose="02000503000000000000" pitchFamily="2" charset="77"/>
+            </a:endParaRPr>
+          </a:p>
+        </p:txBody>
+      </p:sp>
+      <p:sp>
+        <p:nvSpPr>
+          <p:cNvPr id="1092" name="TextBox 1091">
+            <a:extLst>
+              <a:ext uri="{FF2B5EF4-FFF2-40B4-BE49-F238E27FC236}">
+                <a16:creationId xmlns:a16="http://schemas.microsoft.com/office/drawing/2014/main" id="{88402BD1-76E0-A8DE-2263-7DCE751ABF63}"/>
+              </a:ext>
+            </a:extLst>
+          </p:cNvPr>
+          <p:cNvSpPr txBox="1"/>
+          <p:nvPr/>
+        </p:nvSpPr>
+        <p:spPr>
+          <a:xfrm>
+            <a:off x="2918092" y="4046035"/>
             <a:ext cx="384924" cy="738664"/>
           </a:xfrm>
           <a:prstGeom prst="rect">
@@ -10859,12 +12996,84 @@
           </a:p>
         </p:txBody>
       </p:sp>
+      <p:pic>
+        <p:nvPicPr>
+          <p:cNvPr id="1093" name="Graphic 1092" descr="Close with solid fill">
+            <a:extLst>
+              <a:ext uri="{FF2B5EF4-FFF2-40B4-BE49-F238E27FC236}">
+                <a16:creationId xmlns:a16="http://schemas.microsoft.com/office/drawing/2014/main" id="{27981E0D-E49E-166E-E233-87E680035C93}"/>
+              </a:ext>
+            </a:extLst>
+          </p:cNvPr>
+          <p:cNvPicPr>
+            <a:picLocks noChangeAspect="1"/>
+          </p:cNvPicPr>
+          <p:nvPr/>
+        </p:nvPicPr>
+        <p:blipFill>
+          <a:blip r:embed="rId11">
+            <a:extLst>
+              <a:ext uri="{96DAC541-7B7A-43D3-8B79-37D633B846F1}">
+                <asvg:svgBlip xmlns:asvg="http://schemas.microsoft.com/office/drawing/2016/SVG/main" r:embed="rId12"/>
+              </a:ext>
+            </a:extLst>
+          </a:blip>
+          <a:stretch>
+            <a:fillRect/>
+          </a:stretch>
+        </p:blipFill>
+        <p:spPr>
+          <a:xfrm>
+            <a:off x="5533255" y="4240023"/>
+            <a:ext cx="350688" cy="350688"/>
+          </a:xfrm>
+          <a:prstGeom prst="rect">
+            <a:avLst/>
+          </a:prstGeom>
+        </p:spPr>
+      </p:pic>
+      <p:pic>
+        <p:nvPicPr>
+          <p:cNvPr id="1094" name="Graphic 1093" descr="Close with solid fill">
+            <a:extLst>
+              <a:ext uri="{FF2B5EF4-FFF2-40B4-BE49-F238E27FC236}">
+                <a16:creationId xmlns:a16="http://schemas.microsoft.com/office/drawing/2014/main" id="{AAE25D6E-027B-F25A-5B40-7A52ECE9DB3F}"/>
+              </a:ext>
+            </a:extLst>
+          </p:cNvPr>
+          <p:cNvPicPr>
+            <a:picLocks noChangeAspect="1"/>
+          </p:cNvPicPr>
+          <p:nvPr/>
+        </p:nvPicPr>
+        <p:blipFill>
+          <a:blip r:embed="rId11">
+            <a:extLst>
+              <a:ext uri="{96DAC541-7B7A-43D3-8B79-37D633B846F1}">
+                <asvg:svgBlip xmlns:asvg="http://schemas.microsoft.com/office/drawing/2016/SVG/main" r:embed="rId12"/>
+              </a:ext>
+            </a:extLst>
+          </a:blip>
+          <a:stretch>
+            <a:fillRect/>
+          </a:stretch>
+        </p:blipFill>
+        <p:spPr>
+          <a:xfrm>
+            <a:off x="6649689" y="4240023"/>
+            <a:ext cx="350688" cy="350688"/>
+          </a:xfrm>
+          <a:prstGeom prst="rect">
+            <a:avLst/>
+          </a:prstGeom>
+        </p:spPr>
+      </p:pic>
       <p:sp>
         <p:nvSpPr>
-          <p:cNvPr id="6" name="TextBox 5">
+          <p:cNvPr id="1095" name="TextBox 1094">
             <a:extLst>
               <a:ext uri="{FF2B5EF4-FFF2-40B4-BE49-F238E27FC236}">
-                <a16:creationId xmlns:a16="http://schemas.microsoft.com/office/drawing/2014/main" id="{5926DFC7-AF3A-EBB3-7CCD-4E8899A6A976}"/>
+                <a16:creationId xmlns:a16="http://schemas.microsoft.com/office/drawing/2014/main" id="{1292FEDE-8E2D-20B1-04FA-86101AC8D732}"/>
               </a:ext>
             </a:extLst>
           </p:cNvPr>
@@ -10873,54 +13082,7 @@
         </p:nvSpPr>
         <p:spPr>
           <a:xfrm>
-            <a:off x="-769179" y="134502"/>
-            <a:ext cx="421365" cy="553998"/>
-          </a:xfrm>
-          <a:prstGeom prst="rect">
-            <a:avLst/>
-          </a:prstGeom>
-          <a:noFill/>
-        </p:spPr>
-        <p:txBody>
-          <a:bodyPr wrap="square" lIns="0" tIns="0" rIns="0" bIns="0" rtlCol="0" anchor="ctr">
-            <a:spAutoFit/>
-          </a:bodyPr>
-          <a:lstStyle/>
-          <a:p>
-            <a:pPr algn="ctr"/>
-            <a:r>
-              <a:rPr lang="en-US" sz="3600" dirty="0">
-                <a:solidFill>
-                  <a:srgbClr val="CA2143"/>
-                </a:solidFill>
-                <a:ea typeface="Latin Modern Math" panose="02000503000000000000" pitchFamily="2" charset="77"/>
-              </a:rPr>
-              <a:t>x</a:t>
-            </a:r>
-            <a:endParaRPr lang="en-US" sz="2800" dirty="0">
-              <a:solidFill>
-                <a:srgbClr val="CA2143"/>
-              </a:solidFill>
-              <a:ea typeface="Latin Modern Math" panose="02000503000000000000" pitchFamily="2" charset="77"/>
-            </a:endParaRPr>
-          </a:p>
-        </p:txBody>
-      </p:sp>
-      <p:sp>
-        <p:nvSpPr>
-          <p:cNvPr id="7" name="TextBox 6">
-            <a:extLst>
-              <a:ext uri="{FF2B5EF4-FFF2-40B4-BE49-F238E27FC236}">
-                <a16:creationId xmlns:a16="http://schemas.microsoft.com/office/drawing/2014/main" id="{2DE6D9EA-2477-ECA0-E3E5-01F8F05111F5}"/>
-              </a:ext>
-            </a:extLst>
-          </p:cNvPr>
-          <p:cNvSpPr txBox="1"/>
-          <p:nvPr/>
-        </p:nvSpPr>
-        <p:spPr>
-          <a:xfrm>
-            <a:off x="6541083" y="808212"/>
+            <a:off x="7557983" y="4199924"/>
             <a:ext cx="429865" cy="430887"/>
           </a:xfrm>
           <a:prstGeom prst="rect">
@@ -10949,104 +13111,12 @@
           </a:p>
         </p:txBody>
       </p:sp>
-      <p:sp>
-        <p:nvSpPr>
-          <p:cNvPr id="14" name="TextBox 13">
-            <a:extLst>
-              <a:ext uri="{FF2B5EF4-FFF2-40B4-BE49-F238E27FC236}">
-                <a16:creationId xmlns:a16="http://schemas.microsoft.com/office/drawing/2014/main" id="{5744CC6F-141F-7446-0D52-324F5B27DE6A}"/>
-              </a:ext>
-            </a:extLst>
-          </p:cNvPr>
-          <p:cNvSpPr txBox="1"/>
-          <p:nvPr/>
-        </p:nvSpPr>
-        <p:spPr>
-          <a:xfrm>
-            <a:off x="5495539" y="570582"/>
-            <a:ext cx="384924" cy="738664"/>
-          </a:xfrm>
-          <a:prstGeom prst="rect">
-            <a:avLst/>
-          </a:prstGeom>
-          <a:noFill/>
-        </p:spPr>
-        <p:txBody>
-          <a:bodyPr wrap="square" lIns="0" tIns="0" rIns="0" bIns="0" rtlCol="0" anchor="ctr">
-            <a:spAutoFit/>
-          </a:bodyPr>
-          <a:lstStyle/>
-          <a:p>
-            <a:pPr algn="ctr"/>
-            <a:r>
-              <a:rPr lang="en-US" sz="4800" dirty="0">
-                <a:latin typeface="Latin Modern Math" panose="02000503000000000000" pitchFamily="2" charset="77"/>
-                <a:ea typeface="Latin Modern Math" panose="02000503000000000000" pitchFamily="2" charset="77"/>
-              </a:rPr>
-              <a:t>~</a:t>
-            </a:r>
-            <a:endParaRPr lang="en-US" sz="2800" dirty="0">
-              <a:latin typeface="Latin Modern Math" panose="02000503000000000000" pitchFamily="2" charset="77"/>
-              <a:ea typeface="Latin Modern Math" panose="02000503000000000000" pitchFamily="2" charset="77"/>
-            </a:endParaRPr>
-          </a:p>
-        </p:txBody>
-      </p:sp>
-      <p:sp>
-        <p:nvSpPr>
-          <p:cNvPr id="15" name="TextBox 14">
-            <a:extLst>
-              <a:ext uri="{FF2B5EF4-FFF2-40B4-BE49-F238E27FC236}">
-                <a16:creationId xmlns:a16="http://schemas.microsoft.com/office/drawing/2014/main" id="{8259E0CC-0BD1-9ED0-5DB8-3CB2AA18B8FF}"/>
-              </a:ext>
-            </a:extLst>
-          </p:cNvPr>
-          <p:cNvSpPr txBox="1"/>
-          <p:nvPr/>
-        </p:nvSpPr>
-        <p:spPr>
-          <a:xfrm>
-            <a:off x="7594888" y="566861"/>
-            <a:ext cx="384924" cy="738664"/>
-          </a:xfrm>
-          <a:prstGeom prst="rect">
-            <a:avLst/>
-          </a:prstGeom>
-          <a:noFill/>
-        </p:spPr>
-        <p:txBody>
-          <a:bodyPr wrap="square" lIns="0" tIns="0" rIns="0" bIns="0" rtlCol="0" anchor="ctr">
-            <a:spAutoFit/>
-          </a:bodyPr>
-          <a:lstStyle/>
-          <a:p>
-            <a:pPr algn="ctr"/>
-            <a:r>
-              <a:rPr lang="en-US" sz="4800" dirty="0">
-                <a:solidFill>
-                  <a:srgbClr val="F0A953"/>
-                </a:solidFill>
-                <a:latin typeface="Latin Modern Math" panose="02000503000000000000" pitchFamily="2" charset="77"/>
-                <a:ea typeface="Latin Modern Math" panose="02000503000000000000" pitchFamily="2" charset="77"/>
-              </a:rPr>
-              <a:t>~</a:t>
-            </a:r>
-            <a:endParaRPr lang="en-US" sz="2800" dirty="0">
-              <a:solidFill>
-                <a:srgbClr val="F0A953"/>
-              </a:solidFill>
-              <a:latin typeface="Latin Modern Math" panose="02000503000000000000" pitchFamily="2" charset="77"/>
-              <a:ea typeface="Latin Modern Math" panose="02000503000000000000" pitchFamily="2" charset="77"/>
-            </a:endParaRPr>
-          </a:p>
-        </p:txBody>
-      </p:sp>
       <p:pic>
         <p:nvPicPr>
-          <p:cNvPr id="16" name="Graphic 15" descr="Close with solid fill">
+          <p:cNvPr id="1096" name="Graphic 1095" descr="Close with solid fill">
             <a:extLst>
               <a:ext uri="{FF2B5EF4-FFF2-40B4-BE49-F238E27FC236}">
-                <a16:creationId xmlns:a16="http://schemas.microsoft.com/office/drawing/2014/main" id="{BDD0EB3D-AB10-146A-032D-F92F6430D149}"/>
+                <a16:creationId xmlns:a16="http://schemas.microsoft.com/office/drawing/2014/main" id="{EA96F766-8730-8A6B-1346-FE125D792E40}"/>
               </a:ext>
             </a:extLst>
           </p:cNvPr>
@@ -11056,10 +13126,10 @@
           <p:nvPr/>
         </p:nvPicPr>
         <p:blipFill>
-          <a:blip r:embed="rId12">
+          <a:blip r:embed="rId11">
             <a:extLst>
               <a:ext uri="{96DAC541-7B7A-43D3-8B79-37D633B846F1}">
-                <asvg:svgBlip xmlns:asvg="http://schemas.microsoft.com/office/drawing/2016/SVG/main" r:embed="rId13"/>
+                <asvg:svgBlip xmlns:asvg="http://schemas.microsoft.com/office/drawing/2016/SVG/main" r:embed="rId12"/>
               </a:ext>
             </a:extLst>
           </a:blip>
@@ -11069,560 +13139,7 @@
         </p:blipFill>
         <p:spPr>
           <a:xfrm>
-            <a:off x="3625842" y="1218625"/>
-            <a:ext cx="350688" cy="350688"/>
-          </a:xfrm>
-          <a:prstGeom prst="rect">
-            <a:avLst/>
-          </a:prstGeom>
-        </p:spPr>
-      </p:pic>
-      <p:sp>
-        <p:nvSpPr>
-          <p:cNvPr id="17" name="TextBox 16">
-            <a:extLst>
-              <a:ext uri="{FF2B5EF4-FFF2-40B4-BE49-F238E27FC236}">
-                <a16:creationId xmlns:a16="http://schemas.microsoft.com/office/drawing/2014/main" id="{FC5D85EE-D159-FBBF-D51B-3674F73D053C}"/>
-              </a:ext>
-            </a:extLst>
-          </p:cNvPr>
-          <p:cNvSpPr txBox="1"/>
-          <p:nvPr/>
-        </p:nvSpPr>
-        <p:spPr>
-          <a:xfrm>
-            <a:off x="2902401" y="973868"/>
-            <a:ext cx="384924" cy="738664"/>
-          </a:xfrm>
-          <a:prstGeom prst="rect">
-            <a:avLst/>
-          </a:prstGeom>
-          <a:noFill/>
-        </p:spPr>
-        <p:txBody>
-          <a:bodyPr wrap="square" lIns="0" tIns="0" rIns="0" bIns="0" rtlCol="0" anchor="ctr">
-            <a:spAutoFit/>
-          </a:bodyPr>
-          <a:lstStyle/>
-          <a:p>
-            <a:pPr algn="ctr"/>
-            <a:r>
-              <a:rPr lang="en-US" sz="4800" dirty="0">
-                <a:latin typeface="Latin Modern Math" panose="02000503000000000000" pitchFamily="2" charset="77"/>
-                <a:ea typeface="Latin Modern Math" panose="02000503000000000000" pitchFamily="2" charset="77"/>
-              </a:rPr>
-              <a:t>~</a:t>
-            </a:r>
-            <a:endParaRPr lang="en-US" sz="2800" dirty="0">
-              <a:latin typeface="Latin Modern Math" panose="02000503000000000000" pitchFamily="2" charset="77"/>
-              <a:ea typeface="Latin Modern Math" panose="02000503000000000000" pitchFamily="2" charset="77"/>
-            </a:endParaRPr>
-          </a:p>
-        </p:txBody>
-      </p:sp>
-      <p:sp>
-        <p:nvSpPr>
-          <p:cNvPr id="18" name="TextBox 17">
-            <a:extLst>
-              <a:ext uri="{FF2B5EF4-FFF2-40B4-BE49-F238E27FC236}">
-                <a16:creationId xmlns:a16="http://schemas.microsoft.com/office/drawing/2014/main" id="{9103432C-FC78-1DC4-2C3A-F84DF827B26B}"/>
-              </a:ext>
-            </a:extLst>
-          </p:cNvPr>
-          <p:cNvSpPr txBox="1"/>
-          <p:nvPr/>
-        </p:nvSpPr>
-        <p:spPr>
-          <a:xfrm>
-            <a:off x="2206231" y="973868"/>
-            <a:ext cx="384924" cy="738664"/>
-          </a:xfrm>
-          <a:prstGeom prst="rect">
-            <a:avLst/>
-          </a:prstGeom>
-          <a:noFill/>
-        </p:spPr>
-        <p:txBody>
-          <a:bodyPr wrap="square" lIns="0" tIns="0" rIns="0" bIns="0" rtlCol="0" anchor="ctr">
-            <a:spAutoFit/>
-          </a:bodyPr>
-          <a:lstStyle/>
-          <a:p>
-            <a:pPr algn="ctr"/>
-            <a:r>
-              <a:rPr lang="en-US" sz="4800" dirty="0">
-                <a:latin typeface="Latin Modern Math" panose="02000503000000000000" pitchFamily="2" charset="77"/>
-                <a:ea typeface="Latin Modern Math" panose="02000503000000000000" pitchFamily="2" charset="77"/>
-              </a:rPr>
-              <a:t>~</a:t>
-            </a:r>
-            <a:endParaRPr lang="en-US" sz="2800" dirty="0">
-              <a:latin typeface="Latin Modern Math" panose="02000503000000000000" pitchFamily="2" charset="77"/>
-              <a:ea typeface="Latin Modern Math" panose="02000503000000000000" pitchFamily="2" charset="77"/>
-            </a:endParaRPr>
-          </a:p>
-        </p:txBody>
-      </p:sp>
-      <p:pic>
-        <p:nvPicPr>
-          <p:cNvPr id="86" name="Graphic 85" descr="Checkmark with solid fill">
-            <a:extLst>
-              <a:ext uri="{FF2B5EF4-FFF2-40B4-BE49-F238E27FC236}">
-                <a16:creationId xmlns:a16="http://schemas.microsoft.com/office/drawing/2014/main" id="{D3821014-D64E-8AB1-B93E-5EB646AD247A}"/>
-              </a:ext>
-            </a:extLst>
-          </p:cNvPr>
-          <p:cNvPicPr>
-            <a:picLocks noChangeAspect="1"/>
-          </p:cNvPicPr>
-          <p:nvPr/>
-        </p:nvPicPr>
-        <p:blipFill>
-          <a:blip r:embed="rId10">
-            <a:extLst>
-              <a:ext uri="{96DAC541-7B7A-43D3-8B79-37D633B846F1}">
-                <asvg:svgBlip xmlns:asvg="http://schemas.microsoft.com/office/drawing/2016/SVG/main" r:embed="rId11"/>
-              </a:ext>
-            </a:extLst>
-          </a:blip>
-          <a:stretch>
-            <a:fillRect/>
-          </a:stretch>
-        </p:blipFill>
-        <p:spPr>
-          <a:xfrm>
-            <a:off x="2954423" y="1586104"/>
-            <a:ext cx="332400" cy="332400"/>
-          </a:xfrm>
-          <a:prstGeom prst="rect">
-            <a:avLst/>
-          </a:prstGeom>
-        </p:spPr>
-      </p:pic>
-      <p:sp>
-        <p:nvSpPr>
-          <p:cNvPr id="87" name="TextBox 86">
-            <a:extLst>
-              <a:ext uri="{FF2B5EF4-FFF2-40B4-BE49-F238E27FC236}">
-                <a16:creationId xmlns:a16="http://schemas.microsoft.com/office/drawing/2014/main" id="{8BAAD629-FA73-B0DE-3620-3D18B6973CC5}"/>
-              </a:ext>
-            </a:extLst>
-          </p:cNvPr>
-          <p:cNvSpPr txBox="1"/>
-          <p:nvPr/>
-        </p:nvSpPr>
-        <p:spPr>
-          <a:xfrm>
-            <a:off x="2205680" y="1337620"/>
-            <a:ext cx="384924" cy="738664"/>
-          </a:xfrm>
-          <a:prstGeom prst="rect">
-            <a:avLst/>
-          </a:prstGeom>
-          <a:noFill/>
-        </p:spPr>
-        <p:txBody>
-          <a:bodyPr wrap="square" lIns="0" tIns="0" rIns="0" bIns="0" rtlCol="0" anchor="ctr">
-            <a:spAutoFit/>
-          </a:bodyPr>
-          <a:lstStyle/>
-          <a:p>
-            <a:pPr algn="ctr"/>
-            <a:r>
-              <a:rPr lang="en-US" sz="4800" dirty="0">
-                <a:latin typeface="Latin Modern Math" panose="02000503000000000000" pitchFamily="2" charset="77"/>
-                <a:ea typeface="Latin Modern Math" panose="02000503000000000000" pitchFamily="2" charset="77"/>
-              </a:rPr>
-              <a:t>~</a:t>
-            </a:r>
-            <a:endParaRPr lang="en-US" sz="2800" dirty="0">
-              <a:latin typeface="Latin Modern Math" panose="02000503000000000000" pitchFamily="2" charset="77"/>
-              <a:ea typeface="Latin Modern Math" panose="02000503000000000000" pitchFamily="2" charset="77"/>
-            </a:endParaRPr>
-          </a:p>
-        </p:txBody>
-      </p:sp>
-      <p:pic>
-        <p:nvPicPr>
-          <p:cNvPr id="91" name="Graphic 90" descr="Close with solid fill">
-            <a:extLst>
-              <a:ext uri="{FF2B5EF4-FFF2-40B4-BE49-F238E27FC236}">
-                <a16:creationId xmlns:a16="http://schemas.microsoft.com/office/drawing/2014/main" id="{F516A046-5EDD-D1CE-40C8-BC360BC3247A}"/>
-              </a:ext>
-            </a:extLst>
-          </p:cNvPr>
-          <p:cNvPicPr>
-            <a:picLocks noChangeAspect="1"/>
-          </p:cNvPicPr>
-          <p:nvPr/>
-        </p:nvPicPr>
-        <p:blipFill>
-          <a:blip r:embed="rId12">
-            <a:extLst>
-              <a:ext uri="{96DAC541-7B7A-43D3-8B79-37D633B846F1}">
-                <asvg:svgBlip xmlns:asvg="http://schemas.microsoft.com/office/drawing/2016/SVG/main" r:embed="rId13"/>
-              </a:ext>
-            </a:extLst>
-          </a:blip>
-          <a:stretch>
-            <a:fillRect/>
-          </a:stretch>
-        </p:blipFill>
-        <p:spPr>
-          <a:xfrm>
-            <a:off x="3625397" y="1597609"/>
-            <a:ext cx="350688" cy="350688"/>
-          </a:xfrm>
-          <a:prstGeom prst="rect">
-            <a:avLst/>
-          </a:prstGeom>
-        </p:spPr>
-      </p:pic>
-      <p:sp>
-        <p:nvSpPr>
-          <p:cNvPr id="138" name="TextBox 137">
-            <a:extLst>
-              <a:ext uri="{FF2B5EF4-FFF2-40B4-BE49-F238E27FC236}">
-                <a16:creationId xmlns:a16="http://schemas.microsoft.com/office/drawing/2014/main" id="{852A7755-9EF8-8CFE-66EE-C8CAFD4DC65A}"/>
-              </a:ext>
-            </a:extLst>
-          </p:cNvPr>
-          <p:cNvSpPr txBox="1"/>
-          <p:nvPr/>
-        </p:nvSpPr>
-        <p:spPr>
-          <a:xfrm>
-            <a:off x="5546606" y="3315714"/>
-            <a:ext cx="429865" cy="430887"/>
-          </a:xfrm>
-          <a:prstGeom prst="rect">
-            <a:avLst/>
-          </a:prstGeom>
-          <a:noFill/>
-        </p:spPr>
-        <p:txBody>
-          <a:bodyPr wrap="square" lIns="0" tIns="0" rIns="0" bIns="0" rtlCol="0" anchor="ctr">
-            <a:spAutoFit/>
-          </a:bodyPr>
-          <a:lstStyle/>
-          <a:p>
-            <a:pPr algn="ctr"/>
-            <a:r>
-              <a:rPr lang="en-US" sz="2800" dirty="0">
-                <a:latin typeface="Latin Modern Math" panose="02000503000000000000" pitchFamily="2" charset="77"/>
-                <a:ea typeface="Latin Modern Math" panose="02000503000000000000" pitchFamily="2" charset="77"/>
-              </a:rPr>
-              <a:t>?</a:t>
-            </a:r>
-            <a:endParaRPr lang="en-US" sz="1400" dirty="0">
-              <a:latin typeface="Latin Modern Math" panose="02000503000000000000" pitchFamily="2" charset="77"/>
-              <a:ea typeface="Latin Modern Math" panose="02000503000000000000" pitchFamily="2" charset="77"/>
-            </a:endParaRPr>
-          </a:p>
-        </p:txBody>
-      </p:sp>
-      <p:sp>
-        <p:nvSpPr>
-          <p:cNvPr id="139" name="TextBox 138">
-            <a:extLst>
-              <a:ext uri="{FF2B5EF4-FFF2-40B4-BE49-F238E27FC236}">
-                <a16:creationId xmlns:a16="http://schemas.microsoft.com/office/drawing/2014/main" id="{D5A8D42E-256B-AEA4-12CE-63DB9415BD0B}"/>
-              </a:ext>
-            </a:extLst>
-          </p:cNvPr>
-          <p:cNvSpPr txBox="1"/>
-          <p:nvPr/>
-        </p:nvSpPr>
-        <p:spPr>
-          <a:xfrm>
-            <a:off x="7356596" y="3238741"/>
-            <a:ext cx="429865" cy="430887"/>
-          </a:xfrm>
-          <a:prstGeom prst="rect">
-            <a:avLst/>
-          </a:prstGeom>
-          <a:noFill/>
-        </p:spPr>
-        <p:txBody>
-          <a:bodyPr wrap="square" lIns="0" tIns="0" rIns="0" bIns="0" rtlCol="0" anchor="ctr">
-            <a:spAutoFit/>
-          </a:bodyPr>
-          <a:lstStyle/>
-          <a:p>
-            <a:pPr algn="ctr"/>
-            <a:r>
-              <a:rPr lang="en-US" sz="2800" dirty="0">
-                <a:latin typeface="Latin Modern Math" panose="02000503000000000000" pitchFamily="2" charset="77"/>
-                <a:ea typeface="Latin Modern Math" panose="02000503000000000000" pitchFamily="2" charset="77"/>
-              </a:rPr>
-              <a:t>?</a:t>
-            </a:r>
-            <a:endParaRPr lang="en-US" sz="1400" dirty="0">
-              <a:latin typeface="Latin Modern Math" panose="02000503000000000000" pitchFamily="2" charset="77"/>
-              <a:ea typeface="Latin Modern Math" panose="02000503000000000000" pitchFamily="2" charset="77"/>
-            </a:endParaRPr>
-          </a:p>
-        </p:txBody>
-      </p:sp>
-      <p:pic>
-        <p:nvPicPr>
-          <p:cNvPr id="140" name="Graphic 139" descr="Checkmark with solid fill">
-            <a:extLst>
-              <a:ext uri="{FF2B5EF4-FFF2-40B4-BE49-F238E27FC236}">
-                <a16:creationId xmlns:a16="http://schemas.microsoft.com/office/drawing/2014/main" id="{93BE8F4F-DAE2-7B28-6C2C-4054EAB9BC68}"/>
-              </a:ext>
-            </a:extLst>
-          </p:cNvPr>
-          <p:cNvPicPr>
-            <a:picLocks noChangeAspect="1"/>
-          </p:cNvPicPr>
-          <p:nvPr/>
-        </p:nvPicPr>
-        <p:blipFill>
-          <a:blip r:embed="rId10">
-            <a:extLst>
-              <a:ext uri="{96DAC541-7B7A-43D3-8B79-37D633B846F1}">
-                <asvg:svgBlip xmlns:asvg="http://schemas.microsoft.com/office/drawing/2016/SVG/main" r:embed="rId11"/>
-              </a:ext>
-            </a:extLst>
-          </a:blip>
-          <a:stretch>
-            <a:fillRect/>
-          </a:stretch>
-        </p:blipFill>
-        <p:spPr>
-          <a:xfrm>
-            <a:off x="2937725" y="2255993"/>
-            <a:ext cx="332400" cy="332400"/>
-          </a:xfrm>
-          <a:prstGeom prst="rect">
-            <a:avLst/>
-          </a:prstGeom>
-        </p:spPr>
-      </p:pic>
-      <p:pic>
-        <p:nvPicPr>
-          <p:cNvPr id="141" name="Graphic 140" descr="Close with solid fill">
-            <a:extLst>
-              <a:ext uri="{FF2B5EF4-FFF2-40B4-BE49-F238E27FC236}">
-                <a16:creationId xmlns:a16="http://schemas.microsoft.com/office/drawing/2014/main" id="{AE9F14DA-1DF4-4008-55F7-F1000AFA9F8C}"/>
-              </a:ext>
-            </a:extLst>
-          </p:cNvPr>
-          <p:cNvPicPr>
-            <a:picLocks noChangeAspect="1"/>
-          </p:cNvPicPr>
-          <p:nvPr/>
-        </p:nvPicPr>
-        <p:blipFill>
-          <a:blip r:embed="rId12">
-            <a:extLst>
-              <a:ext uri="{96DAC541-7B7A-43D3-8B79-37D633B846F1}">
-                <asvg:svgBlip xmlns:asvg="http://schemas.microsoft.com/office/drawing/2016/SVG/main" r:embed="rId13"/>
-              </a:ext>
-            </a:extLst>
-          </a:blip>
-          <a:stretch>
-            <a:fillRect/>
-          </a:stretch>
-        </p:blipFill>
-        <p:spPr>
-          <a:xfrm>
-            <a:off x="3632552" y="2234658"/>
-            <a:ext cx="350688" cy="350688"/>
-          </a:xfrm>
-          <a:prstGeom prst="rect">
-            <a:avLst/>
-          </a:prstGeom>
-        </p:spPr>
-      </p:pic>
-      <p:sp>
-        <p:nvSpPr>
-          <p:cNvPr id="142" name="TextBox 141">
-            <a:extLst>
-              <a:ext uri="{FF2B5EF4-FFF2-40B4-BE49-F238E27FC236}">
-                <a16:creationId xmlns:a16="http://schemas.microsoft.com/office/drawing/2014/main" id="{3D30BA26-21A2-05F3-753B-5068D13C42B4}"/>
-              </a:ext>
-            </a:extLst>
-          </p:cNvPr>
-          <p:cNvSpPr txBox="1"/>
-          <p:nvPr/>
-        </p:nvSpPr>
-        <p:spPr>
-          <a:xfrm>
-            <a:off x="4445392" y="1978779"/>
-            <a:ext cx="384924" cy="738664"/>
-          </a:xfrm>
-          <a:prstGeom prst="rect">
-            <a:avLst/>
-          </a:prstGeom>
-          <a:noFill/>
-        </p:spPr>
-        <p:txBody>
-          <a:bodyPr wrap="square" lIns="0" tIns="0" rIns="0" bIns="0" rtlCol="0" anchor="ctr">
-            <a:spAutoFit/>
-          </a:bodyPr>
-          <a:lstStyle/>
-          <a:p>
-            <a:pPr algn="ctr"/>
-            <a:r>
-              <a:rPr lang="en-US" sz="4800" dirty="0">
-                <a:latin typeface="Latin Modern Math" panose="02000503000000000000" pitchFamily="2" charset="77"/>
-                <a:ea typeface="Latin Modern Math" panose="02000503000000000000" pitchFamily="2" charset="77"/>
-              </a:rPr>
-              <a:t>~</a:t>
-            </a:r>
-            <a:endParaRPr lang="en-US" sz="2800" dirty="0">
-              <a:latin typeface="Latin Modern Math" panose="02000503000000000000" pitchFamily="2" charset="77"/>
-              <a:ea typeface="Latin Modern Math" panose="02000503000000000000" pitchFamily="2" charset="77"/>
-            </a:endParaRPr>
-          </a:p>
-        </p:txBody>
-      </p:sp>
-      <p:pic>
-        <p:nvPicPr>
-          <p:cNvPr id="143" name="Graphic 142" descr="Checkmark with solid fill">
-            <a:extLst>
-              <a:ext uri="{FF2B5EF4-FFF2-40B4-BE49-F238E27FC236}">
-                <a16:creationId xmlns:a16="http://schemas.microsoft.com/office/drawing/2014/main" id="{4987BD00-E2B5-2EA4-E1EF-512BF8927298}"/>
-              </a:ext>
-            </a:extLst>
-          </p:cNvPr>
-          <p:cNvPicPr>
-            <a:picLocks noChangeAspect="1"/>
-          </p:cNvPicPr>
-          <p:nvPr/>
-        </p:nvPicPr>
-        <p:blipFill>
-          <a:blip r:embed="rId10">
-            <a:extLst>
-              <a:ext uri="{96DAC541-7B7A-43D3-8B79-37D633B846F1}">
-                <asvg:svgBlip xmlns:asvg="http://schemas.microsoft.com/office/drawing/2016/SVG/main" r:embed="rId11"/>
-              </a:ext>
-            </a:extLst>
-          </a:blip>
-          <a:stretch>
-            <a:fillRect/>
-          </a:stretch>
-        </p:blipFill>
-        <p:spPr>
-          <a:xfrm>
-            <a:off x="2889364" y="3289919"/>
-            <a:ext cx="332400" cy="332400"/>
-          </a:xfrm>
-          <a:prstGeom prst="rect">
-            <a:avLst/>
-          </a:prstGeom>
-        </p:spPr>
-      </p:pic>
-      <p:pic>
-        <p:nvPicPr>
-          <p:cNvPr id="144" name="Graphic 143" descr="Checkmark with solid fill">
-            <a:extLst>
-              <a:ext uri="{FF2B5EF4-FFF2-40B4-BE49-F238E27FC236}">
-                <a16:creationId xmlns:a16="http://schemas.microsoft.com/office/drawing/2014/main" id="{A5911E0C-72C9-394F-601C-85FBD7A91A57}"/>
-              </a:ext>
-            </a:extLst>
-          </p:cNvPr>
-          <p:cNvPicPr>
-            <a:picLocks noChangeAspect="1"/>
-          </p:cNvPicPr>
-          <p:nvPr/>
-        </p:nvPicPr>
-        <p:blipFill>
-          <a:blip r:embed="rId10">
-            <a:extLst>
-              <a:ext uri="{96DAC541-7B7A-43D3-8B79-37D633B846F1}">
-                <asvg:svgBlip xmlns:asvg="http://schemas.microsoft.com/office/drawing/2016/SVG/main" r:embed="rId11"/>
-              </a:ext>
-            </a:extLst>
-          </a:blip>
-          <a:stretch>
-            <a:fillRect/>
-          </a:stretch>
-        </p:blipFill>
-        <p:spPr>
-          <a:xfrm>
-            <a:off x="2937725" y="4019772"/>
-            <a:ext cx="332400" cy="332400"/>
-          </a:xfrm>
-          <a:prstGeom prst="rect">
-            <a:avLst/>
-          </a:prstGeom>
-        </p:spPr>
-      </p:pic>
-      <p:sp>
-        <p:nvSpPr>
-          <p:cNvPr id="145" name="TextBox 144">
-            <a:extLst>
-              <a:ext uri="{FF2B5EF4-FFF2-40B4-BE49-F238E27FC236}">
-                <a16:creationId xmlns:a16="http://schemas.microsoft.com/office/drawing/2014/main" id="{B1B8B2A5-E8D9-1971-B1CA-6EC248859886}"/>
-              </a:ext>
-            </a:extLst>
-          </p:cNvPr>
-          <p:cNvSpPr txBox="1"/>
-          <p:nvPr/>
-        </p:nvSpPr>
-        <p:spPr>
-          <a:xfrm>
-            <a:off x="2900050" y="4273375"/>
-            <a:ext cx="384924" cy="738664"/>
-          </a:xfrm>
-          <a:prstGeom prst="rect">
-            <a:avLst/>
-          </a:prstGeom>
-          <a:noFill/>
-        </p:spPr>
-        <p:txBody>
-          <a:bodyPr wrap="square" lIns="0" tIns="0" rIns="0" bIns="0" rtlCol="0" anchor="ctr">
-            <a:spAutoFit/>
-          </a:bodyPr>
-          <a:lstStyle/>
-          <a:p>
-            <a:pPr algn="ctr"/>
-            <a:r>
-              <a:rPr lang="en-US" sz="4800" dirty="0">
-                <a:latin typeface="Latin Modern Math" panose="02000503000000000000" pitchFamily="2" charset="77"/>
-                <a:ea typeface="Latin Modern Math" panose="02000503000000000000" pitchFamily="2" charset="77"/>
-              </a:rPr>
-              <a:t>~</a:t>
-            </a:r>
-            <a:endParaRPr lang="en-US" sz="2800" dirty="0">
-              <a:latin typeface="Latin Modern Math" panose="02000503000000000000" pitchFamily="2" charset="77"/>
-              <a:ea typeface="Latin Modern Math" panose="02000503000000000000" pitchFamily="2" charset="77"/>
-            </a:endParaRPr>
-          </a:p>
-        </p:txBody>
-      </p:sp>
-      <p:pic>
-        <p:nvPicPr>
-          <p:cNvPr id="146" name="Graphic 145" descr="Close with solid fill">
-            <a:extLst>
-              <a:ext uri="{FF2B5EF4-FFF2-40B4-BE49-F238E27FC236}">
-                <a16:creationId xmlns:a16="http://schemas.microsoft.com/office/drawing/2014/main" id="{8D4949D1-7A77-AB6B-0DC5-B4FAEECEFE55}"/>
-              </a:ext>
-            </a:extLst>
-          </p:cNvPr>
-          <p:cNvPicPr>
-            <a:picLocks noChangeAspect="1"/>
-          </p:cNvPicPr>
-          <p:nvPr/>
-        </p:nvPicPr>
-        <p:blipFill>
-          <a:blip r:embed="rId12">
-            <a:extLst>
-              <a:ext uri="{96DAC541-7B7A-43D3-8B79-37D633B846F1}">
-                <asvg:svgBlip xmlns:asvg="http://schemas.microsoft.com/office/drawing/2016/SVG/main" r:embed="rId13"/>
-              </a:ext>
-            </a:extLst>
-          </a:blip>
-          <a:stretch>
-            <a:fillRect/>
-          </a:stretch>
-        </p:blipFill>
-        <p:spPr>
-          <a:xfrm>
-            <a:off x="3574723" y="5257039"/>
+            <a:off x="6626088" y="5155687"/>
             <a:ext cx="350688" cy="350688"/>
           </a:xfrm>
           <a:prstGeom prst="rect">
@@ -11632,10 +13149,10 @@
       </p:pic>
       <p:pic>
         <p:nvPicPr>
-          <p:cNvPr id="147" name="Graphic 146" descr="Checkmark with solid fill">
+          <p:cNvPr id="1097" name="Graphic 1096" descr="Close with solid fill">
             <a:extLst>
               <a:ext uri="{FF2B5EF4-FFF2-40B4-BE49-F238E27FC236}">
-                <a16:creationId xmlns:a16="http://schemas.microsoft.com/office/drawing/2014/main" id="{8688EEDE-5125-63F8-7626-BC988B2E7AD7}"/>
+                <a16:creationId xmlns:a16="http://schemas.microsoft.com/office/drawing/2014/main" id="{5F606E3B-25B2-2D6D-AAC0-98076C84B2E3}"/>
               </a:ext>
             </a:extLst>
           </p:cNvPr>
@@ -11645,10 +13162,10 @@
           <p:nvPr/>
         </p:nvPicPr>
         <p:blipFill>
-          <a:blip r:embed="rId10">
+          <a:blip r:embed="rId11">
             <a:extLst>
               <a:ext uri="{96DAC541-7B7A-43D3-8B79-37D633B846F1}">
-                <asvg:svgBlip xmlns:asvg="http://schemas.microsoft.com/office/drawing/2016/SVG/main" r:embed="rId11"/>
+                <asvg:svgBlip xmlns:asvg="http://schemas.microsoft.com/office/drawing/2016/SVG/main" r:embed="rId12"/>
               </a:ext>
             </a:extLst>
           </a:blip>
@@ -11658,7 +13175,43 @@
         </p:blipFill>
         <p:spPr>
           <a:xfrm>
-            <a:off x="4452780" y="3999230"/>
+            <a:off x="7597571" y="5155687"/>
+            <a:ext cx="350688" cy="350688"/>
+          </a:xfrm>
+          <a:prstGeom prst="rect">
+            <a:avLst/>
+          </a:prstGeom>
+        </p:spPr>
+      </p:pic>
+      <p:pic>
+        <p:nvPicPr>
+          <p:cNvPr id="1098" name="Graphic 1097" descr="Checkmark with solid fill">
+            <a:extLst>
+              <a:ext uri="{FF2B5EF4-FFF2-40B4-BE49-F238E27FC236}">
+                <a16:creationId xmlns:a16="http://schemas.microsoft.com/office/drawing/2014/main" id="{2CD9A899-D78F-753F-9DE4-748732D94CDE}"/>
+              </a:ext>
+            </a:extLst>
+          </p:cNvPr>
+          <p:cNvPicPr>
+            <a:picLocks noChangeAspect="1"/>
+          </p:cNvPicPr>
+          <p:nvPr/>
+        </p:nvPicPr>
+        <p:blipFill>
+          <a:blip r:embed="rId9">
+            <a:extLst>
+              <a:ext uri="{96DAC541-7B7A-43D3-8B79-37D633B846F1}">
+                <asvg:svgBlip xmlns:asvg="http://schemas.microsoft.com/office/drawing/2016/SVG/main" r:embed="rId10"/>
+              </a:ext>
+            </a:extLst>
+          </a:blip>
+          <a:stretch>
+            <a:fillRect/>
+          </a:stretch>
+        </p:blipFill>
+        <p:spPr>
+          <a:xfrm>
+            <a:off x="3633557" y="1619334"/>
             <a:ext cx="332400" cy="332400"/>
           </a:xfrm>
           <a:prstGeom prst="rect">
@@ -11666,49 +13219,6 @@
           </a:prstGeom>
         </p:spPr>
       </p:pic>
-      <p:sp>
-        <p:nvSpPr>
-          <p:cNvPr id="148" name="TextBox 147">
-            <a:extLst>
-              <a:ext uri="{FF2B5EF4-FFF2-40B4-BE49-F238E27FC236}">
-                <a16:creationId xmlns:a16="http://schemas.microsoft.com/office/drawing/2014/main" id="{8E9644B4-C0F6-A0B2-BBA6-AA7DC84FD32A}"/>
-              </a:ext>
-            </a:extLst>
-          </p:cNvPr>
-          <p:cNvSpPr txBox="1"/>
-          <p:nvPr/>
-        </p:nvSpPr>
-        <p:spPr>
-          <a:xfrm>
-            <a:off x="6586024" y="4259653"/>
-            <a:ext cx="384924" cy="738664"/>
-          </a:xfrm>
-          <a:prstGeom prst="rect">
-            <a:avLst/>
-          </a:prstGeom>
-          <a:noFill/>
-        </p:spPr>
-        <p:txBody>
-          <a:bodyPr wrap="square" lIns="0" tIns="0" rIns="0" bIns="0" rtlCol="0" anchor="ctr">
-            <a:spAutoFit/>
-          </a:bodyPr>
-          <a:lstStyle/>
-          <a:p>
-            <a:pPr algn="ctr"/>
-            <a:r>
-              <a:rPr lang="en-US" sz="4800" dirty="0">
-                <a:latin typeface="Latin Modern Math" panose="02000503000000000000" pitchFamily="2" charset="77"/>
-                <a:ea typeface="Latin Modern Math" panose="02000503000000000000" pitchFamily="2" charset="77"/>
-              </a:rPr>
-              <a:t>~</a:t>
-            </a:r>
-            <a:endParaRPr lang="en-US" sz="2800" dirty="0">
-              <a:latin typeface="Latin Modern Math" panose="02000503000000000000" pitchFamily="2" charset="77"/>
-              <a:ea typeface="Latin Modern Math" panose="02000503000000000000" pitchFamily="2" charset="77"/>
-            </a:endParaRPr>
-          </a:p>
-        </p:txBody>
-      </p:sp>
     </p:spTree>
     <p:extLst>
       <p:ext uri="{BB962C8B-B14F-4D97-AF65-F5344CB8AC3E}">

--- a/Astro_Origin_table_horiz.pptx
+++ b/Astro_Origin_table_horiz.pptx
@@ -197,7 +197,7 @@
           <a:p>
             <a:fld id="{56190867-FD12-ED4C-AD02-12B91CD72869}" type="datetimeFigureOut">
               <a:rPr lang="en-US" smtClean="0"/>
-              <a:t>6/2/25</a:t>
+              <a:t>6/5/25</a:t>
             </a:fld>
             <a:endParaRPr lang="en-US"/>
           </a:p>
@@ -1038,7 +1038,7 @@
           <a:p>
             <a:fld id="{42B10BCD-A866-B34B-B7E8-44C4BB9D2819}" type="datetimeFigureOut">
               <a:rPr lang="en-US" smtClean="0"/>
-              <a:t>6/2/25</a:t>
+              <a:t>6/5/25</a:t>
             </a:fld>
             <a:endParaRPr lang="en-US"/>
           </a:p>
@@ -1208,7 +1208,7 @@
           <a:p>
             <a:fld id="{42B10BCD-A866-B34B-B7E8-44C4BB9D2819}" type="datetimeFigureOut">
               <a:rPr lang="en-US" smtClean="0"/>
-              <a:t>6/2/25</a:t>
+              <a:t>6/5/25</a:t>
             </a:fld>
             <a:endParaRPr lang="en-US"/>
           </a:p>
@@ -1388,7 +1388,7 @@
           <a:p>
             <a:fld id="{42B10BCD-A866-B34B-B7E8-44C4BB9D2819}" type="datetimeFigureOut">
               <a:rPr lang="en-US" smtClean="0"/>
-              <a:t>6/2/25</a:t>
+              <a:t>6/5/25</a:t>
             </a:fld>
             <a:endParaRPr lang="en-US"/>
           </a:p>
@@ -1619,7 +1619,7 @@
           <a:p>
             <a:fld id="{42B10BCD-A866-B34B-B7E8-44C4BB9D2819}" type="datetimeFigureOut">
               <a:rPr lang="en-US" smtClean="0"/>
-              <a:t>6/2/25</a:t>
+              <a:t>6/5/25</a:t>
             </a:fld>
             <a:endParaRPr lang="en-US"/>
           </a:p>
@@ -1865,7 +1865,7 @@
           <a:p>
             <a:fld id="{42B10BCD-A866-B34B-B7E8-44C4BB9D2819}" type="datetimeFigureOut">
               <a:rPr lang="en-US" smtClean="0"/>
-              <a:t>6/2/25</a:t>
+              <a:t>6/5/25</a:t>
             </a:fld>
             <a:endParaRPr lang="en-US"/>
           </a:p>
@@ -2097,7 +2097,7 @@
           <a:p>
             <a:fld id="{42B10BCD-A866-B34B-B7E8-44C4BB9D2819}" type="datetimeFigureOut">
               <a:rPr lang="en-US" smtClean="0"/>
-              <a:t>6/2/25</a:t>
+              <a:t>6/5/25</a:t>
             </a:fld>
             <a:endParaRPr lang="en-US"/>
           </a:p>
@@ -2464,7 +2464,7 @@
           <a:p>
             <a:fld id="{42B10BCD-A866-B34B-B7E8-44C4BB9D2819}" type="datetimeFigureOut">
               <a:rPr lang="en-US" smtClean="0"/>
-              <a:t>6/2/25</a:t>
+              <a:t>6/5/25</a:t>
             </a:fld>
             <a:endParaRPr lang="en-US"/>
           </a:p>
@@ -2582,7 +2582,7 @@
           <a:p>
             <a:fld id="{42B10BCD-A866-B34B-B7E8-44C4BB9D2819}" type="datetimeFigureOut">
               <a:rPr lang="en-US" smtClean="0"/>
-              <a:t>6/2/25</a:t>
+              <a:t>6/5/25</a:t>
             </a:fld>
             <a:endParaRPr lang="en-US"/>
           </a:p>
@@ -2677,7 +2677,7 @@
           <a:p>
             <a:fld id="{42B10BCD-A866-B34B-B7E8-44C4BB9D2819}" type="datetimeFigureOut">
               <a:rPr lang="en-US" smtClean="0"/>
-              <a:t>6/2/25</a:t>
+              <a:t>6/5/25</a:t>
             </a:fld>
             <a:endParaRPr lang="en-US"/>
           </a:p>
@@ -2954,7 +2954,7 @@
           <a:p>
             <a:fld id="{42B10BCD-A866-B34B-B7E8-44C4BB9D2819}" type="datetimeFigureOut">
               <a:rPr lang="en-US" smtClean="0"/>
-              <a:t>6/2/25</a:t>
+              <a:t>6/5/25</a:t>
             </a:fld>
             <a:endParaRPr lang="en-US"/>
           </a:p>
@@ -3211,7 +3211,7 @@
           <a:p>
             <a:fld id="{42B10BCD-A866-B34B-B7E8-44C4BB9D2819}" type="datetimeFigureOut">
               <a:rPr lang="en-US" smtClean="0"/>
-              <a:t>6/2/25</a:t>
+              <a:t>6/5/25</a:t>
             </a:fld>
             <a:endParaRPr lang="en-US"/>
           </a:p>
@@ -3424,7 +3424,7 @@
           <a:p>
             <a:fld id="{42B10BCD-A866-B34B-B7E8-44C4BB9D2819}" type="datetimeFigureOut">
               <a:rPr lang="en-US" smtClean="0"/>
-              <a:t>6/2/25</a:t>
+              <a:t>6/5/25</a:t>
             </a:fld>
             <a:endParaRPr lang="en-US"/>
           </a:p>
@@ -4388,8 +4388,8 @@
           </a:p>
         </p:txBody>
       </p:sp>
-      <mc:AlternateContent xmlns:mc="http://schemas.openxmlformats.org/markup-compatibility/2006">
-        <mc:Choice xmlns:a14="http://schemas.microsoft.com/office/drawing/2010/main" Requires="a14">
+      <mc:AlternateContent xmlns:mc="http://schemas.openxmlformats.org/markup-compatibility/2006" xmlns:a14="http://schemas.microsoft.com/office/drawing/2010/main">
+        <mc:Choice Requires="a14">
           <p:sp>
             <p:nvSpPr>
               <p:cNvPr id="20" name="TextBox 19">
@@ -4472,7 +4472,7 @@
             </p:txBody>
           </p:sp>
         </mc:Choice>
-        <mc:Fallback>
+        <mc:Fallback xmlns="">
           <p:sp>
             <p:nvSpPr>
               <p:cNvPr id="20" name="TextBox 19">
@@ -4517,8 +4517,8 @@
           </p:sp>
         </mc:Fallback>
       </mc:AlternateContent>
-      <mc:AlternateContent xmlns:mc="http://schemas.openxmlformats.org/markup-compatibility/2006">
-        <mc:Choice xmlns:a14="http://schemas.microsoft.com/office/drawing/2010/main" Requires="a14">
+      <mc:AlternateContent xmlns:mc="http://schemas.openxmlformats.org/markup-compatibility/2006" xmlns:a14="http://schemas.microsoft.com/office/drawing/2010/main">
+        <mc:Choice Requires="a14">
           <p:sp>
             <p:nvSpPr>
               <p:cNvPr id="21" name="TextBox 20">
@@ -4621,7 +4621,7 @@
             </p:txBody>
           </p:sp>
         </mc:Choice>
-        <mc:Fallback>
+        <mc:Fallback xmlns="">
           <p:sp>
             <p:nvSpPr>
               <p:cNvPr id="21" name="TextBox 20">

--- a/Astro_Origin_table_horiz.pptx
+++ b/Astro_Origin_table_horiz.pptx
@@ -197,7 +197,7 @@
           <a:p>
             <a:fld id="{56190867-FD12-ED4C-AD02-12B91CD72869}" type="datetimeFigureOut">
               <a:rPr lang="en-US" smtClean="0"/>
-              <a:t>6/5/25</a:t>
+              <a:t>6/6/25</a:t>
             </a:fld>
             <a:endParaRPr lang="en-US"/>
           </a:p>
@@ -1038,7 +1038,7 @@
           <a:p>
             <a:fld id="{42B10BCD-A866-B34B-B7E8-44C4BB9D2819}" type="datetimeFigureOut">
               <a:rPr lang="en-US" smtClean="0"/>
-              <a:t>6/5/25</a:t>
+              <a:t>6/6/25</a:t>
             </a:fld>
             <a:endParaRPr lang="en-US"/>
           </a:p>
@@ -1208,7 +1208,7 @@
           <a:p>
             <a:fld id="{42B10BCD-A866-B34B-B7E8-44C4BB9D2819}" type="datetimeFigureOut">
               <a:rPr lang="en-US" smtClean="0"/>
-              <a:t>6/5/25</a:t>
+              <a:t>6/6/25</a:t>
             </a:fld>
             <a:endParaRPr lang="en-US"/>
           </a:p>
@@ -1388,7 +1388,7 @@
           <a:p>
             <a:fld id="{42B10BCD-A866-B34B-B7E8-44C4BB9D2819}" type="datetimeFigureOut">
               <a:rPr lang="en-US" smtClean="0"/>
-              <a:t>6/5/25</a:t>
+              <a:t>6/6/25</a:t>
             </a:fld>
             <a:endParaRPr lang="en-US"/>
           </a:p>
@@ -1619,7 +1619,7 @@
           <a:p>
             <a:fld id="{42B10BCD-A866-B34B-B7E8-44C4BB9D2819}" type="datetimeFigureOut">
               <a:rPr lang="en-US" smtClean="0"/>
-              <a:t>6/5/25</a:t>
+              <a:t>6/6/25</a:t>
             </a:fld>
             <a:endParaRPr lang="en-US"/>
           </a:p>
@@ -1865,7 +1865,7 @@
           <a:p>
             <a:fld id="{42B10BCD-A866-B34B-B7E8-44C4BB9D2819}" type="datetimeFigureOut">
               <a:rPr lang="en-US" smtClean="0"/>
-              <a:t>6/5/25</a:t>
+              <a:t>6/6/25</a:t>
             </a:fld>
             <a:endParaRPr lang="en-US"/>
           </a:p>
@@ -2097,7 +2097,7 @@
           <a:p>
             <a:fld id="{42B10BCD-A866-B34B-B7E8-44C4BB9D2819}" type="datetimeFigureOut">
               <a:rPr lang="en-US" smtClean="0"/>
-              <a:t>6/5/25</a:t>
+              <a:t>6/6/25</a:t>
             </a:fld>
             <a:endParaRPr lang="en-US"/>
           </a:p>
@@ -2464,7 +2464,7 @@
           <a:p>
             <a:fld id="{42B10BCD-A866-B34B-B7E8-44C4BB9D2819}" type="datetimeFigureOut">
               <a:rPr lang="en-US" smtClean="0"/>
-              <a:t>6/5/25</a:t>
+              <a:t>6/6/25</a:t>
             </a:fld>
             <a:endParaRPr lang="en-US"/>
           </a:p>
@@ -2582,7 +2582,7 @@
           <a:p>
             <a:fld id="{42B10BCD-A866-B34B-B7E8-44C4BB9D2819}" type="datetimeFigureOut">
               <a:rPr lang="en-US" smtClean="0"/>
-              <a:t>6/5/25</a:t>
+              <a:t>6/6/25</a:t>
             </a:fld>
             <a:endParaRPr lang="en-US"/>
           </a:p>
@@ -2677,7 +2677,7 @@
           <a:p>
             <a:fld id="{42B10BCD-A866-B34B-B7E8-44C4BB9D2819}" type="datetimeFigureOut">
               <a:rPr lang="en-US" smtClean="0"/>
-              <a:t>6/5/25</a:t>
+              <a:t>6/6/25</a:t>
             </a:fld>
             <a:endParaRPr lang="en-US"/>
           </a:p>
@@ -2954,7 +2954,7 @@
           <a:p>
             <a:fld id="{42B10BCD-A866-B34B-B7E8-44C4BB9D2819}" type="datetimeFigureOut">
               <a:rPr lang="en-US" smtClean="0"/>
-              <a:t>6/5/25</a:t>
+              <a:t>6/6/25</a:t>
             </a:fld>
             <a:endParaRPr lang="en-US"/>
           </a:p>
@@ -3211,7 +3211,7 @@
           <a:p>
             <a:fld id="{42B10BCD-A866-B34B-B7E8-44C4BB9D2819}" type="datetimeFigureOut">
               <a:rPr lang="en-US" smtClean="0"/>
-              <a:t>6/5/25</a:t>
+              <a:t>6/6/25</a:t>
             </a:fld>
             <a:endParaRPr lang="en-US"/>
           </a:p>
@@ -3424,7 +3424,7 @@
           <a:p>
             <a:fld id="{42B10BCD-A866-B34B-B7E8-44C4BB9D2819}" type="datetimeFigureOut">
               <a:rPr lang="en-US" smtClean="0"/>
-              <a:t>6/5/25</a:t>
+              <a:t>6/6/25</a:t>
             </a:fld>
             <a:endParaRPr lang="en-US"/>
           </a:p>
@@ -3846,10 +3846,10 @@
       </p:grpSpPr>
       <p:sp>
         <p:nvSpPr>
-          <p:cNvPr id="10" name="Rectangle 9">
+          <p:cNvPr id="142" name="Rectangle 141">
             <a:extLst>
               <a:ext uri="{FF2B5EF4-FFF2-40B4-BE49-F238E27FC236}">
-                <a16:creationId xmlns:a16="http://schemas.microsoft.com/office/drawing/2014/main" id="{9691E87F-EE19-9FEE-FD84-A795BFD0F6F2}"/>
+                <a16:creationId xmlns:a16="http://schemas.microsoft.com/office/drawing/2014/main" id="{83B6A2C6-6E20-163E-0F09-4D7F463350E7}"/>
               </a:ext>
             </a:extLst>
           </p:cNvPr>
@@ -3858,14 +3858,16 @@
         </p:nvSpPr>
         <p:spPr>
           <a:xfrm>
-            <a:off x="-1323" y="3020024"/>
-            <a:ext cx="8296665" cy="879975"/>
+            <a:off x="2042638" y="854594"/>
+            <a:ext cx="6252204" cy="377462"/>
           </a:xfrm>
           <a:prstGeom prst="rect">
             <a:avLst/>
           </a:prstGeom>
           <a:solidFill>
-            <a:srgbClr val="DFDFDF"/>
+            <a:srgbClr val="CA2243">
+              <a:alpha val="25000"/>
+            </a:srgbClr>
           </a:solidFill>
           <a:ln>
             <a:noFill/>
@@ -3874,7 +3876,7 @@
         <p:style>
           <a:lnRef idx="2">
             <a:schemeClr val="accent1">
-              <a:shade val="50000"/>
+              <a:shade val="15000"/>
             </a:schemeClr>
           </a:lnRef>
           <a:fillRef idx="1">
@@ -3892,16 +3894,16 @@
           <a:lstStyle/>
           <a:p>
             <a:pPr algn="ctr"/>
-            <a:endParaRPr lang="en-NL"/>
-          </a:p>
-        </p:txBody>
-      </p:sp>
-      <p:sp>
-        <p:nvSpPr>
-          <p:cNvPr id="11" name="Rectangle 10">
+            <a:endParaRPr lang="en-US"/>
+          </a:p>
+        </p:txBody>
+      </p:sp>
+      <p:sp>
+        <p:nvSpPr>
+          <p:cNvPr id="148" name="Rectangle 147">
             <a:extLst>
               <a:ext uri="{FF2B5EF4-FFF2-40B4-BE49-F238E27FC236}">
-                <a16:creationId xmlns:a16="http://schemas.microsoft.com/office/drawing/2014/main" id="{CF66B696-C7B1-96E9-9616-308A5620287A}"/>
+                <a16:creationId xmlns:a16="http://schemas.microsoft.com/office/drawing/2014/main" id="{E2E94001-36DC-3DE7-9A2B-477059922652}"/>
               </a:ext>
             </a:extLst>
           </p:cNvPr>
@@ -3910,14 +3912,16 @@
         </p:nvSpPr>
         <p:spPr>
           <a:xfrm>
-            <a:off x="0" y="4943475"/>
-            <a:ext cx="8280400" cy="879975"/>
+            <a:off x="2055088" y="4703822"/>
+            <a:ext cx="6221027" cy="521078"/>
           </a:xfrm>
           <a:prstGeom prst="rect">
             <a:avLst/>
           </a:prstGeom>
           <a:solidFill>
-            <a:srgbClr val="DFDFDF"/>
+            <a:srgbClr val="CA2243">
+              <a:alpha val="5000"/>
+            </a:srgbClr>
           </a:solidFill>
           <a:ln>
             <a:noFill/>
@@ -3926,7 +3930,7 @@
         <p:style>
           <a:lnRef idx="2">
             <a:schemeClr val="accent1">
-              <a:shade val="50000"/>
+              <a:shade val="15000"/>
             </a:schemeClr>
           </a:lnRef>
           <a:fillRef idx="1">
@@ -3944,16 +3948,16 @@
           <a:lstStyle/>
           <a:p>
             <a:pPr algn="ctr"/>
-            <a:endParaRPr lang="en-NL"/>
-          </a:p>
-        </p:txBody>
-      </p:sp>
-      <p:sp>
-        <p:nvSpPr>
-          <p:cNvPr id="12" name="Rectangle 11">
+            <a:endParaRPr lang="en-US"/>
+          </a:p>
+        </p:txBody>
+      </p:sp>
+      <p:sp>
+        <p:nvSpPr>
+          <p:cNvPr id="143" name="Rectangle 142">
             <a:extLst>
               <a:ext uri="{FF2B5EF4-FFF2-40B4-BE49-F238E27FC236}">
-                <a16:creationId xmlns:a16="http://schemas.microsoft.com/office/drawing/2014/main" id="{696FB6C1-57A0-EB15-F73B-3A97ABF6378C}"/>
+                <a16:creationId xmlns:a16="http://schemas.microsoft.com/office/drawing/2014/main" id="{3FE83F01-6FCD-4697-ED65-69A970E24283}"/>
               </a:ext>
             </a:extLst>
           </p:cNvPr>
@@ -3962,14 +3966,16 @@
         </p:nvSpPr>
         <p:spPr>
           <a:xfrm>
-            <a:off x="0" y="819136"/>
-            <a:ext cx="8280400" cy="1152484"/>
+            <a:off x="2045525" y="1232717"/>
+            <a:ext cx="6252203" cy="388409"/>
           </a:xfrm>
           <a:prstGeom prst="rect">
             <a:avLst/>
           </a:prstGeom>
           <a:solidFill>
-            <a:srgbClr val="DFDFDF"/>
+            <a:srgbClr val="CA2243">
+              <a:alpha val="15000"/>
+            </a:srgbClr>
           </a:solidFill>
           <a:ln>
             <a:noFill/>
@@ -3978,7 +3984,7 @@
         <p:style>
           <a:lnRef idx="2">
             <a:schemeClr val="accent1">
-              <a:shade val="50000"/>
+              <a:shade val="15000"/>
             </a:schemeClr>
           </a:lnRef>
           <a:fillRef idx="1">
@@ -3996,7 +4002,115 @@
           <a:lstStyle/>
           <a:p>
             <a:pPr algn="ctr"/>
-            <a:endParaRPr lang="en-NL"/>
+            <a:endParaRPr lang="en-US"/>
+          </a:p>
+        </p:txBody>
+      </p:sp>
+      <p:sp>
+        <p:nvSpPr>
+          <p:cNvPr id="145" name="Rectangle 144">
+            <a:extLst>
+              <a:ext uri="{FF2B5EF4-FFF2-40B4-BE49-F238E27FC236}">
+                <a16:creationId xmlns:a16="http://schemas.microsoft.com/office/drawing/2014/main" id="{19D5867A-2AB6-9BD6-24FD-1AEAB87142D8}"/>
+              </a:ext>
+            </a:extLst>
+          </p:cNvPr>
+          <p:cNvSpPr/>
+          <p:nvPr/>
+        </p:nvSpPr>
+        <p:spPr>
+          <a:xfrm>
+            <a:off x="2042908" y="3090981"/>
+            <a:ext cx="6251933" cy="405045"/>
+          </a:xfrm>
+          <a:prstGeom prst="rect">
+            <a:avLst/>
+          </a:prstGeom>
+          <a:solidFill>
+            <a:srgbClr val="CA2243">
+              <a:alpha val="30000"/>
+            </a:srgbClr>
+          </a:solidFill>
+          <a:ln>
+            <a:noFill/>
+          </a:ln>
+        </p:spPr>
+        <p:style>
+          <a:lnRef idx="2">
+            <a:schemeClr val="accent1">
+              <a:shade val="15000"/>
+            </a:schemeClr>
+          </a:lnRef>
+          <a:fillRef idx="1">
+            <a:schemeClr val="accent1"/>
+          </a:fillRef>
+          <a:effectRef idx="0">
+            <a:schemeClr val="accent1"/>
+          </a:effectRef>
+          <a:fontRef idx="minor">
+            <a:schemeClr val="lt1"/>
+          </a:fontRef>
+        </p:style>
+        <p:txBody>
+          <a:bodyPr rtlCol="0" anchor="ctr"/>
+          <a:lstStyle/>
+          <a:p>
+            <a:pPr algn="ctr"/>
+            <a:endParaRPr lang="en-US"/>
+          </a:p>
+        </p:txBody>
+      </p:sp>
+      <p:sp>
+        <p:nvSpPr>
+          <p:cNvPr id="147" name="Rectangle 146">
+            <a:extLst>
+              <a:ext uri="{FF2B5EF4-FFF2-40B4-BE49-F238E27FC236}">
+                <a16:creationId xmlns:a16="http://schemas.microsoft.com/office/drawing/2014/main" id="{1DC799CB-207C-8D63-0BDC-B3EE1D8DE8D3}"/>
+              </a:ext>
+            </a:extLst>
+          </p:cNvPr>
+          <p:cNvSpPr/>
+          <p:nvPr/>
+        </p:nvSpPr>
+        <p:spPr>
+          <a:xfrm>
+            <a:off x="2047383" y="3496081"/>
+            <a:ext cx="6233480" cy="543384"/>
+          </a:xfrm>
+          <a:prstGeom prst="rect">
+            <a:avLst/>
+          </a:prstGeom>
+          <a:solidFill>
+            <a:srgbClr val="CA2243">
+              <a:alpha val="30000"/>
+            </a:srgbClr>
+          </a:solidFill>
+          <a:ln>
+            <a:noFill/>
+          </a:ln>
+        </p:spPr>
+        <p:style>
+          <a:lnRef idx="2">
+            <a:schemeClr val="accent1">
+              <a:shade val="15000"/>
+            </a:schemeClr>
+          </a:lnRef>
+          <a:fillRef idx="1">
+            <a:schemeClr val="accent1"/>
+          </a:fillRef>
+          <a:effectRef idx="0">
+            <a:schemeClr val="accent1"/>
+          </a:effectRef>
+          <a:fontRef idx="minor">
+            <a:schemeClr val="lt1"/>
+          </a:fontRef>
+        </p:style>
+        <p:txBody>
+          <a:bodyPr rtlCol="0" anchor="ctr"/>
+          <a:lstStyle/>
+          <a:p>
+            <a:pPr algn="ctr"/>
+            <a:endParaRPr lang="en-US"/>
           </a:p>
         </p:txBody>
       </p:sp>
@@ -4016,8 +4130,8 @@
         </p:nvSpPr>
         <p:spPr>
           <a:xfrm>
-            <a:off x="2928903" y="5817962"/>
-            <a:ext cx="5235406" cy="323392"/>
+            <a:off x="5202586" y="-929805"/>
+            <a:ext cx="2583875" cy="323392"/>
           </a:xfrm>
           <a:prstGeom prst="rect">
             <a:avLst/>
@@ -4145,7 +4259,7 @@
         </p:nvSpPr>
         <p:spPr>
           <a:xfrm>
-            <a:off x="2245791" y="20874"/>
+            <a:off x="2245791" y="22611"/>
             <a:ext cx="1686928" cy="215444"/>
           </a:xfrm>
           <a:prstGeom prst="rect">
@@ -4225,7 +4339,7 @@
         </p:nvSpPr>
         <p:spPr>
           <a:xfrm>
-            <a:off x="2730469" y="488271"/>
+            <a:off x="2730469" y="490008"/>
             <a:ext cx="710996" cy="353943"/>
           </a:xfrm>
           <a:prstGeom prst="rect">
@@ -4269,7 +4383,7 @@
         </p:nvSpPr>
         <p:spPr>
           <a:xfrm>
-            <a:off x="3450881" y="576756"/>
+            <a:off x="3450881" y="578493"/>
             <a:ext cx="703579" cy="176972"/>
           </a:xfrm>
           <a:prstGeom prst="rect">
@@ -4308,7 +4422,7 @@
         <p:spPr>
           <a:xfrm>
             <a:off x="2046920" y="0"/>
-            <a:ext cx="0" cy="5823450"/>
+            <a:ext cx="0" cy="5264625"/>
           </a:xfrm>
           <a:prstGeom prst="line">
             <a:avLst/>
@@ -4348,7 +4462,7 @@
         </p:nvSpPr>
         <p:spPr>
           <a:xfrm>
-            <a:off x="4165707" y="20874"/>
+            <a:off x="4165707" y="22611"/>
             <a:ext cx="881707" cy="430887"/>
           </a:xfrm>
           <a:prstGeom prst="rect">
@@ -4388,8 +4502,8 @@
           </a:p>
         </p:txBody>
       </p:sp>
-      <mc:AlternateContent xmlns:mc="http://schemas.openxmlformats.org/markup-compatibility/2006" xmlns:a14="http://schemas.microsoft.com/office/drawing/2010/main">
-        <mc:Choice Requires="a14">
+      <mc:AlternateContent xmlns:mc="http://schemas.openxmlformats.org/markup-compatibility/2006">
+        <mc:Choice xmlns:a14="http://schemas.microsoft.com/office/drawing/2010/main" Requires="a14">
           <p:sp>
             <p:nvSpPr>
               <p:cNvPr id="20" name="TextBox 19">
@@ -4404,7 +4518,7 @@
             </p:nvSpPr>
             <p:spPr>
               <a:xfrm>
-                <a:off x="5178102" y="20874"/>
+                <a:off x="5178102" y="22611"/>
                 <a:ext cx="1110616" cy="430887"/>
               </a:xfrm>
               <a:prstGeom prst="rect">
@@ -4451,7 +4565,7 @@
                         <m:rPr>
                           <m:sty m:val="p"/>
                         </m:rPr>
-                        <a:rPr lang="en-US" sz="1400" b="0" i="0" baseline="-25000" smtClean="0">
+                        <a:rPr lang="en-US" sz="1400" b="0" baseline="-25000" smtClean="0">
                           <a:solidFill>
                             <a:srgbClr val="EBBE67"/>
                           </a:solidFill>
@@ -4472,7 +4586,7 @@
             </p:txBody>
           </p:sp>
         </mc:Choice>
-        <mc:Fallback xmlns="">
+        <mc:Fallback>
           <p:sp>
             <p:nvSpPr>
               <p:cNvPr id="20" name="TextBox 19">
@@ -4489,7 +4603,7 @@
             </p:nvSpPr>
             <p:spPr>
               <a:xfrm>
-                <a:off x="5178102" y="20874"/>
+                <a:off x="5178102" y="22611"/>
                 <a:ext cx="1110616" cy="430887"/>
               </a:xfrm>
               <a:prstGeom prst="rect">
@@ -4517,8 +4631,8 @@
           </p:sp>
         </mc:Fallback>
       </mc:AlternateContent>
-      <mc:AlternateContent xmlns:mc="http://schemas.openxmlformats.org/markup-compatibility/2006" xmlns:a14="http://schemas.microsoft.com/office/drawing/2010/main">
-        <mc:Choice Requires="a14">
+      <mc:AlternateContent xmlns:mc="http://schemas.openxmlformats.org/markup-compatibility/2006">
+        <mc:Choice xmlns:a14="http://schemas.microsoft.com/office/drawing/2010/main" Requires="a14">
           <p:sp>
             <p:nvSpPr>
               <p:cNvPr id="21" name="TextBox 20">
@@ -4533,7 +4647,7 @@
             </p:nvSpPr>
             <p:spPr>
               <a:xfrm>
-                <a:off x="6423526" y="20874"/>
+                <a:off x="6423526" y="22611"/>
                 <a:ext cx="664981" cy="430887"/>
               </a:xfrm>
               <a:prstGeom prst="rect">
@@ -4587,7 +4701,7 @@
                       <m:rPr>
                         <m:sty m:val="p"/>
                       </m:rPr>
-                      <a:rPr lang="en-US" sz="1400" b="0" i="0" baseline="-25000" smtClean="0">
+                      <a:rPr lang="en-US" sz="1400" b="0" baseline="-25000" smtClean="0">
                         <a:solidFill>
                           <a:srgbClr val="D0735B"/>
                         </a:solidFill>
@@ -4621,7 +4735,7 @@
             </p:txBody>
           </p:sp>
         </mc:Choice>
-        <mc:Fallback xmlns="">
+        <mc:Fallback>
           <p:sp>
             <p:nvSpPr>
               <p:cNvPr id="21" name="TextBox 20">
@@ -4638,7 +4752,7 @@
             </p:nvSpPr>
             <p:spPr>
               <a:xfrm>
-                <a:off x="6423526" y="20874"/>
+                <a:off x="6423526" y="22611"/>
                 <a:ext cx="664981" cy="430887"/>
               </a:xfrm>
               <a:prstGeom prst="rect">
@@ -4680,7 +4794,7 @@
         </p:nvSpPr>
         <p:spPr>
           <a:xfrm>
-            <a:off x="4112290" y="526743"/>
+            <a:off x="4112290" y="528480"/>
             <a:ext cx="988540" cy="276999"/>
           </a:xfrm>
           <a:prstGeom prst="rect">
@@ -4716,7 +4830,7 @@
         </p:nvSpPr>
         <p:spPr>
           <a:xfrm>
-            <a:off x="5140287" y="526743"/>
+            <a:off x="5140287" y="528480"/>
             <a:ext cx="1242328" cy="276999"/>
           </a:xfrm>
           <a:prstGeom prst="rect">
@@ -4764,7 +4878,7 @@
         </p:nvSpPr>
         <p:spPr>
           <a:xfrm>
-            <a:off x="7288221" y="20874"/>
+            <a:off x="7288221" y="22611"/>
             <a:ext cx="947623" cy="215444"/>
           </a:xfrm>
           <a:prstGeom prst="rect">
@@ -4814,7 +4928,7 @@
         </p:nvSpPr>
         <p:spPr>
           <a:xfrm>
-            <a:off x="2029312" y="576756"/>
+            <a:off x="2029312" y="578493"/>
             <a:ext cx="703580" cy="176972"/>
           </a:xfrm>
           <a:prstGeom prst="rect">
@@ -4857,7 +4971,7 @@
         </p:blipFill>
         <p:spPr>
           <a:xfrm>
-            <a:off x="93254" y="996656"/>
+            <a:off x="93254" y="1025022"/>
             <a:ext cx="1164921" cy="925200"/>
           </a:xfrm>
           <a:prstGeom prst="rect">
@@ -4879,8 +4993,8 @@
         </p:nvSpPr>
         <p:spPr>
           <a:xfrm>
-            <a:off x="140239" y="181769"/>
-            <a:ext cx="1029449" cy="369332"/>
+            <a:off x="-8548" y="460914"/>
+            <a:ext cx="938077" cy="338554"/>
           </a:xfrm>
           <a:prstGeom prst="rect">
             <a:avLst/>
@@ -4894,7 +5008,7 @@
           <a:lstStyle/>
           <a:p>
             <a:r>
-              <a:rPr lang="en-US" dirty="0"/>
+              <a:rPr lang="en-US" sz="1600" dirty="0"/>
               <a:t>Channel</a:t>
             </a:r>
           </a:p>
@@ -4914,7 +5028,7 @@
         </p:nvGrpSpPr>
         <p:grpSpPr>
           <a:xfrm rot="20076741">
-            <a:off x="511999" y="3206126"/>
+            <a:off x="481519" y="3270016"/>
             <a:ext cx="963156" cy="635162"/>
             <a:chOff x="5386887" y="1336939"/>
             <a:chExt cx="2143192" cy="1413346"/>
@@ -5642,7 +5756,7 @@
         </p:nvSpPr>
         <p:spPr>
           <a:xfrm>
-            <a:off x="-1322" y="3009367"/>
+            <a:off x="-19123" y="3117488"/>
             <a:ext cx="1035588" cy="200055"/>
           </a:xfrm>
           <a:prstGeom prst="rect">
@@ -5685,7 +5799,7 @@
         </p:nvSpPr>
         <p:spPr>
           <a:xfrm>
-            <a:off x="-1322" y="819980"/>
+            <a:off x="-1322" y="848346"/>
             <a:ext cx="629289" cy="200055"/>
           </a:xfrm>
           <a:prstGeom prst="rect">
@@ -5709,7 +5823,7 @@
                 </a:solidFill>
                 <a:latin typeface="Calibri" panose="020F0502020204030204"/>
               </a:rPr>
-              <a:t>  P-PISN</a:t>
+              <a:t>1  P-PISN</a:t>
             </a:r>
           </a:p>
         </p:txBody>
@@ -5728,7 +5842,7 @@
         </p:nvSpPr>
         <p:spPr>
           <a:xfrm>
-            <a:off x="1212022" y="892148"/>
+            <a:off x="1212022" y="920514"/>
             <a:ext cx="849913" cy="261610"/>
           </a:xfrm>
           <a:prstGeom prst="rect">
@@ -5763,7 +5877,7 @@
         </p:nvSpPr>
         <p:spPr>
           <a:xfrm>
-            <a:off x="1192714" y="1285045"/>
+            <a:off x="1192714" y="1313411"/>
             <a:ext cx="880369" cy="261610"/>
           </a:xfrm>
           <a:prstGeom prst="rect">
@@ -5798,7 +5912,7 @@
         </p:nvSpPr>
         <p:spPr>
           <a:xfrm>
-            <a:off x="1213223" y="1559980"/>
+            <a:off x="1213223" y="1588346"/>
             <a:ext cx="848640" cy="430887"/>
           </a:xfrm>
           <a:prstGeom prst="rect">
@@ -5833,8 +5947,8 @@
         </p:nvSpPr>
         <p:spPr>
           <a:xfrm>
-            <a:off x="-1323" y="3954872"/>
-            <a:ext cx="1445682" cy="200055"/>
+            <a:off x="132716" y="4204548"/>
+            <a:ext cx="841523" cy="400110"/>
           </a:xfrm>
           <a:prstGeom prst="rect">
             <a:avLst/>
@@ -5857,7 +5971,21 @@
                 </a:solidFill>
                 <a:latin typeface="Calibri" panose="020F0502020204030204"/>
               </a:rPr>
-              <a:t>  Globular clusters</a:t>
+              <a:t> Globular </a:t>
+            </a:r>
+          </a:p>
+          <a:p>
+            <a:pPr>
+              <a:defRPr/>
+            </a:pPr>
+            <a:r>
+              <a:rPr lang="en-GB" sz="1300" b="1" dirty="0">
+                <a:solidFill>
+                  <a:srgbClr val="000000"/>
+                </a:solidFill>
+                <a:latin typeface="Calibri" panose="020F0502020204030204"/>
+              </a:rPr>
+              <a:t>clusters</a:t>
             </a:r>
           </a:p>
         </p:txBody>
@@ -5875,11 +6003,11 @@
           <p:nvPr/>
         </p:nvGrpSpPr>
         <p:grpSpPr>
-          <a:xfrm rot="4900185">
-            <a:off x="342109" y="4195787"/>
-            <a:ext cx="711311" cy="691395"/>
-            <a:chOff x="7859369" y="1870318"/>
-            <a:chExt cx="1397910" cy="1272012"/>
+          <a:xfrm rot="2179435">
+            <a:off x="965747" y="4177324"/>
+            <a:ext cx="516409" cy="455772"/>
+            <a:chOff x="7859369" y="1987342"/>
+            <a:chExt cx="1397910" cy="1154988"/>
           </a:xfrm>
         </p:grpSpPr>
         <p:sp>
@@ -7019,67 +7147,6 @@
         </p:sp>
         <p:sp>
           <p:nvSpPr>
-            <p:cNvPr id="67" name="Oval 66">
-              <a:extLst>
-                <a:ext uri="{FF2B5EF4-FFF2-40B4-BE49-F238E27FC236}">
-                  <a16:creationId xmlns:a16="http://schemas.microsoft.com/office/drawing/2014/main" id="{D72FA025-7E38-5543-88D6-200774C8AEAA}"/>
-                </a:ext>
-              </a:extLst>
-            </p:cNvPr>
-            <p:cNvSpPr/>
-            <p:nvPr/>
-          </p:nvSpPr>
-          <p:spPr>
-            <a:xfrm flipH="1">
-              <a:off x="7935210" y="1870318"/>
-              <a:ext cx="72963" cy="71144"/>
-            </a:xfrm>
-            <a:prstGeom prst="ellipse">
-              <a:avLst/>
-            </a:prstGeom>
-            <a:solidFill>
-              <a:srgbClr val="F2EBF3"/>
-            </a:solidFill>
-            <a:ln w="6350">
-              <a:solidFill>
-                <a:srgbClr val="FFC000"/>
-              </a:solidFill>
-            </a:ln>
-          </p:spPr>
-          <p:style>
-            <a:lnRef idx="2">
-              <a:schemeClr val="accent1">
-                <a:shade val="50000"/>
-              </a:schemeClr>
-            </a:lnRef>
-            <a:fillRef idx="1">
-              <a:schemeClr val="accent1"/>
-            </a:fillRef>
-            <a:effectRef idx="0">
-              <a:schemeClr val="accent1"/>
-            </a:effectRef>
-            <a:fontRef idx="minor">
-              <a:schemeClr val="lt1"/>
-            </a:fontRef>
-          </p:style>
-          <p:txBody>
-            <a:bodyPr rtlCol="0" anchor="ctr"/>
-            <a:lstStyle/>
-            <a:p>
-              <a:pPr algn="ctr">
-                <a:defRPr/>
-              </a:pPr>
-              <a:endParaRPr lang="en-GB" sz="1524" dirty="0">
-                <a:solidFill>
-                  <a:srgbClr val="000000"/>
-                </a:solidFill>
-                <a:latin typeface="Calibri" panose="020F0502020204030204"/>
-              </a:endParaRPr>
-            </a:p>
-          </p:txBody>
-        </p:sp>
-        <p:sp>
-          <p:nvSpPr>
             <p:cNvPr id="68" name="Oval 67">
               <a:extLst>
                 <a:ext uri="{FF2B5EF4-FFF2-40B4-BE49-F238E27FC236}">
@@ -7937,7 +8004,7 @@
         </p:nvSpPr>
         <p:spPr>
           <a:xfrm>
-            <a:off x="6351618" y="442104"/>
+            <a:off x="6351618" y="443841"/>
             <a:ext cx="970137" cy="446276"/>
           </a:xfrm>
           <a:prstGeom prst="rect">
@@ -7980,7 +8047,7 @@
         </p:nvSpPr>
         <p:spPr>
           <a:xfrm>
-            <a:off x="7418412" y="530590"/>
+            <a:off x="7418412" y="532327"/>
             <a:ext cx="736099" cy="269304"/>
           </a:xfrm>
           <a:prstGeom prst="rect">
@@ -8017,9 +8084,9 @@
           <p:nvPr/>
         </p:nvCxnSpPr>
         <p:spPr>
-          <a:xfrm flipH="1">
-            <a:off x="4091711" y="-8128"/>
-            <a:ext cx="9087" cy="5820977"/>
+          <a:xfrm>
+            <a:off x="4100798" y="0"/>
+            <a:ext cx="0" cy="5255869"/>
           </a:xfrm>
           <a:prstGeom prst="line">
             <a:avLst/>
@@ -8063,9 +8130,9 @@
           <p:nvPr/>
         </p:nvCxnSpPr>
         <p:spPr>
-          <a:xfrm flipH="1">
-            <a:off x="5140800" y="-8128"/>
-            <a:ext cx="9087" cy="5820977"/>
+          <a:xfrm>
+            <a:off x="5140287" y="0"/>
+            <a:ext cx="8327" cy="5236567"/>
           </a:xfrm>
           <a:prstGeom prst="line">
             <a:avLst/>
@@ -8110,8 +8177,8 @@
         </p:nvCxnSpPr>
         <p:spPr>
           <a:xfrm flipH="1">
-            <a:off x="6324730" y="-8128"/>
-            <a:ext cx="9087" cy="5820977"/>
+            <a:off x="6333817" y="0"/>
+            <a:ext cx="17801" cy="5264625"/>
           </a:xfrm>
           <a:prstGeom prst="line">
             <a:avLst/>
@@ -8155,9 +8222,9 @@
           <p:nvPr/>
         </p:nvCxnSpPr>
         <p:spPr>
-          <a:xfrm flipH="1">
-            <a:off x="7270134" y="-8128"/>
-            <a:ext cx="9087" cy="5820977"/>
+          <a:xfrm>
+            <a:off x="7279221" y="0"/>
+            <a:ext cx="0" cy="5264625"/>
           </a:xfrm>
           <a:prstGeom prst="line">
             <a:avLst/>
@@ -8200,7 +8267,7 @@
         </p:nvSpPr>
         <p:spPr>
           <a:xfrm>
-            <a:off x="-1322" y="4943475"/>
+            <a:off x="152665" y="4825936"/>
             <a:ext cx="857680" cy="229344"/>
           </a:xfrm>
           <a:prstGeom prst="rect">
@@ -8250,8 +8317,8 @@
         </p:nvCxnSpPr>
         <p:spPr>
           <a:xfrm>
-            <a:off x="2736239" y="818060"/>
-            <a:ext cx="0" cy="5005390"/>
+            <a:off x="2736239" y="826775"/>
+            <a:ext cx="0" cy="4437850"/>
           </a:xfrm>
           <a:prstGeom prst="line">
             <a:avLst/>
@@ -8296,8 +8363,8 @@
         </p:nvCxnSpPr>
         <p:spPr>
           <a:xfrm flipH="1">
-            <a:off x="3425558" y="818060"/>
-            <a:ext cx="25323" cy="4995309"/>
+            <a:off x="3426556" y="817094"/>
+            <a:ext cx="22546" cy="4447531"/>
           </a:xfrm>
           <a:prstGeom prst="line">
             <a:avLst/>
@@ -8342,7 +8409,7 @@
         </p:nvCxnSpPr>
         <p:spPr>
           <a:xfrm>
-            <a:off x="2061863" y="1205500"/>
+            <a:off x="2061863" y="1233866"/>
             <a:ext cx="6233480" cy="0"/>
           </a:xfrm>
           <a:prstGeom prst="line">
@@ -8389,7 +8456,7 @@
         </p:nvCxnSpPr>
         <p:spPr>
           <a:xfrm>
-            <a:off x="2042637" y="1588560"/>
+            <a:off x="2042637" y="1616926"/>
             <a:ext cx="6233480" cy="0"/>
           </a:xfrm>
           <a:prstGeom prst="line">
@@ -8442,8 +8509,8 @@
         </p:blipFill>
         <p:spPr>
           <a:xfrm>
-            <a:off x="335941" y="4992200"/>
-            <a:ext cx="1330476" cy="782523"/>
+            <a:off x="1636978" y="6158900"/>
+            <a:ext cx="1027503" cy="604328"/>
           </a:xfrm>
           <a:prstGeom prst="rect">
             <a:avLst/>
@@ -8478,560 +8545,8 @@
         </p:blipFill>
         <p:spPr>
           <a:xfrm>
-            <a:off x="550610" y="4929156"/>
-            <a:ext cx="427733" cy="427733"/>
-          </a:xfrm>
-          <a:prstGeom prst="rect">
-            <a:avLst/>
-          </a:prstGeom>
-        </p:spPr>
-      </p:pic>
-      <p:pic>
-        <p:nvPicPr>
-          <p:cNvPr id="1059" name="Graphic 1058" descr="Checkmark with solid fill">
-            <a:extLst>
-              <a:ext uri="{FF2B5EF4-FFF2-40B4-BE49-F238E27FC236}">
-                <a16:creationId xmlns:a16="http://schemas.microsoft.com/office/drawing/2014/main" id="{97895D4E-0E42-54B3-0D4A-9BF90F2FCA41}"/>
-              </a:ext>
-            </a:extLst>
-          </p:cNvPr>
-          <p:cNvPicPr>
-            <a:picLocks noChangeAspect="1"/>
-          </p:cNvPicPr>
-          <p:nvPr/>
-        </p:nvPicPr>
-        <p:blipFill>
-          <a:blip r:embed="rId9">
-            <a:extLst>
-              <a:ext uri="{96DAC541-7B7A-43D3-8B79-37D633B846F1}">
-                <asvg:svgBlip xmlns:asvg="http://schemas.microsoft.com/office/drawing/2016/SVG/main" r:embed="rId10"/>
-              </a:ext>
-            </a:extLst>
-          </a:blip>
-          <a:stretch>
-            <a:fillRect/>
-          </a:stretch>
-        </p:blipFill>
-        <p:spPr>
-          <a:xfrm>
-            <a:off x="3610459" y="846118"/>
-            <a:ext cx="332400" cy="332400"/>
-          </a:xfrm>
-          <a:prstGeom prst="rect">
-            <a:avLst/>
-          </a:prstGeom>
-        </p:spPr>
-      </p:pic>
-      <p:pic>
-        <p:nvPicPr>
-          <p:cNvPr id="1061" name="Graphic 1060" descr="Close with solid fill">
-            <a:extLst>
-              <a:ext uri="{FF2B5EF4-FFF2-40B4-BE49-F238E27FC236}">
-                <a16:creationId xmlns:a16="http://schemas.microsoft.com/office/drawing/2014/main" id="{57797A67-C548-E8A2-BE56-49C4B4E1A2AC}"/>
-              </a:ext>
-            </a:extLst>
-          </p:cNvPr>
-          <p:cNvPicPr>
-            <a:picLocks noChangeAspect="1"/>
-          </p:cNvPicPr>
-          <p:nvPr/>
-        </p:nvPicPr>
-        <p:blipFill>
-          <a:blip r:embed="rId11">
-            <a:extLst>
-              <a:ext uri="{96DAC541-7B7A-43D3-8B79-37D633B846F1}">
-                <asvg:svgBlip xmlns:asvg="http://schemas.microsoft.com/office/drawing/2016/SVG/main" r:embed="rId12"/>
-              </a:ext>
-            </a:extLst>
-          </a:blip>
-          <a:stretch>
-            <a:fillRect/>
-          </a:stretch>
-        </p:blipFill>
-        <p:spPr>
-          <a:xfrm>
-            <a:off x="2935210" y="839089"/>
-            <a:ext cx="350688" cy="350688"/>
-          </a:xfrm>
-          <a:prstGeom prst="rect">
-            <a:avLst/>
-          </a:prstGeom>
-        </p:spPr>
-      </p:pic>
-      <p:sp>
-        <p:nvSpPr>
-          <p:cNvPr id="2" name="TextBox 1">
-            <a:extLst>
-              <a:ext uri="{FF2B5EF4-FFF2-40B4-BE49-F238E27FC236}">
-                <a16:creationId xmlns:a16="http://schemas.microsoft.com/office/drawing/2014/main" id="{86E5FCD2-7E9F-8504-DBC5-0AC39E01CC36}"/>
-              </a:ext>
-            </a:extLst>
-          </p:cNvPr>
-          <p:cNvSpPr txBox="1"/>
-          <p:nvPr/>
-        </p:nvSpPr>
-        <p:spPr>
-          <a:xfrm>
-            <a:off x="7580453" y="1852151"/>
-            <a:ext cx="384924" cy="738664"/>
-          </a:xfrm>
-          <a:prstGeom prst="rect">
-            <a:avLst/>
-          </a:prstGeom>
-          <a:noFill/>
-        </p:spPr>
-        <p:txBody>
-          <a:bodyPr wrap="square" lIns="0" tIns="0" rIns="0" bIns="0" rtlCol="0" anchor="ctr">
-            <a:spAutoFit/>
-          </a:bodyPr>
-          <a:lstStyle/>
-          <a:p>
-            <a:pPr algn="ctr"/>
-            <a:r>
-              <a:rPr lang="en-US" sz="4800" dirty="0">
-                <a:latin typeface="Latin Modern Math" panose="02000503000000000000" pitchFamily="2" charset="77"/>
-                <a:ea typeface="Latin Modern Math" panose="02000503000000000000" pitchFamily="2" charset="77"/>
-              </a:rPr>
-              <a:t>~</a:t>
-            </a:r>
-            <a:endParaRPr lang="en-US" sz="2800" dirty="0">
-              <a:latin typeface="Latin Modern Math" panose="02000503000000000000" pitchFamily="2" charset="77"/>
-              <a:ea typeface="Latin Modern Math" panose="02000503000000000000" pitchFamily="2" charset="77"/>
-            </a:endParaRPr>
-          </a:p>
-        </p:txBody>
-      </p:sp>
-      <p:sp>
-        <p:nvSpPr>
-          <p:cNvPr id="7" name="TextBox 6">
-            <a:extLst>
-              <a:ext uri="{FF2B5EF4-FFF2-40B4-BE49-F238E27FC236}">
-                <a16:creationId xmlns:a16="http://schemas.microsoft.com/office/drawing/2014/main" id="{2DE6D9EA-2477-ECA0-E3E5-01F8F05111F5}"/>
-              </a:ext>
-            </a:extLst>
-          </p:cNvPr>
-          <p:cNvSpPr txBox="1"/>
-          <p:nvPr/>
-        </p:nvSpPr>
-        <p:spPr>
-          <a:xfrm>
-            <a:off x="7557983" y="2534324"/>
-            <a:ext cx="429865" cy="430887"/>
-          </a:xfrm>
-          <a:prstGeom prst="rect">
-            <a:avLst/>
-          </a:prstGeom>
-          <a:noFill/>
-        </p:spPr>
-        <p:txBody>
-          <a:bodyPr wrap="square" lIns="0" tIns="0" rIns="0" bIns="0" rtlCol="0" anchor="ctr">
-            <a:spAutoFit/>
-          </a:bodyPr>
-          <a:lstStyle/>
-          <a:p>
-            <a:pPr algn="ctr"/>
-            <a:r>
-              <a:rPr lang="en-US" sz="2800" dirty="0">
-                <a:solidFill>
-                  <a:srgbClr val="FF0000"/>
-                </a:solidFill>
-                <a:latin typeface="Latin Modern Math" panose="02000503000000000000" pitchFamily="2" charset="77"/>
-                <a:ea typeface="Latin Modern Math" panose="02000503000000000000" pitchFamily="2" charset="77"/>
-              </a:rPr>
-              <a:t>?</a:t>
-            </a:r>
-            <a:endParaRPr lang="en-US" sz="1400" dirty="0">
-              <a:solidFill>
-                <a:srgbClr val="FF0000"/>
-              </a:solidFill>
-              <a:latin typeface="Latin Modern Math" panose="02000503000000000000" pitchFamily="2" charset="77"/>
-              <a:ea typeface="Latin Modern Math" panose="02000503000000000000" pitchFamily="2" charset="77"/>
-            </a:endParaRPr>
-          </a:p>
-        </p:txBody>
-      </p:sp>
-      <p:pic>
-        <p:nvPicPr>
-          <p:cNvPr id="16" name="Graphic 15" descr="Close with solid fill">
-            <a:extLst>
-              <a:ext uri="{FF2B5EF4-FFF2-40B4-BE49-F238E27FC236}">
-                <a16:creationId xmlns:a16="http://schemas.microsoft.com/office/drawing/2014/main" id="{BDD0EB3D-AB10-146A-032D-F92F6430D149}"/>
-              </a:ext>
-            </a:extLst>
-          </p:cNvPr>
-          <p:cNvPicPr>
-            <a:picLocks noChangeAspect="1"/>
-          </p:cNvPicPr>
-          <p:nvPr/>
-        </p:nvPicPr>
-        <p:blipFill>
-          <a:blip r:embed="rId11">
-            <a:extLst>
-              <a:ext uri="{96DAC541-7B7A-43D3-8B79-37D633B846F1}">
-                <asvg:svgBlip xmlns:asvg="http://schemas.microsoft.com/office/drawing/2016/SVG/main" r:embed="rId12"/>
-              </a:ext>
-            </a:extLst>
-          </a:blip>
-          <a:stretch>
-            <a:fillRect/>
-          </a:stretch>
-        </p:blipFill>
-        <p:spPr>
-          <a:xfrm>
-            <a:off x="3601315" y="1218625"/>
-            <a:ext cx="350688" cy="350688"/>
-          </a:xfrm>
-          <a:prstGeom prst="rect">
-            <a:avLst/>
-          </a:prstGeom>
-        </p:spPr>
-      </p:pic>
-      <p:sp>
-        <p:nvSpPr>
-          <p:cNvPr id="17" name="TextBox 16">
-            <a:extLst>
-              <a:ext uri="{FF2B5EF4-FFF2-40B4-BE49-F238E27FC236}">
-                <a16:creationId xmlns:a16="http://schemas.microsoft.com/office/drawing/2014/main" id="{FC5D85EE-D159-FBBF-D51B-3674F73D053C}"/>
-              </a:ext>
-            </a:extLst>
-          </p:cNvPr>
-          <p:cNvSpPr txBox="1"/>
-          <p:nvPr/>
-        </p:nvSpPr>
-        <p:spPr>
-          <a:xfrm>
-            <a:off x="4374537" y="3251060"/>
-            <a:ext cx="384924" cy="738664"/>
-          </a:xfrm>
-          <a:prstGeom prst="rect">
-            <a:avLst/>
-          </a:prstGeom>
-          <a:noFill/>
-        </p:spPr>
-        <p:txBody>
-          <a:bodyPr wrap="square" lIns="0" tIns="0" rIns="0" bIns="0" rtlCol="0" anchor="ctr">
-            <a:spAutoFit/>
-          </a:bodyPr>
-          <a:lstStyle/>
-          <a:p>
-            <a:pPr algn="ctr"/>
-            <a:r>
-              <a:rPr lang="en-US" sz="4800" dirty="0">
-                <a:latin typeface="Latin Modern Math" panose="02000503000000000000" pitchFamily="2" charset="77"/>
-                <a:ea typeface="Latin Modern Math" panose="02000503000000000000" pitchFamily="2" charset="77"/>
-              </a:rPr>
-              <a:t>~</a:t>
-            </a:r>
-            <a:endParaRPr lang="en-US" sz="2800" dirty="0">
-              <a:latin typeface="Latin Modern Math" panose="02000503000000000000" pitchFamily="2" charset="77"/>
-              <a:ea typeface="Latin Modern Math" panose="02000503000000000000" pitchFamily="2" charset="77"/>
-            </a:endParaRPr>
-          </a:p>
-        </p:txBody>
-      </p:sp>
-      <p:sp>
-        <p:nvSpPr>
-          <p:cNvPr id="18" name="TextBox 17">
-            <a:extLst>
-              <a:ext uri="{FF2B5EF4-FFF2-40B4-BE49-F238E27FC236}">
-                <a16:creationId xmlns:a16="http://schemas.microsoft.com/office/drawing/2014/main" id="{9103432C-FC78-1DC4-2C3A-F84DF827B26B}"/>
-              </a:ext>
-            </a:extLst>
-          </p:cNvPr>
-          <p:cNvSpPr txBox="1"/>
-          <p:nvPr/>
-        </p:nvSpPr>
-        <p:spPr>
-          <a:xfrm>
-            <a:off x="5516137" y="4928083"/>
-            <a:ext cx="384924" cy="738664"/>
-          </a:xfrm>
-          <a:prstGeom prst="rect">
-            <a:avLst/>
-          </a:prstGeom>
-          <a:noFill/>
-        </p:spPr>
-        <p:txBody>
-          <a:bodyPr wrap="square" lIns="0" tIns="0" rIns="0" bIns="0" rtlCol="0" anchor="ctr">
-            <a:spAutoFit/>
-          </a:bodyPr>
-          <a:lstStyle/>
-          <a:p>
-            <a:pPr algn="ctr"/>
-            <a:r>
-              <a:rPr lang="en-US" sz="4800" dirty="0">
-                <a:latin typeface="Latin Modern Math" panose="02000503000000000000" pitchFamily="2" charset="77"/>
-                <a:ea typeface="Latin Modern Math" panose="02000503000000000000" pitchFamily="2" charset="77"/>
-              </a:rPr>
-              <a:t>~</a:t>
-            </a:r>
-            <a:endParaRPr lang="en-US" sz="2800" dirty="0">
-              <a:latin typeface="Latin Modern Math" panose="02000503000000000000" pitchFamily="2" charset="77"/>
-              <a:ea typeface="Latin Modern Math" panose="02000503000000000000" pitchFamily="2" charset="77"/>
-            </a:endParaRPr>
-          </a:p>
-        </p:txBody>
-      </p:sp>
-      <p:pic>
-        <p:nvPicPr>
-          <p:cNvPr id="86" name="Graphic 85" descr="Checkmark with solid fill">
-            <a:extLst>
-              <a:ext uri="{FF2B5EF4-FFF2-40B4-BE49-F238E27FC236}">
-                <a16:creationId xmlns:a16="http://schemas.microsoft.com/office/drawing/2014/main" id="{D3821014-D64E-8AB1-B93E-5EB646AD247A}"/>
-              </a:ext>
-            </a:extLst>
-          </p:cNvPr>
-          <p:cNvPicPr>
-            <a:picLocks noChangeAspect="1"/>
-          </p:cNvPicPr>
-          <p:nvPr/>
-        </p:nvPicPr>
-        <p:blipFill>
-          <a:blip r:embed="rId9">
-            <a:extLst>
-              <a:ext uri="{96DAC541-7B7A-43D3-8B79-37D633B846F1}">
-                <asvg:svgBlip xmlns:asvg="http://schemas.microsoft.com/office/drawing/2016/SVG/main" r:embed="rId10"/>
-              </a:ext>
-            </a:extLst>
-          </a:blip>
-          <a:stretch>
-            <a:fillRect/>
-          </a:stretch>
-        </p:blipFill>
-        <p:spPr>
-          <a:xfrm>
-            <a:off x="2944354" y="1586104"/>
-            <a:ext cx="332400" cy="332400"/>
-          </a:xfrm>
-          <a:prstGeom prst="rect">
-            <a:avLst/>
-          </a:prstGeom>
-        </p:spPr>
-      </p:pic>
-      <p:sp>
-        <p:nvSpPr>
-          <p:cNvPr id="87" name="TextBox 86">
-            <a:extLst>
-              <a:ext uri="{FF2B5EF4-FFF2-40B4-BE49-F238E27FC236}">
-                <a16:creationId xmlns:a16="http://schemas.microsoft.com/office/drawing/2014/main" id="{8BAAD629-FA73-B0DE-3620-3D18B6973CC5}"/>
-              </a:ext>
-            </a:extLst>
-          </p:cNvPr>
-          <p:cNvSpPr txBox="1"/>
-          <p:nvPr/>
-        </p:nvSpPr>
-        <p:spPr>
-          <a:xfrm>
-            <a:off x="5516137" y="2308781"/>
-            <a:ext cx="384924" cy="738664"/>
-          </a:xfrm>
-          <a:prstGeom prst="rect">
-            <a:avLst/>
-          </a:prstGeom>
-          <a:noFill/>
-        </p:spPr>
-        <p:txBody>
-          <a:bodyPr wrap="square" lIns="0" tIns="0" rIns="0" bIns="0" rtlCol="0" anchor="ctr">
-            <a:spAutoFit/>
-          </a:bodyPr>
-          <a:lstStyle/>
-          <a:p>
-            <a:pPr algn="ctr"/>
-            <a:r>
-              <a:rPr lang="en-US" sz="4800" dirty="0">
-                <a:latin typeface="Latin Modern Math" panose="02000503000000000000" pitchFamily="2" charset="77"/>
-                <a:ea typeface="Latin Modern Math" panose="02000503000000000000" pitchFamily="2" charset="77"/>
-              </a:rPr>
-              <a:t>~</a:t>
-            </a:r>
-            <a:endParaRPr lang="en-US" sz="2800" dirty="0">
-              <a:latin typeface="Latin Modern Math" panose="02000503000000000000" pitchFamily="2" charset="77"/>
-              <a:ea typeface="Latin Modern Math" panose="02000503000000000000" pitchFamily="2" charset="77"/>
-            </a:endParaRPr>
-          </a:p>
-        </p:txBody>
-      </p:sp>
-      <p:sp>
-        <p:nvSpPr>
-          <p:cNvPr id="139" name="TextBox 138">
-            <a:extLst>
-              <a:ext uri="{FF2B5EF4-FFF2-40B4-BE49-F238E27FC236}">
-                <a16:creationId xmlns:a16="http://schemas.microsoft.com/office/drawing/2014/main" id="{D5A8D42E-256B-AEA4-12CE-63DB9415BD0B}"/>
-              </a:ext>
-            </a:extLst>
-          </p:cNvPr>
-          <p:cNvSpPr txBox="1"/>
-          <p:nvPr/>
-        </p:nvSpPr>
-        <p:spPr>
-          <a:xfrm>
-            <a:off x="7557983" y="3404949"/>
-            <a:ext cx="429865" cy="430887"/>
-          </a:xfrm>
-          <a:prstGeom prst="rect">
-            <a:avLst/>
-          </a:prstGeom>
-          <a:noFill/>
-        </p:spPr>
-        <p:txBody>
-          <a:bodyPr wrap="square" lIns="0" tIns="0" rIns="0" bIns="0" rtlCol="0" anchor="ctr">
-            <a:spAutoFit/>
-          </a:bodyPr>
-          <a:lstStyle/>
-          <a:p>
-            <a:pPr algn="ctr"/>
-            <a:r>
-              <a:rPr lang="en-US" sz="2800" dirty="0">
-                <a:latin typeface="Latin Modern Math" panose="02000503000000000000" pitchFamily="2" charset="77"/>
-                <a:ea typeface="Latin Modern Math" panose="02000503000000000000" pitchFamily="2" charset="77"/>
-              </a:rPr>
-              <a:t>?</a:t>
-            </a:r>
-            <a:endParaRPr lang="en-US" sz="1400" dirty="0">
-              <a:latin typeface="Latin Modern Math" panose="02000503000000000000" pitchFamily="2" charset="77"/>
-              <a:ea typeface="Latin Modern Math" panose="02000503000000000000" pitchFamily="2" charset="77"/>
-            </a:endParaRPr>
-          </a:p>
-        </p:txBody>
-      </p:sp>
-      <p:pic>
-        <p:nvPicPr>
-          <p:cNvPr id="140" name="Graphic 139" descr="Checkmark with solid fill">
-            <a:extLst>
-              <a:ext uri="{FF2B5EF4-FFF2-40B4-BE49-F238E27FC236}">
-                <a16:creationId xmlns:a16="http://schemas.microsoft.com/office/drawing/2014/main" id="{93BE8F4F-DAE2-7B28-6C2C-4054EAB9BC68}"/>
-              </a:ext>
-            </a:extLst>
-          </p:cNvPr>
-          <p:cNvPicPr>
-            <a:picLocks noChangeAspect="1"/>
-          </p:cNvPicPr>
-          <p:nvPr/>
-        </p:nvPicPr>
-        <p:blipFill>
-          <a:blip r:embed="rId9">
-            <a:extLst>
-              <a:ext uri="{96DAC541-7B7A-43D3-8B79-37D633B846F1}">
-                <asvg:svgBlip xmlns:asvg="http://schemas.microsoft.com/office/drawing/2016/SVG/main" r:embed="rId10"/>
-              </a:ext>
-            </a:extLst>
-          </a:blip>
-          <a:stretch>
-            <a:fillRect/>
-          </a:stretch>
-        </p:blipFill>
-        <p:spPr>
-          <a:xfrm>
-            <a:off x="2250317" y="1232483"/>
-            <a:ext cx="332400" cy="332400"/>
-          </a:xfrm>
-          <a:prstGeom prst="rect">
-            <a:avLst/>
-          </a:prstGeom>
-        </p:spPr>
-      </p:pic>
-      <p:pic>
-        <p:nvPicPr>
-          <p:cNvPr id="141" name="Graphic 140" descr="Close with solid fill">
-            <a:extLst>
-              <a:ext uri="{FF2B5EF4-FFF2-40B4-BE49-F238E27FC236}">
-                <a16:creationId xmlns:a16="http://schemas.microsoft.com/office/drawing/2014/main" id="{AE9F14DA-1DF4-4008-55F7-F1000AFA9F8C}"/>
-              </a:ext>
-            </a:extLst>
-          </p:cNvPr>
-          <p:cNvPicPr>
-            <a:picLocks noChangeAspect="1"/>
-          </p:cNvPicPr>
-          <p:nvPr/>
-        </p:nvPicPr>
-        <p:blipFill>
-          <a:blip r:embed="rId11">
-            <a:extLst>
-              <a:ext uri="{96DAC541-7B7A-43D3-8B79-37D633B846F1}">
-                <asvg:svgBlip xmlns:asvg="http://schemas.microsoft.com/office/drawing/2016/SVG/main" r:embed="rId12"/>
-              </a:ext>
-            </a:extLst>
-          </a:blip>
-          <a:stretch>
-            <a:fillRect/>
-          </a:stretch>
-        </p:blipFill>
-        <p:spPr>
-          <a:xfrm>
-            <a:off x="3601315" y="2095501"/>
-            <a:ext cx="350688" cy="350688"/>
-          </a:xfrm>
-          <a:prstGeom prst="rect">
-            <a:avLst/>
-          </a:prstGeom>
-        </p:spPr>
-      </p:pic>
-      <p:pic>
-        <p:nvPicPr>
-          <p:cNvPr id="144" name="Graphic 143" descr="Checkmark with solid fill">
-            <a:extLst>
-              <a:ext uri="{FF2B5EF4-FFF2-40B4-BE49-F238E27FC236}">
-                <a16:creationId xmlns:a16="http://schemas.microsoft.com/office/drawing/2014/main" id="{A5911E0C-72C9-394F-601C-85FBD7A91A57}"/>
-              </a:ext>
-            </a:extLst>
-          </p:cNvPr>
-          <p:cNvPicPr>
-            <a:picLocks noChangeAspect="1"/>
-          </p:cNvPicPr>
-          <p:nvPr/>
-        </p:nvPicPr>
-        <p:blipFill>
-          <a:blip r:embed="rId9">
-            <a:extLst>
-              <a:ext uri="{96DAC541-7B7A-43D3-8B79-37D633B846F1}">
-                <asvg:svgBlip xmlns:asvg="http://schemas.microsoft.com/office/drawing/2016/SVG/main" r:embed="rId10"/>
-              </a:ext>
-            </a:extLst>
-          </a:blip>
-          <a:stretch>
-            <a:fillRect/>
-          </a:stretch>
-        </p:blipFill>
-        <p:spPr>
-          <a:xfrm>
-            <a:off x="2250317" y="5164831"/>
-            <a:ext cx="332400" cy="332400"/>
-          </a:xfrm>
-          <a:prstGeom prst="rect">
-            <a:avLst/>
-          </a:prstGeom>
-        </p:spPr>
-      </p:pic>
-      <p:pic>
-        <p:nvPicPr>
-          <p:cNvPr id="146" name="Graphic 145" descr="Close with solid fill">
-            <a:extLst>
-              <a:ext uri="{FF2B5EF4-FFF2-40B4-BE49-F238E27FC236}">
-                <a16:creationId xmlns:a16="http://schemas.microsoft.com/office/drawing/2014/main" id="{8D4949D1-7A77-AB6B-0DC5-B4FAEECEFE55}"/>
-              </a:ext>
-            </a:extLst>
-          </p:cNvPr>
-          <p:cNvPicPr>
-            <a:picLocks noChangeAspect="1"/>
-          </p:cNvPicPr>
-          <p:nvPr/>
-        </p:nvPicPr>
-        <p:blipFill>
-          <a:blip r:embed="rId11">
-            <a:extLst>
-              <a:ext uri="{96DAC541-7B7A-43D3-8B79-37D633B846F1}">
-                <asvg:svgBlip xmlns:asvg="http://schemas.microsoft.com/office/drawing/2016/SVG/main" r:embed="rId12"/>
-              </a:ext>
-            </a:extLst>
-          </a:blip>
-          <a:stretch>
-            <a:fillRect/>
-          </a:stretch>
-        </p:blipFill>
-        <p:spPr>
-          <a:xfrm>
-            <a:off x="3601315" y="5155687"/>
-            <a:ext cx="350688" cy="350688"/>
+            <a:off x="791248" y="4713985"/>
+            <a:ext cx="466927" cy="466927"/>
           </a:xfrm>
           <a:prstGeom prst="rect">
             <a:avLst/>
@@ -9052,7 +8567,7 @@
         </p:nvGrpSpPr>
         <p:grpSpPr>
           <a:xfrm>
-            <a:off x="37999" y="2287520"/>
+            <a:off x="37999" y="2315886"/>
             <a:ext cx="1178622" cy="525450"/>
             <a:chOff x="3669267" y="4748573"/>
             <a:chExt cx="2508144" cy="984930"/>
@@ -11059,8 +10574,8 @@
         </p:nvSpPr>
         <p:spPr>
           <a:xfrm>
-            <a:off x="-28942" y="1995474"/>
-            <a:ext cx="1969599" cy="200055"/>
+            <a:off x="-28942" y="2023840"/>
+            <a:ext cx="1969599" cy="192360"/>
           </a:xfrm>
           <a:prstGeom prst="rect">
             <a:avLst/>
@@ -11077,13 +10592,13 @@
               <a:defRPr/>
             </a:pPr>
             <a:r>
-              <a:rPr lang="en-GB" sz="1300" b="1" dirty="0">
+              <a:rPr lang="en-GB" sz="1250" b="1" dirty="0">
                 <a:solidFill>
                   <a:srgbClr val="000000"/>
                 </a:solidFill>
                 <a:latin typeface="Calibri" panose="020F0502020204030204"/>
               </a:rPr>
-              <a:t>  Chemically Homogeneous</a:t>
+              <a:t>  2 Chemically Homogeneous</a:t>
             </a:r>
           </a:p>
         </p:txBody>
@@ -11102,7 +10617,7 @@
         </p:nvSpPr>
         <p:spPr>
           <a:xfrm>
-            <a:off x="1220831" y="2219545"/>
+            <a:off x="1220831" y="2247911"/>
             <a:ext cx="569387" cy="261610"/>
           </a:xfrm>
           <a:prstGeom prst="rect">
@@ -11137,8 +10652,8 @@
         </p:nvSpPr>
         <p:spPr>
           <a:xfrm>
-            <a:off x="1203321" y="2638659"/>
-            <a:ext cx="663964" cy="261610"/>
+            <a:off x="1203321" y="2667025"/>
+            <a:ext cx="872355" cy="430887"/>
           </a:xfrm>
           <a:prstGeom prst="rect">
             <a:avLst/>
@@ -11153,7 +10668,21 @@
           <a:p>
             <a:r>
               <a:rPr lang="en-US" sz="1100" dirty="0"/>
-              <a:t>II) quasi</a:t>
+              <a:t>II) </a:t>
+            </a:r>
+            <a:r>
+              <a:rPr lang="en-US" sz="1100" dirty="0" err="1"/>
+              <a:t>smt</a:t>
+            </a:r>
+            <a:r>
+              <a:rPr lang="en-US" sz="1100" dirty="0"/>
+              <a:t> +</a:t>
+            </a:r>
+          </a:p>
+          <a:p>
+            <a:r>
+              <a:rPr lang="en-US" sz="1100" dirty="0"/>
+              <a:t> quasi-CHE</a:t>
             </a:r>
           </a:p>
         </p:txBody>
@@ -11174,7 +10703,7 @@
         </p:nvCxnSpPr>
         <p:spPr>
           <a:xfrm>
-            <a:off x="2061362" y="2525527"/>
+            <a:off x="2061362" y="2553893"/>
             <a:ext cx="6233480" cy="0"/>
           </a:xfrm>
           <a:prstGeom prst="line">
@@ -11205,1162 +10734,6 @@
           </a:fontRef>
         </p:style>
       </p:cxnSp>
-      <p:pic>
-        <p:nvPicPr>
-          <p:cNvPr id="1036" name="Graphic 1035" descr="Checkmark with solid fill">
-            <a:extLst>
-              <a:ext uri="{FF2B5EF4-FFF2-40B4-BE49-F238E27FC236}">
-                <a16:creationId xmlns:a16="http://schemas.microsoft.com/office/drawing/2014/main" id="{ADD067F0-C306-3E4B-7491-5062BFDC295B}"/>
-              </a:ext>
-            </a:extLst>
-          </p:cNvPr>
-          <p:cNvPicPr>
-            <a:picLocks noChangeAspect="1"/>
-          </p:cNvPicPr>
-          <p:nvPr/>
-        </p:nvPicPr>
-        <p:blipFill>
-          <a:blip r:embed="rId9">
-            <a:extLst>
-              <a:ext uri="{96DAC541-7B7A-43D3-8B79-37D633B846F1}">
-                <asvg:svgBlip xmlns:asvg="http://schemas.microsoft.com/office/drawing/2016/SVG/main" r:embed="rId10"/>
-              </a:ext>
-            </a:extLst>
-          </a:blip>
-          <a:stretch>
-            <a:fillRect/>
-          </a:stretch>
-        </p:blipFill>
-        <p:spPr>
-          <a:xfrm>
-            <a:off x="2250317" y="858666"/>
-            <a:ext cx="332400" cy="332400"/>
-          </a:xfrm>
-          <a:prstGeom prst="rect">
-            <a:avLst/>
-          </a:prstGeom>
-        </p:spPr>
-      </p:pic>
-      <p:pic>
-        <p:nvPicPr>
-          <p:cNvPr id="1037" name="Graphic 1036" descr="Checkmark with solid fill">
-            <a:extLst>
-              <a:ext uri="{FF2B5EF4-FFF2-40B4-BE49-F238E27FC236}">
-                <a16:creationId xmlns:a16="http://schemas.microsoft.com/office/drawing/2014/main" id="{F7B5A35C-DA4C-362A-6DFB-E73991273D57}"/>
-              </a:ext>
-            </a:extLst>
-          </p:cNvPr>
-          <p:cNvPicPr>
-            <a:picLocks noChangeAspect="1"/>
-          </p:cNvPicPr>
-          <p:nvPr/>
-        </p:nvPicPr>
-        <p:blipFill>
-          <a:blip r:embed="rId9">
-            <a:extLst>
-              <a:ext uri="{96DAC541-7B7A-43D3-8B79-37D633B846F1}">
-                <asvg:svgBlip xmlns:asvg="http://schemas.microsoft.com/office/drawing/2016/SVG/main" r:embed="rId10"/>
-              </a:ext>
-            </a:extLst>
-          </a:blip>
-          <a:stretch>
-            <a:fillRect/>
-          </a:stretch>
-        </p:blipFill>
-        <p:spPr>
-          <a:xfrm>
-            <a:off x="2250317" y="1606788"/>
-            <a:ext cx="332400" cy="332400"/>
-          </a:xfrm>
-          <a:prstGeom prst="rect">
-            <a:avLst/>
-          </a:prstGeom>
-        </p:spPr>
-      </p:pic>
-      <p:pic>
-        <p:nvPicPr>
-          <p:cNvPr id="1038" name="Graphic 1037" descr="Checkmark with solid fill">
-            <a:extLst>
-              <a:ext uri="{FF2B5EF4-FFF2-40B4-BE49-F238E27FC236}">
-                <a16:creationId xmlns:a16="http://schemas.microsoft.com/office/drawing/2014/main" id="{B6E75AE8-2384-A9E4-817A-A5698C40C0CA}"/>
-              </a:ext>
-            </a:extLst>
-          </p:cNvPr>
-          <p:cNvPicPr>
-            <a:picLocks noChangeAspect="1"/>
-          </p:cNvPicPr>
-          <p:nvPr/>
-        </p:nvPicPr>
-        <p:blipFill>
-          <a:blip r:embed="rId9">
-            <a:extLst>
-              <a:ext uri="{96DAC541-7B7A-43D3-8B79-37D633B846F1}">
-                <asvg:svgBlip xmlns:asvg="http://schemas.microsoft.com/office/drawing/2016/SVG/main" r:embed="rId10"/>
-              </a:ext>
-            </a:extLst>
-          </a:blip>
-          <a:stretch>
-            <a:fillRect/>
-          </a:stretch>
-        </p:blipFill>
-        <p:spPr>
-          <a:xfrm>
-            <a:off x="2944354" y="1239743"/>
-            <a:ext cx="332400" cy="332400"/>
-          </a:xfrm>
-          <a:prstGeom prst="rect">
-            <a:avLst/>
-          </a:prstGeom>
-        </p:spPr>
-      </p:pic>
-      <p:sp>
-        <p:nvSpPr>
-          <p:cNvPr id="1039" name="TextBox 1038">
-            <a:extLst>
-              <a:ext uri="{FF2B5EF4-FFF2-40B4-BE49-F238E27FC236}">
-                <a16:creationId xmlns:a16="http://schemas.microsoft.com/office/drawing/2014/main" id="{F7488075-C781-F269-BFD7-47E4149BDE68}"/>
-              </a:ext>
-            </a:extLst>
-          </p:cNvPr>
-          <p:cNvSpPr txBox="1"/>
-          <p:nvPr/>
-        </p:nvSpPr>
-        <p:spPr>
-          <a:xfrm>
-            <a:off x="4352067" y="782626"/>
-            <a:ext cx="429865" cy="430887"/>
-          </a:xfrm>
-          <a:prstGeom prst="rect">
-            <a:avLst/>
-          </a:prstGeom>
-          <a:noFill/>
-        </p:spPr>
-        <p:txBody>
-          <a:bodyPr wrap="square" lIns="0" tIns="0" rIns="0" bIns="0" rtlCol="0" anchor="ctr">
-            <a:spAutoFit/>
-          </a:bodyPr>
-          <a:lstStyle/>
-          <a:p>
-            <a:pPr algn="ctr"/>
-            <a:r>
-              <a:rPr lang="en-US" sz="2800" dirty="0">
-                <a:latin typeface="Latin Modern Math" panose="02000503000000000000" pitchFamily="2" charset="77"/>
-                <a:ea typeface="Latin Modern Math" panose="02000503000000000000" pitchFamily="2" charset="77"/>
-              </a:rPr>
-              <a:t>?</a:t>
-            </a:r>
-            <a:endParaRPr lang="en-US" sz="1400" dirty="0">
-              <a:latin typeface="Latin Modern Math" panose="02000503000000000000" pitchFamily="2" charset="77"/>
-              <a:ea typeface="Latin Modern Math" panose="02000503000000000000" pitchFamily="2" charset="77"/>
-            </a:endParaRPr>
-          </a:p>
-        </p:txBody>
-      </p:sp>
-      <p:sp>
-        <p:nvSpPr>
-          <p:cNvPr id="1040" name="TextBox 1039">
-            <a:extLst>
-              <a:ext uri="{FF2B5EF4-FFF2-40B4-BE49-F238E27FC236}">
-                <a16:creationId xmlns:a16="http://schemas.microsoft.com/office/drawing/2014/main" id="{99436B14-BD79-8738-499A-D5126DA84151}"/>
-              </a:ext>
-            </a:extLst>
-          </p:cNvPr>
-          <p:cNvSpPr txBox="1"/>
-          <p:nvPr/>
-        </p:nvSpPr>
-        <p:spPr>
-          <a:xfrm>
-            <a:off x="4352067" y="1188631"/>
-            <a:ext cx="429865" cy="430887"/>
-          </a:xfrm>
-          <a:prstGeom prst="rect">
-            <a:avLst/>
-          </a:prstGeom>
-          <a:noFill/>
-        </p:spPr>
-        <p:txBody>
-          <a:bodyPr wrap="square" lIns="0" tIns="0" rIns="0" bIns="0" rtlCol="0" anchor="ctr">
-            <a:spAutoFit/>
-          </a:bodyPr>
-          <a:lstStyle/>
-          <a:p>
-            <a:pPr algn="ctr"/>
-            <a:r>
-              <a:rPr lang="en-US" sz="2800" dirty="0">
-                <a:latin typeface="Latin Modern Math" panose="02000503000000000000" pitchFamily="2" charset="77"/>
-                <a:ea typeface="Latin Modern Math" panose="02000503000000000000" pitchFamily="2" charset="77"/>
-              </a:rPr>
-              <a:t>?</a:t>
-            </a:r>
-            <a:endParaRPr lang="en-US" sz="1400" dirty="0">
-              <a:latin typeface="Latin Modern Math" panose="02000503000000000000" pitchFamily="2" charset="77"/>
-              <a:ea typeface="Latin Modern Math" panose="02000503000000000000" pitchFamily="2" charset="77"/>
-            </a:endParaRPr>
-          </a:p>
-        </p:txBody>
-      </p:sp>
-      <p:sp>
-        <p:nvSpPr>
-          <p:cNvPr id="1041" name="TextBox 1040">
-            <a:extLst>
-              <a:ext uri="{FF2B5EF4-FFF2-40B4-BE49-F238E27FC236}">
-                <a16:creationId xmlns:a16="http://schemas.microsoft.com/office/drawing/2014/main" id="{2E2CFC42-79F2-089E-B153-7719EA20287A}"/>
-              </a:ext>
-            </a:extLst>
-          </p:cNvPr>
-          <p:cNvSpPr txBox="1"/>
-          <p:nvPr/>
-        </p:nvSpPr>
-        <p:spPr>
-          <a:xfrm>
-            <a:off x="4352067" y="1559980"/>
-            <a:ext cx="429865" cy="430887"/>
-          </a:xfrm>
-          <a:prstGeom prst="rect">
-            <a:avLst/>
-          </a:prstGeom>
-          <a:noFill/>
-        </p:spPr>
-        <p:txBody>
-          <a:bodyPr wrap="square" lIns="0" tIns="0" rIns="0" bIns="0" rtlCol="0" anchor="ctr">
-            <a:spAutoFit/>
-          </a:bodyPr>
-          <a:lstStyle/>
-          <a:p>
-            <a:pPr algn="ctr"/>
-            <a:r>
-              <a:rPr lang="en-US" sz="2800" dirty="0">
-                <a:latin typeface="Latin Modern Math" panose="02000503000000000000" pitchFamily="2" charset="77"/>
-                <a:ea typeface="Latin Modern Math" panose="02000503000000000000" pitchFamily="2" charset="77"/>
-              </a:rPr>
-              <a:t>?</a:t>
-            </a:r>
-            <a:endParaRPr lang="en-US" sz="1400" dirty="0">
-              <a:latin typeface="Latin Modern Math" panose="02000503000000000000" pitchFamily="2" charset="77"/>
-              <a:ea typeface="Latin Modern Math" panose="02000503000000000000" pitchFamily="2" charset="77"/>
-            </a:endParaRPr>
-          </a:p>
-        </p:txBody>
-      </p:sp>
-      <p:sp>
-        <p:nvSpPr>
-          <p:cNvPr id="1042" name="TextBox 1041">
-            <a:extLst>
-              <a:ext uri="{FF2B5EF4-FFF2-40B4-BE49-F238E27FC236}">
-                <a16:creationId xmlns:a16="http://schemas.microsoft.com/office/drawing/2014/main" id="{1F1028EB-6656-47F5-A70F-7372F5D19316}"/>
-              </a:ext>
-            </a:extLst>
-          </p:cNvPr>
-          <p:cNvSpPr txBox="1"/>
-          <p:nvPr/>
-        </p:nvSpPr>
-        <p:spPr>
-          <a:xfrm>
-            <a:off x="6532208" y="804177"/>
-            <a:ext cx="429865" cy="430887"/>
-          </a:xfrm>
-          <a:prstGeom prst="rect">
-            <a:avLst/>
-          </a:prstGeom>
-          <a:noFill/>
-        </p:spPr>
-        <p:txBody>
-          <a:bodyPr wrap="square" lIns="0" tIns="0" rIns="0" bIns="0" rtlCol="0" anchor="ctr">
-            <a:spAutoFit/>
-          </a:bodyPr>
-          <a:lstStyle/>
-          <a:p>
-            <a:pPr algn="ctr"/>
-            <a:r>
-              <a:rPr lang="en-US" sz="2800" dirty="0">
-                <a:latin typeface="Latin Modern Math" panose="02000503000000000000" pitchFamily="2" charset="77"/>
-                <a:ea typeface="Latin Modern Math" panose="02000503000000000000" pitchFamily="2" charset="77"/>
-              </a:rPr>
-              <a:t>?</a:t>
-            </a:r>
-            <a:endParaRPr lang="en-US" sz="1400" dirty="0">
-              <a:latin typeface="Latin Modern Math" panose="02000503000000000000" pitchFamily="2" charset="77"/>
-              <a:ea typeface="Latin Modern Math" panose="02000503000000000000" pitchFamily="2" charset="77"/>
-            </a:endParaRPr>
-          </a:p>
-        </p:txBody>
-      </p:sp>
-      <p:sp>
-        <p:nvSpPr>
-          <p:cNvPr id="1043" name="TextBox 1042">
-            <a:extLst>
-              <a:ext uri="{FF2B5EF4-FFF2-40B4-BE49-F238E27FC236}">
-                <a16:creationId xmlns:a16="http://schemas.microsoft.com/office/drawing/2014/main" id="{636BD9D7-2835-5867-BCE5-39B685F1C88D}"/>
-              </a:ext>
-            </a:extLst>
-          </p:cNvPr>
-          <p:cNvSpPr txBox="1"/>
-          <p:nvPr/>
-        </p:nvSpPr>
-        <p:spPr>
-          <a:xfrm>
-            <a:off x="6546125" y="1178518"/>
-            <a:ext cx="429865" cy="430887"/>
-          </a:xfrm>
-          <a:prstGeom prst="rect">
-            <a:avLst/>
-          </a:prstGeom>
-          <a:noFill/>
-        </p:spPr>
-        <p:txBody>
-          <a:bodyPr wrap="square" lIns="0" tIns="0" rIns="0" bIns="0" rtlCol="0" anchor="ctr">
-            <a:spAutoFit/>
-          </a:bodyPr>
-          <a:lstStyle/>
-          <a:p>
-            <a:pPr algn="ctr"/>
-            <a:r>
-              <a:rPr lang="en-US" sz="2800" dirty="0">
-                <a:latin typeface="Latin Modern Math" panose="02000503000000000000" pitchFamily="2" charset="77"/>
-                <a:ea typeface="Latin Modern Math" panose="02000503000000000000" pitchFamily="2" charset="77"/>
-              </a:rPr>
-              <a:t>?</a:t>
-            </a:r>
-            <a:endParaRPr lang="en-US" sz="1400" dirty="0">
-              <a:latin typeface="Latin Modern Math" panose="02000503000000000000" pitchFamily="2" charset="77"/>
-              <a:ea typeface="Latin Modern Math" panose="02000503000000000000" pitchFamily="2" charset="77"/>
-            </a:endParaRPr>
-          </a:p>
-        </p:txBody>
-      </p:sp>
-      <p:sp>
-        <p:nvSpPr>
-          <p:cNvPr id="1044" name="TextBox 1043">
-            <a:extLst>
-              <a:ext uri="{FF2B5EF4-FFF2-40B4-BE49-F238E27FC236}">
-                <a16:creationId xmlns:a16="http://schemas.microsoft.com/office/drawing/2014/main" id="{3FBB529F-0527-A5DE-3997-52A65C9151E8}"/>
-              </a:ext>
-            </a:extLst>
-          </p:cNvPr>
-          <p:cNvSpPr txBox="1"/>
-          <p:nvPr/>
-        </p:nvSpPr>
-        <p:spPr>
-          <a:xfrm>
-            <a:off x="6556595" y="1649014"/>
-            <a:ext cx="429865" cy="430887"/>
-          </a:xfrm>
-          <a:prstGeom prst="rect">
-            <a:avLst/>
-          </a:prstGeom>
-          <a:noFill/>
-        </p:spPr>
-        <p:txBody>
-          <a:bodyPr wrap="square" lIns="0" tIns="0" rIns="0" bIns="0" rtlCol="0" anchor="ctr">
-            <a:spAutoFit/>
-          </a:bodyPr>
-          <a:lstStyle/>
-          <a:p>
-            <a:pPr algn="ctr"/>
-            <a:r>
-              <a:rPr lang="en-US" sz="2800" dirty="0">
-                <a:latin typeface="Latin Modern Math" panose="02000503000000000000" pitchFamily="2" charset="77"/>
-                <a:ea typeface="Latin Modern Math" panose="02000503000000000000" pitchFamily="2" charset="77"/>
-              </a:rPr>
-              <a:t>?</a:t>
-            </a:r>
-            <a:endParaRPr lang="en-US" sz="1400" dirty="0">
-              <a:latin typeface="Latin Modern Math" panose="02000503000000000000" pitchFamily="2" charset="77"/>
-              <a:ea typeface="Latin Modern Math" panose="02000503000000000000" pitchFamily="2" charset="77"/>
-            </a:endParaRPr>
-          </a:p>
-        </p:txBody>
-      </p:sp>
-      <p:sp>
-        <p:nvSpPr>
-          <p:cNvPr id="1045" name="TextBox 1044">
-            <a:extLst>
-              <a:ext uri="{FF2B5EF4-FFF2-40B4-BE49-F238E27FC236}">
-                <a16:creationId xmlns:a16="http://schemas.microsoft.com/office/drawing/2014/main" id="{F3CC43AA-1460-1F96-CB61-7F069DAC01F1}"/>
-              </a:ext>
-            </a:extLst>
-          </p:cNvPr>
-          <p:cNvSpPr txBox="1"/>
-          <p:nvPr/>
-        </p:nvSpPr>
-        <p:spPr>
-          <a:xfrm>
-            <a:off x="6570512" y="2023355"/>
-            <a:ext cx="429865" cy="430887"/>
-          </a:xfrm>
-          <a:prstGeom prst="rect">
-            <a:avLst/>
-          </a:prstGeom>
-          <a:noFill/>
-        </p:spPr>
-        <p:txBody>
-          <a:bodyPr wrap="square" lIns="0" tIns="0" rIns="0" bIns="0" rtlCol="0" anchor="ctr">
-            <a:spAutoFit/>
-          </a:bodyPr>
-          <a:lstStyle/>
-          <a:p>
-            <a:pPr algn="ctr"/>
-            <a:r>
-              <a:rPr lang="en-US" sz="2800" dirty="0">
-                <a:latin typeface="Latin Modern Math" panose="02000503000000000000" pitchFamily="2" charset="77"/>
-                <a:ea typeface="Latin Modern Math" panose="02000503000000000000" pitchFamily="2" charset="77"/>
-              </a:rPr>
-              <a:t>?</a:t>
-            </a:r>
-            <a:endParaRPr lang="en-US" sz="1400" dirty="0">
-              <a:latin typeface="Latin Modern Math" panose="02000503000000000000" pitchFamily="2" charset="77"/>
-              <a:ea typeface="Latin Modern Math" panose="02000503000000000000" pitchFamily="2" charset="77"/>
-            </a:endParaRPr>
-          </a:p>
-        </p:txBody>
-      </p:sp>
-      <p:sp>
-        <p:nvSpPr>
-          <p:cNvPr id="1046" name="TextBox 1045">
-            <a:extLst>
-              <a:ext uri="{FF2B5EF4-FFF2-40B4-BE49-F238E27FC236}">
-                <a16:creationId xmlns:a16="http://schemas.microsoft.com/office/drawing/2014/main" id="{3D6CC824-99FD-AB35-2717-D22EBB1E09C8}"/>
-              </a:ext>
-            </a:extLst>
-          </p:cNvPr>
-          <p:cNvSpPr txBox="1"/>
-          <p:nvPr/>
-        </p:nvSpPr>
-        <p:spPr>
-          <a:xfrm>
-            <a:off x="6558584" y="2569476"/>
-            <a:ext cx="429865" cy="430887"/>
-          </a:xfrm>
-          <a:prstGeom prst="rect">
-            <a:avLst/>
-          </a:prstGeom>
-          <a:noFill/>
-        </p:spPr>
-        <p:txBody>
-          <a:bodyPr wrap="square" lIns="0" tIns="0" rIns="0" bIns="0" rtlCol="0" anchor="ctr">
-            <a:spAutoFit/>
-          </a:bodyPr>
-          <a:lstStyle/>
-          <a:p>
-            <a:pPr algn="ctr"/>
-            <a:r>
-              <a:rPr lang="en-US" sz="2800" dirty="0">
-                <a:latin typeface="Latin Modern Math" panose="02000503000000000000" pitchFamily="2" charset="77"/>
-                <a:ea typeface="Latin Modern Math" panose="02000503000000000000" pitchFamily="2" charset="77"/>
-              </a:rPr>
-              <a:t>?</a:t>
-            </a:r>
-            <a:endParaRPr lang="en-US" sz="1400" dirty="0">
-              <a:latin typeface="Latin Modern Math" panose="02000503000000000000" pitchFamily="2" charset="77"/>
-              <a:ea typeface="Latin Modern Math" panose="02000503000000000000" pitchFamily="2" charset="77"/>
-            </a:endParaRPr>
-          </a:p>
-        </p:txBody>
-      </p:sp>
-      <p:sp>
-        <p:nvSpPr>
-          <p:cNvPr id="1047" name="TextBox 1046">
-            <a:extLst>
-              <a:ext uri="{FF2B5EF4-FFF2-40B4-BE49-F238E27FC236}">
-                <a16:creationId xmlns:a16="http://schemas.microsoft.com/office/drawing/2014/main" id="{573E92AB-3CB1-EBA1-2475-1E0A9A473463}"/>
-              </a:ext>
-            </a:extLst>
-          </p:cNvPr>
-          <p:cNvSpPr txBox="1"/>
-          <p:nvPr/>
-        </p:nvSpPr>
-        <p:spPr>
-          <a:xfrm>
-            <a:off x="6595045" y="3404949"/>
-            <a:ext cx="429865" cy="430887"/>
-          </a:xfrm>
-          <a:prstGeom prst="rect">
-            <a:avLst/>
-          </a:prstGeom>
-          <a:noFill/>
-        </p:spPr>
-        <p:txBody>
-          <a:bodyPr wrap="square" lIns="0" tIns="0" rIns="0" bIns="0" rtlCol="0" anchor="ctr">
-            <a:spAutoFit/>
-          </a:bodyPr>
-          <a:lstStyle/>
-          <a:p>
-            <a:pPr algn="ctr"/>
-            <a:r>
-              <a:rPr lang="en-US" sz="2800" dirty="0">
-                <a:latin typeface="Latin Modern Math" panose="02000503000000000000" pitchFamily="2" charset="77"/>
-                <a:ea typeface="Latin Modern Math" panose="02000503000000000000" pitchFamily="2" charset="77"/>
-              </a:rPr>
-              <a:t>?</a:t>
-            </a:r>
-            <a:endParaRPr lang="en-US" sz="1400" dirty="0">
-              <a:latin typeface="Latin Modern Math" panose="02000503000000000000" pitchFamily="2" charset="77"/>
-              <a:ea typeface="Latin Modern Math" panose="02000503000000000000" pitchFamily="2" charset="77"/>
-            </a:endParaRPr>
-          </a:p>
-        </p:txBody>
-      </p:sp>
-      <p:sp>
-        <p:nvSpPr>
-          <p:cNvPr id="1049" name="TextBox 1048">
-            <a:extLst>
-              <a:ext uri="{FF2B5EF4-FFF2-40B4-BE49-F238E27FC236}">
-                <a16:creationId xmlns:a16="http://schemas.microsoft.com/office/drawing/2014/main" id="{0837E1EF-6F75-12DC-CB38-23600D991784}"/>
-              </a:ext>
-            </a:extLst>
-          </p:cNvPr>
-          <p:cNvSpPr txBox="1"/>
-          <p:nvPr/>
-        </p:nvSpPr>
-        <p:spPr>
-          <a:xfrm>
-            <a:off x="7557983" y="3014323"/>
-            <a:ext cx="429865" cy="430887"/>
-          </a:xfrm>
-          <a:prstGeom prst="rect">
-            <a:avLst/>
-          </a:prstGeom>
-          <a:noFill/>
-        </p:spPr>
-        <p:txBody>
-          <a:bodyPr wrap="square" lIns="0" tIns="0" rIns="0" bIns="0" rtlCol="0" anchor="ctr">
-            <a:spAutoFit/>
-          </a:bodyPr>
-          <a:lstStyle/>
-          <a:p>
-            <a:pPr algn="ctr"/>
-            <a:r>
-              <a:rPr lang="en-US" sz="2800" dirty="0">
-                <a:latin typeface="Latin Modern Math" panose="02000503000000000000" pitchFamily="2" charset="77"/>
-                <a:ea typeface="Latin Modern Math" panose="02000503000000000000" pitchFamily="2" charset="77"/>
-              </a:rPr>
-              <a:t>?</a:t>
-            </a:r>
-            <a:endParaRPr lang="en-US" sz="1400" dirty="0">
-              <a:latin typeface="Latin Modern Math" panose="02000503000000000000" pitchFamily="2" charset="77"/>
-              <a:ea typeface="Latin Modern Math" panose="02000503000000000000" pitchFamily="2" charset="77"/>
-            </a:endParaRPr>
-          </a:p>
-        </p:txBody>
-      </p:sp>
-      <p:sp>
-        <p:nvSpPr>
-          <p:cNvPr id="1054" name="TextBox 1053">
-            <a:extLst>
-              <a:ext uri="{FF2B5EF4-FFF2-40B4-BE49-F238E27FC236}">
-                <a16:creationId xmlns:a16="http://schemas.microsoft.com/office/drawing/2014/main" id="{05CF3B58-8409-B417-D84A-12C0F0FBA130}"/>
-              </a:ext>
-            </a:extLst>
-          </p:cNvPr>
-          <p:cNvSpPr txBox="1"/>
-          <p:nvPr/>
-        </p:nvSpPr>
-        <p:spPr>
-          <a:xfrm>
-            <a:off x="5493667" y="783076"/>
-            <a:ext cx="429865" cy="430887"/>
-          </a:xfrm>
-          <a:prstGeom prst="rect">
-            <a:avLst/>
-          </a:prstGeom>
-          <a:noFill/>
-        </p:spPr>
-        <p:txBody>
-          <a:bodyPr wrap="square" lIns="0" tIns="0" rIns="0" bIns="0" rtlCol="0" anchor="ctr">
-            <a:spAutoFit/>
-          </a:bodyPr>
-          <a:lstStyle/>
-          <a:p>
-            <a:pPr algn="ctr"/>
-            <a:r>
-              <a:rPr lang="en-US" sz="2800" dirty="0">
-                <a:latin typeface="Latin Modern Math" panose="02000503000000000000" pitchFamily="2" charset="77"/>
-                <a:ea typeface="Latin Modern Math" panose="02000503000000000000" pitchFamily="2" charset="77"/>
-              </a:rPr>
-              <a:t>?</a:t>
-            </a:r>
-            <a:endParaRPr lang="en-US" sz="1400" dirty="0">
-              <a:latin typeface="Latin Modern Math" panose="02000503000000000000" pitchFamily="2" charset="77"/>
-              <a:ea typeface="Latin Modern Math" panose="02000503000000000000" pitchFamily="2" charset="77"/>
-            </a:endParaRPr>
-          </a:p>
-        </p:txBody>
-      </p:sp>
-      <p:sp>
-        <p:nvSpPr>
-          <p:cNvPr id="1056" name="TextBox 1055">
-            <a:extLst>
-              <a:ext uri="{FF2B5EF4-FFF2-40B4-BE49-F238E27FC236}">
-                <a16:creationId xmlns:a16="http://schemas.microsoft.com/office/drawing/2014/main" id="{93090173-59CC-DFAB-EE1A-412C74D81228}"/>
-              </a:ext>
-            </a:extLst>
-          </p:cNvPr>
-          <p:cNvSpPr txBox="1"/>
-          <p:nvPr/>
-        </p:nvSpPr>
-        <p:spPr>
-          <a:xfrm>
-            <a:off x="5493667" y="1189081"/>
-            <a:ext cx="429865" cy="430887"/>
-          </a:xfrm>
-          <a:prstGeom prst="rect">
-            <a:avLst/>
-          </a:prstGeom>
-          <a:noFill/>
-        </p:spPr>
-        <p:txBody>
-          <a:bodyPr wrap="square" lIns="0" tIns="0" rIns="0" bIns="0" rtlCol="0" anchor="ctr">
-            <a:spAutoFit/>
-          </a:bodyPr>
-          <a:lstStyle/>
-          <a:p>
-            <a:pPr algn="ctr"/>
-            <a:r>
-              <a:rPr lang="en-US" sz="2800" dirty="0">
-                <a:latin typeface="Latin Modern Math" panose="02000503000000000000" pitchFamily="2" charset="77"/>
-                <a:ea typeface="Latin Modern Math" panose="02000503000000000000" pitchFamily="2" charset="77"/>
-              </a:rPr>
-              <a:t>?</a:t>
-            </a:r>
-            <a:endParaRPr lang="en-US" sz="1400" dirty="0">
-              <a:latin typeface="Latin Modern Math" panose="02000503000000000000" pitchFamily="2" charset="77"/>
-              <a:ea typeface="Latin Modern Math" panose="02000503000000000000" pitchFamily="2" charset="77"/>
-            </a:endParaRPr>
-          </a:p>
-        </p:txBody>
-      </p:sp>
-      <p:sp>
-        <p:nvSpPr>
-          <p:cNvPr id="1057" name="TextBox 1056">
-            <a:extLst>
-              <a:ext uri="{FF2B5EF4-FFF2-40B4-BE49-F238E27FC236}">
-                <a16:creationId xmlns:a16="http://schemas.microsoft.com/office/drawing/2014/main" id="{6A77B745-EC98-D27D-2A65-49D73E38918E}"/>
-              </a:ext>
-            </a:extLst>
-          </p:cNvPr>
-          <p:cNvSpPr txBox="1"/>
-          <p:nvPr/>
-        </p:nvSpPr>
-        <p:spPr>
-          <a:xfrm>
-            <a:off x="5493667" y="1560430"/>
-            <a:ext cx="429865" cy="430887"/>
-          </a:xfrm>
-          <a:prstGeom prst="rect">
-            <a:avLst/>
-          </a:prstGeom>
-          <a:noFill/>
-        </p:spPr>
-        <p:txBody>
-          <a:bodyPr wrap="square" lIns="0" tIns="0" rIns="0" bIns="0" rtlCol="0" anchor="ctr">
-            <a:spAutoFit/>
-          </a:bodyPr>
-          <a:lstStyle/>
-          <a:p>
-            <a:pPr algn="ctr"/>
-            <a:r>
-              <a:rPr lang="en-US" sz="2800" dirty="0">
-                <a:latin typeface="Latin Modern Math" panose="02000503000000000000" pitchFamily="2" charset="77"/>
-                <a:ea typeface="Latin Modern Math" panose="02000503000000000000" pitchFamily="2" charset="77"/>
-              </a:rPr>
-              <a:t>?</a:t>
-            </a:r>
-            <a:endParaRPr lang="en-US" sz="1400" dirty="0">
-              <a:latin typeface="Latin Modern Math" panose="02000503000000000000" pitchFamily="2" charset="77"/>
-              <a:ea typeface="Latin Modern Math" panose="02000503000000000000" pitchFamily="2" charset="77"/>
-            </a:endParaRPr>
-          </a:p>
-        </p:txBody>
-      </p:sp>
-      <p:sp>
-        <p:nvSpPr>
-          <p:cNvPr id="1058" name="TextBox 1057">
-            <a:extLst>
-              <a:ext uri="{FF2B5EF4-FFF2-40B4-BE49-F238E27FC236}">
-                <a16:creationId xmlns:a16="http://schemas.microsoft.com/office/drawing/2014/main" id="{8ECA113B-82AB-45A7-1EBB-36503D6ED111}"/>
-              </a:ext>
-            </a:extLst>
-          </p:cNvPr>
-          <p:cNvSpPr txBox="1"/>
-          <p:nvPr/>
-        </p:nvSpPr>
-        <p:spPr>
-          <a:xfrm>
-            <a:off x="7557983" y="785901"/>
-            <a:ext cx="429865" cy="430887"/>
-          </a:xfrm>
-          <a:prstGeom prst="rect">
-            <a:avLst/>
-          </a:prstGeom>
-          <a:noFill/>
-        </p:spPr>
-        <p:txBody>
-          <a:bodyPr wrap="square" lIns="0" tIns="0" rIns="0" bIns="0" rtlCol="0" anchor="ctr">
-            <a:spAutoFit/>
-          </a:bodyPr>
-          <a:lstStyle/>
-          <a:p>
-            <a:pPr algn="ctr"/>
-            <a:r>
-              <a:rPr lang="en-US" sz="2800" dirty="0">
-                <a:latin typeface="Latin Modern Math" panose="02000503000000000000" pitchFamily="2" charset="77"/>
-                <a:ea typeface="Latin Modern Math" panose="02000503000000000000" pitchFamily="2" charset="77"/>
-              </a:rPr>
-              <a:t>?</a:t>
-            </a:r>
-            <a:endParaRPr lang="en-US" sz="1400" dirty="0">
-              <a:latin typeface="Latin Modern Math" panose="02000503000000000000" pitchFamily="2" charset="77"/>
-              <a:ea typeface="Latin Modern Math" panose="02000503000000000000" pitchFamily="2" charset="77"/>
-            </a:endParaRPr>
-          </a:p>
-        </p:txBody>
-      </p:sp>
-      <p:sp>
-        <p:nvSpPr>
-          <p:cNvPr id="1060" name="TextBox 1059">
-            <a:extLst>
-              <a:ext uri="{FF2B5EF4-FFF2-40B4-BE49-F238E27FC236}">
-                <a16:creationId xmlns:a16="http://schemas.microsoft.com/office/drawing/2014/main" id="{ECCFF2E2-483E-6EA4-CD2E-EBB9551DCF3E}"/>
-              </a:ext>
-            </a:extLst>
-          </p:cNvPr>
-          <p:cNvSpPr txBox="1"/>
-          <p:nvPr/>
-        </p:nvSpPr>
-        <p:spPr>
-          <a:xfrm>
-            <a:off x="7557983" y="1191906"/>
-            <a:ext cx="429865" cy="430887"/>
-          </a:xfrm>
-          <a:prstGeom prst="rect">
-            <a:avLst/>
-          </a:prstGeom>
-          <a:noFill/>
-        </p:spPr>
-        <p:txBody>
-          <a:bodyPr wrap="square" lIns="0" tIns="0" rIns="0" bIns="0" rtlCol="0" anchor="ctr">
-            <a:spAutoFit/>
-          </a:bodyPr>
-          <a:lstStyle/>
-          <a:p>
-            <a:pPr algn="ctr"/>
-            <a:r>
-              <a:rPr lang="en-US" sz="2800" dirty="0">
-                <a:latin typeface="Latin Modern Math" panose="02000503000000000000" pitchFamily="2" charset="77"/>
-                <a:ea typeface="Latin Modern Math" panose="02000503000000000000" pitchFamily="2" charset="77"/>
-              </a:rPr>
-              <a:t>?</a:t>
-            </a:r>
-            <a:endParaRPr lang="en-US" sz="1400" dirty="0">
-              <a:latin typeface="Latin Modern Math" panose="02000503000000000000" pitchFamily="2" charset="77"/>
-              <a:ea typeface="Latin Modern Math" panose="02000503000000000000" pitchFamily="2" charset="77"/>
-            </a:endParaRPr>
-          </a:p>
-        </p:txBody>
-      </p:sp>
-      <p:sp>
-        <p:nvSpPr>
-          <p:cNvPr id="1062" name="TextBox 1061">
-            <a:extLst>
-              <a:ext uri="{FF2B5EF4-FFF2-40B4-BE49-F238E27FC236}">
-                <a16:creationId xmlns:a16="http://schemas.microsoft.com/office/drawing/2014/main" id="{D00A87C3-BAB4-DAE3-2FE9-5ABE9DDE31E7}"/>
-              </a:ext>
-            </a:extLst>
-          </p:cNvPr>
-          <p:cNvSpPr txBox="1"/>
-          <p:nvPr/>
-        </p:nvSpPr>
-        <p:spPr>
-          <a:xfrm>
-            <a:off x="7557983" y="1563255"/>
-            <a:ext cx="429865" cy="430887"/>
-          </a:xfrm>
-          <a:prstGeom prst="rect">
-            <a:avLst/>
-          </a:prstGeom>
-          <a:noFill/>
-        </p:spPr>
-        <p:txBody>
-          <a:bodyPr wrap="square" lIns="0" tIns="0" rIns="0" bIns="0" rtlCol="0" anchor="ctr">
-            <a:spAutoFit/>
-          </a:bodyPr>
-          <a:lstStyle/>
-          <a:p>
-            <a:pPr algn="ctr"/>
-            <a:r>
-              <a:rPr lang="en-US" sz="2800" dirty="0">
-                <a:latin typeface="Latin Modern Math" panose="02000503000000000000" pitchFamily="2" charset="77"/>
-                <a:ea typeface="Latin Modern Math" panose="02000503000000000000" pitchFamily="2" charset="77"/>
-              </a:rPr>
-              <a:t>?</a:t>
-            </a:r>
-            <a:endParaRPr lang="en-US" sz="1400" dirty="0">
-              <a:latin typeface="Latin Modern Math" panose="02000503000000000000" pitchFamily="2" charset="77"/>
-              <a:ea typeface="Latin Modern Math" panose="02000503000000000000" pitchFamily="2" charset="77"/>
-            </a:endParaRPr>
-          </a:p>
-        </p:txBody>
-      </p:sp>
-      <p:pic>
-        <p:nvPicPr>
-          <p:cNvPr id="1063" name="Graphic 1062" descr="Checkmark with solid fill">
-            <a:extLst>
-              <a:ext uri="{FF2B5EF4-FFF2-40B4-BE49-F238E27FC236}">
-                <a16:creationId xmlns:a16="http://schemas.microsoft.com/office/drawing/2014/main" id="{47C1DAD1-F998-053A-6705-927BAD7AE68D}"/>
-              </a:ext>
-            </a:extLst>
-          </p:cNvPr>
-          <p:cNvPicPr>
-            <a:picLocks noChangeAspect="1"/>
-          </p:cNvPicPr>
-          <p:nvPr/>
-        </p:nvPicPr>
-        <p:blipFill>
-          <a:blip r:embed="rId9">
-            <a:extLst>
-              <a:ext uri="{96DAC541-7B7A-43D3-8B79-37D633B846F1}">
-                <asvg:svgBlip xmlns:asvg="http://schemas.microsoft.com/office/drawing/2016/SVG/main" r:embed="rId10"/>
-              </a:ext>
-            </a:extLst>
-          </a:blip>
-          <a:stretch>
-            <a:fillRect/>
-          </a:stretch>
-        </p:blipFill>
-        <p:spPr>
-          <a:xfrm>
-            <a:off x="2250317" y="2109177"/>
-            <a:ext cx="332400" cy="332400"/>
-          </a:xfrm>
-          <a:prstGeom prst="rect">
-            <a:avLst/>
-          </a:prstGeom>
-        </p:spPr>
-      </p:pic>
-      <p:pic>
-        <p:nvPicPr>
-          <p:cNvPr id="1064" name="Graphic 1063" descr="Checkmark with solid fill">
-            <a:extLst>
-              <a:ext uri="{FF2B5EF4-FFF2-40B4-BE49-F238E27FC236}">
-                <a16:creationId xmlns:a16="http://schemas.microsoft.com/office/drawing/2014/main" id="{A41A3BCA-CE4C-27EE-39DA-5B48807B9BE1}"/>
-              </a:ext>
-            </a:extLst>
-          </p:cNvPr>
-          <p:cNvPicPr>
-            <a:picLocks noChangeAspect="1"/>
-          </p:cNvPicPr>
-          <p:nvPr/>
-        </p:nvPicPr>
-        <p:blipFill>
-          <a:blip r:embed="rId9">
-            <a:extLst>
-              <a:ext uri="{96DAC541-7B7A-43D3-8B79-37D633B846F1}">
-                <asvg:svgBlip xmlns:asvg="http://schemas.microsoft.com/office/drawing/2016/SVG/main" r:embed="rId10"/>
-              </a:ext>
-            </a:extLst>
-          </a:blip>
-          <a:stretch>
-            <a:fillRect/>
-          </a:stretch>
-        </p:blipFill>
-        <p:spPr>
-          <a:xfrm>
-            <a:off x="2944354" y="2096289"/>
-            <a:ext cx="332400" cy="332400"/>
-          </a:xfrm>
-          <a:prstGeom prst="rect">
-            <a:avLst/>
-          </a:prstGeom>
-        </p:spPr>
-      </p:pic>
-      <p:pic>
-        <p:nvPicPr>
-          <p:cNvPr id="1065" name="Graphic 1064" descr="Checkmark with solid fill">
-            <a:extLst>
-              <a:ext uri="{FF2B5EF4-FFF2-40B4-BE49-F238E27FC236}">
-                <a16:creationId xmlns:a16="http://schemas.microsoft.com/office/drawing/2014/main" id="{83A921E2-6203-7C1A-C70C-903A0DD4DBF8}"/>
-              </a:ext>
-            </a:extLst>
-          </p:cNvPr>
-          <p:cNvPicPr>
-            <a:picLocks noChangeAspect="1"/>
-          </p:cNvPicPr>
-          <p:nvPr/>
-        </p:nvPicPr>
-        <p:blipFill>
-          <a:blip r:embed="rId9">
-            <a:extLst>
-              <a:ext uri="{96DAC541-7B7A-43D3-8B79-37D633B846F1}">
-                <asvg:svgBlip xmlns:asvg="http://schemas.microsoft.com/office/drawing/2016/SVG/main" r:embed="rId10"/>
-              </a:ext>
-            </a:extLst>
-          </a:blip>
-          <a:stretch>
-            <a:fillRect/>
-          </a:stretch>
-        </p:blipFill>
-        <p:spPr>
-          <a:xfrm>
-            <a:off x="2250317" y="2601281"/>
-            <a:ext cx="332400" cy="332400"/>
-          </a:xfrm>
-          <a:prstGeom prst="rect">
-            <a:avLst/>
-          </a:prstGeom>
-        </p:spPr>
-      </p:pic>
-      <p:pic>
-        <p:nvPicPr>
-          <p:cNvPr id="1066" name="Graphic 1065" descr="Checkmark with solid fill">
-            <a:extLst>
-              <a:ext uri="{FF2B5EF4-FFF2-40B4-BE49-F238E27FC236}">
-                <a16:creationId xmlns:a16="http://schemas.microsoft.com/office/drawing/2014/main" id="{34D99EB9-79EB-6163-2C11-0D4FCCB9E61F}"/>
-              </a:ext>
-            </a:extLst>
-          </p:cNvPr>
-          <p:cNvPicPr>
-            <a:picLocks noChangeAspect="1"/>
-          </p:cNvPicPr>
-          <p:nvPr/>
-        </p:nvPicPr>
-        <p:blipFill>
-          <a:blip r:embed="rId9">
-            <a:extLst>
-              <a:ext uri="{96DAC541-7B7A-43D3-8B79-37D633B846F1}">
-                <asvg:svgBlip xmlns:asvg="http://schemas.microsoft.com/office/drawing/2016/SVG/main" r:embed="rId10"/>
-              </a:ext>
-            </a:extLst>
-          </a:blip>
-          <a:stretch>
-            <a:fillRect/>
-          </a:stretch>
-        </p:blipFill>
-        <p:spPr>
-          <a:xfrm>
-            <a:off x="2944354" y="2588393"/>
-            <a:ext cx="332400" cy="332400"/>
-          </a:xfrm>
-          <a:prstGeom prst="rect">
-            <a:avLst/>
-          </a:prstGeom>
-        </p:spPr>
-      </p:pic>
-      <p:pic>
-        <p:nvPicPr>
-          <p:cNvPr id="1067" name="Graphic 1066" descr="Checkmark with solid fill">
-            <a:extLst>
-              <a:ext uri="{FF2B5EF4-FFF2-40B4-BE49-F238E27FC236}">
-                <a16:creationId xmlns:a16="http://schemas.microsoft.com/office/drawing/2014/main" id="{3F2DAE91-C39D-BD8C-B584-E0629D860EDF}"/>
-              </a:ext>
-            </a:extLst>
-          </p:cNvPr>
-          <p:cNvPicPr>
-            <a:picLocks noChangeAspect="1"/>
-          </p:cNvPicPr>
-          <p:nvPr/>
-        </p:nvPicPr>
-        <p:blipFill>
-          <a:blip r:embed="rId9">
-            <a:extLst>
-              <a:ext uri="{96DAC541-7B7A-43D3-8B79-37D633B846F1}">
-                <asvg:svgBlip xmlns:asvg="http://schemas.microsoft.com/office/drawing/2016/SVG/main" r:embed="rId10"/>
-              </a:ext>
-            </a:extLst>
-          </a:blip>
-          <a:stretch>
-            <a:fillRect/>
-          </a:stretch>
-        </p:blipFill>
-        <p:spPr>
-          <a:xfrm>
-            <a:off x="3610459" y="2605241"/>
-            <a:ext cx="332400" cy="332400"/>
-          </a:xfrm>
-          <a:prstGeom prst="rect">
-            <a:avLst/>
-          </a:prstGeom>
-        </p:spPr>
-      </p:pic>
-      <p:pic>
-        <p:nvPicPr>
-          <p:cNvPr id="1068" name="Graphic 1067" descr="Checkmark with solid fill">
-            <a:extLst>
-              <a:ext uri="{FF2B5EF4-FFF2-40B4-BE49-F238E27FC236}">
-                <a16:creationId xmlns:a16="http://schemas.microsoft.com/office/drawing/2014/main" id="{8C0D4E4D-B87E-3B03-B5DA-EFD14BCCFF8E}"/>
-              </a:ext>
-            </a:extLst>
-          </p:cNvPr>
-          <p:cNvPicPr>
-            <a:picLocks noChangeAspect="1"/>
-          </p:cNvPicPr>
-          <p:nvPr/>
-        </p:nvPicPr>
-        <p:blipFill>
-          <a:blip r:embed="rId9">
-            <a:extLst>
-              <a:ext uri="{96DAC541-7B7A-43D3-8B79-37D633B846F1}">
-                <asvg:svgBlip xmlns:asvg="http://schemas.microsoft.com/office/drawing/2016/SVG/main" r:embed="rId10"/>
-              </a:ext>
-            </a:extLst>
-          </a:blip>
-          <a:stretch>
-            <a:fillRect/>
-          </a:stretch>
-        </p:blipFill>
-        <p:spPr>
-          <a:xfrm>
-            <a:off x="4400799" y="2092965"/>
-            <a:ext cx="332400" cy="332400"/>
-          </a:xfrm>
-          <a:prstGeom prst="rect">
-            <a:avLst/>
-          </a:prstGeom>
-        </p:spPr>
-      </p:pic>
-      <p:pic>
-        <p:nvPicPr>
-          <p:cNvPr id="1069" name="Graphic 1068" descr="Close with solid fill">
-            <a:extLst>
-              <a:ext uri="{FF2B5EF4-FFF2-40B4-BE49-F238E27FC236}">
-                <a16:creationId xmlns:a16="http://schemas.microsoft.com/office/drawing/2014/main" id="{7DA73FF4-29FE-5F84-B5C2-56A51EB26603}"/>
-              </a:ext>
-            </a:extLst>
-          </p:cNvPr>
-          <p:cNvPicPr>
-            <a:picLocks noChangeAspect="1"/>
-          </p:cNvPicPr>
-          <p:nvPr/>
-        </p:nvPicPr>
-        <p:blipFill>
-          <a:blip r:embed="rId13">
-            <a:extLst>
-              <a:ext uri="{96DAC541-7B7A-43D3-8B79-37D633B846F1}">
-                <asvg:svgBlip xmlns:asvg="http://schemas.microsoft.com/office/drawing/2016/SVG/main" r:embed="rId14"/>
-              </a:ext>
-            </a:extLst>
-          </a:blip>
-          <a:stretch>
-            <a:fillRect/>
-          </a:stretch>
-        </p:blipFill>
-        <p:spPr>
-          <a:xfrm>
-            <a:off x="5533255" y="2099718"/>
-            <a:ext cx="350688" cy="350688"/>
-          </a:xfrm>
-          <a:prstGeom prst="rect">
-            <a:avLst/>
-          </a:prstGeom>
-        </p:spPr>
-      </p:pic>
-      <p:pic>
-        <p:nvPicPr>
-          <p:cNvPr id="1071" name="Graphic 1070" descr="Close with solid fill">
-            <a:extLst>
-              <a:ext uri="{FF2B5EF4-FFF2-40B4-BE49-F238E27FC236}">
-                <a16:creationId xmlns:a16="http://schemas.microsoft.com/office/drawing/2014/main" id="{C7C21A03-2AAD-C301-84CF-67530A097D2D}"/>
-              </a:ext>
-            </a:extLst>
-          </p:cNvPr>
-          <p:cNvPicPr>
-            <a:picLocks noChangeAspect="1"/>
-          </p:cNvPicPr>
-          <p:nvPr/>
-        </p:nvPicPr>
-        <p:blipFill>
-          <a:blip r:embed="rId11">
-            <a:extLst>
-              <a:ext uri="{96DAC541-7B7A-43D3-8B79-37D633B846F1}">
-                <asvg:svgBlip xmlns:asvg="http://schemas.microsoft.com/office/drawing/2016/SVG/main" r:embed="rId12"/>
-              </a:ext>
-            </a:extLst>
-          </a:blip>
-          <a:stretch>
-            <a:fillRect/>
-          </a:stretch>
-        </p:blipFill>
-        <p:spPr>
-          <a:xfrm>
-            <a:off x="4391655" y="2583158"/>
-            <a:ext cx="350688" cy="350688"/>
-          </a:xfrm>
-          <a:prstGeom prst="rect">
-            <a:avLst/>
-          </a:prstGeom>
-        </p:spPr>
-      </p:pic>
-      <p:pic>
-        <p:nvPicPr>
-          <p:cNvPr id="1072" name="Graphic 1071" descr="Close with solid fill">
-            <a:extLst>
-              <a:ext uri="{FF2B5EF4-FFF2-40B4-BE49-F238E27FC236}">
-                <a16:creationId xmlns:a16="http://schemas.microsoft.com/office/drawing/2014/main" id="{C7EE9C60-F9EF-70E2-666F-F9F617034E33}"/>
-              </a:ext>
-            </a:extLst>
-          </p:cNvPr>
-          <p:cNvPicPr>
-            <a:picLocks noChangeAspect="1"/>
-          </p:cNvPicPr>
-          <p:nvPr/>
-        </p:nvPicPr>
-        <p:blipFill>
-          <a:blip r:embed="rId11">
-            <a:extLst>
-              <a:ext uri="{96DAC541-7B7A-43D3-8B79-37D633B846F1}">
-                <asvg:svgBlip xmlns:asvg="http://schemas.microsoft.com/office/drawing/2016/SVG/main" r:embed="rId12"/>
-              </a:ext>
-            </a:extLst>
-          </a:blip>
-          <a:stretch>
-            <a:fillRect/>
-          </a:stretch>
-        </p:blipFill>
-        <p:spPr>
-          <a:xfrm>
-            <a:off x="4391655" y="5155687"/>
-            <a:ext cx="350688" cy="350688"/>
-          </a:xfrm>
-          <a:prstGeom prst="rect">
-            <a:avLst/>
-          </a:prstGeom>
-        </p:spPr>
-      </p:pic>
-      <p:pic>
-        <p:nvPicPr>
-          <p:cNvPr id="1073" name="Graphic 1072" descr="Close with solid fill">
-            <a:extLst>
-              <a:ext uri="{FF2B5EF4-FFF2-40B4-BE49-F238E27FC236}">
-                <a16:creationId xmlns:a16="http://schemas.microsoft.com/office/drawing/2014/main" id="{68A58F84-D5EF-6FC7-9C6C-A523B98C712D}"/>
-              </a:ext>
-            </a:extLst>
-          </p:cNvPr>
-          <p:cNvPicPr>
-            <a:picLocks noChangeAspect="1"/>
-          </p:cNvPicPr>
-          <p:nvPr/>
-        </p:nvPicPr>
-        <p:blipFill>
-          <a:blip r:embed="rId11">
-            <a:extLst>
-              <a:ext uri="{96DAC541-7B7A-43D3-8B79-37D633B846F1}">
-                <asvg:svgBlip xmlns:asvg="http://schemas.microsoft.com/office/drawing/2016/SVG/main" r:embed="rId12"/>
-              </a:ext>
-            </a:extLst>
-          </a:blip>
-          <a:stretch>
-            <a:fillRect/>
-          </a:stretch>
-        </p:blipFill>
-        <p:spPr>
-          <a:xfrm>
-            <a:off x="4391655" y="4240023"/>
-            <a:ext cx="350688" cy="350688"/>
-          </a:xfrm>
-          <a:prstGeom prst="rect">
-            <a:avLst/>
-          </a:prstGeom>
-        </p:spPr>
-      </p:pic>
       <p:cxnSp>
         <p:nvCxnSpPr>
           <p:cNvPr id="1074" name="Straight Connector 1073">
@@ -12377,7 +10750,7 @@
         </p:nvCxnSpPr>
         <p:spPr>
           <a:xfrm>
-            <a:off x="2042637" y="3437019"/>
+            <a:off x="2042637" y="3500909"/>
             <a:ext cx="6233480" cy="0"/>
           </a:xfrm>
           <a:prstGeom prst="line">
@@ -12422,7 +10795,7 @@
         </p:nvSpPr>
         <p:spPr>
           <a:xfrm>
-            <a:off x="1326343" y="3090850"/>
+            <a:off x="1326343" y="3154740"/>
             <a:ext cx="606256" cy="261610"/>
           </a:xfrm>
           <a:prstGeom prst="rect">
@@ -12457,7 +10830,7 @@
         </p:nvSpPr>
         <p:spPr>
           <a:xfrm>
-            <a:off x="1336384" y="3564675"/>
+            <a:off x="1336384" y="3628565"/>
             <a:ext cx="606256" cy="261610"/>
           </a:xfrm>
           <a:prstGeom prst="rect">
@@ -12478,596 +10851,6 @@
           </a:p>
         </p:txBody>
       </p:sp>
-      <p:pic>
-        <p:nvPicPr>
-          <p:cNvPr id="1078" name="Graphic 1077" descr="Checkmark with solid fill">
-            <a:extLst>
-              <a:ext uri="{FF2B5EF4-FFF2-40B4-BE49-F238E27FC236}">
-                <a16:creationId xmlns:a16="http://schemas.microsoft.com/office/drawing/2014/main" id="{E02E7053-F88A-B559-5F58-DA174BACB4F4}"/>
-              </a:ext>
-            </a:extLst>
-          </p:cNvPr>
-          <p:cNvPicPr>
-            <a:picLocks noChangeAspect="1"/>
-          </p:cNvPicPr>
-          <p:nvPr/>
-        </p:nvPicPr>
-        <p:blipFill>
-          <a:blip r:embed="rId9">
-            <a:extLst>
-              <a:ext uri="{96DAC541-7B7A-43D3-8B79-37D633B846F1}">
-                <asvg:svgBlip xmlns:asvg="http://schemas.microsoft.com/office/drawing/2016/SVG/main" r:embed="rId10"/>
-              </a:ext>
-            </a:extLst>
-          </a:blip>
-          <a:stretch>
-            <a:fillRect/>
-          </a:stretch>
-        </p:blipFill>
-        <p:spPr>
-          <a:xfrm>
-            <a:off x="2250317" y="4249167"/>
-            <a:ext cx="332400" cy="332400"/>
-          </a:xfrm>
-          <a:prstGeom prst="rect">
-            <a:avLst/>
-          </a:prstGeom>
-        </p:spPr>
-      </p:pic>
-      <p:pic>
-        <p:nvPicPr>
-          <p:cNvPr id="1079" name="Graphic 1078" descr="Close with solid fill">
-            <a:extLst>
-              <a:ext uri="{FF2B5EF4-FFF2-40B4-BE49-F238E27FC236}">
-                <a16:creationId xmlns:a16="http://schemas.microsoft.com/office/drawing/2014/main" id="{0AD9C8A9-4DE9-07A3-B66C-4BE663B63822}"/>
-              </a:ext>
-            </a:extLst>
-          </p:cNvPr>
-          <p:cNvPicPr>
-            <a:picLocks noChangeAspect="1"/>
-          </p:cNvPicPr>
-          <p:nvPr/>
-        </p:nvPicPr>
-        <p:blipFill>
-          <a:blip r:embed="rId11">
-            <a:extLst>
-              <a:ext uri="{96DAC541-7B7A-43D3-8B79-37D633B846F1}">
-                <asvg:svgBlip xmlns:asvg="http://schemas.microsoft.com/office/drawing/2016/SVG/main" r:embed="rId12"/>
-              </a:ext>
-            </a:extLst>
-          </a:blip>
-          <a:stretch>
-            <a:fillRect/>
-          </a:stretch>
-        </p:blipFill>
-        <p:spPr>
-          <a:xfrm>
-            <a:off x="2241173" y="3068303"/>
-            <a:ext cx="350688" cy="350688"/>
-          </a:xfrm>
-          <a:prstGeom prst="rect">
-            <a:avLst/>
-          </a:prstGeom>
-        </p:spPr>
-      </p:pic>
-      <p:pic>
-        <p:nvPicPr>
-          <p:cNvPr id="1080" name="Graphic 1079" descr="Close with solid fill">
-            <a:extLst>
-              <a:ext uri="{FF2B5EF4-FFF2-40B4-BE49-F238E27FC236}">
-                <a16:creationId xmlns:a16="http://schemas.microsoft.com/office/drawing/2014/main" id="{3D344D75-288F-AFF1-B451-118B6E5B02B2}"/>
-              </a:ext>
-            </a:extLst>
-          </p:cNvPr>
-          <p:cNvPicPr>
-            <a:picLocks noChangeAspect="1"/>
-          </p:cNvPicPr>
-          <p:nvPr/>
-        </p:nvPicPr>
-        <p:blipFill>
-          <a:blip r:embed="rId11">
-            <a:extLst>
-              <a:ext uri="{96DAC541-7B7A-43D3-8B79-37D633B846F1}">
-                <asvg:svgBlip xmlns:asvg="http://schemas.microsoft.com/office/drawing/2016/SVG/main" r:embed="rId12"/>
-              </a:ext>
-            </a:extLst>
-          </a:blip>
-          <a:stretch>
-            <a:fillRect/>
-          </a:stretch>
-        </p:blipFill>
-        <p:spPr>
-          <a:xfrm>
-            <a:off x="4391655" y="3052469"/>
-            <a:ext cx="350688" cy="350688"/>
-          </a:xfrm>
-          <a:prstGeom prst="rect">
-            <a:avLst/>
-          </a:prstGeom>
-        </p:spPr>
-      </p:pic>
-      <p:pic>
-        <p:nvPicPr>
-          <p:cNvPr id="1081" name="Graphic 1080" descr="Close with solid fill">
-            <a:extLst>
-              <a:ext uri="{FF2B5EF4-FFF2-40B4-BE49-F238E27FC236}">
-                <a16:creationId xmlns:a16="http://schemas.microsoft.com/office/drawing/2014/main" id="{980B4799-7584-BE65-5CD9-B39C6525466A}"/>
-              </a:ext>
-            </a:extLst>
-          </p:cNvPr>
-          <p:cNvPicPr>
-            <a:picLocks noChangeAspect="1"/>
-          </p:cNvPicPr>
-          <p:nvPr/>
-        </p:nvPicPr>
-        <p:blipFill>
-          <a:blip r:embed="rId11">
-            <a:extLst>
-              <a:ext uri="{96DAC541-7B7A-43D3-8B79-37D633B846F1}">
-                <asvg:svgBlip xmlns:asvg="http://schemas.microsoft.com/office/drawing/2016/SVG/main" r:embed="rId12"/>
-              </a:ext>
-            </a:extLst>
-          </a:blip>
-          <a:stretch>
-            <a:fillRect/>
-          </a:stretch>
-        </p:blipFill>
-        <p:spPr>
-          <a:xfrm>
-            <a:off x="5533255" y="3052396"/>
-            <a:ext cx="350688" cy="350688"/>
-          </a:xfrm>
-          <a:prstGeom prst="rect">
-            <a:avLst/>
-          </a:prstGeom>
-        </p:spPr>
-      </p:pic>
-      <p:pic>
-        <p:nvPicPr>
-          <p:cNvPr id="1082" name="Graphic 1081" descr="Close with solid fill">
-            <a:extLst>
-              <a:ext uri="{FF2B5EF4-FFF2-40B4-BE49-F238E27FC236}">
-                <a16:creationId xmlns:a16="http://schemas.microsoft.com/office/drawing/2014/main" id="{F4D026C8-CFAC-368B-60BC-940DDBD3E91E}"/>
-              </a:ext>
-            </a:extLst>
-          </p:cNvPr>
-          <p:cNvPicPr>
-            <a:picLocks noChangeAspect="1"/>
-          </p:cNvPicPr>
-          <p:nvPr/>
-        </p:nvPicPr>
-        <p:blipFill>
-          <a:blip r:embed="rId11">
-            <a:extLst>
-              <a:ext uri="{96DAC541-7B7A-43D3-8B79-37D633B846F1}">
-                <asvg:svgBlip xmlns:asvg="http://schemas.microsoft.com/office/drawing/2016/SVG/main" r:embed="rId12"/>
-              </a:ext>
-            </a:extLst>
-          </a:blip>
-          <a:stretch>
-            <a:fillRect/>
-          </a:stretch>
-        </p:blipFill>
-        <p:spPr>
-          <a:xfrm>
-            <a:off x="5533255" y="3445048"/>
-            <a:ext cx="350688" cy="350688"/>
-          </a:xfrm>
-          <a:prstGeom prst="rect">
-            <a:avLst/>
-          </a:prstGeom>
-        </p:spPr>
-      </p:pic>
-      <p:pic>
-        <p:nvPicPr>
-          <p:cNvPr id="1083" name="Graphic 1082" descr="Checkmark with solid fill">
-            <a:extLst>
-              <a:ext uri="{FF2B5EF4-FFF2-40B4-BE49-F238E27FC236}">
-                <a16:creationId xmlns:a16="http://schemas.microsoft.com/office/drawing/2014/main" id="{85018758-90EB-17C9-4483-5C9FAF8A4847}"/>
-              </a:ext>
-            </a:extLst>
-          </p:cNvPr>
-          <p:cNvPicPr>
-            <a:picLocks noChangeAspect="1"/>
-          </p:cNvPicPr>
-          <p:nvPr/>
-        </p:nvPicPr>
-        <p:blipFill>
-          <a:blip r:embed="rId9">
-            <a:extLst>
-              <a:ext uri="{96DAC541-7B7A-43D3-8B79-37D633B846F1}">
-                <asvg:svgBlip xmlns:asvg="http://schemas.microsoft.com/office/drawing/2016/SVG/main" r:embed="rId10"/>
-              </a:ext>
-            </a:extLst>
-          </a:blip>
-          <a:stretch>
-            <a:fillRect/>
-          </a:stretch>
-        </p:blipFill>
-        <p:spPr>
-          <a:xfrm>
-            <a:off x="2944354" y="5164831"/>
-            <a:ext cx="332400" cy="332400"/>
-          </a:xfrm>
-          <a:prstGeom prst="rect">
-            <a:avLst/>
-          </a:prstGeom>
-        </p:spPr>
-      </p:pic>
-      <p:pic>
-        <p:nvPicPr>
-          <p:cNvPr id="1084" name="Graphic 1083" descr="Close with solid fill">
-            <a:extLst>
-              <a:ext uri="{FF2B5EF4-FFF2-40B4-BE49-F238E27FC236}">
-                <a16:creationId xmlns:a16="http://schemas.microsoft.com/office/drawing/2014/main" id="{F8E49F57-90DC-03EB-0C6B-437E53C303FF}"/>
-              </a:ext>
-            </a:extLst>
-          </p:cNvPr>
-          <p:cNvPicPr>
-            <a:picLocks noChangeAspect="1"/>
-          </p:cNvPicPr>
-          <p:nvPr/>
-        </p:nvPicPr>
-        <p:blipFill>
-          <a:blip r:embed="rId11">
-            <a:extLst>
-              <a:ext uri="{96DAC541-7B7A-43D3-8B79-37D633B846F1}">
-                <asvg:svgBlip xmlns:asvg="http://schemas.microsoft.com/office/drawing/2016/SVG/main" r:embed="rId12"/>
-              </a:ext>
-            </a:extLst>
-          </a:blip>
-          <a:stretch>
-            <a:fillRect/>
-          </a:stretch>
-        </p:blipFill>
-        <p:spPr>
-          <a:xfrm>
-            <a:off x="2241173" y="3445048"/>
-            <a:ext cx="350688" cy="350688"/>
-          </a:xfrm>
-          <a:prstGeom prst="rect">
-            <a:avLst/>
-          </a:prstGeom>
-        </p:spPr>
-      </p:pic>
-      <p:pic>
-        <p:nvPicPr>
-          <p:cNvPr id="1085" name="Graphic 1084" descr="Checkmark with solid fill">
-            <a:extLst>
-              <a:ext uri="{FF2B5EF4-FFF2-40B4-BE49-F238E27FC236}">
-                <a16:creationId xmlns:a16="http://schemas.microsoft.com/office/drawing/2014/main" id="{FE3D82A5-73EF-1007-2B72-D0DDB659C976}"/>
-              </a:ext>
-            </a:extLst>
-          </p:cNvPr>
-          <p:cNvPicPr>
-            <a:picLocks noChangeAspect="1"/>
-          </p:cNvPicPr>
-          <p:nvPr/>
-        </p:nvPicPr>
-        <p:blipFill>
-          <a:blip r:embed="rId9">
-            <a:extLst>
-              <a:ext uri="{96DAC541-7B7A-43D3-8B79-37D633B846F1}">
-                <asvg:svgBlip xmlns:asvg="http://schemas.microsoft.com/office/drawing/2016/SVG/main" r:embed="rId10"/>
-              </a:ext>
-            </a:extLst>
-          </a:blip>
-          <a:stretch>
-            <a:fillRect/>
-          </a:stretch>
-        </p:blipFill>
-        <p:spPr>
-          <a:xfrm>
-            <a:off x="3610459" y="4249167"/>
-            <a:ext cx="332400" cy="332400"/>
-          </a:xfrm>
-          <a:prstGeom prst="rect">
-            <a:avLst/>
-          </a:prstGeom>
-        </p:spPr>
-      </p:pic>
-      <p:pic>
-        <p:nvPicPr>
-          <p:cNvPr id="1087" name="Graphic 1086" descr="Checkmark with solid fill">
-            <a:extLst>
-              <a:ext uri="{FF2B5EF4-FFF2-40B4-BE49-F238E27FC236}">
-                <a16:creationId xmlns:a16="http://schemas.microsoft.com/office/drawing/2014/main" id="{491CEEA7-09F9-3827-21E1-85F6899DEF13}"/>
-              </a:ext>
-            </a:extLst>
-          </p:cNvPr>
-          <p:cNvPicPr>
-            <a:picLocks noChangeAspect="1"/>
-          </p:cNvPicPr>
-          <p:nvPr/>
-        </p:nvPicPr>
-        <p:blipFill>
-          <a:blip r:embed="rId9">
-            <a:extLst>
-              <a:ext uri="{96DAC541-7B7A-43D3-8B79-37D633B846F1}">
-                <asvg:svgBlip xmlns:asvg="http://schemas.microsoft.com/office/drawing/2016/SVG/main" r:embed="rId10"/>
-              </a:ext>
-            </a:extLst>
-          </a:blip>
-          <a:stretch>
-            <a:fillRect/>
-          </a:stretch>
-        </p:blipFill>
-        <p:spPr>
-          <a:xfrm>
-            <a:off x="2944354" y="3073109"/>
-            <a:ext cx="332400" cy="332400"/>
-          </a:xfrm>
-          <a:prstGeom prst="rect">
-            <a:avLst/>
-          </a:prstGeom>
-        </p:spPr>
-      </p:pic>
-      <p:pic>
-        <p:nvPicPr>
-          <p:cNvPr id="1088" name="Graphic 1087" descr="Checkmark with solid fill">
-            <a:extLst>
-              <a:ext uri="{FF2B5EF4-FFF2-40B4-BE49-F238E27FC236}">
-                <a16:creationId xmlns:a16="http://schemas.microsoft.com/office/drawing/2014/main" id="{9F769F36-45B0-3244-6480-BB898ECC6B58}"/>
-              </a:ext>
-            </a:extLst>
-          </p:cNvPr>
-          <p:cNvPicPr>
-            <a:picLocks noChangeAspect="1"/>
-          </p:cNvPicPr>
-          <p:nvPr/>
-        </p:nvPicPr>
-        <p:blipFill>
-          <a:blip r:embed="rId9">
-            <a:extLst>
-              <a:ext uri="{96DAC541-7B7A-43D3-8B79-37D633B846F1}">
-                <asvg:svgBlip xmlns:asvg="http://schemas.microsoft.com/office/drawing/2016/SVG/main" r:embed="rId10"/>
-              </a:ext>
-            </a:extLst>
-          </a:blip>
-          <a:stretch>
-            <a:fillRect/>
-          </a:stretch>
-        </p:blipFill>
-        <p:spPr>
-          <a:xfrm>
-            <a:off x="3610459" y="3035259"/>
-            <a:ext cx="332400" cy="332400"/>
-          </a:xfrm>
-          <a:prstGeom prst="rect">
-            <a:avLst/>
-          </a:prstGeom>
-        </p:spPr>
-      </p:pic>
-      <p:pic>
-        <p:nvPicPr>
-          <p:cNvPr id="1089" name="Graphic 1088" descr="Checkmark with solid fill">
-            <a:extLst>
-              <a:ext uri="{FF2B5EF4-FFF2-40B4-BE49-F238E27FC236}">
-                <a16:creationId xmlns:a16="http://schemas.microsoft.com/office/drawing/2014/main" id="{46859CF0-20F3-C233-E247-E70497FB6FCC}"/>
-              </a:ext>
-            </a:extLst>
-          </p:cNvPr>
-          <p:cNvPicPr>
-            <a:picLocks noChangeAspect="1"/>
-          </p:cNvPicPr>
-          <p:nvPr/>
-        </p:nvPicPr>
-        <p:blipFill>
-          <a:blip r:embed="rId9">
-            <a:extLst>
-              <a:ext uri="{96DAC541-7B7A-43D3-8B79-37D633B846F1}">
-                <asvg:svgBlip xmlns:asvg="http://schemas.microsoft.com/office/drawing/2016/SVG/main" r:embed="rId10"/>
-              </a:ext>
-            </a:extLst>
-          </a:blip>
-          <a:stretch>
-            <a:fillRect/>
-          </a:stretch>
-        </p:blipFill>
-        <p:spPr>
-          <a:xfrm>
-            <a:off x="2944354" y="3454192"/>
-            <a:ext cx="332400" cy="332400"/>
-          </a:xfrm>
-          <a:prstGeom prst="rect">
-            <a:avLst/>
-          </a:prstGeom>
-        </p:spPr>
-      </p:pic>
-      <p:pic>
-        <p:nvPicPr>
-          <p:cNvPr id="1090" name="Graphic 1089" descr="Checkmark with solid fill">
-            <a:extLst>
-              <a:ext uri="{FF2B5EF4-FFF2-40B4-BE49-F238E27FC236}">
-                <a16:creationId xmlns:a16="http://schemas.microsoft.com/office/drawing/2014/main" id="{D067E672-BC39-DBE8-6724-AA405B846D79}"/>
-              </a:ext>
-            </a:extLst>
-          </p:cNvPr>
-          <p:cNvPicPr>
-            <a:picLocks noChangeAspect="1"/>
-          </p:cNvPicPr>
-          <p:nvPr/>
-        </p:nvPicPr>
-        <p:blipFill>
-          <a:blip r:embed="rId9">
-            <a:extLst>
-              <a:ext uri="{96DAC541-7B7A-43D3-8B79-37D633B846F1}">
-                <asvg:svgBlip xmlns:asvg="http://schemas.microsoft.com/office/drawing/2016/SVG/main" r:embed="rId10"/>
-              </a:ext>
-            </a:extLst>
-          </a:blip>
-          <a:stretch>
-            <a:fillRect/>
-          </a:stretch>
-        </p:blipFill>
-        <p:spPr>
-          <a:xfrm>
-            <a:off x="3610459" y="3454192"/>
-            <a:ext cx="332400" cy="332400"/>
-          </a:xfrm>
-          <a:prstGeom prst="rect">
-            <a:avLst/>
-          </a:prstGeom>
-        </p:spPr>
-      </p:pic>
-      <p:sp>
-        <p:nvSpPr>
-          <p:cNvPr id="1091" name="TextBox 1090">
-            <a:extLst>
-              <a:ext uri="{FF2B5EF4-FFF2-40B4-BE49-F238E27FC236}">
-                <a16:creationId xmlns:a16="http://schemas.microsoft.com/office/drawing/2014/main" id="{86DA880A-F9CB-0190-F248-81355AC68D72}"/>
-              </a:ext>
-            </a:extLst>
-          </p:cNvPr>
-          <p:cNvSpPr txBox="1"/>
-          <p:nvPr/>
-        </p:nvSpPr>
-        <p:spPr>
-          <a:xfrm>
-            <a:off x="6579041" y="3009463"/>
-            <a:ext cx="429865" cy="430887"/>
-          </a:xfrm>
-          <a:prstGeom prst="rect">
-            <a:avLst/>
-          </a:prstGeom>
-          <a:noFill/>
-        </p:spPr>
-        <p:txBody>
-          <a:bodyPr wrap="square" lIns="0" tIns="0" rIns="0" bIns="0" rtlCol="0" anchor="ctr">
-            <a:spAutoFit/>
-          </a:bodyPr>
-          <a:lstStyle/>
-          <a:p>
-            <a:pPr algn="ctr"/>
-            <a:r>
-              <a:rPr lang="en-US" sz="2800" dirty="0">
-                <a:latin typeface="Latin Modern Math" panose="02000503000000000000" pitchFamily="2" charset="77"/>
-                <a:ea typeface="Latin Modern Math" panose="02000503000000000000" pitchFamily="2" charset="77"/>
-              </a:rPr>
-              <a:t>?</a:t>
-            </a:r>
-            <a:endParaRPr lang="en-US" sz="1400" dirty="0">
-              <a:latin typeface="Latin Modern Math" panose="02000503000000000000" pitchFamily="2" charset="77"/>
-              <a:ea typeface="Latin Modern Math" panose="02000503000000000000" pitchFamily="2" charset="77"/>
-            </a:endParaRPr>
-          </a:p>
-        </p:txBody>
-      </p:sp>
-      <p:sp>
-        <p:nvSpPr>
-          <p:cNvPr id="1092" name="TextBox 1091">
-            <a:extLst>
-              <a:ext uri="{FF2B5EF4-FFF2-40B4-BE49-F238E27FC236}">
-                <a16:creationId xmlns:a16="http://schemas.microsoft.com/office/drawing/2014/main" id="{88402BD1-76E0-A8DE-2263-7DCE751ABF63}"/>
-              </a:ext>
-            </a:extLst>
-          </p:cNvPr>
-          <p:cNvSpPr txBox="1"/>
-          <p:nvPr/>
-        </p:nvSpPr>
-        <p:spPr>
-          <a:xfrm>
-            <a:off x="2918092" y="4046035"/>
-            <a:ext cx="384924" cy="738664"/>
-          </a:xfrm>
-          <a:prstGeom prst="rect">
-            <a:avLst/>
-          </a:prstGeom>
-          <a:noFill/>
-        </p:spPr>
-        <p:txBody>
-          <a:bodyPr wrap="square" lIns="0" tIns="0" rIns="0" bIns="0" rtlCol="0" anchor="ctr">
-            <a:spAutoFit/>
-          </a:bodyPr>
-          <a:lstStyle/>
-          <a:p>
-            <a:pPr algn="ctr"/>
-            <a:r>
-              <a:rPr lang="en-US" sz="4800" dirty="0">
-                <a:latin typeface="Latin Modern Math" panose="02000503000000000000" pitchFamily="2" charset="77"/>
-                <a:ea typeface="Latin Modern Math" panose="02000503000000000000" pitchFamily="2" charset="77"/>
-              </a:rPr>
-              <a:t>~</a:t>
-            </a:r>
-            <a:endParaRPr lang="en-US" sz="2800" dirty="0">
-              <a:latin typeface="Latin Modern Math" panose="02000503000000000000" pitchFamily="2" charset="77"/>
-              <a:ea typeface="Latin Modern Math" panose="02000503000000000000" pitchFamily="2" charset="77"/>
-            </a:endParaRPr>
-          </a:p>
-        </p:txBody>
-      </p:sp>
-      <p:pic>
-        <p:nvPicPr>
-          <p:cNvPr id="1093" name="Graphic 1092" descr="Close with solid fill">
-            <a:extLst>
-              <a:ext uri="{FF2B5EF4-FFF2-40B4-BE49-F238E27FC236}">
-                <a16:creationId xmlns:a16="http://schemas.microsoft.com/office/drawing/2014/main" id="{27981E0D-E49E-166E-E233-87E680035C93}"/>
-              </a:ext>
-            </a:extLst>
-          </p:cNvPr>
-          <p:cNvPicPr>
-            <a:picLocks noChangeAspect="1"/>
-          </p:cNvPicPr>
-          <p:nvPr/>
-        </p:nvPicPr>
-        <p:blipFill>
-          <a:blip r:embed="rId11">
-            <a:extLst>
-              <a:ext uri="{96DAC541-7B7A-43D3-8B79-37D633B846F1}">
-                <asvg:svgBlip xmlns:asvg="http://schemas.microsoft.com/office/drawing/2016/SVG/main" r:embed="rId12"/>
-              </a:ext>
-            </a:extLst>
-          </a:blip>
-          <a:stretch>
-            <a:fillRect/>
-          </a:stretch>
-        </p:blipFill>
-        <p:spPr>
-          <a:xfrm>
-            <a:off x="5533255" y="4240023"/>
-            <a:ext cx="350688" cy="350688"/>
-          </a:xfrm>
-          <a:prstGeom prst="rect">
-            <a:avLst/>
-          </a:prstGeom>
-        </p:spPr>
-      </p:pic>
-      <p:pic>
-        <p:nvPicPr>
-          <p:cNvPr id="1094" name="Graphic 1093" descr="Close with solid fill">
-            <a:extLst>
-              <a:ext uri="{FF2B5EF4-FFF2-40B4-BE49-F238E27FC236}">
-                <a16:creationId xmlns:a16="http://schemas.microsoft.com/office/drawing/2014/main" id="{AAE25D6E-027B-F25A-5B40-7A52ECE9DB3F}"/>
-              </a:ext>
-            </a:extLst>
-          </p:cNvPr>
-          <p:cNvPicPr>
-            <a:picLocks noChangeAspect="1"/>
-          </p:cNvPicPr>
-          <p:nvPr/>
-        </p:nvPicPr>
-        <p:blipFill>
-          <a:blip r:embed="rId11">
-            <a:extLst>
-              <a:ext uri="{96DAC541-7B7A-43D3-8B79-37D633B846F1}">
-                <asvg:svgBlip xmlns:asvg="http://schemas.microsoft.com/office/drawing/2016/SVG/main" r:embed="rId12"/>
-              </a:ext>
-            </a:extLst>
-          </a:blip>
-          <a:stretch>
-            <a:fillRect/>
-          </a:stretch>
-        </p:blipFill>
-        <p:spPr>
-          <a:xfrm>
-            <a:off x="6649689" y="4240023"/>
-            <a:ext cx="350688" cy="350688"/>
-          </a:xfrm>
-          <a:prstGeom prst="rect">
-            <a:avLst/>
-          </a:prstGeom>
-        </p:spPr>
-      </p:pic>
       <p:sp>
         <p:nvSpPr>
           <p:cNvPr id="1095" name="TextBox 1094">
@@ -13082,7 +10865,7 @@
         </p:nvSpPr>
         <p:spPr>
           <a:xfrm>
-            <a:off x="7557983" y="4199924"/>
+            <a:off x="8351903" y="4108230"/>
             <a:ext cx="429865" cy="430887"/>
           </a:xfrm>
           <a:prstGeom prst="rect">
@@ -13111,114 +10894,2465 @@
           </a:p>
         </p:txBody>
       </p:sp>
-      <p:pic>
-        <p:nvPicPr>
-          <p:cNvPr id="1096" name="Graphic 1095" descr="Close with solid fill">
+      <p:sp>
+        <p:nvSpPr>
+          <p:cNvPr id="6" name="TextBox 5">
             <a:extLst>
               <a:ext uri="{FF2B5EF4-FFF2-40B4-BE49-F238E27FC236}">
-                <a16:creationId xmlns:a16="http://schemas.microsoft.com/office/drawing/2014/main" id="{EA96F766-8730-8A6B-1346-FE125D792E40}"/>
+                <a16:creationId xmlns:a16="http://schemas.microsoft.com/office/drawing/2014/main" id="{A17217AF-2621-253F-2C01-393D3ECF3261}"/>
               </a:ext>
             </a:extLst>
           </p:cNvPr>
-          <p:cNvPicPr>
-            <a:picLocks noChangeAspect="1"/>
-          </p:cNvPicPr>
+          <p:cNvSpPr txBox="1"/>
           <p:nvPr/>
-        </p:nvPicPr>
-        <p:blipFill>
-          <a:blip r:embed="rId11">
-            <a:extLst>
-              <a:ext uri="{96DAC541-7B7A-43D3-8B79-37D633B846F1}">
-                <asvg:svgBlip xmlns:asvg="http://schemas.microsoft.com/office/drawing/2016/SVG/main" r:embed="rId12"/>
-              </a:ext>
-            </a:extLst>
-          </a:blip>
-          <a:stretch>
-            <a:fillRect/>
-          </a:stretch>
-        </p:blipFill>
+        </p:nvSpPr>
         <p:spPr>
           <a:xfrm>
-            <a:off x="6626088" y="5155687"/>
-            <a:ext cx="350688" cy="350688"/>
+            <a:off x="1164385" y="524319"/>
+            <a:ext cx="914033" cy="261610"/>
           </a:xfrm>
           <a:prstGeom prst="rect">
             <a:avLst/>
           </a:prstGeom>
+          <a:noFill/>
         </p:spPr>
-      </p:pic>
-      <p:pic>
-        <p:nvPicPr>
-          <p:cNvPr id="1097" name="Graphic 1096" descr="Close with solid fill">
+        <p:txBody>
+          <a:bodyPr wrap="none" rtlCol="0">
+            <a:spAutoFit/>
+          </a:bodyPr>
+          <a:lstStyle/>
+          <a:p>
+            <a:r>
+              <a:rPr lang="en-US" sz="1100" i="1" dirty="0"/>
+              <a:t>Subsection:</a:t>
+            </a:r>
+          </a:p>
+        </p:txBody>
+      </p:sp>
+      <p:sp>
+        <p:nvSpPr>
+          <p:cNvPr id="96" name="TextBox 95">
             <a:extLst>
               <a:ext uri="{FF2B5EF4-FFF2-40B4-BE49-F238E27FC236}">
-                <a16:creationId xmlns:a16="http://schemas.microsoft.com/office/drawing/2014/main" id="{5F606E3B-25B2-2D6D-AAC0-98076C84B2E3}"/>
+                <a16:creationId xmlns:a16="http://schemas.microsoft.com/office/drawing/2014/main" id="{6BD60512-4684-2412-8163-B04243CA4FA0}"/>
               </a:ext>
             </a:extLst>
           </p:cNvPr>
-          <p:cNvPicPr>
-            <a:picLocks noChangeAspect="1"/>
-          </p:cNvPicPr>
+          <p:cNvSpPr txBox="1"/>
           <p:nvPr/>
-        </p:nvPicPr>
-        <p:blipFill>
-          <a:blip r:embed="rId11">
-            <a:extLst>
-              <a:ext uri="{96DAC541-7B7A-43D3-8B79-37D633B846F1}">
-                <asvg:svgBlip xmlns:asvg="http://schemas.microsoft.com/office/drawing/2016/SVG/main" r:embed="rId12"/>
-              </a:ext>
-            </a:extLst>
-          </a:blip>
-          <a:stretch>
-            <a:fillRect/>
-          </a:stretch>
-        </p:blipFill>
+        </p:nvSpPr>
         <p:spPr>
           <a:xfrm>
-            <a:off x="7597571" y="5155687"/>
-            <a:ext cx="350688" cy="350688"/>
+            <a:off x="4469164" y="5254615"/>
+            <a:ext cx="256481" cy="369332"/>
           </a:xfrm>
           <a:prstGeom prst="rect">
             <a:avLst/>
           </a:prstGeom>
+          <a:noFill/>
         </p:spPr>
-      </p:pic>
-      <p:pic>
-        <p:nvPicPr>
-          <p:cNvPr id="1098" name="Graphic 1097" descr="Checkmark with solid fill">
+        <p:txBody>
+          <a:bodyPr wrap="none" lIns="0" tIns="0" rIns="0" bIns="0" rtlCol="0" anchor="ctr">
+            <a:spAutoFit/>
+          </a:bodyPr>
+          <a:lstStyle/>
+          <a:p>
+            <a:pPr algn="ctr"/>
+            <a:r>
+              <a:rPr lang="en-US" sz="2400" dirty="0">
+                <a:latin typeface="Latin Modern Math" panose="02000503000000000000" pitchFamily="2" charset="77"/>
+                <a:ea typeface="Latin Modern Math" panose="02000503000000000000" pitchFamily="2" charset="77"/>
+              </a:rPr>
+              <a:t>✓</a:t>
+            </a:r>
+          </a:p>
+        </p:txBody>
+      </p:sp>
+      <p:sp>
+        <p:nvSpPr>
+          <p:cNvPr id="98" name="TextBox 97">
             <a:extLst>
               <a:ext uri="{FF2B5EF4-FFF2-40B4-BE49-F238E27FC236}">
-                <a16:creationId xmlns:a16="http://schemas.microsoft.com/office/drawing/2014/main" id="{2CD9A899-D78F-753F-9DE4-748732D94CDE}"/>
+                <a16:creationId xmlns:a16="http://schemas.microsoft.com/office/drawing/2014/main" id="{9F2B5878-263B-D477-CC12-D995DD0B8145}"/>
               </a:ext>
             </a:extLst>
           </p:cNvPr>
-          <p:cNvPicPr>
-            <a:picLocks noChangeAspect="1"/>
-          </p:cNvPicPr>
+          <p:cNvSpPr txBox="1"/>
           <p:nvPr/>
-        </p:nvPicPr>
-        <p:blipFill>
-          <a:blip r:embed="rId9">
-            <a:extLst>
-              <a:ext uri="{96DAC541-7B7A-43D3-8B79-37D633B846F1}">
-                <asvg:svgBlip xmlns:asvg="http://schemas.microsoft.com/office/drawing/2016/SVG/main" r:embed="rId10"/>
-              </a:ext>
-            </a:extLst>
-          </a:blip>
-          <a:stretch>
-            <a:fillRect/>
-          </a:stretch>
-        </p:blipFill>
+        </p:nvSpPr>
         <p:spPr>
           <a:xfrm>
-            <a:off x="3633557" y="1619334"/>
-            <a:ext cx="332400" cy="332400"/>
+            <a:off x="2862907" y="5254615"/>
+            <a:ext cx="314934" cy="369332"/>
           </a:xfrm>
           <a:prstGeom prst="rect">
             <a:avLst/>
           </a:prstGeom>
+          <a:noFill/>
         </p:spPr>
-      </p:pic>
+        <p:txBody>
+          <a:bodyPr wrap="square" lIns="0" tIns="0" rIns="0" bIns="0" anchor="ctr">
+            <a:spAutoFit/>
+          </a:bodyPr>
+          <a:lstStyle/>
+          <a:p>
+            <a:pPr algn="ctr"/>
+            <a:r>
+              <a:rPr lang="en-US" sz="2400" dirty="0">
+                <a:latin typeface="Arial" panose="020B0604020202020204" pitchFamily="34" charset="0"/>
+                <a:ea typeface="Latin Modern Math" panose="02000503000000000000" pitchFamily="2" charset="77"/>
+                <a:cs typeface="Arial" panose="020B0604020202020204" pitchFamily="34" charset="0"/>
+              </a:rPr>
+              <a:t>X</a:t>
+            </a:r>
+            <a:endParaRPr lang="en-US" sz="2400" dirty="0">
+              <a:latin typeface="Arial" panose="020B0604020202020204" pitchFamily="34" charset="0"/>
+              <a:cs typeface="Arial" panose="020B0604020202020204" pitchFamily="34" charset="0"/>
+            </a:endParaRPr>
+          </a:p>
+        </p:txBody>
+      </p:sp>
+      <p:sp>
+        <p:nvSpPr>
+          <p:cNvPr id="101" name="TextBox 100">
+            <a:extLst>
+              <a:ext uri="{FF2B5EF4-FFF2-40B4-BE49-F238E27FC236}">
+                <a16:creationId xmlns:a16="http://schemas.microsoft.com/office/drawing/2014/main" id="{DEF7B0CD-AFF3-AC5E-A64B-8088B15027B3}"/>
+              </a:ext>
+            </a:extLst>
+          </p:cNvPr>
+          <p:cNvSpPr txBox="1"/>
+          <p:nvPr/>
+        </p:nvSpPr>
+        <p:spPr>
+          <a:xfrm>
+            <a:off x="1044360" y="5254615"/>
+            <a:ext cx="245006" cy="369332"/>
+          </a:xfrm>
+          <a:prstGeom prst="rect">
+            <a:avLst/>
+          </a:prstGeom>
+          <a:noFill/>
+        </p:spPr>
+        <p:txBody>
+          <a:bodyPr wrap="square" lIns="0" tIns="0" rIns="0" bIns="0" anchor="ctr">
+            <a:spAutoFit/>
+          </a:bodyPr>
+          <a:lstStyle/>
+          <a:p>
+            <a:pPr algn="ctr"/>
+            <a:r>
+              <a:rPr lang="en-US" sz="2400" dirty="0">
+                <a:solidFill>
+                  <a:srgbClr val="CA2243"/>
+                </a:solidFill>
+                <a:latin typeface="Arial" panose="020B0604020202020204" pitchFamily="34" charset="0"/>
+                <a:ea typeface="Latin Modern Math" panose="02000503000000000000" pitchFamily="2" charset="77"/>
+                <a:cs typeface="Arial" panose="020B0604020202020204" pitchFamily="34" charset="0"/>
+              </a:rPr>
+              <a:t>X</a:t>
+            </a:r>
+            <a:endParaRPr lang="en-US" sz="2400" dirty="0">
+              <a:solidFill>
+                <a:srgbClr val="CA2243"/>
+              </a:solidFill>
+              <a:latin typeface="Arial" panose="020B0604020202020204" pitchFamily="34" charset="0"/>
+              <a:cs typeface="Arial" panose="020B0604020202020204" pitchFamily="34" charset="0"/>
+            </a:endParaRPr>
+          </a:p>
+        </p:txBody>
+      </p:sp>
+      <p:sp>
+        <p:nvSpPr>
+          <p:cNvPr id="102" name="TextBox 101">
+            <a:extLst>
+              <a:ext uri="{FF2B5EF4-FFF2-40B4-BE49-F238E27FC236}">
+                <a16:creationId xmlns:a16="http://schemas.microsoft.com/office/drawing/2014/main" id="{9219F695-1995-81B1-F058-BE588A2ECE15}"/>
+              </a:ext>
+            </a:extLst>
+          </p:cNvPr>
+          <p:cNvSpPr txBox="1"/>
+          <p:nvPr/>
+        </p:nvSpPr>
+        <p:spPr>
+          <a:xfrm>
+            <a:off x="6038751" y="5254615"/>
+            <a:ext cx="256481" cy="369332"/>
+          </a:xfrm>
+          <a:prstGeom prst="rect">
+            <a:avLst/>
+          </a:prstGeom>
+          <a:noFill/>
+        </p:spPr>
+        <p:txBody>
+          <a:bodyPr wrap="none" lIns="0" tIns="0" rIns="0" bIns="0" rtlCol="0" anchor="ctr">
+            <a:spAutoFit/>
+          </a:bodyPr>
+          <a:lstStyle/>
+          <a:p>
+            <a:pPr algn="ctr"/>
+            <a:r>
+              <a:rPr lang="en-US" sz="2400" dirty="0">
+                <a:solidFill>
+                  <a:srgbClr val="88BA3A"/>
+                </a:solidFill>
+                <a:latin typeface="Latin Modern Math" panose="02000503000000000000" pitchFamily="2" charset="77"/>
+                <a:ea typeface="Latin Modern Math" panose="02000503000000000000" pitchFamily="2" charset="77"/>
+              </a:rPr>
+              <a:t>✓</a:t>
+            </a:r>
+          </a:p>
+        </p:txBody>
+      </p:sp>
+      <p:sp>
+        <p:nvSpPr>
+          <p:cNvPr id="104" name="TextBox 103">
+            <a:extLst>
+              <a:ext uri="{FF2B5EF4-FFF2-40B4-BE49-F238E27FC236}">
+                <a16:creationId xmlns:a16="http://schemas.microsoft.com/office/drawing/2014/main" id="{0173A931-1643-D837-85D5-C4E0FF664F35}"/>
+              </a:ext>
+            </a:extLst>
+          </p:cNvPr>
+          <p:cNvSpPr txBox="1"/>
+          <p:nvPr/>
+        </p:nvSpPr>
+        <p:spPr>
+          <a:xfrm>
+            <a:off x="2294217" y="852140"/>
+            <a:ext cx="256481" cy="369332"/>
+          </a:xfrm>
+          <a:prstGeom prst="rect">
+            <a:avLst/>
+          </a:prstGeom>
+          <a:noFill/>
+        </p:spPr>
+        <p:txBody>
+          <a:bodyPr wrap="none" lIns="0" tIns="0" rIns="0" bIns="0" rtlCol="0" anchor="ctr">
+            <a:spAutoFit/>
+          </a:bodyPr>
+          <a:lstStyle/>
+          <a:p>
+            <a:pPr algn="ctr"/>
+            <a:r>
+              <a:rPr lang="en-US" sz="2400" dirty="0">
+                <a:latin typeface="Latin Modern Math" panose="02000503000000000000" pitchFamily="2" charset="77"/>
+                <a:ea typeface="Latin Modern Math" panose="02000503000000000000" pitchFamily="2" charset="77"/>
+              </a:rPr>
+              <a:t>✓</a:t>
+            </a:r>
+          </a:p>
+        </p:txBody>
+      </p:sp>
+      <p:sp>
+        <p:nvSpPr>
+          <p:cNvPr id="105" name="TextBox 104">
+            <a:extLst>
+              <a:ext uri="{FF2B5EF4-FFF2-40B4-BE49-F238E27FC236}">
+                <a16:creationId xmlns:a16="http://schemas.microsoft.com/office/drawing/2014/main" id="{B9A2D826-1E12-3F6B-A2AD-5C8AB3D63E02}"/>
+              </a:ext>
+            </a:extLst>
+          </p:cNvPr>
+          <p:cNvSpPr txBox="1"/>
+          <p:nvPr/>
+        </p:nvSpPr>
+        <p:spPr>
+          <a:xfrm>
+            <a:off x="2294217" y="1237455"/>
+            <a:ext cx="256481" cy="369332"/>
+          </a:xfrm>
+          <a:prstGeom prst="rect">
+            <a:avLst/>
+          </a:prstGeom>
+          <a:noFill/>
+        </p:spPr>
+        <p:txBody>
+          <a:bodyPr wrap="none" lIns="0" tIns="0" rIns="0" bIns="0" rtlCol="0" anchor="ctr">
+            <a:spAutoFit/>
+          </a:bodyPr>
+          <a:lstStyle/>
+          <a:p>
+            <a:pPr algn="ctr"/>
+            <a:r>
+              <a:rPr lang="en-US" sz="2400" dirty="0">
+                <a:latin typeface="Latin Modern Math" panose="02000503000000000000" pitchFamily="2" charset="77"/>
+                <a:ea typeface="Latin Modern Math" panose="02000503000000000000" pitchFamily="2" charset="77"/>
+              </a:rPr>
+              <a:t>✓</a:t>
+            </a:r>
+          </a:p>
+        </p:txBody>
+      </p:sp>
+      <p:sp>
+        <p:nvSpPr>
+          <p:cNvPr id="106" name="TextBox 105">
+            <a:extLst>
+              <a:ext uri="{FF2B5EF4-FFF2-40B4-BE49-F238E27FC236}">
+                <a16:creationId xmlns:a16="http://schemas.microsoft.com/office/drawing/2014/main" id="{532998C9-41F4-DC38-41F4-7C3115E3B6A6}"/>
+              </a:ext>
+            </a:extLst>
+          </p:cNvPr>
+          <p:cNvSpPr txBox="1"/>
+          <p:nvPr/>
+        </p:nvSpPr>
+        <p:spPr>
+          <a:xfrm>
+            <a:off x="2294217" y="1625732"/>
+            <a:ext cx="256481" cy="369332"/>
+          </a:xfrm>
+          <a:prstGeom prst="rect">
+            <a:avLst/>
+          </a:prstGeom>
+          <a:noFill/>
+        </p:spPr>
+        <p:txBody>
+          <a:bodyPr wrap="none" lIns="0" tIns="0" rIns="0" bIns="0" rtlCol="0" anchor="ctr">
+            <a:spAutoFit/>
+          </a:bodyPr>
+          <a:lstStyle/>
+          <a:p>
+            <a:pPr algn="ctr"/>
+            <a:r>
+              <a:rPr lang="en-US" sz="2400" dirty="0">
+                <a:latin typeface="Latin Modern Math" panose="02000503000000000000" pitchFamily="2" charset="77"/>
+                <a:ea typeface="Latin Modern Math" panose="02000503000000000000" pitchFamily="2" charset="77"/>
+              </a:rPr>
+              <a:t>✓</a:t>
+            </a:r>
+          </a:p>
+        </p:txBody>
+      </p:sp>
+      <p:sp>
+        <p:nvSpPr>
+          <p:cNvPr id="107" name="TextBox 106">
+            <a:extLst>
+              <a:ext uri="{FF2B5EF4-FFF2-40B4-BE49-F238E27FC236}">
+                <a16:creationId xmlns:a16="http://schemas.microsoft.com/office/drawing/2014/main" id="{B2B48C59-0AD3-FF03-51CB-CE7E6F33F3E3}"/>
+              </a:ext>
+            </a:extLst>
+          </p:cNvPr>
+          <p:cNvSpPr txBox="1"/>
+          <p:nvPr/>
+        </p:nvSpPr>
+        <p:spPr>
+          <a:xfrm>
+            <a:off x="3636611" y="2115163"/>
+            <a:ext cx="314934" cy="369332"/>
+          </a:xfrm>
+          <a:prstGeom prst="rect">
+            <a:avLst/>
+          </a:prstGeom>
+          <a:noFill/>
+        </p:spPr>
+        <p:txBody>
+          <a:bodyPr wrap="square" lIns="0" tIns="0" rIns="0" bIns="0" anchor="ctr">
+            <a:spAutoFit/>
+          </a:bodyPr>
+          <a:lstStyle/>
+          <a:p>
+            <a:pPr algn="ctr"/>
+            <a:r>
+              <a:rPr lang="en-US" sz="2400" dirty="0">
+                <a:latin typeface="Arial" panose="020B0604020202020204" pitchFamily="34" charset="0"/>
+                <a:ea typeface="Latin Modern Math" panose="02000503000000000000" pitchFamily="2" charset="77"/>
+                <a:cs typeface="Arial" panose="020B0604020202020204" pitchFamily="34" charset="0"/>
+              </a:rPr>
+              <a:t>X</a:t>
+            </a:r>
+            <a:endParaRPr lang="en-US" sz="2400" dirty="0">
+              <a:latin typeface="Arial" panose="020B0604020202020204" pitchFamily="34" charset="0"/>
+              <a:cs typeface="Arial" panose="020B0604020202020204" pitchFamily="34" charset="0"/>
+            </a:endParaRPr>
+          </a:p>
+        </p:txBody>
+      </p:sp>
+      <p:sp>
+        <p:nvSpPr>
+          <p:cNvPr id="108" name="TextBox 107">
+            <a:extLst>
+              <a:ext uri="{FF2B5EF4-FFF2-40B4-BE49-F238E27FC236}">
+                <a16:creationId xmlns:a16="http://schemas.microsoft.com/office/drawing/2014/main" id="{F9CCC3EC-6E62-4792-CE23-440F77151D62}"/>
+              </a:ext>
+            </a:extLst>
+          </p:cNvPr>
+          <p:cNvSpPr txBox="1"/>
+          <p:nvPr/>
+        </p:nvSpPr>
+        <p:spPr>
+          <a:xfrm>
+            <a:off x="4477921" y="2068717"/>
+            <a:ext cx="256481" cy="369332"/>
+          </a:xfrm>
+          <a:prstGeom prst="rect">
+            <a:avLst/>
+          </a:prstGeom>
+          <a:noFill/>
+        </p:spPr>
+        <p:txBody>
+          <a:bodyPr wrap="none" lIns="0" tIns="0" rIns="0" bIns="0" rtlCol="0" anchor="ctr">
+            <a:spAutoFit/>
+          </a:bodyPr>
+          <a:lstStyle/>
+          <a:p>
+            <a:pPr algn="ctr"/>
+            <a:r>
+              <a:rPr lang="en-US" sz="2400" dirty="0">
+                <a:latin typeface="Latin Modern Math" panose="02000503000000000000" pitchFamily="2" charset="77"/>
+                <a:ea typeface="Latin Modern Math" panose="02000503000000000000" pitchFamily="2" charset="77"/>
+              </a:rPr>
+              <a:t>✓</a:t>
+            </a:r>
+          </a:p>
+        </p:txBody>
+      </p:sp>
+      <p:sp>
+        <p:nvSpPr>
+          <p:cNvPr id="109" name="TextBox 108">
+            <a:extLst>
+              <a:ext uri="{FF2B5EF4-FFF2-40B4-BE49-F238E27FC236}">
+                <a16:creationId xmlns:a16="http://schemas.microsoft.com/office/drawing/2014/main" id="{270041CB-3BA9-B62D-BBD0-4EFA09CB226F}"/>
+              </a:ext>
+            </a:extLst>
+          </p:cNvPr>
+          <p:cNvSpPr txBox="1"/>
+          <p:nvPr/>
+        </p:nvSpPr>
+        <p:spPr>
+          <a:xfrm>
+            <a:off x="5519458" y="2137899"/>
+            <a:ext cx="314934" cy="369332"/>
+          </a:xfrm>
+          <a:prstGeom prst="rect">
+            <a:avLst/>
+          </a:prstGeom>
+          <a:noFill/>
+        </p:spPr>
+        <p:txBody>
+          <a:bodyPr wrap="square" lIns="0" tIns="0" rIns="0" bIns="0" anchor="ctr">
+            <a:spAutoFit/>
+          </a:bodyPr>
+          <a:lstStyle/>
+          <a:p>
+            <a:pPr algn="ctr"/>
+            <a:r>
+              <a:rPr lang="en-US" sz="2400" dirty="0">
+                <a:latin typeface="Arial" panose="020B0604020202020204" pitchFamily="34" charset="0"/>
+                <a:ea typeface="Latin Modern Math" panose="02000503000000000000" pitchFamily="2" charset="77"/>
+                <a:cs typeface="Arial" panose="020B0604020202020204" pitchFamily="34" charset="0"/>
+              </a:rPr>
+              <a:t>X</a:t>
+            </a:r>
+            <a:endParaRPr lang="en-US" sz="2400" dirty="0">
+              <a:latin typeface="Arial" panose="020B0604020202020204" pitchFamily="34" charset="0"/>
+              <a:cs typeface="Arial" panose="020B0604020202020204" pitchFamily="34" charset="0"/>
+            </a:endParaRPr>
+          </a:p>
+        </p:txBody>
+      </p:sp>
+      <p:sp>
+        <p:nvSpPr>
+          <p:cNvPr id="110" name="TextBox 109">
+            <a:extLst>
+              <a:ext uri="{FF2B5EF4-FFF2-40B4-BE49-F238E27FC236}">
+                <a16:creationId xmlns:a16="http://schemas.microsoft.com/office/drawing/2014/main" id="{3F7A4538-D10F-579B-D2D5-D6E7ADDFED88}"/>
+              </a:ext>
+            </a:extLst>
+          </p:cNvPr>
+          <p:cNvSpPr txBox="1"/>
+          <p:nvPr/>
+        </p:nvSpPr>
+        <p:spPr>
+          <a:xfrm>
+            <a:off x="7633792" y="2070290"/>
+            <a:ext cx="256481" cy="369332"/>
+          </a:xfrm>
+          <a:prstGeom prst="rect">
+            <a:avLst/>
+          </a:prstGeom>
+          <a:noFill/>
+        </p:spPr>
+        <p:txBody>
+          <a:bodyPr wrap="none" lIns="0" tIns="0" rIns="0" bIns="0" rtlCol="0" anchor="ctr">
+            <a:spAutoFit/>
+          </a:bodyPr>
+          <a:lstStyle/>
+          <a:p>
+            <a:pPr algn="ctr"/>
+            <a:r>
+              <a:rPr lang="en-US" sz="2400" dirty="0">
+                <a:latin typeface="Latin Modern Math" panose="02000503000000000000" pitchFamily="2" charset="77"/>
+                <a:ea typeface="Latin Modern Math" panose="02000503000000000000" pitchFamily="2" charset="77"/>
+              </a:rPr>
+              <a:t>✓</a:t>
+            </a:r>
+          </a:p>
+        </p:txBody>
+      </p:sp>
+      <p:sp>
+        <p:nvSpPr>
+          <p:cNvPr id="111" name="TextBox 110">
+            <a:extLst>
+              <a:ext uri="{FF2B5EF4-FFF2-40B4-BE49-F238E27FC236}">
+                <a16:creationId xmlns:a16="http://schemas.microsoft.com/office/drawing/2014/main" id="{16117569-700C-93B3-13E4-569EC2CA9B07}"/>
+              </a:ext>
+            </a:extLst>
+          </p:cNvPr>
+          <p:cNvSpPr txBox="1"/>
+          <p:nvPr/>
+        </p:nvSpPr>
+        <p:spPr>
+          <a:xfrm>
+            <a:off x="2264990" y="2625712"/>
+            <a:ext cx="314934" cy="369332"/>
+          </a:xfrm>
+          <a:prstGeom prst="rect">
+            <a:avLst/>
+          </a:prstGeom>
+          <a:noFill/>
+        </p:spPr>
+        <p:txBody>
+          <a:bodyPr wrap="square" lIns="0" tIns="0" rIns="0" bIns="0" anchor="ctr">
+            <a:spAutoFit/>
+          </a:bodyPr>
+          <a:lstStyle/>
+          <a:p>
+            <a:pPr algn="ctr"/>
+            <a:r>
+              <a:rPr lang="en-US" sz="2400" dirty="0">
+                <a:latin typeface="Arial" panose="020B0604020202020204" pitchFamily="34" charset="0"/>
+                <a:ea typeface="Latin Modern Math" panose="02000503000000000000" pitchFamily="2" charset="77"/>
+                <a:cs typeface="Arial" panose="020B0604020202020204" pitchFamily="34" charset="0"/>
+              </a:rPr>
+              <a:t>X</a:t>
+            </a:r>
+            <a:endParaRPr lang="en-US" sz="2400" dirty="0">
+              <a:latin typeface="Arial" panose="020B0604020202020204" pitchFamily="34" charset="0"/>
+              <a:cs typeface="Arial" panose="020B0604020202020204" pitchFamily="34" charset="0"/>
+            </a:endParaRPr>
+          </a:p>
+        </p:txBody>
+      </p:sp>
+      <p:sp>
+        <p:nvSpPr>
+          <p:cNvPr id="112" name="TextBox 111">
+            <a:extLst>
+              <a:ext uri="{FF2B5EF4-FFF2-40B4-BE49-F238E27FC236}">
+                <a16:creationId xmlns:a16="http://schemas.microsoft.com/office/drawing/2014/main" id="{69EAE5DF-E3CF-FC47-14B6-D3A729B7D956}"/>
+              </a:ext>
+            </a:extLst>
+          </p:cNvPr>
+          <p:cNvSpPr txBox="1"/>
+          <p:nvPr/>
+        </p:nvSpPr>
+        <p:spPr>
+          <a:xfrm>
+            <a:off x="2988051" y="2604087"/>
+            <a:ext cx="256481" cy="369332"/>
+          </a:xfrm>
+          <a:prstGeom prst="rect">
+            <a:avLst/>
+          </a:prstGeom>
+          <a:noFill/>
+        </p:spPr>
+        <p:txBody>
+          <a:bodyPr wrap="none" lIns="0" tIns="0" rIns="0" bIns="0" rtlCol="0" anchor="ctr">
+            <a:spAutoFit/>
+          </a:bodyPr>
+          <a:lstStyle/>
+          <a:p>
+            <a:pPr algn="ctr"/>
+            <a:r>
+              <a:rPr lang="en-US" sz="2400" dirty="0">
+                <a:latin typeface="Latin Modern Math" panose="02000503000000000000" pitchFamily="2" charset="77"/>
+                <a:ea typeface="Latin Modern Math" panose="02000503000000000000" pitchFamily="2" charset="77"/>
+              </a:rPr>
+              <a:t>✓</a:t>
+            </a:r>
+          </a:p>
+        </p:txBody>
+      </p:sp>
+      <p:sp>
+        <p:nvSpPr>
+          <p:cNvPr id="113" name="TextBox 112">
+            <a:extLst>
+              <a:ext uri="{FF2B5EF4-FFF2-40B4-BE49-F238E27FC236}">
+                <a16:creationId xmlns:a16="http://schemas.microsoft.com/office/drawing/2014/main" id="{1BDCEC12-31E7-DD2E-7C35-8B5841A57536}"/>
+              </a:ext>
+            </a:extLst>
+          </p:cNvPr>
+          <p:cNvSpPr txBox="1"/>
+          <p:nvPr/>
+        </p:nvSpPr>
+        <p:spPr>
+          <a:xfrm>
+            <a:off x="4448694" y="2607884"/>
+            <a:ext cx="314934" cy="369332"/>
+          </a:xfrm>
+          <a:prstGeom prst="rect">
+            <a:avLst/>
+          </a:prstGeom>
+          <a:noFill/>
+        </p:spPr>
+        <p:txBody>
+          <a:bodyPr wrap="square" lIns="0" tIns="0" rIns="0" bIns="0" anchor="ctr">
+            <a:spAutoFit/>
+          </a:bodyPr>
+          <a:lstStyle/>
+          <a:p>
+            <a:pPr algn="ctr"/>
+            <a:r>
+              <a:rPr lang="en-US" sz="2400" dirty="0">
+                <a:latin typeface="Arial" panose="020B0604020202020204" pitchFamily="34" charset="0"/>
+                <a:ea typeface="Latin Modern Math" panose="02000503000000000000" pitchFamily="2" charset="77"/>
+                <a:cs typeface="Arial" panose="020B0604020202020204" pitchFamily="34" charset="0"/>
+              </a:rPr>
+              <a:t>X</a:t>
+            </a:r>
+            <a:endParaRPr lang="en-US" sz="2400" dirty="0">
+              <a:latin typeface="Arial" panose="020B0604020202020204" pitchFamily="34" charset="0"/>
+              <a:cs typeface="Arial" panose="020B0604020202020204" pitchFamily="34" charset="0"/>
+            </a:endParaRPr>
+          </a:p>
+        </p:txBody>
+      </p:sp>
+      <p:sp>
+        <p:nvSpPr>
+          <p:cNvPr id="114" name="TextBox 113">
+            <a:extLst>
+              <a:ext uri="{FF2B5EF4-FFF2-40B4-BE49-F238E27FC236}">
+                <a16:creationId xmlns:a16="http://schemas.microsoft.com/office/drawing/2014/main" id="{2C452B4E-96E0-9B93-F907-7D57CC9CA120}"/>
+              </a:ext>
+            </a:extLst>
+          </p:cNvPr>
+          <p:cNvSpPr txBox="1"/>
+          <p:nvPr/>
+        </p:nvSpPr>
+        <p:spPr>
+          <a:xfrm>
+            <a:off x="5519458" y="2585404"/>
+            <a:ext cx="314934" cy="369332"/>
+          </a:xfrm>
+          <a:prstGeom prst="rect">
+            <a:avLst/>
+          </a:prstGeom>
+          <a:noFill/>
+        </p:spPr>
+        <p:txBody>
+          <a:bodyPr wrap="square" lIns="0" tIns="0" rIns="0" bIns="0" anchor="ctr">
+            <a:spAutoFit/>
+          </a:bodyPr>
+          <a:lstStyle/>
+          <a:p>
+            <a:pPr algn="ctr"/>
+            <a:r>
+              <a:rPr lang="en-US" sz="2400" dirty="0">
+                <a:latin typeface="Arial" panose="020B0604020202020204" pitchFamily="34" charset="0"/>
+                <a:ea typeface="Latin Modern Math" panose="02000503000000000000" pitchFamily="2" charset="77"/>
+                <a:cs typeface="Arial" panose="020B0604020202020204" pitchFamily="34" charset="0"/>
+              </a:rPr>
+              <a:t>X</a:t>
+            </a:r>
+            <a:endParaRPr lang="en-US" sz="2400" dirty="0">
+              <a:latin typeface="Arial" panose="020B0604020202020204" pitchFamily="34" charset="0"/>
+              <a:cs typeface="Arial" panose="020B0604020202020204" pitchFamily="34" charset="0"/>
+            </a:endParaRPr>
+          </a:p>
+        </p:txBody>
+      </p:sp>
+      <p:sp>
+        <p:nvSpPr>
+          <p:cNvPr id="117" name="TextBox 116">
+            <a:extLst>
+              <a:ext uri="{FF2B5EF4-FFF2-40B4-BE49-F238E27FC236}">
+                <a16:creationId xmlns:a16="http://schemas.microsoft.com/office/drawing/2014/main" id="{BBF50FBF-EA9E-3F4A-18E1-C815CE0D2ED3}"/>
+              </a:ext>
+            </a:extLst>
+          </p:cNvPr>
+          <p:cNvSpPr txBox="1"/>
+          <p:nvPr/>
+        </p:nvSpPr>
+        <p:spPr>
+          <a:xfrm>
+            <a:off x="2294217" y="3117928"/>
+            <a:ext cx="256481" cy="369332"/>
+          </a:xfrm>
+          <a:prstGeom prst="rect">
+            <a:avLst/>
+          </a:prstGeom>
+          <a:noFill/>
+        </p:spPr>
+        <p:txBody>
+          <a:bodyPr wrap="none" lIns="0" tIns="0" rIns="0" bIns="0" rtlCol="0" anchor="ctr">
+            <a:spAutoFit/>
+          </a:bodyPr>
+          <a:lstStyle/>
+          <a:p>
+            <a:pPr algn="ctr"/>
+            <a:r>
+              <a:rPr lang="en-US" sz="2400" dirty="0">
+                <a:latin typeface="Latin Modern Math" panose="02000503000000000000" pitchFamily="2" charset="77"/>
+                <a:ea typeface="Latin Modern Math" panose="02000503000000000000" pitchFamily="2" charset="77"/>
+              </a:rPr>
+              <a:t>✓</a:t>
+            </a:r>
+          </a:p>
+        </p:txBody>
+      </p:sp>
+      <p:sp>
+        <p:nvSpPr>
+          <p:cNvPr id="118" name="TextBox 117">
+            <a:extLst>
+              <a:ext uri="{FF2B5EF4-FFF2-40B4-BE49-F238E27FC236}">
+                <a16:creationId xmlns:a16="http://schemas.microsoft.com/office/drawing/2014/main" id="{3101EC32-982D-2614-70F8-04A7D7D250D2}"/>
+              </a:ext>
+            </a:extLst>
+          </p:cNvPr>
+          <p:cNvSpPr txBox="1"/>
+          <p:nvPr/>
+        </p:nvSpPr>
+        <p:spPr>
+          <a:xfrm>
+            <a:off x="2294217" y="3544961"/>
+            <a:ext cx="256481" cy="369332"/>
+          </a:xfrm>
+          <a:prstGeom prst="rect">
+            <a:avLst/>
+          </a:prstGeom>
+          <a:noFill/>
+        </p:spPr>
+        <p:txBody>
+          <a:bodyPr wrap="none" lIns="0" tIns="0" rIns="0" bIns="0" rtlCol="0" anchor="ctr">
+            <a:spAutoFit/>
+          </a:bodyPr>
+          <a:lstStyle/>
+          <a:p>
+            <a:pPr algn="ctr"/>
+            <a:r>
+              <a:rPr lang="en-US" sz="2400" dirty="0">
+                <a:latin typeface="Latin Modern Math" panose="02000503000000000000" pitchFamily="2" charset="77"/>
+                <a:ea typeface="Latin Modern Math" panose="02000503000000000000" pitchFamily="2" charset="77"/>
+              </a:rPr>
+              <a:t>✓</a:t>
+            </a:r>
+          </a:p>
+        </p:txBody>
+      </p:sp>
+      <p:sp>
+        <p:nvSpPr>
+          <p:cNvPr id="119" name="TextBox 118">
+            <a:extLst>
+              <a:ext uri="{FF2B5EF4-FFF2-40B4-BE49-F238E27FC236}">
+                <a16:creationId xmlns:a16="http://schemas.microsoft.com/office/drawing/2014/main" id="{078F158F-3B9F-C0D2-661F-39F626238C4D}"/>
+              </a:ext>
+            </a:extLst>
+          </p:cNvPr>
+          <p:cNvSpPr txBox="1"/>
+          <p:nvPr/>
+        </p:nvSpPr>
+        <p:spPr>
+          <a:xfrm>
+            <a:off x="3665838" y="3117928"/>
+            <a:ext cx="256481" cy="369332"/>
+          </a:xfrm>
+          <a:prstGeom prst="rect">
+            <a:avLst/>
+          </a:prstGeom>
+          <a:noFill/>
+        </p:spPr>
+        <p:txBody>
+          <a:bodyPr wrap="none" lIns="0" tIns="0" rIns="0" bIns="0" rtlCol="0" anchor="ctr">
+            <a:spAutoFit/>
+          </a:bodyPr>
+          <a:lstStyle/>
+          <a:p>
+            <a:pPr algn="ctr"/>
+            <a:r>
+              <a:rPr lang="en-US" sz="2400" dirty="0">
+                <a:latin typeface="Latin Modern Math" panose="02000503000000000000" pitchFamily="2" charset="77"/>
+                <a:ea typeface="Latin Modern Math" panose="02000503000000000000" pitchFamily="2" charset="77"/>
+              </a:rPr>
+              <a:t>✓</a:t>
+            </a:r>
+          </a:p>
+        </p:txBody>
+      </p:sp>
+      <p:sp>
+        <p:nvSpPr>
+          <p:cNvPr id="120" name="TextBox 119">
+            <a:extLst>
+              <a:ext uri="{FF2B5EF4-FFF2-40B4-BE49-F238E27FC236}">
+                <a16:creationId xmlns:a16="http://schemas.microsoft.com/office/drawing/2014/main" id="{07EA6535-D9BC-C7D7-0C93-6584ED778CA0}"/>
+              </a:ext>
+            </a:extLst>
+          </p:cNvPr>
+          <p:cNvSpPr txBox="1"/>
+          <p:nvPr/>
+        </p:nvSpPr>
+        <p:spPr>
+          <a:xfrm>
+            <a:off x="3665838" y="3544961"/>
+            <a:ext cx="256481" cy="369332"/>
+          </a:xfrm>
+          <a:prstGeom prst="rect">
+            <a:avLst/>
+          </a:prstGeom>
+          <a:noFill/>
+        </p:spPr>
+        <p:txBody>
+          <a:bodyPr wrap="none" lIns="0" tIns="0" rIns="0" bIns="0" rtlCol="0" anchor="ctr">
+            <a:spAutoFit/>
+          </a:bodyPr>
+          <a:lstStyle/>
+          <a:p>
+            <a:pPr algn="ctr"/>
+            <a:r>
+              <a:rPr lang="en-US" sz="2400" dirty="0">
+                <a:latin typeface="Latin Modern Math" panose="02000503000000000000" pitchFamily="2" charset="77"/>
+                <a:ea typeface="Latin Modern Math" panose="02000503000000000000" pitchFamily="2" charset="77"/>
+              </a:rPr>
+              <a:t>✓</a:t>
+            </a:r>
+          </a:p>
+        </p:txBody>
+      </p:sp>
+      <p:sp>
+        <p:nvSpPr>
+          <p:cNvPr id="122" name="TextBox 121">
+            <a:extLst>
+              <a:ext uri="{FF2B5EF4-FFF2-40B4-BE49-F238E27FC236}">
+                <a16:creationId xmlns:a16="http://schemas.microsoft.com/office/drawing/2014/main" id="{1A536BF1-EF13-EB75-E21A-CE6D1D4169E4}"/>
+              </a:ext>
+            </a:extLst>
+          </p:cNvPr>
+          <p:cNvSpPr txBox="1"/>
+          <p:nvPr/>
+        </p:nvSpPr>
+        <p:spPr>
+          <a:xfrm>
+            <a:off x="4477921" y="3544961"/>
+            <a:ext cx="256481" cy="369332"/>
+          </a:xfrm>
+          <a:prstGeom prst="rect">
+            <a:avLst/>
+          </a:prstGeom>
+          <a:noFill/>
+        </p:spPr>
+        <p:txBody>
+          <a:bodyPr wrap="none" lIns="0" tIns="0" rIns="0" bIns="0" rtlCol="0" anchor="ctr">
+            <a:spAutoFit/>
+          </a:bodyPr>
+          <a:lstStyle/>
+          <a:p>
+            <a:pPr algn="ctr"/>
+            <a:r>
+              <a:rPr lang="en-US" sz="2400" dirty="0">
+                <a:latin typeface="Latin Modern Math" panose="02000503000000000000" pitchFamily="2" charset="77"/>
+                <a:ea typeface="Latin Modern Math" panose="02000503000000000000" pitchFamily="2" charset="77"/>
+              </a:rPr>
+              <a:t>✓</a:t>
+            </a:r>
+          </a:p>
+        </p:txBody>
+      </p:sp>
+      <p:sp>
+        <p:nvSpPr>
+          <p:cNvPr id="126" name="TextBox 125">
+            <a:extLst>
+              <a:ext uri="{FF2B5EF4-FFF2-40B4-BE49-F238E27FC236}">
+                <a16:creationId xmlns:a16="http://schemas.microsoft.com/office/drawing/2014/main" id="{01D7A895-B3C3-6005-E8EA-313BC7F3D5C1}"/>
+              </a:ext>
+            </a:extLst>
+          </p:cNvPr>
+          <p:cNvSpPr txBox="1"/>
+          <p:nvPr/>
+        </p:nvSpPr>
+        <p:spPr>
+          <a:xfrm>
+            <a:off x="2988051" y="4139007"/>
+            <a:ext cx="256481" cy="369332"/>
+          </a:xfrm>
+          <a:prstGeom prst="rect">
+            <a:avLst/>
+          </a:prstGeom>
+          <a:noFill/>
+        </p:spPr>
+        <p:txBody>
+          <a:bodyPr wrap="none" lIns="0" tIns="0" rIns="0" bIns="0" rtlCol="0" anchor="ctr">
+            <a:spAutoFit/>
+          </a:bodyPr>
+          <a:lstStyle/>
+          <a:p>
+            <a:pPr algn="ctr"/>
+            <a:r>
+              <a:rPr lang="en-US" sz="2400" dirty="0">
+                <a:latin typeface="Latin Modern Math" panose="02000503000000000000" pitchFamily="2" charset="77"/>
+                <a:ea typeface="Latin Modern Math" panose="02000503000000000000" pitchFamily="2" charset="77"/>
+              </a:rPr>
+              <a:t>✓</a:t>
+            </a:r>
+          </a:p>
+        </p:txBody>
+      </p:sp>
+      <p:sp>
+        <p:nvSpPr>
+          <p:cNvPr id="127" name="TextBox 126">
+            <a:extLst>
+              <a:ext uri="{FF2B5EF4-FFF2-40B4-BE49-F238E27FC236}">
+                <a16:creationId xmlns:a16="http://schemas.microsoft.com/office/drawing/2014/main" id="{853083BD-D23A-8F0D-CE2E-7EC5E0F57CCA}"/>
+              </a:ext>
+            </a:extLst>
+          </p:cNvPr>
+          <p:cNvSpPr txBox="1"/>
+          <p:nvPr/>
+        </p:nvSpPr>
+        <p:spPr>
+          <a:xfrm>
+            <a:off x="3665838" y="4139007"/>
+            <a:ext cx="256481" cy="369332"/>
+          </a:xfrm>
+          <a:prstGeom prst="rect">
+            <a:avLst/>
+          </a:prstGeom>
+          <a:noFill/>
+        </p:spPr>
+        <p:txBody>
+          <a:bodyPr wrap="none" lIns="0" tIns="0" rIns="0" bIns="0" rtlCol="0" anchor="ctr">
+            <a:spAutoFit/>
+          </a:bodyPr>
+          <a:lstStyle/>
+          <a:p>
+            <a:pPr algn="ctr"/>
+            <a:r>
+              <a:rPr lang="en-US" sz="2400" dirty="0">
+                <a:latin typeface="Latin Modern Math" panose="02000503000000000000" pitchFamily="2" charset="77"/>
+                <a:ea typeface="Latin Modern Math" panose="02000503000000000000" pitchFamily="2" charset="77"/>
+              </a:rPr>
+              <a:t>✓</a:t>
+            </a:r>
+          </a:p>
+        </p:txBody>
+      </p:sp>
+      <p:sp>
+        <p:nvSpPr>
+          <p:cNvPr id="128" name="TextBox 127">
+            <a:extLst>
+              <a:ext uri="{FF2B5EF4-FFF2-40B4-BE49-F238E27FC236}">
+                <a16:creationId xmlns:a16="http://schemas.microsoft.com/office/drawing/2014/main" id="{2926DBBF-5339-171A-C9A9-9DD519D2C2AF}"/>
+              </a:ext>
+            </a:extLst>
+          </p:cNvPr>
+          <p:cNvSpPr txBox="1"/>
+          <p:nvPr/>
+        </p:nvSpPr>
+        <p:spPr>
+          <a:xfrm>
+            <a:off x="4448694" y="4139007"/>
+            <a:ext cx="314934" cy="369332"/>
+          </a:xfrm>
+          <a:prstGeom prst="rect">
+            <a:avLst/>
+          </a:prstGeom>
+          <a:noFill/>
+        </p:spPr>
+        <p:txBody>
+          <a:bodyPr wrap="square" lIns="0" tIns="0" rIns="0" bIns="0" anchor="ctr">
+            <a:spAutoFit/>
+          </a:bodyPr>
+          <a:lstStyle/>
+          <a:p>
+            <a:pPr algn="ctr"/>
+            <a:r>
+              <a:rPr lang="en-US" sz="2400" dirty="0">
+                <a:latin typeface="Arial" panose="020B0604020202020204" pitchFamily="34" charset="0"/>
+                <a:ea typeface="Latin Modern Math" panose="02000503000000000000" pitchFamily="2" charset="77"/>
+                <a:cs typeface="Arial" panose="020B0604020202020204" pitchFamily="34" charset="0"/>
+              </a:rPr>
+              <a:t>X</a:t>
+            </a:r>
+            <a:endParaRPr lang="en-US" sz="2400" dirty="0">
+              <a:latin typeface="Arial" panose="020B0604020202020204" pitchFamily="34" charset="0"/>
+              <a:cs typeface="Arial" panose="020B0604020202020204" pitchFamily="34" charset="0"/>
+            </a:endParaRPr>
+          </a:p>
+        </p:txBody>
+      </p:sp>
+      <p:sp>
+        <p:nvSpPr>
+          <p:cNvPr id="129" name="TextBox 128">
+            <a:extLst>
+              <a:ext uri="{FF2B5EF4-FFF2-40B4-BE49-F238E27FC236}">
+                <a16:creationId xmlns:a16="http://schemas.microsoft.com/office/drawing/2014/main" id="{4EDBDF65-A7E0-2B75-6F9E-824B1EFFB805}"/>
+              </a:ext>
+            </a:extLst>
+          </p:cNvPr>
+          <p:cNvSpPr txBox="1"/>
+          <p:nvPr/>
+        </p:nvSpPr>
+        <p:spPr>
+          <a:xfrm>
+            <a:off x="5519458" y="4139007"/>
+            <a:ext cx="314934" cy="369332"/>
+          </a:xfrm>
+          <a:prstGeom prst="rect">
+            <a:avLst/>
+          </a:prstGeom>
+          <a:noFill/>
+        </p:spPr>
+        <p:txBody>
+          <a:bodyPr wrap="square" lIns="0" tIns="0" rIns="0" bIns="0" anchor="ctr">
+            <a:spAutoFit/>
+          </a:bodyPr>
+          <a:lstStyle/>
+          <a:p>
+            <a:pPr algn="ctr"/>
+            <a:r>
+              <a:rPr lang="en-US" sz="2400" dirty="0">
+                <a:latin typeface="Arial" panose="020B0604020202020204" pitchFamily="34" charset="0"/>
+                <a:ea typeface="Latin Modern Math" panose="02000503000000000000" pitchFamily="2" charset="77"/>
+                <a:cs typeface="Arial" panose="020B0604020202020204" pitchFamily="34" charset="0"/>
+              </a:rPr>
+              <a:t>X</a:t>
+            </a:r>
+            <a:endParaRPr lang="en-US" sz="2400" dirty="0">
+              <a:latin typeface="Arial" panose="020B0604020202020204" pitchFamily="34" charset="0"/>
+              <a:cs typeface="Arial" panose="020B0604020202020204" pitchFamily="34" charset="0"/>
+            </a:endParaRPr>
+          </a:p>
+        </p:txBody>
+      </p:sp>
+      <p:sp>
+        <p:nvSpPr>
+          <p:cNvPr id="130" name="TextBox 129">
+            <a:extLst>
+              <a:ext uri="{FF2B5EF4-FFF2-40B4-BE49-F238E27FC236}">
+                <a16:creationId xmlns:a16="http://schemas.microsoft.com/office/drawing/2014/main" id="{90506994-0A55-ACBF-9971-F2EC853C9605}"/>
+              </a:ext>
+            </a:extLst>
+          </p:cNvPr>
+          <p:cNvSpPr txBox="1"/>
+          <p:nvPr/>
+        </p:nvSpPr>
+        <p:spPr>
+          <a:xfrm>
+            <a:off x="5519458" y="4779695"/>
+            <a:ext cx="314934" cy="369332"/>
+          </a:xfrm>
+          <a:prstGeom prst="rect">
+            <a:avLst/>
+          </a:prstGeom>
+          <a:noFill/>
+        </p:spPr>
+        <p:txBody>
+          <a:bodyPr wrap="square" lIns="0" tIns="0" rIns="0" bIns="0" anchor="ctr">
+            <a:spAutoFit/>
+          </a:bodyPr>
+          <a:lstStyle/>
+          <a:p>
+            <a:pPr algn="ctr"/>
+            <a:r>
+              <a:rPr lang="en-US" sz="2400" dirty="0">
+                <a:latin typeface="Arial" panose="020B0604020202020204" pitchFamily="34" charset="0"/>
+                <a:ea typeface="Latin Modern Math" panose="02000503000000000000" pitchFamily="2" charset="77"/>
+                <a:cs typeface="Arial" panose="020B0604020202020204" pitchFamily="34" charset="0"/>
+              </a:rPr>
+              <a:t>X</a:t>
+            </a:r>
+            <a:endParaRPr lang="en-US" sz="2400" dirty="0">
+              <a:latin typeface="Arial" panose="020B0604020202020204" pitchFamily="34" charset="0"/>
+              <a:cs typeface="Arial" panose="020B0604020202020204" pitchFamily="34" charset="0"/>
+            </a:endParaRPr>
+          </a:p>
+        </p:txBody>
+      </p:sp>
+      <p:sp>
+        <p:nvSpPr>
+          <p:cNvPr id="131" name="TextBox 130">
+            <a:extLst>
+              <a:ext uri="{FF2B5EF4-FFF2-40B4-BE49-F238E27FC236}">
+                <a16:creationId xmlns:a16="http://schemas.microsoft.com/office/drawing/2014/main" id="{4F6429C1-9CD0-A2E9-8AA8-76262E7F723E}"/>
+              </a:ext>
+            </a:extLst>
+          </p:cNvPr>
+          <p:cNvSpPr txBox="1"/>
+          <p:nvPr/>
+        </p:nvSpPr>
+        <p:spPr>
+          <a:xfrm>
+            <a:off x="7604565" y="4779695"/>
+            <a:ext cx="314934" cy="369332"/>
+          </a:xfrm>
+          <a:prstGeom prst="rect">
+            <a:avLst/>
+          </a:prstGeom>
+          <a:noFill/>
+        </p:spPr>
+        <p:txBody>
+          <a:bodyPr wrap="square" lIns="0" tIns="0" rIns="0" bIns="0" anchor="ctr">
+            <a:spAutoFit/>
+          </a:bodyPr>
+          <a:lstStyle/>
+          <a:p>
+            <a:pPr algn="ctr"/>
+            <a:r>
+              <a:rPr lang="en-US" sz="2400" dirty="0">
+                <a:latin typeface="Arial" panose="020B0604020202020204" pitchFamily="34" charset="0"/>
+                <a:ea typeface="Latin Modern Math" panose="02000503000000000000" pitchFamily="2" charset="77"/>
+                <a:cs typeface="Arial" panose="020B0604020202020204" pitchFamily="34" charset="0"/>
+              </a:rPr>
+              <a:t>X</a:t>
+            </a:r>
+            <a:endParaRPr lang="en-US" sz="2400" dirty="0">
+              <a:latin typeface="Arial" panose="020B0604020202020204" pitchFamily="34" charset="0"/>
+              <a:cs typeface="Arial" panose="020B0604020202020204" pitchFamily="34" charset="0"/>
+            </a:endParaRPr>
+          </a:p>
+        </p:txBody>
+      </p:sp>
+      <p:sp>
+        <p:nvSpPr>
+          <p:cNvPr id="133" name="TextBox 132">
+            <a:extLst>
+              <a:ext uri="{FF2B5EF4-FFF2-40B4-BE49-F238E27FC236}">
+                <a16:creationId xmlns:a16="http://schemas.microsoft.com/office/drawing/2014/main" id="{D6A7BD7B-4089-9510-2383-2759A4296767}"/>
+              </a:ext>
+            </a:extLst>
+          </p:cNvPr>
+          <p:cNvSpPr txBox="1"/>
+          <p:nvPr/>
+        </p:nvSpPr>
+        <p:spPr>
+          <a:xfrm>
+            <a:off x="3665838" y="4779695"/>
+            <a:ext cx="256481" cy="369332"/>
+          </a:xfrm>
+          <a:prstGeom prst="rect">
+            <a:avLst/>
+          </a:prstGeom>
+          <a:noFill/>
+        </p:spPr>
+        <p:txBody>
+          <a:bodyPr wrap="none" lIns="0" tIns="0" rIns="0" bIns="0" rtlCol="0" anchor="ctr">
+            <a:spAutoFit/>
+          </a:bodyPr>
+          <a:lstStyle/>
+          <a:p>
+            <a:pPr algn="ctr"/>
+            <a:r>
+              <a:rPr lang="en-US" sz="2400" dirty="0">
+                <a:latin typeface="Latin Modern Math" panose="02000503000000000000" pitchFamily="2" charset="77"/>
+                <a:ea typeface="Latin Modern Math" panose="02000503000000000000" pitchFamily="2" charset="77"/>
+              </a:rPr>
+              <a:t>✓</a:t>
+            </a:r>
+          </a:p>
+        </p:txBody>
+      </p:sp>
+      <p:cxnSp>
+        <p:nvCxnSpPr>
+          <p:cNvPr id="155" name="Straight Connector 154">
+            <a:extLst>
+              <a:ext uri="{FF2B5EF4-FFF2-40B4-BE49-F238E27FC236}">
+                <a16:creationId xmlns:a16="http://schemas.microsoft.com/office/drawing/2014/main" id="{465ADC79-5E26-AE52-1CAE-9A02F6716E43}"/>
+              </a:ext>
+            </a:extLst>
+          </p:cNvPr>
+          <p:cNvCxnSpPr>
+            <a:cxnSpLocks/>
+          </p:cNvCxnSpPr>
+          <p:nvPr/>
+        </p:nvCxnSpPr>
+        <p:spPr>
+          <a:xfrm flipH="1" flipV="1">
+            <a:off x="-1323" y="4705977"/>
+            <a:ext cx="8281723" cy="0"/>
+          </a:xfrm>
+          <a:prstGeom prst="line">
+            <a:avLst/>
+          </a:prstGeom>
+          <a:ln>
+            <a:solidFill>
+              <a:schemeClr val="tx1"/>
+            </a:solidFill>
+          </a:ln>
+        </p:spPr>
+        <p:style>
+          <a:lnRef idx="2">
+            <a:schemeClr val="accent1"/>
+          </a:lnRef>
+          <a:fillRef idx="0">
+            <a:schemeClr val="accent1"/>
+          </a:fillRef>
+          <a:effectRef idx="1">
+            <a:schemeClr val="accent1"/>
+          </a:effectRef>
+          <a:fontRef idx="minor">
+            <a:schemeClr val="tx1"/>
+          </a:fontRef>
+        </p:style>
+      </p:cxnSp>
+      <p:cxnSp>
+        <p:nvCxnSpPr>
+          <p:cNvPr id="1051" name="Straight Connector 1050">
+            <a:extLst>
+              <a:ext uri="{FF2B5EF4-FFF2-40B4-BE49-F238E27FC236}">
+                <a16:creationId xmlns:a16="http://schemas.microsoft.com/office/drawing/2014/main" id="{4ECA7E29-0B9C-2788-DFC2-3A27A1331673}"/>
+              </a:ext>
+            </a:extLst>
+          </p:cNvPr>
+          <p:cNvCxnSpPr>
+            <a:cxnSpLocks/>
+          </p:cNvCxnSpPr>
+          <p:nvPr/>
+        </p:nvCxnSpPr>
+        <p:spPr>
+          <a:xfrm flipH="1" flipV="1">
+            <a:off x="5198" y="4021125"/>
+            <a:ext cx="8281723" cy="0"/>
+          </a:xfrm>
+          <a:prstGeom prst="line">
+            <a:avLst/>
+          </a:prstGeom>
+          <a:ln>
+            <a:solidFill>
+              <a:schemeClr val="tx1"/>
+            </a:solidFill>
+          </a:ln>
+        </p:spPr>
+        <p:style>
+          <a:lnRef idx="2">
+            <a:schemeClr val="accent1"/>
+          </a:lnRef>
+          <a:fillRef idx="0">
+            <a:schemeClr val="accent1"/>
+          </a:fillRef>
+          <a:effectRef idx="1">
+            <a:schemeClr val="accent1"/>
+          </a:effectRef>
+          <a:fontRef idx="minor">
+            <a:schemeClr val="tx1"/>
+          </a:fontRef>
+        </p:style>
+      </p:cxnSp>
+      <p:cxnSp>
+        <p:nvCxnSpPr>
+          <p:cNvPr id="1052" name="Straight Connector 1051">
+            <a:extLst>
+              <a:ext uri="{FF2B5EF4-FFF2-40B4-BE49-F238E27FC236}">
+                <a16:creationId xmlns:a16="http://schemas.microsoft.com/office/drawing/2014/main" id="{EBADB0B0-1FCE-D8AC-D858-CE23C035A58D}"/>
+              </a:ext>
+            </a:extLst>
+          </p:cNvPr>
+          <p:cNvCxnSpPr>
+            <a:cxnSpLocks/>
+          </p:cNvCxnSpPr>
+          <p:nvPr/>
+        </p:nvCxnSpPr>
+        <p:spPr>
+          <a:xfrm flipH="1" flipV="1">
+            <a:off x="-1323" y="3086467"/>
+            <a:ext cx="8281723" cy="0"/>
+          </a:xfrm>
+          <a:prstGeom prst="line">
+            <a:avLst/>
+          </a:prstGeom>
+          <a:ln>
+            <a:solidFill>
+              <a:schemeClr val="tx1"/>
+            </a:solidFill>
+          </a:ln>
+        </p:spPr>
+        <p:style>
+          <a:lnRef idx="2">
+            <a:schemeClr val="accent1"/>
+          </a:lnRef>
+          <a:fillRef idx="0">
+            <a:schemeClr val="accent1"/>
+          </a:fillRef>
+          <a:effectRef idx="1">
+            <a:schemeClr val="accent1"/>
+          </a:effectRef>
+          <a:fontRef idx="minor">
+            <a:schemeClr val="tx1"/>
+          </a:fontRef>
+        </p:style>
+      </p:cxnSp>
+      <p:cxnSp>
+        <p:nvCxnSpPr>
+          <p:cNvPr id="1070" name="Straight Connector 1069">
+            <a:extLst>
+              <a:ext uri="{FF2B5EF4-FFF2-40B4-BE49-F238E27FC236}">
+                <a16:creationId xmlns:a16="http://schemas.microsoft.com/office/drawing/2014/main" id="{6ECBD1CB-0F5D-7C5F-9B19-1FCDACA10942}"/>
+              </a:ext>
+            </a:extLst>
+          </p:cNvPr>
+          <p:cNvCxnSpPr>
+            <a:cxnSpLocks/>
+          </p:cNvCxnSpPr>
+          <p:nvPr/>
+        </p:nvCxnSpPr>
+        <p:spPr>
+          <a:xfrm flipH="1" flipV="1">
+            <a:off x="-1323" y="1995907"/>
+            <a:ext cx="8281723" cy="0"/>
+          </a:xfrm>
+          <a:prstGeom prst="line">
+            <a:avLst/>
+          </a:prstGeom>
+          <a:ln>
+            <a:solidFill>
+              <a:schemeClr val="tx1"/>
+            </a:solidFill>
+          </a:ln>
+        </p:spPr>
+        <p:style>
+          <a:lnRef idx="2">
+            <a:schemeClr val="accent1"/>
+          </a:lnRef>
+          <a:fillRef idx="0">
+            <a:schemeClr val="accent1"/>
+          </a:fillRef>
+          <a:effectRef idx="1">
+            <a:schemeClr val="accent1"/>
+          </a:effectRef>
+          <a:fontRef idx="minor">
+            <a:schemeClr val="tx1"/>
+          </a:fontRef>
+        </p:style>
+      </p:cxnSp>
+      <p:cxnSp>
+        <p:nvCxnSpPr>
+          <p:cNvPr id="1075" name="Straight Connector 1074">
+            <a:extLst>
+              <a:ext uri="{FF2B5EF4-FFF2-40B4-BE49-F238E27FC236}">
+                <a16:creationId xmlns:a16="http://schemas.microsoft.com/office/drawing/2014/main" id="{0871240A-AA19-36C2-7845-4F9FE7FDD32C}"/>
+              </a:ext>
+            </a:extLst>
+          </p:cNvPr>
+          <p:cNvCxnSpPr>
+            <a:cxnSpLocks/>
+          </p:cNvCxnSpPr>
+          <p:nvPr/>
+        </p:nvCxnSpPr>
+        <p:spPr>
+          <a:xfrm flipH="1">
+            <a:off x="0" y="842070"/>
+            <a:ext cx="8294841" cy="0"/>
+          </a:xfrm>
+          <a:prstGeom prst="line">
+            <a:avLst/>
+          </a:prstGeom>
+          <a:ln>
+            <a:solidFill>
+              <a:schemeClr val="tx1"/>
+            </a:solidFill>
+          </a:ln>
+        </p:spPr>
+        <p:style>
+          <a:lnRef idx="2">
+            <a:schemeClr val="accent1"/>
+          </a:lnRef>
+          <a:fillRef idx="0">
+            <a:schemeClr val="accent1"/>
+          </a:fillRef>
+          <a:effectRef idx="1">
+            <a:schemeClr val="accent1"/>
+          </a:effectRef>
+          <a:fontRef idx="minor">
+            <a:schemeClr val="tx1"/>
+          </a:fontRef>
+        </p:style>
+      </p:cxnSp>
+      <p:cxnSp>
+        <p:nvCxnSpPr>
+          <p:cNvPr id="1113" name="Straight Connector 1112">
+            <a:extLst>
+              <a:ext uri="{FF2B5EF4-FFF2-40B4-BE49-F238E27FC236}">
+                <a16:creationId xmlns:a16="http://schemas.microsoft.com/office/drawing/2014/main" id="{09F8D9CA-E352-0F01-A8C4-A9377A5A80D5}"/>
+              </a:ext>
+            </a:extLst>
+          </p:cNvPr>
+          <p:cNvCxnSpPr>
+            <a:cxnSpLocks/>
+          </p:cNvCxnSpPr>
+          <p:nvPr/>
+        </p:nvCxnSpPr>
+        <p:spPr>
+          <a:xfrm flipH="1">
+            <a:off x="-8548" y="5253493"/>
+            <a:ext cx="8294841" cy="0"/>
+          </a:xfrm>
+          <a:prstGeom prst="line">
+            <a:avLst/>
+          </a:prstGeom>
+          <a:ln>
+            <a:solidFill>
+              <a:schemeClr val="tx1"/>
+            </a:solidFill>
+          </a:ln>
+        </p:spPr>
+        <p:style>
+          <a:lnRef idx="2">
+            <a:schemeClr val="accent1"/>
+          </a:lnRef>
+          <a:fillRef idx="0">
+            <a:schemeClr val="accent1"/>
+          </a:fillRef>
+          <a:effectRef idx="1">
+            <a:schemeClr val="accent1"/>
+          </a:effectRef>
+          <a:fontRef idx="minor">
+            <a:schemeClr val="tx1"/>
+          </a:fontRef>
+        </p:style>
+      </p:cxnSp>
+      <p:sp>
+        <p:nvSpPr>
+          <p:cNvPr id="1114" name="TextBox 1113">
+            <a:extLst>
+              <a:ext uri="{FF2B5EF4-FFF2-40B4-BE49-F238E27FC236}">
+                <a16:creationId xmlns:a16="http://schemas.microsoft.com/office/drawing/2014/main" id="{1D3F3845-E345-26F8-0F17-35A633DF6938}"/>
+              </a:ext>
+            </a:extLst>
+          </p:cNvPr>
+          <p:cNvSpPr txBox="1"/>
+          <p:nvPr/>
+        </p:nvSpPr>
+        <p:spPr>
+          <a:xfrm>
+            <a:off x="1304788" y="5285393"/>
+            <a:ext cx="1303562" cy="338554"/>
+          </a:xfrm>
+          <a:prstGeom prst="rect">
+            <a:avLst/>
+          </a:prstGeom>
+          <a:noFill/>
+        </p:spPr>
+        <p:txBody>
+          <a:bodyPr wrap="none" rtlCol="0">
+            <a:spAutoFit/>
+          </a:bodyPr>
+          <a:lstStyle/>
+          <a:p>
+            <a:r>
+              <a:rPr lang="en-US" sz="1600" dirty="0"/>
+              <a:t>Not possible</a:t>
+            </a:r>
+          </a:p>
+        </p:txBody>
+      </p:sp>
+      <p:sp>
+        <p:nvSpPr>
+          <p:cNvPr id="1115" name="TextBox 1114">
+            <a:extLst>
+              <a:ext uri="{FF2B5EF4-FFF2-40B4-BE49-F238E27FC236}">
+                <a16:creationId xmlns:a16="http://schemas.microsoft.com/office/drawing/2014/main" id="{05EEB06F-7767-151B-8CAF-DDF4144FF89F}"/>
+              </a:ext>
+            </a:extLst>
+          </p:cNvPr>
+          <p:cNvSpPr txBox="1"/>
+          <p:nvPr/>
+        </p:nvSpPr>
+        <p:spPr>
+          <a:xfrm>
+            <a:off x="3177841" y="5285393"/>
+            <a:ext cx="1000467" cy="338554"/>
+          </a:xfrm>
+          <a:prstGeom prst="rect">
+            <a:avLst/>
+          </a:prstGeom>
+          <a:noFill/>
+        </p:spPr>
+        <p:txBody>
+          <a:bodyPr wrap="none" rtlCol="0">
+            <a:spAutoFit/>
+          </a:bodyPr>
+          <a:lstStyle/>
+          <a:p>
+            <a:r>
+              <a:rPr lang="en-US" sz="1600" dirty="0"/>
+              <a:t>Not likely</a:t>
+            </a:r>
+          </a:p>
+        </p:txBody>
+      </p:sp>
+      <p:sp>
+        <p:nvSpPr>
+          <p:cNvPr id="1116" name="TextBox 1115">
+            <a:extLst>
+              <a:ext uri="{FF2B5EF4-FFF2-40B4-BE49-F238E27FC236}">
+                <a16:creationId xmlns:a16="http://schemas.microsoft.com/office/drawing/2014/main" id="{DCFCD518-D8A7-A597-D510-ABBA7A5EFE9C}"/>
+              </a:ext>
+            </a:extLst>
+          </p:cNvPr>
+          <p:cNvSpPr txBox="1"/>
+          <p:nvPr/>
+        </p:nvSpPr>
+        <p:spPr>
+          <a:xfrm>
+            <a:off x="4794200" y="5285393"/>
+            <a:ext cx="1005403" cy="338554"/>
+          </a:xfrm>
+          <a:prstGeom prst="rect">
+            <a:avLst/>
+          </a:prstGeom>
+          <a:noFill/>
+        </p:spPr>
+        <p:txBody>
+          <a:bodyPr wrap="none" rtlCol="0">
+            <a:spAutoFit/>
+          </a:bodyPr>
+          <a:lstStyle/>
+          <a:p>
+            <a:r>
+              <a:rPr lang="en-US" sz="1600" dirty="0"/>
+              <a:t>Plausible</a:t>
+            </a:r>
+          </a:p>
+        </p:txBody>
+      </p:sp>
+      <p:sp>
+        <p:nvSpPr>
+          <p:cNvPr id="1117" name="TextBox 1116">
+            <a:extLst>
+              <a:ext uri="{FF2B5EF4-FFF2-40B4-BE49-F238E27FC236}">
+                <a16:creationId xmlns:a16="http://schemas.microsoft.com/office/drawing/2014/main" id="{1EEFE604-3827-1C1F-E13D-B93E89D5577B}"/>
+              </a:ext>
+            </a:extLst>
+          </p:cNvPr>
+          <p:cNvSpPr txBox="1"/>
+          <p:nvPr/>
+        </p:nvSpPr>
+        <p:spPr>
+          <a:xfrm>
+            <a:off x="6288718" y="5285393"/>
+            <a:ext cx="739690" cy="338554"/>
+          </a:xfrm>
+          <a:prstGeom prst="rect">
+            <a:avLst/>
+          </a:prstGeom>
+          <a:noFill/>
+        </p:spPr>
+        <p:txBody>
+          <a:bodyPr wrap="none" rtlCol="0">
+            <a:spAutoFit/>
+          </a:bodyPr>
+          <a:lstStyle/>
+          <a:p>
+            <a:r>
+              <a:rPr lang="en-US" sz="1600" dirty="0"/>
+              <a:t>Match</a:t>
+            </a:r>
+          </a:p>
+        </p:txBody>
+      </p:sp>
+      <p:sp>
+        <p:nvSpPr>
+          <p:cNvPr id="1123" name="TextBox 1122">
+            <a:extLst>
+              <a:ext uri="{FF2B5EF4-FFF2-40B4-BE49-F238E27FC236}">
+                <a16:creationId xmlns:a16="http://schemas.microsoft.com/office/drawing/2014/main" id="{BEF8E7AB-B072-7223-2AAA-57E0FF807017}"/>
+              </a:ext>
+            </a:extLst>
+          </p:cNvPr>
+          <p:cNvSpPr txBox="1"/>
+          <p:nvPr/>
+        </p:nvSpPr>
+        <p:spPr>
+          <a:xfrm>
+            <a:off x="2988051" y="2086255"/>
+            <a:ext cx="256481" cy="369332"/>
+          </a:xfrm>
+          <a:prstGeom prst="rect">
+            <a:avLst/>
+          </a:prstGeom>
+          <a:noFill/>
+        </p:spPr>
+        <p:txBody>
+          <a:bodyPr wrap="none" lIns="0" tIns="0" rIns="0" bIns="0" rtlCol="0" anchor="ctr">
+            <a:spAutoFit/>
+          </a:bodyPr>
+          <a:lstStyle/>
+          <a:p>
+            <a:pPr algn="ctr"/>
+            <a:r>
+              <a:rPr lang="en-US" sz="2400" dirty="0">
+                <a:solidFill>
+                  <a:srgbClr val="88BA3A"/>
+                </a:solidFill>
+                <a:latin typeface="Latin Modern Math" panose="02000503000000000000" pitchFamily="2" charset="77"/>
+                <a:ea typeface="Latin Modern Math" panose="02000503000000000000" pitchFamily="2" charset="77"/>
+              </a:rPr>
+              <a:t>✓</a:t>
+            </a:r>
+          </a:p>
+        </p:txBody>
+      </p:sp>
+      <p:sp>
+        <p:nvSpPr>
+          <p:cNvPr id="1125" name="TextBox 1124">
+            <a:extLst>
+              <a:ext uri="{FF2B5EF4-FFF2-40B4-BE49-F238E27FC236}">
+                <a16:creationId xmlns:a16="http://schemas.microsoft.com/office/drawing/2014/main" id="{6C6EC6B4-0122-1EE7-89AA-47FDA1653E41}"/>
+              </a:ext>
+            </a:extLst>
+          </p:cNvPr>
+          <p:cNvSpPr txBox="1"/>
+          <p:nvPr/>
+        </p:nvSpPr>
+        <p:spPr>
+          <a:xfrm>
+            <a:off x="2988051" y="1237455"/>
+            <a:ext cx="256481" cy="369332"/>
+          </a:xfrm>
+          <a:prstGeom prst="rect">
+            <a:avLst/>
+          </a:prstGeom>
+          <a:noFill/>
+        </p:spPr>
+        <p:txBody>
+          <a:bodyPr wrap="none" lIns="0" tIns="0" rIns="0" bIns="0" rtlCol="0" anchor="ctr">
+            <a:spAutoFit/>
+          </a:bodyPr>
+          <a:lstStyle/>
+          <a:p>
+            <a:pPr algn="ctr"/>
+            <a:r>
+              <a:rPr lang="en-US" sz="2400" dirty="0">
+                <a:solidFill>
+                  <a:srgbClr val="88BA3A"/>
+                </a:solidFill>
+                <a:latin typeface="Latin Modern Math" panose="02000503000000000000" pitchFamily="2" charset="77"/>
+                <a:ea typeface="Latin Modern Math" panose="02000503000000000000" pitchFamily="2" charset="77"/>
+              </a:rPr>
+              <a:t>✓</a:t>
+            </a:r>
+          </a:p>
+        </p:txBody>
+      </p:sp>
+      <p:sp>
+        <p:nvSpPr>
+          <p:cNvPr id="1126" name="TextBox 1125">
+            <a:extLst>
+              <a:ext uri="{FF2B5EF4-FFF2-40B4-BE49-F238E27FC236}">
+                <a16:creationId xmlns:a16="http://schemas.microsoft.com/office/drawing/2014/main" id="{FA6583B8-F904-B894-1C0B-EDB9BF672AAC}"/>
+              </a:ext>
+            </a:extLst>
+          </p:cNvPr>
+          <p:cNvSpPr txBox="1"/>
+          <p:nvPr/>
+        </p:nvSpPr>
+        <p:spPr>
+          <a:xfrm>
+            <a:off x="2988051" y="1625732"/>
+            <a:ext cx="256481" cy="369332"/>
+          </a:xfrm>
+          <a:prstGeom prst="rect">
+            <a:avLst/>
+          </a:prstGeom>
+          <a:noFill/>
+        </p:spPr>
+        <p:txBody>
+          <a:bodyPr wrap="none" lIns="0" tIns="0" rIns="0" bIns="0" rtlCol="0" anchor="ctr">
+            <a:spAutoFit/>
+          </a:bodyPr>
+          <a:lstStyle/>
+          <a:p>
+            <a:pPr algn="ctr"/>
+            <a:r>
+              <a:rPr lang="en-US" sz="2400" dirty="0">
+                <a:solidFill>
+                  <a:srgbClr val="88BA3A"/>
+                </a:solidFill>
+                <a:latin typeface="Latin Modern Math" panose="02000503000000000000" pitchFamily="2" charset="77"/>
+                <a:ea typeface="Latin Modern Math" panose="02000503000000000000" pitchFamily="2" charset="77"/>
+              </a:rPr>
+              <a:t>✓</a:t>
+            </a:r>
+          </a:p>
+        </p:txBody>
+      </p:sp>
+      <p:sp>
+        <p:nvSpPr>
+          <p:cNvPr id="1127" name="TextBox 1126">
+            <a:extLst>
+              <a:ext uri="{FF2B5EF4-FFF2-40B4-BE49-F238E27FC236}">
+                <a16:creationId xmlns:a16="http://schemas.microsoft.com/office/drawing/2014/main" id="{A3C85B44-3EA0-7F1C-B9A2-A50EB71299C7}"/>
+              </a:ext>
+            </a:extLst>
+          </p:cNvPr>
+          <p:cNvSpPr txBox="1"/>
+          <p:nvPr/>
+        </p:nvSpPr>
+        <p:spPr>
+          <a:xfrm>
+            <a:off x="3665838" y="852140"/>
+            <a:ext cx="256481" cy="369332"/>
+          </a:xfrm>
+          <a:prstGeom prst="rect">
+            <a:avLst/>
+          </a:prstGeom>
+          <a:noFill/>
+        </p:spPr>
+        <p:txBody>
+          <a:bodyPr wrap="none" lIns="0" tIns="0" rIns="0" bIns="0" rtlCol="0" anchor="ctr">
+            <a:spAutoFit/>
+          </a:bodyPr>
+          <a:lstStyle/>
+          <a:p>
+            <a:pPr algn="ctr"/>
+            <a:r>
+              <a:rPr lang="en-US" sz="2400" dirty="0">
+                <a:solidFill>
+                  <a:srgbClr val="88BA3A"/>
+                </a:solidFill>
+                <a:latin typeface="Latin Modern Math" panose="02000503000000000000" pitchFamily="2" charset="77"/>
+                <a:ea typeface="Latin Modern Math" panose="02000503000000000000" pitchFamily="2" charset="77"/>
+              </a:rPr>
+              <a:t>✓</a:t>
+            </a:r>
+          </a:p>
+        </p:txBody>
+      </p:sp>
+      <p:sp>
+        <p:nvSpPr>
+          <p:cNvPr id="1128" name="TextBox 1127">
+            <a:extLst>
+              <a:ext uri="{FF2B5EF4-FFF2-40B4-BE49-F238E27FC236}">
+                <a16:creationId xmlns:a16="http://schemas.microsoft.com/office/drawing/2014/main" id="{1BCF1216-A173-6081-B0F8-C5F411B253AA}"/>
+              </a:ext>
+            </a:extLst>
+          </p:cNvPr>
+          <p:cNvSpPr txBox="1"/>
+          <p:nvPr/>
+        </p:nvSpPr>
+        <p:spPr>
+          <a:xfrm>
+            <a:off x="2294217" y="2109847"/>
+            <a:ext cx="256481" cy="369332"/>
+          </a:xfrm>
+          <a:prstGeom prst="rect">
+            <a:avLst/>
+          </a:prstGeom>
+          <a:noFill/>
+        </p:spPr>
+        <p:txBody>
+          <a:bodyPr wrap="none" lIns="0" tIns="0" rIns="0" bIns="0" rtlCol="0" anchor="ctr">
+            <a:spAutoFit/>
+          </a:bodyPr>
+          <a:lstStyle/>
+          <a:p>
+            <a:pPr algn="ctr"/>
+            <a:r>
+              <a:rPr lang="en-US" sz="2400" dirty="0">
+                <a:solidFill>
+                  <a:srgbClr val="88BA3A"/>
+                </a:solidFill>
+                <a:latin typeface="Latin Modern Math" panose="02000503000000000000" pitchFamily="2" charset="77"/>
+                <a:ea typeface="Latin Modern Math" panose="02000503000000000000" pitchFamily="2" charset="77"/>
+              </a:rPr>
+              <a:t>✓</a:t>
+            </a:r>
+          </a:p>
+        </p:txBody>
+      </p:sp>
+      <p:sp>
+        <p:nvSpPr>
+          <p:cNvPr id="1129" name="TextBox 1128">
+            <a:extLst>
+              <a:ext uri="{FF2B5EF4-FFF2-40B4-BE49-F238E27FC236}">
+                <a16:creationId xmlns:a16="http://schemas.microsoft.com/office/drawing/2014/main" id="{F4C31111-E2F5-E502-199B-B5988F918171}"/>
+              </a:ext>
+            </a:extLst>
+          </p:cNvPr>
+          <p:cNvSpPr txBox="1"/>
+          <p:nvPr/>
+        </p:nvSpPr>
+        <p:spPr>
+          <a:xfrm>
+            <a:off x="3665838" y="2616476"/>
+            <a:ext cx="256481" cy="369332"/>
+          </a:xfrm>
+          <a:prstGeom prst="rect">
+            <a:avLst/>
+          </a:prstGeom>
+          <a:noFill/>
+        </p:spPr>
+        <p:txBody>
+          <a:bodyPr wrap="none" lIns="0" tIns="0" rIns="0" bIns="0" rtlCol="0" anchor="ctr">
+            <a:spAutoFit/>
+          </a:bodyPr>
+          <a:lstStyle/>
+          <a:p>
+            <a:pPr algn="ctr"/>
+            <a:r>
+              <a:rPr lang="en-US" sz="2400" dirty="0">
+                <a:solidFill>
+                  <a:srgbClr val="88BA3A"/>
+                </a:solidFill>
+                <a:latin typeface="Latin Modern Math" panose="02000503000000000000" pitchFamily="2" charset="77"/>
+                <a:ea typeface="Latin Modern Math" panose="02000503000000000000" pitchFamily="2" charset="77"/>
+              </a:rPr>
+              <a:t>✓</a:t>
+            </a:r>
+          </a:p>
+        </p:txBody>
+      </p:sp>
+      <p:sp>
+        <p:nvSpPr>
+          <p:cNvPr id="1130" name="TextBox 1129">
+            <a:extLst>
+              <a:ext uri="{FF2B5EF4-FFF2-40B4-BE49-F238E27FC236}">
+                <a16:creationId xmlns:a16="http://schemas.microsoft.com/office/drawing/2014/main" id="{0A8C5285-4B61-D2D5-5D82-2D5286E92538}"/>
+              </a:ext>
+            </a:extLst>
+          </p:cNvPr>
+          <p:cNvSpPr txBox="1"/>
+          <p:nvPr/>
+        </p:nvSpPr>
+        <p:spPr>
+          <a:xfrm>
+            <a:off x="2988051" y="3117928"/>
+            <a:ext cx="256481" cy="369332"/>
+          </a:xfrm>
+          <a:prstGeom prst="rect">
+            <a:avLst/>
+          </a:prstGeom>
+          <a:noFill/>
+        </p:spPr>
+        <p:txBody>
+          <a:bodyPr wrap="none" lIns="0" tIns="0" rIns="0" bIns="0" rtlCol="0" anchor="ctr">
+            <a:spAutoFit/>
+          </a:bodyPr>
+          <a:lstStyle/>
+          <a:p>
+            <a:pPr algn="ctr"/>
+            <a:r>
+              <a:rPr lang="en-US" sz="2400" dirty="0">
+                <a:solidFill>
+                  <a:srgbClr val="88BA3A"/>
+                </a:solidFill>
+                <a:latin typeface="Latin Modern Math" panose="02000503000000000000" pitchFamily="2" charset="77"/>
+                <a:ea typeface="Latin Modern Math" panose="02000503000000000000" pitchFamily="2" charset="77"/>
+              </a:rPr>
+              <a:t>✓</a:t>
+            </a:r>
+          </a:p>
+        </p:txBody>
+      </p:sp>
+      <p:sp>
+        <p:nvSpPr>
+          <p:cNvPr id="1131" name="TextBox 1130">
+            <a:extLst>
+              <a:ext uri="{FF2B5EF4-FFF2-40B4-BE49-F238E27FC236}">
+                <a16:creationId xmlns:a16="http://schemas.microsoft.com/office/drawing/2014/main" id="{377E8C33-46FE-5039-988F-D9DE57D2F4A0}"/>
+              </a:ext>
+            </a:extLst>
+          </p:cNvPr>
+          <p:cNvSpPr txBox="1"/>
+          <p:nvPr/>
+        </p:nvSpPr>
+        <p:spPr>
+          <a:xfrm>
+            <a:off x="2988051" y="3544961"/>
+            <a:ext cx="256481" cy="369332"/>
+          </a:xfrm>
+          <a:prstGeom prst="rect">
+            <a:avLst/>
+          </a:prstGeom>
+          <a:noFill/>
+        </p:spPr>
+        <p:txBody>
+          <a:bodyPr wrap="none" lIns="0" tIns="0" rIns="0" bIns="0" rtlCol="0" anchor="ctr">
+            <a:spAutoFit/>
+          </a:bodyPr>
+          <a:lstStyle/>
+          <a:p>
+            <a:pPr algn="ctr"/>
+            <a:r>
+              <a:rPr lang="en-US" sz="2400" dirty="0">
+                <a:solidFill>
+                  <a:srgbClr val="88BA3A"/>
+                </a:solidFill>
+                <a:latin typeface="Latin Modern Math" panose="02000503000000000000" pitchFamily="2" charset="77"/>
+                <a:ea typeface="Latin Modern Math" panose="02000503000000000000" pitchFamily="2" charset="77"/>
+              </a:rPr>
+              <a:t>✓</a:t>
+            </a:r>
+          </a:p>
+        </p:txBody>
+      </p:sp>
+      <p:sp>
+        <p:nvSpPr>
+          <p:cNvPr id="1132" name="TextBox 1131">
+            <a:extLst>
+              <a:ext uri="{FF2B5EF4-FFF2-40B4-BE49-F238E27FC236}">
+                <a16:creationId xmlns:a16="http://schemas.microsoft.com/office/drawing/2014/main" id="{D333A45B-EEC3-9189-7E64-BF9208D38BE3}"/>
+              </a:ext>
+            </a:extLst>
+          </p:cNvPr>
+          <p:cNvSpPr txBox="1"/>
+          <p:nvPr/>
+        </p:nvSpPr>
+        <p:spPr>
+          <a:xfrm>
+            <a:off x="2988051" y="4779695"/>
+            <a:ext cx="256481" cy="369332"/>
+          </a:xfrm>
+          <a:prstGeom prst="rect">
+            <a:avLst/>
+          </a:prstGeom>
+          <a:noFill/>
+        </p:spPr>
+        <p:txBody>
+          <a:bodyPr wrap="none" lIns="0" tIns="0" rIns="0" bIns="0" rtlCol="0" anchor="ctr">
+            <a:spAutoFit/>
+          </a:bodyPr>
+          <a:lstStyle/>
+          <a:p>
+            <a:pPr algn="ctr"/>
+            <a:r>
+              <a:rPr lang="en-US" sz="2400" dirty="0">
+                <a:solidFill>
+                  <a:srgbClr val="88BA3A"/>
+                </a:solidFill>
+                <a:latin typeface="Latin Modern Math" panose="02000503000000000000" pitchFamily="2" charset="77"/>
+                <a:ea typeface="Latin Modern Math" panose="02000503000000000000" pitchFamily="2" charset="77"/>
+              </a:rPr>
+              <a:t>✓</a:t>
+            </a:r>
+          </a:p>
+        </p:txBody>
+      </p:sp>
+      <p:sp>
+        <p:nvSpPr>
+          <p:cNvPr id="1133" name="TextBox 1132">
+            <a:extLst>
+              <a:ext uri="{FF2B5EF4-FFF2-40B4-BE49-F238E27FC236}">
+                <a16:creationId xmlns:a16="http://schemas.microsoft.com/office/drawing/2014/main" id="{B327EB08-5136-F305-2319-3DB74D8BD62E}"/>
+              </a:ext>
+            </a:extLst>
+          </p:cNvPr>
+          <p:cNvSpPr txBox="1"/>
+          <p:nvPr/>
+        </p:nvSpPr>
+        <p:spPr>
+          <a:xfrm>
+            <a:off x="2294217" y="4779695"/>
+            <a:ext cx="256481" cy="369332"/>
+          </a:xfrm>
+          <a:prstGeom prst="rect">
+            <a:avLst/>
+          </a:prstGeom>
+          <a:noFill/>
+        </p:spPr>
+        <p:txBody>
+          <a:bodyPr wrap="none" lIns="0" tIns="0" rIns="0" bIns="0" rtlCol="0" anchor="ctr">
+            <a:spAutoFit/>
+          </a:bodyPr>
+          <a:lstStyle/>
+          <a:p>
+            <a:pPr algn="ctr"/>
+            <a:r>
+              <a:rPr lang="en-US" sz="2400" dirty="0">
+                <a:solidFill>
+                  <a:srgbClr val="88BA3A"/>
+                </a:solidFill>
+                <a:latin typeface="Latin Modern Math" panose="02000503000000000000" pitchFamily="2" charset="77"/>
+                <a:ea typeface="Latin Modern Math" panose="02000503000000000000" pitchFamily="2" charset="77"/>
+              </a:rPr>
+              <a:t>✓</a:t>
+            </a:r>
+          </a:p>
+        </p:txBody>
+      </p:sp>
+      <p:sp>
+        <p:nvSpPr>
+          <p:cNvPr id="1134" name="TextBox 1133">
+            <a:extLst>
+              <a:ext uri="{FF2B5EF4-FFF2-40B4-BE49-F238E27FC236}">
+                <a16:creationId xmlns:a16="http://schemas.microsoft.com/office/drawing/2014/main" id="{4D164A6D-C549-C9E2-A485-8E0EC29F5F82}"/>
+              </a:ext>
+            </a:extLst>
+          </p:cNvPr>
+          <p:cNvSpPr txBox="1"/>
+          <p:nvPr/>
+        </p:nvSpPr>
+        <p:spPr>
+          <a:xfrm>
+            <a:off x="2294217" y="4139007"/>
+            <a:ext cx="256481" cy="369332"/>
+          </a:xfrm>
+          <a:prstGeom prst="rect">
+            <a:avLst/>
+          </a:prstGeom>
+          <a:noFill/>
+        </p:spPr>
+        <p:txBody>
+          <a:bodyPr wrap="none" lIns="0" tIns="0" rIns="0" bIns="0" rtlCol="0" anchor="ctr">
+            <a:spAutoFit/>
+          </a:bodyPr>
+          <a:lstStyle/>
+          <a:p>
+            <a:pPr algn="ctr"/>
+            <a:r>
+              <a:rPr lang="en-US" sz="2400" dirty="0">
+                <a:solidFill>
+                  <a:srgbClr val="88BA3A"/>
+                </a:solidFill>
+                <a:latin typeface="Latin Modern Math" panose="02000503000000000000" pitchFamily="2" charset="77"/>
+                <a:ea typeface="Latin Modern Math" panose="02000503000000000000" pitchFamily="2" charset="77"/>
+              </a:rPr>
+              <a:t>✓</a:t>
+            </a:r>
+          </a:p>
+        </p:txBody>
+      </p:sp>
+      <p:sp>
+        <p:nvSpPr>
+          <p:cNvPr id="1135" name="TextBox 1134">
+            <a:extLst>
+              <a:ext uri="{FF2B5EF4-FFF2-40B4-BE49-F238E27FC236}">
+                <a16:creationId xmlns:a16="http://schemas.microsoft.com/office/drawing/2014/main" id="{BC867681-655D-3422-D3A8-A0D8896EAF10}"/>
+              </a:ext>
+            </a:extLst>
+          </p:cNvPr>
+          <p:cNvSpPr txBox="1"/>
+          <p:nvPr/>
+        </p:nvSpPr>
+        <p:spPr>
+          <a:xfrm>
+            <a:off x="2993788" y="852140"/>
+            <a:ext cx="245006" cy="369332"/>
+          </a:xfrm>
+          <a:prstGeom prst="rect">
+            <a:avLst/>
+          </a:prstGeom>
+          <a:noFill/>
+        </p:spPr>
+        <p:txBody>
+          <a:bodyPr wrap="square" lIns="0" tIns="0" rIns="0" bIns="0" anchor="ctr">
+            <a:spAutoFit/>
+          </a:bodyPr>
+          <a:lstStyle/>
+          <a:p>
+            <a:pPr algn="ctr"/>
+            <a:r>
+              <a:rPr lang="en-US" sz="2400" dirty="0">
+                <a:solidFill>
+                  <a:srgbClr val="CA2243"/>
+                </a:solidFill>
+                <a:latin typeface="Arial" panose="020B0604020202020204" pitchFamily="34" charset="0"/>
+                <a:ea typeface="Latin Modern Math" panose="02000503000000000000" pitchFamily="2" charset="77"/>
+                <a:cs typeface="Arial" panose="020B0604020202020204" pitchFamily="34" charset="0"/>
+              </a:rPr>
+              <a:t>X</a:t>
+            </a:r>
+            <a:endParaRPr lang="en-US" sz="2400" dirty="0">
+              <a:solidFill>
+                <a:srgbClr val="CA2243"/>
+              </a:solidFill>
+              <a:latin typeface="Arial" panose="020B0604020202020204" pitchFamily="34" charset="0"/>
+              <a:cs typeface="Arial" panose="020B0604020202020204" pitchFamily="34" charset="0"/>
+            </a:endParaRPr>
+          </a:p>
+        </p:txBody>
+      </p:sp>
+      <p:sp>
+        <p:nvSpPr>
+          <p:cNvPr id="1136" name="TextBox 1135">
+            <a:extLst>
+              <a:ext uri="{FF2B5EF4-FFF2-40B4-BE49-F238E27FC236}">
+                <a16:creationId xmlns:a16="http://schemas.microsoft.com/office/drawing/2014/main" id="{D93B563F-61BE-FC81-FDB4-76A1FF10BC36}"/>
+              </a:ext>
+            </a:extLst>
+          </p:cNvPr>
+          <p:cNvSpPr txBox="1"/>
+          <p:nvPr/>
+        </p:nvSpPr>
+        <p:spPr>
+          <a:xfrm>
+            <a:off x="3671575" y="1237455"/>
+            <a:ext cx="245006" cy="369332"/>
+          </a:xfrm>
+          <a:prstGeom prst="rect">
+            <a:avLst/>
+          </a:prstGeom>
+          <a:noFill/>
+        </p:spPr>
+        <p:txBody>
+          <a:bodyPr wrap="square" lIns="0" tIns="0" rIns="0" bIns="0" anchor="ctr">
+            <a:spAutoFit/>
+          </a:bodyPr>
+          <a:lstStyle/>
+          <a:p>
+            <a:pPr algn="ctr"/>
+            <a:r>
+              <a:rPr lang="en-US" sz="2400" dirty="0">
+                <a:solidFill>
+                  <a:srgbClr val="CA2243"/>
+                </a:solidFill>
+                <a:latin typeface="Arial" panose="020B0604020202020204" pitchFamily="34" charset="0"/>
+                <a:ea typeface="Latin Modern Math" panose="02000503000000000000" pitchFamily="2" charset="77"/>
+                <a:cs typeface="Arial" panose="020B0604020202020204" pitchFamily="34" charset="0"/>
+              </a:rPr>
+              <a:t>X</a:t>
+            </a:r>
+            <a:endParaRPr lang="en-US" sz="2400" dirty="0">
+              <a:solidFill>
+                <a:srgbClr val="CA2243"/>
+              </a:solidFill>
+              <a:latin typeface="Arial" panose="020B0604020202020204" pitchFamily="34" charset="0"/>
+              <a:cs typeface="Arial" panose="020B0604020202020204" pitchFamily="34" charset="0"/>
+            </a:endParaRPr>
+          </a:p>
+        </p:txBody>
+      </p:sp>
+      <p:sp>
+        <p:nvSpPr>
+          <p:cNvPr id="1137" name="TextBox 1136">
+            <a:extLst>
+              <a:ext uri="{FF2B5EF4-FFF2-40B4-BE49-F238E27FC236}">
+                <a16:creationId xmlns:a16="http://schemas.microsoft.com/office/drawing/2014/main" id="{D1698C63-159B-5169-125F-7EC0B4D2E951}"/>
+              </a:ext>
+            </a:extLst>
+          </p:cNvPr>
+          <p:cNvSpPr txBox="1"/>
+          <p:nvPr/>
+        </p:nvSpPr>
+        <p:spPr>
+          <a:xfrm>
+            <a:off x="5554422" y="3117928"/>
+            <a:ext cx="245006" cy="369332"/>
+          </a:xfrm>
+          <a:prstGeom prst="rect">
+            <a:avLst/>
+          </a:prstGeom>
+          <a:noFill/>
+        </p:spPr>
+        <p:txBody>
+          <a:bodyPr wrap="square" lIns="0" tIns="0" rIns="0" bIns="0" anchor="ctr">
+            <a:spAutoFit/>
+          </a:bodyPr>
+          <a:lstStyle/>
+          <a:p>
+            <a:pPr algn="ctr"/>
+            <a:r>
+              <a:rPr lang="en-US" sz="2400" dirty="0">
+                <a:solidFill>
+                  <a:srgbClr val="CA2243"/>
+                </a:solidFill>
+                <a:latin typeface="Arial" panose="020B0604020202020204" pitchFamily="34" charset="0"/>
+                <a:ea typeface="Latin Modern Math" panose="02000503000000000000" pitchFamily="2" charset="77"/>
+                <a:cs typeface="Arial" panose="020B0604020202020204" pitchFamily="34" charset="0"/>
+              </a:rPr>
+              <a:t>X</a:t>
+            </a:r>
+            <a:endParaRPr lang="en-US" sz="2400" dirty="0">
+              <a:solidFill>
+                <a:srgbClr val="CA2243"/>
+              </a:solidFill>
+              <a:latin typeface="Arial" panose="020B0604020202020204" pitchFamily="34" charset="0"/>
+              <a:cs typeface="Arial" panose="020B0604020202020204" pitchFamily="34" charset="0"/>
+            </a:endParaRPr>
+          </a:p>
+        </p:txBody>
+      </p:sp>
+      <p:sp>
+        <p:nvSpPr>
+          <p:cNvPr id="1138" name="TextBox 1137">
+            <a:extLst>
+              <a:ext uri="{FF2B5EF4-FFF2-40B4-BE49-F238E27FC236}">
+                <a16:creationId xmlns:a16="http://schemas.microsoft.com/office/drawing/2014/main" id="{B77592DD-AE29-135C-FAB2-40C40F48A130}"/>
+              </a:ext>
+            </a:extLst>
+          </p:cNvPr>
+          <p:cNvSpPr txBox="1"/>
+          <p:nvPr/>
+        </p:nvSpPr>
+        <p:spPr>
+          <a:xfrm>
+            <a:off x="5554422" y="3544961"/>
+            <a:ext cx="245006" cy="369332"/>
+          </a:xfrm>
+          <a:prstGeom prst="rect">
+            <a:avLst/>
+          </a:prstGeom>
+          <a:noFill/>
+        </p:spPr>
+        <p:txBody>
+          <a:bodyPr wrap="square" lIns="0" tIns="0" rIns="0" bIns="0" anchor="ctr">
+            <a:spAutoFit/>
+          </a:bodyPr>
+          <a:lstStyle/>
+          <a:p>
+            <a:pPr algn="ctr"/>
+            <a:r>
+              <a:rPr lang="en-US" sz="2400" dirty="0">
+                <a:solidFill>
+                  <a:srgbClr val="CA2243"/>
+                </a:solidFill>
+                <a:latin typeface="Arial" panose="020B0604020202020204" pitchFamily="34" charset="0"/>
+                <a:ea typeface="Latin Modern Math" panose="02000503000000000000" pitchFamily="2" charset="77"/>
+                <a:cs typeface="Arial" panose="020B0604020202020204" pitchFamily="34" charset="0"/>
+              </a:rPr>
+              <a:t>X</a:t>
+            </a:r>
+            <a:endParaRPr lang="en-US" sz="2400" dirty="0">
+              <a:solidFill>
+                <a:srgbClr val="CA2243"/>
+              </a:solidFill>
+              <a:latin typeface="Arial" panose="020B0604020202020204" pitchFamily="34" charset="0"/>
+              <a:cs typeface="Arial" panose="020B0604020202020204" pitchFamily="34" charset="0"/>
+            </a:endParaRPr>
+          </a:p>
+        </p:txBody>
+      </p:sp>
+      <p:sp>
+        <p:nvSpPr>
+          <p:cNvPr id="1139" name="TextBox 1138">
+            <a:extLst>
+              <a:ext uri="{FF2B5EF4-FFF2-40B4-BE49-F238E27FC236}">
+                <a16:creationId xmlns:a16="http://schemas.microsoft.com/office/drawing/2014/main" id="{74BC602A-49EE-D9DC-B659-C93F6E4F0D6E}"/>
+              </a:ext>
+            </a:extLst>
+          </p:cNvPr>
+          <p:cNvSpPr txBox="1"/>
+          <p:nvPr/>
+        </p:nvSpPr>
+        <p:spPr>
+          <a:xfrm>
+            <a:off x="4483658" y="4779695"/>
+            <a:ext cx="245006" cy="369332"/>
+          </a:xfrm>
+          <a:prstGeom prst="rect">
+            <a:avLst/>
+          </a:prstGeom>
+          <a:noFill/>
+        </p:spPr>
+        <p:txBody>
+          <a:bodyPr wrap="square" lIns="0" tIns="0" rIns="0" bIns="0" anchor="ctr">
+            <a:spAutoFit/>
+          </a:bodyPr>
+          <a:lstStyle/>
+          <a:p>
+            <a:pPr algn="ctr"/>
+            <a:r>
+              <a:rPr lang="en-US" sz="2400" dirty="0">
+                <a:solidFill>
+                  <a:srgbClr val="CA2243"/>
+                </a:solidFill>
+                <a:latin typeface="Arial" panose="020B0604020202020204" pitchFamily="34" charset="0"/>
+                <a:ea typeface="Latin Modern Math" panose="02000503000000000000" pitchFamily="2" charset="77"/>
+                <a:cs typeface="Arial" panose="020B0604020202020204" pitchFamily="34" charset="0"/>
+              </a:rPr>
+              <a:t>X</a:t>
+            </a:r>
+            <a:endParaRPr lang="en-US" sz="2400" dirty="0">
+              <a:solidFill>
+                <a:srgbClr val="CA2243"/>
+              </a:solidFill>
+              <a:latin typeface="Arial" panose="020B0604020202020204" pitchFamily="34" charset="0"/>
+              <a:cs typeface="Arial" panose="020B0604020202020204" pitchFamily="34" charset="0"/>
+            </a:endParaRPr>
+          </a:p>
+        </p:txBody>
+      </p:sp>
+      <p:sp>
+        <p:nvSpPr>
+          <p:cNvPr id="1140" name="TextBox 1139">
+            <a:extLst>
+              <a:ext uri="{FF2B5EF4-FFF2-40B4-BE49-F238E27FC236}">
+                <a16:creationId xmlns:a16="http://schemas.microsoft.com/office/drawing/2014/main" id="{81484B59-CAFD-F348-A14E-07863E99EB5F}"/>
+              </a:ext>
+            </a:extLst>
+          </p:cNvPr>
+          <p:cNvSpPr txBox="1"/>
+          <p:nvPr/>
+        </p:nvSpPr>
+        <p:spPr>
+          <a:xfrm>
+            <a:off x="4483658" y="3117928"/>
+            <a:ext cx="245006" cy="369332"/>
+          </a:xfrm>
+          <a:prstGeom prst="rect">
+            <a:avLst/>
+          </a:prstGeom>
+          <a:noFill/>
+        </p:spPr>
+        <p:txBody>
+          <a:bodyPr wrap="square" lIns="0" tIns="0" rIns="0" bIns="0" anchor="ctr">
+            <a:spAutoFit/>
+          </a:bodyPr>
+          <a:lstStyle/>
+          <a:p>
+            <a:pPr algn="ctr"/>
+            <a:r>
+              <a:rPr lang="en-US" sz="2400" dirty="0">
+                <a:solidFill>
+                  <a:srgbClr val="CA2243"/>
+                </a:solidFill>
+                <a:latin typeface="Arial" panose="020B0604020202020204" pitchFamily="34" charset="0"/>
+                <a:ea typeface="Latin Modern Math" panose="02000503000000000000" pitchFamily="2" charset="77"/>
+                <a:cs typeface="Arial" panose="020B0604020202020204" pitchFamily="34" charset="0"/>
+              </a:rPr>
+              <a:t>X</a:t>
+            </a:r>
+            <a:endParaRPr lang="en-US" sz="2400" dirty="0">
+              <a:solidFill>
+                <a:srgbClr val="CA2243"/>
+              </a:solidFill>
+              <a:latin typeface="Arial" panose="020B0604020202020204" pitchFamily="34" charset="0"/>
+              <a:cs typeface="Arial" panose="020B0604020202020204" pitchFamily="34" charset="0"/>
+            </a:endParaRPr>
+          </a:p>
+        </p:txBody>
+      </p:sp>
+      <p:sp>
+        <p:nvSpPr>
+          <p:cNvPr id="1141" name="TextBox 1140">
+            <a:extLst>
+              <a:ext uri="{FF2B5EF4-FFF2-40B4-BE49-F238E27FC236}">
+                <a16:creationId xmlns:a16="http://schemas.microsoft.com/office/drawing/2014/main" id="{63DEE123-5D81-AC6E-551F-C138EA13DAAE}"/>
+              </a:ext>
+            </a:extLst>
+          </p:cNvPr>
+          <p:cNvSpPr txBox="1"/>
+          <p:nvPr/>
+        </p:nvSpPr>
+        <p:spPr>
+          <a:xfrm>
+            <a:off x="3665838" y="1625732"/>
+            <a:ext cx="256481" cy="369332"/>
+          </a:xfrm>
+          <a:prstGeom prst="rect">
+            <a:avLst/>
+          </a:prstGeom>
+          <a:noFill/>
+        </p:spPr>
+        <p:txBody>
+          <a:bodyPr wrap="none" lIns="0" tIns="0" rIns="0" bIns="0" rtlCol="0" anchor="ctr">
+            <a:spAutoFit/>
+          </a:bodyPr>
+          <a:lstStyle/>
+          <a:p>
+            <a:pPr algn="ctr"/>
+            <a:r>
+              <a:rPr lang="en-US" sz="2400" dirty="0">
+                <a:solidFill>
+                  <a:srgbClr val="88BA3A"/>
+                </a:solidFill>
+                <a:latin typeface="Latin Modern Math" panose="02000503000000000000" pitchFamily="2" charset="77"/>
+                <a:ea typeface="Latin Modern Math" panose="02000503000000000000" pitchFamily="2" charset="77"/>
+              </a:rPr>
+              <a:t>✓</a:t>
+            </a:r>
+          </a:p>
+        </p:txBody>
+      </p:sp>
+      <p:sp>
+        <p:nvSpPr>
+          <p:cNvPr id="1143" name="TextBox 1142">
+            <a:extLst>
+              <a:ext uri="{FF2B5EF4-FFF2-40B4-BE49-F238E27FC236}">
+                <a16:creationId xmlns:a16="http://schemas.microsoft.com/office/drawing/2014/main" id="{EE418F5E-5961-A42F-36C9-3E6A8BC00373}"/>
+              </a:ext>
+            </a:extLst>
+          </p:cNvPr>
+          <p:cNvSpPr txBox="1"/>
+          <p:nvPr/>
+        </p:nvSpPr>
+        <p:spPr>
+          <a:xfrm>
+            <a:off x="1685176" y="4065444"/>
+            <a:ext cx="341760" cy="261610"/>
+          </a:xfrm>
+          <a:prstGeom prst="rect">
+            <a:avLst/>
+          </a:prstGeom>
+          <a:noFill/>
+        </p:spPr>
+        <p:txBody>
+          <a:bodyPr wrap="none" rtlCol="0">
+            <a:spAutoFit/>
+          </a:bodyPr>
+          <a:lstStyle/>
+          <a:p>
+            <a:r>
+              <a:rPr lang="en-US" sz="1100" dirty="0"/>
+              <a:t>XX</a:t>
+            </a:r>
+          </a:p>
+        </p:txBody>
+      </p:sp>
+      <p:sp>
+        <p:nvSpPr>
+          <p:cNvPr id="1144" name="TextBox 1143">
+            <a:extLst>
+              <a:ext uri="{FF2B5EF4-FFF2-40B4-BE49-F238E27FC236}">
+                <a16:creationId xmlns:a16="http://schemas.microsoft.com/office/drawing/2014/main" id="{9070DABC-814E-6C6A-BA47-2B50FC973181}"/>
+              </a:ext>
+            </a:extLst>
+          </p:cNvPr>
+          <p:cNvSpPr txBox="1"/>
+          <p:nvPr/>
+        </p:nvSpPr>
+        <p:spPr>
+          <a:xfrm>
+            <a:off x="1678998" y="4434451"/>
+            <a:ext cx="341760" cy="261610"/>
+          </a:xfrm>
+          <a:prstGeom prst="rect">
+            <a:avLst/>
+          </a:prstGeom>
+          <a:noFill/>
+        </p:spPr>
+        <p:txBody>
+          <a:bodyPr wrap="none" rtlCol="0">
+            <a:spAutoFit/>
+          </a:bodyPr>
+          <a:lstStyle/>
+          <a:p>
+            <a:r>
+              <a:rPr lang="en-US" sz="1100" dirty="0"/>
+              <a:t>XX</a:t>
+            </a:r>
+          </a:p>
+        </p:txBody>
+      </p:sp>
+      <p:sp>
+        <p:nvSpPr>
+          <p:cNvPr id="1145" name="TextBox 1144">
+            <a:extLst>
+              <a:ext uri="{FF2B5EF4-FFF2-40B4-BE49-F238E27FC236}">
+                <a16:creationId xmlns:a16="http://schemas.microsoft.com/office/drawing/2014/main" id="{F3D3DBBD-5901-0DF6-333C-AEF2D58C323B}"/>
+              </a:ext>
+            </a:extLst>
+          </p:cNvPr>
+          <p:cNvSpPr txBox="1"/>
+          <p:nvPr/>
+        </p:nvSpPr>
+        <p:spPr>
+          <a:xfrm>
+            <a:off x="1663353" y="4834634"/>
+            <a:ext cx="341760" cy="261610"/>
+          </a:xfrm>
+          <a:prstGeom prst="rect">
+            <a:avLst/>
+          </a:prstGeom>
+          <a:noFill/>
+        </p:spPr>
+        <p:txBody>
+          <a:bodyPr wrap="none" rtlCol="0">
+            <a:spAutoFit/>
+          </a:bodyPr>
+          <a:lstStyle/>
+          <a:p>
+            <a:r>
+              <a:rPr lang="en-US" sz="1100" dirty="0"/>
+              <a:t>XX</a:t>
+            </a:r>
+          </a:p>
+        </p:txBody>
+      </p:sp>
     </p:spTree>
     <p:extLst>
       <p:ext uri="{BB962C8B-B14F-4D97-AF65-F5344CB8AC3E}">

--- a/Astro_Origin_table_horiz.pptx
+++ b/Astro_Origin_table_horiz.pptx
@@ -197,7 +197,7 @@
           <a:p>
             <a:fld id="{56190867-FD12-ED4C-AD02-12B91CD72869}" type="datetimeFigureOut">
               <a:rPr lang="en-US" smtClean="0"/>
-              <a:t>6/6/25</a:t>
+              <a:t>6/16/25</a:t>
             </a:fld>
             <a:endParaRPr lang="en-US"/>
           </a:p>
@@ -1038,7 +1038,7 @@
           <a:p>
             <a:fld id="{42B10BCD-A866-B34B-B7E8-44C4BB9D2819}" type="datetimeFigureOut">
               <a:rPr lang="en-US" smtClean="0"/>
-              <a:t>6/6/25</a:t>
+              <a:t>6/16/25</a:t>
             </a:fld>
             <a:endParaRPr lang="en-US"/>
           </a:p>
@@ -1208,7 +1208,7 @@
           <a:p>
             <a:fld id="{42B10BCD-A866-B34B-B7E8-44C4BB9D2819}" type="datetimeFigureOut">
               <a:rPr lang="en-US" smtClean="0"/>
-              <a:t>6/6/25</a:t>
+              <a:t>6/16/25</a:t>
             </a:fld>
             <a:endParaRPr lang="en-US"/>
           </a:p>
@@ -1388,7 +1388,7 @@
           <a:p>
             <a:fld id="{42B10BCD-A866-B34B-B7E8-44C4BB9D2819}" type="datetimeFigureOut">
               <a:rPr lang="en-US" smtClean="0"/>
-              <a:t>6/6/25</a:t>
+              <a:t>6/16/25</a:t>
             </a:fld>
             <a:endParaRPr lang="en-US"/>
           </a:p>
@@ -1619,7 +1619,7 @@
           <a:p>
             <a:fld id="{42B10BCD-A866-B34B-B7E8-44C4BB9D2819}" type="datetimeFigureOut">
               <a:rPr lang="en-US" smtClean="0"/>
-              <a:t>6/6/25</a:t>
+              <a:t>6/16/25</a:t>
             </a:fld>
             <a:endParaRPr lang="en-US"/>
           </a:p>
@@ -1865,7 +1865,7 @@
           <a:p>
             <a:fld id="{42B10BCD-A866-B34B-B7E8-44C4BB9D2819}" type="datetimeFigureOut">
               <a:rPr lang="en-US" smtClean="0"/>
-              <a:t>6/6/25</a:t>
+              <a:t>6/16/25</a:t>
             </a:fld>
             <a:endParaRPr lang="en-US"/>
           </a:p>
@@ -2097,7 +2097,7 @@
           <a:p>
             <a:fld id="{42B10BCD-A866-B34B-B7E8-44C4BB9D2819}" type="datetimeFigureOut">
               <a:rPr lang="en-US" smtClean="0"/>
-              <a:t>6/6/25</a:t>
+              <a:t>6/16/25</a:t>
             </a:fld>
             <a:endParaRPr lang="en-US"/>
           </a:p>
@@ -2464,7 +2464,7 @@
           <a:p>
             <a:fld id="{42B10BCD-A866-B34B-B7E8-44C4BB9D2819}" type="datetimeFigureOut">
               <a:rPr lang="en-US" smtClean="0"/>
-              <a:t>6/6/25</a:t>
+              <a:t>6/16/25</a:t>
             </a:fld>
             <a:endParaRPr lang="en-US"/>
           </a:p>
@@ -2582,7 +2582,7 @@
           <a:p>
             <a:fld id="{42B10BCD-A866-B34B-B7E8-44C4BB9D2819}" type="datetimeFigureOut">
               <a:rPr lang="en-US" smtClean="0"/>
-              <a:t>6/6/25</a:t>
+              <a:t>6/16/25</a:t>
             </a:fld>
             <a:endParaRPr lang="en-US"/>
           </a:p>
@@ -2677,7 +2677,7 @@
           <a:p>
             <a:fld id="{42B10BCD-A866-B34B-B7E8-44C4BB9D2819}" type="datetimeFigureOut">
               <a:rPr lang="en-US" smtClean="0"/>
-              <a:t>6/6/25</a:t>
+              <a:t>6/16/25</a:t>
             </a:fld>
             <a:endParaRPr lang="en-US"/>
           </a:p>
@@ -2954,7 +2954,7 @@
           <a:p>
             <a:fld id="{42B10BCD-A866-B34B-B7E8-44C4BB9D2819}" type="datetimeFigureOut">
               <a:rPr lang="en-US" smtClean="0"/>
-              <a:t>6/6/25</a:t>
+              <a:t>6/16/25</a:t>
             </a:fld>
             <a:endParaRPr lang="en-US"/>
           </a:p>
@@ -3211,7 +3211,7 @@
           <a:p>
             <a:fld id="{42B10BCD-A866-B34B-B7E8-44C4BB9D2819}" type="datetimeFigureOut">
               <a:rPr lang="en-US" smtClean="0"/>
-              <a:t>6/6/25</a:t>
+              <a:t>6/16/25</a:t>
             </a:fld>
             <a:endParaRPr lang="en-US"/>
           </a:p>
@@ -3424,7 +3424,7 @@
           <a:p>
             <a:fld id="{42B10BCD-A866-B34B-B7E8-44C4BB9D2819}" type="datetimeFigureOut">
               <a:rPr lang="en-US" smtClean="0"/>
-              <a:t>6/6/25</a:t>
+              <a:t>6/16/25</a:t>
             </a:fld>
             <a:endParaRPr lang="en-US"/>
           </a:p>
@@ -4502,8 +4502,8 @@
           </a:p>
         </p:txBody>
       </p:sp>
-      <mc:AlternateContent xmlns:mc="http://schemas.openxmlformats.org/markup-compatibility/2006">
-        <mc:Choice xmlns:a14="http://schemas.microsoft.com/office/drawing/2010/main" Requires="a14">
+      <mc:AlternateContent xmlns:mc="http://schemas.openxmlformats.org/markup-compatibility/2006" xmlns:a14="http://schemas.microsoft.com/office/drawing/2010/main">
+        <mc:Choice Requires="a14">
           <p:sp>
             <p:nvSpPr>
               <p:cNvPr id="20" name="TextBox 19">
@@ -4586,7 +4586,7 @@
             </p:txBody>
           </p:sp>
         </mc:Choice>
-        <mc:Fallback>
+        <mc:Fallback xmlns="">
           <p:sp>
             <p:nvSpPr>
               <p:cNvPr id="20" name="TextBox 19">
@@ -4631,8 +4631,8 @@
           </p:sp>
         </mc:Fallback>
       </mc:AlternateContent>
-      <mc:AlternateContent xmlns:mc="http://schemas.openxmlformats.org/markup-compatibility/2006">
-        <mc:Choice xmlns:a14="http://schemas.microsoft.com/office/drawing/2010/main" Requires="a14">
+      <mc:AlternateContent xmlns:mc="http://schemas.openxmlformats.org/markup-compatibility/2006" xmlns:a14="http://schemas.microsoft.com/office/drawing/2010/main">
+        <mc:Choice Requires="a14">
           <p:sp>
             <p:nvSpPr>
               <p:cNvPr id="21" name="TextBox 20">
@@ -4735,7 +4735,7 @@
             </p:txBody>
           </p:sp>
         </mc:Choice>
-        <mc:Fallback>
+        <mc:Fallback xmlns="">
           <p:sp>
             <p:nvSpPr>
               <p:cNvPr id="21" name="TextBox 20">
@@ -12319,7 +12319,7 @@
         <p:spPr>
           <a:xfrm>
             <a:off x="1304788" y="5285393"/>
-            <a:ext cx="1303562" cy="338554"/>
+            <a:ext cx="1052276" cy="338554"/>
           </a:xfrm>
           <a:prstGeom prst="rect">
             <a:avLst/>
@@ -12334,7 +12334,7 @@
           <a:p>
             <a:r>
               <a:rPr lang="en-US" sz="1600" dirty="0"/>
-              <a:t>Not possible</a:t>
+              <a:t>No match</a:t>
             </a:r>
           </a:p>
         </p:txBody>

--- a/Astro_Origin_table_horiz.pptx
+++ b/Astro_Origin_table_horiz.pptx
@@ -3912,7 +3912,7 @@
         </p:nvSpPr>
         <p:spPr>
           <a:xfrm>
-            <a:off x="2055088" y="4703822"/>
+            <a:off x="2059373" y="3018532"/>
             <a:ext cx="6221027" cy="521078"/>
           </a:xfrm>
           <a:prstGeom prst="rect">
@@ -4020,8 +4020,8 @@
         </p:nvSpPr>
         <p:spPr>
           <a:xfrm>
-            <a:off x="2042908" y="3090981"/>
-            <a:ext cx="6251933" cy="405045"/>
+            <a:off x="2040673" y="4304227"/>
+            <a:ext cx="6239728" cy="426287"/>
           </a:xfrm>
           <a:prstGeom prst="rect">
             <a:avLst/>
@@ -4074,8 +4074,8 @@
         </p:nvSpPr>
         <p:spPr>
           <a:xfrm>
-            <a:off x="2047383" y="3496081"/>
-            <a:ext cx="6233480" cy="543384"/>
+            <a:off x="2045147" y="4730513"/>
+            <a:ext cx="6233480" cy="526711"/>
           </a:xfrm>
           <a:prstGeom prst="rect">
             <a:avLst/>
@@ -4130,7 +4130,7 @@
         </p:nvSpPr>
         <p:spPr>
           <a:xfrm>
-            <a:off x="5202586" y="-929805"/>
+            <a:off x="-3112048" y="1487006"/>
             <a:ext cx="2583875" cy="323392"/>
           </a:xfrm>
           <a:prstGeom prst="rect">
@@ -4971,7 +4971,7 @@
         </p:blipFill>
         <p:spPr>
           <a:xfrm>
-            <a:off x="93254" y="1025022"/>
+            <a:off x="38936" y="1025022"/>
             <a:ext cx="1164921" cy="925200"/>
           </a:xfrm>
           <a:prstGeom prst="rect">
@@ -5027,11 +5027,11 @@
           <p:nvPr/>
         </p:nvGrpSpPr>
         <p:grpSpPr>
-          <a:xfrm rot="20076741">
-            <a:off x="481519" y="3270016"/>
-            <a:ext cx="963156" cy="635162"/>
-            <a:chOff x="5386887" y="1336939"/>
-            <a:chExt cx="2143192" cy="1413346"/>
+          <a:xfrm>
+            <a:off x="158072" y="4591553"/>
+            <a:ext cx="951575" cy="562010"/>
+            <a:chOff x="5386887" y="1405478"/>
+            <a:chExt cx="2167425" cy="1280101"/>
           </a:xfrm>
         </p:grpSpPr>
         <p:sp>
@@ -5109,8 +5109,8 @@
           </p:nvSpPr>
           <p:spPr>
             <a:xfrm>
-              <a:off x="6361157" y="2212729"/>
-              <a:ext cx="216287" cy="216287"/>
+              <a:off x="6361157" y="2212730"/>
+              <a:ext cx="216288" cy="216288"/>
             </a:xfrm>
             <a:prstGeom prst="ellipse">
               <a:avLst/>
@@ -5408,8 +5408,8 @@
           </p:nvSpPr>
           <p:spPr>
             <a:xfrm rot="21557018" flipH="1">
-              <a:off x="6501699" y="2499675"/>
-              <a:ext cx="406415" cy="173030"/>
+              <a:off x="6501699" y="2499674"/>
+              <a:ext cx="406414" cy="173029"/>
             </a:xfrm>
             <a:prstGeom prst="curvedUpArrow">
               <a:avLst>
@@ -5473,8 +5473,8 @@
           </p:nvSpPr>
           <p:spPr>
             <a:xfrm>
-              <a:off x="7002588" y="1336939"/>
-              <a:ext cx="296393" cy="294829"/>
+              <a:off x="7167349" y="1481678"/>
+              <a:ext cx="280934" cy="279451"/>
             </a:xfrm>
             <a:prstGeom prst="ellipse">
               <a:avLst/>
@@ -5535,9 +5535,9 @@
             <p:nvPr/>
           </p:nvCxnSpPr>
           <p:spPr>
-            <a:xfrm flipV="1">
-              <a:off x="6871707" y="1698807"/>
-              <a:ext cx="153608" cy="333432"/>
+            <a:xfrm rot="630107" flipV="1">
+              <a:off x="6898746" y="1738027"/>
+              <a:ext cx="233742" cy="318179"/>
             </a:xfrm>
             <a:prstGeom prst="straightConnector1">
               <a:avLst/>
@@ -5646,8 +5646,8 @@
           </p:nvSpPr>
           <p:spPr>
             <a:xfrm>
-              <a:off x="6846270" y="2284928"/>
-              <a:ext cx="152202" cy="149972"/>
+              <a:off x="6866954" y="2315024"/>
+              <a:ext cx="130388" cy="128477"/>
             </a:xfrm>
             <a:prstGeom prst="ellipse">
               <a:avLst/>
@@ -5708,9 +5708,9 @@
             <p:nvPr/>
           </p:nvCxnSpPr>
           <p:spPr>
-            <a:xfrm flipH="1" flipV="1">
-              <a:off x="7053382" y="2302369"/>
-              <a:ext cx="476697" cy="447916"/>
+            <a:xfrm rot="630107" flipH="1" flipV="1">
+              <a:off x="7006331" y="2477152"/>
+              <a:ext cx="547981" cy="208427"/>
             </a:xfrm>
             <a:prstGeom prst="straightConnector1">
               <a:avLst/>
@@ -5756,7 +5756,7 @@
         </p:nvSpPr>
         <p:spPr>
           <a:xfrm>
-            <a:off x="-19123" y="3117488"/>
+            <a:off x="8458" y="4335648"/>
             <a:ext cx="1035588" cy="200055"/>
           </a:xfrm>
           <a:prstGeom prst="rect">
@@ -5780,7 +5780,7 @@
                 </a:solidFill>
                 <a:latin typeface="Calibri" panose="020F0502020204030204"/>
               </a:rPr>
-              <a:t>  Hierarchical</a:t>
+              <a:t> 5 Hierarchical</a:t>
             </a:r>
           </a:p>
         </p:txBody>
@@ -5799,8 +5799,8 @@
         </p:nvSpPr>
         <p:spPr>
           <a:xfrm>
-            <a:off x="-1322" y="848346"/>
-            <a:ext cx="629289" cy="200055"/>
+            <a:off x="8458" y="856266"/>
+            <a:ext cx="799608" cy="200055"/>
           </a:xfrm>
           <a:prstGeom prst="rect">
             <a:avLst/>
@@ -5823,7 +5823,7 @@
                 </a:solidFill>
                 <a:latin typeface="Calibri" panose="020F0502020204030204"/>
               </a:rPr>
-              <a:t>1  P-PISN</a:t>
+              <a:t> 1  P-PISN</a:t>
             </a:r>
           </a:p>
         </p:txBody>
@@ -5842,8 +5842,8 @@
         </p:nvSpPr>
         <p:spPr>
           <a:xfrm>
-            <a:off x="1212022" y="920514"/>
-            <a:ext cx="849913" cy="261610"/>
+            <a:off x="1289953" y="920514"/>
+            <a:ext cx="700513" cy="169277"/>
           </a:xfrm>
           <a:prstGeom prst="rect">
             <a:avLst/>
@@ -5851,14 +5851,14 @@
           <a:noFill/>
         </p:spPr>
         <p:txBody>
-          <a:bodyPr wrap="none" rtlCol="0">
+          <a:bodyPr wrap="none" lIns="0" tIns="0" rIns="0" bIns="0" rtlCol="0">
             <a:spAutoFit/>
           </a:bodyPr>
           <a:lstStyle/>
           <a:p>
             <a:r>
               <a:rPr lang="en-US" sz="1100" dirty="0"/>
-              <a:t>I) Standard</a:t>
+              <a:t>A) standard</a:t>
             </a:r>
           </a:p>
         </p:txBody>
@@ -5877,8 +5877,8 @@
         </p:nvSpPr>
         <p:spPr>
           <a:xfrm>
-            <a:off x="1192714" y="1313411"/>
-            <a:ext cx="880369" cy="261610"/>
+            <a:off x="1289953" y="1313411"/>
+            <a:ext cx="695703" cy="169277"/>
           </a:xfrm>
           <a:prstGeom prst="rect">
             <a:avLst/>
@@ -5886,14 +5886,14 @@
           <a:noFill/>
         </p:spPr>
         <p:txBody>
-          <a:bodyPr wrap="none" rtlCol="0">
+          <a:bodyPr wrap="none" lIns="0" tIns="0" rIns="0" bIns="0" rtlCol="0">
             <a:spAutoFit/>
           </a:bodyPr>
           <a:lstStyle/>
           <a:p>
             <a:r>
               <a:rPr lang="en-US" sz="1100" dirty="0"/>
-              <a:t>II) Shoulder</a:t>
+              <a:t>B) shoulder</a:t>
             </a:r>
           </a:p>
         </p:txBody>
@@ -5912,8 +5912,8 @@
         </p:nvSpPr>
         <p:spPr>
           <a:xfrm>
-            <a:off x="1213223" y="1588346"/>
-            <a:ext cx="848640" cy="430887"/>
+            <a:off x="1289953" y="1633973"/>
+            <a:ext cx="804489" cy="338554"/>
           </a:xfrm>
           <a:prstGeom prst="rect">
             <a:avLst/>
@@ -5921,14 +5921,22 @@
           <a:noFill/>
         </p:spPr>
         <p:txBody>
-          <a:bodyPr wrap="square" rtlCol="0">
+          <a:bodyPr wrap="square" lIns="0" tIns="0" rIns="0" bIns="0" rtlCol="0">
             <a:spAutoFit/>
           </a:bodyPr>
           <a:lstStyle/>
           <a:p>
             <a:r>
               <a:rPr lang="en-US" sz="1100" dirty="0"/>
-              <a:t>III) CCSN-transition</a:t>
+              <a:t>C) P-PISN onset </a:t>
+            </a:r>
+            <a:r>
+              <a:rPr lang="en-US" sz="1100" dirty="0" err="1"/>
+              <a:t>degen</a:t>
+            </a:r>
+            <a:r>
+              <a:rPr lang="en-US" sz="1100" dirty="0"/>
+              <a:t>.</a:t>
             </a:r>
           </a:p>
         </p:txBody>
@@ -5947,8 +5955,8 @@
         </p:nvSpPr>
         <p:spPr>
           <a:xfrm>
-            <a:off x="132716" y="4204548"/>
-            <a:ext cx="841523" cy="400110"/>
+            <a:off x="8458" y="3581416"/>
+            <a:ext cx="1565332" cy="200055"/>
           </a:xfrm>
           <a:prstGeom prst="rect">
             <a:avLst/>
@@ -5971,21 +5979,7 @@
                 </a:solidFill>
                 <a:latin typeface="Calibri" panose="020F0502020204030204"/>
               </a:rPr>
-              <a:t> Globular </a:t>
-            </a:r>
-          </a:p>
-          <a:p>
-            <a:pPr>
-              <a:defRPr/>
-            </a:pPr>
-            <a:r>
-              <a:rPr lang="en-GB" sz="1300" b="1" dirty="0">
-                <a:solidFill>
-                  <a:srgbClr val="000000"/>
-                </a:solidFill>
-                <a:latin typeface="Calibri" panose="020F0502020204030204"/>
-              </a:rPr>
-              <a:t>clusters</a:t>
+              <a:t> 4 Globular clusters</a:t>
             </a:r>
           </a:p>
         </p:txBody>
@@ -6003,9 +5997,9 @@
           <p:nvPr/>
         </p:nvGrpSpPr>
         <p:grpSpPr>
-          <a:xfrm rot="2179435">
-            <a:off x="965747" y="4177324"/>
-            <a:ext cx="516409" cy="455772"/>
+          <a:xfrm rot="2093477">
+            <a:off x="1323474" y="3700277"/>
+            <a:ext cx="607900" cy="536520"/>
             <a:chOff x="7859369" y="1987342"/>
             <a:chExt cx="1397910" cy="1154988"/>
           </a:xfrm>
@@ -8267,7 +8261,7 @@
         </p:nvSpPr>
         <p:spPr>
           <a:xfrm>
-            <a:off x="152665" y="4825936"/>
+            <a:off x="8458" y="3049334"/>
             <a:ext cx="857680" cy="229344"/>
           </a:xfrm>
           <a:prstGeom prst="rect">
@@ -8290,7 +8284,7 @@
                 </a:solidFill>
                 <a:latin typeface="Calibri" panose="020F0502020204030204"/>
               </a:rPr>
-              <a:t>  Pop III</a:t>
+              <a:t> 3 Pop III</a:t>
             </a:r>
             <a:endParaRPr lang="en-GB" sz="1300" b="1" u="sng" dirty="0">
               <a:solidFill>
@@ -8509,7 +8503,7 @@
         </p:blipFill>
         <p:spPr>
           <a:xfrm>
-            <a:off x="1636978" y="6158900"/>
+            <a:off x="-2721139" y="3449513"/>
             <a:ext cx="1027503" cy="604328"/>
           </a:xfrm>
           <a:prstGeom prst="rect">
@@ -8545,7 +8539,7 @@
         </p:blipFill>
         <p:spPr>
           <a:xfrm>
-            <a:off x="791248" y="4713985"/>
+            <a:off x="795533" y="3028695"/>
             <a:ext cx="466927" cy="466927"/>
           </a:xfrm>
           <a:prstGeom prst="rect">
@@ -10574,8 +10568,8 @@
         </p:nvSpPr>
         <p:spPr>
           <a:xfrm>
-            <a:off x="-28942" y="2023840"/>
-            <a:ext cx="1969599" cy="192360"/>
+            <a:off x="8458" y="2023840"/>
+            <a:ext cx="2050915" cy="200055"/>
           </a:xfrm>
           <a:prstGeom prst="rect">
             <a:avLst/>
@@ -10592,13 +10586,13 @@
               <a:defRPr/>
             </a:pPr>
             <a:r>
-              <a:rPr lang="en-GB" sz="1250" b="1" dirty="0">
+              <a:rPr lang="en-GB" sz="1300" b="1" dirty="0">
                 <a:solidFill>
                   <a:srgbClr val="000000"/>
                 </a:solidFill>
                 <a:latin typeface="Calibri" panose="020F0502020204030204"/>
               </a:rPr>
-              <a:t>  2 Chemically Homogeneous</a:t>
+              <a:t> 2 Chemically Homogeneous</a:t>
             </a:r>
           </a:p>
         </p:txBody>
@@ -10617,8 +10611,8 @@
         </p:nvSpPr>
         <p:spPr>
           <a:xfrm>
-            <a:off x="1220831" y="2247911"/>
-            <a:ext cx="569387" cy="261610"/>
+            <a:off x="1289953" y="2247911"/>
+            <a:ext cx="700513" cy="169277"/>
           </a:xfrm>
           <a:prstGeom prst="rect">
             <a:avLst/>
@@ -10626,14 +10620,14 @@
           <a:noFill/>
         </p:spPr>
         <p:txBody>
-          <a:bodyPr wrap="none" rtlCol="0">
+          <a:bodyPr wrap="none" lIns="0" tIns="0" rIns="0" bIns="0" rtlCol="0">
             <a:spAutoFit/>
           </a:bodyPr>
           <a:lstStyle/>
           <a:p>
             <a:r>
               <a:rPr lang="en-US" sz="1100" dirty="0"/>
-              <a:t>I) pure</a:t>
+              <a:t>A) standard</a:t>
             </a:r>
           </a:p>
         </p:txBody>
@@ -10652,8 +10646,8 @@
         </p:nvSpPr>
         <p:spPr>
           <a:xfrm>
-            <a:off x="1203321" y="2667025"/>
-            <a:ext cx="872355" cy="430887"/>
+            <a:off x="1289953" y="2667025"/>
+            <a:ext cx="687689" cy="338554"/>
           </a:xfrm>
           <a:prstGeom prst="rect">
             <a:avLst/>
@@ -10661,14 +10655,14 @@
           <a:noFill/>
         </p:spPr>
         <p:txBody>
-          <a:bodyPr wrap="none" rtlCol="0">
+          <a:bodyPr wrap="none" lIns="0" tIns="0" rIns="0" bIns="0" rtlCol="0">
             <a:spAutoFit/>
           </a:bodyPr>
           <a:lstStyle/>
           <a:p>
             <a:r>
               <a:rPr lang="en-US" sz="1100" dirty="0"/>
-              <a:t>II) </a:t>
+              <a:t>B) </a:t>
             </a:r>
             <a:r>
               <a:rPr lang="en-US" sz="1100" dirty="0" err="1"/>
@@ -10750,7 +10744,7 @@
         </p:nvCxnSpPr>
         <p:spPr>
           <a:xfrm>
-            <a:off x="2042637" y="3500909"/>
+            <a:off x="2040401" y="4735397"/>
             <a:ext cx="6233480" cy="0"/>
           </a:xfrm>
           <a:prstGeom prst="line">
@@ -10795,8 +10789,8 @@
         </p:nvSpPr>
         <p:spPr>
           <a:xfrm>
-            <a:off x="1326343" y="3154740"/>
-            <a:ext cx="606256" cy="261610"/>
+            <a:off x="1289953" y="4389228"/>
+            <a:ext cx="575479" cy="169277"/>
           </a:xfrm>
           <a:prstGeom prst="rect">
             <a:avLst/>
@@ -10804,14 +10798,14 @@
           <a:noFill/>
         </p:spPr>
         <p:txBody>
-          <a:bodyPr wrap="none" rtlCol="0">
+          <a:bodyPr wrap="none" lIns="0" tIns="0" rIns="0" bIns="0" rtlCol="0">
             <a:spAutoFit/>
           </a:bodyPr>
           <a:lstStyle/>
           <a:p>
             <a:r>
               <a:rPr lang="en-US" sz="1100" dirty="0"/>
-              <a:t>2g + 1g</a:t>
+              <a:t>A) 2g + 1g</a:t>
             </a:r>
           </a:p>
         </p:txBody>
@@ -10830,8 +10824,8 @@
         </p:nvSpPr>
         <p:spPr>
           <a:xfrm>
-            <a:off x="1336384" y="3628565"/>
-            <a:ext cx="606256" cy="261610"/>
+            <a:off x="1289953" y="4863053"/>
+            <a:ext cx="577081" cy="169277"/>
           </a:xfrm>
           <a:prstGeom prst="rect">
             <a:avLst/>
@@ -10839,14 +10833,14 @@
           <a:noFill/>
         </p:spPr>
         <p:txBody>
-          <a:bodyPr wrap="none" rtlCol="0">
+          <a:bodyPr wrap="none" lIns="0" tIns="0" rIns="0" bIns="0" rtlCol="0">
             <a:spAutoFit/>
           </a:bodyPr>
           <a:lstStyle/>
           <a:p>
             <a:r>
               <a:rPr lang="en-US" sz="1100" dirty="0"/>
-              <a:t>2g + 2g</a:t>
+              <a:t>B) 2g + 2g</a:t>
             </a:r>
           </a:p>
         </p:txBody>
@@ -10865,7 +10859,7 @@
         </p:nvSpPr>
         <p:spPr>
           <a:xfrm>
-            <a:off x="8351903" y="4108230"/>
+            <a:off x="-1113585" y="3461354"/>
             <a:ext cx="429865" cy="430887"/>
           </a:xfrm>
           <a:prstGeom prst="rect">
@@ -11572,7 +11566,7 @@
         </p:nvSpPr>
         <p:spPr>
           <a:xfrm>
-            <a:off x="2294217" y="3117928"/>
+            <a:off x="2291981" y="4352416"/>
             <a:ext cx="256481" cy="369332"/>
           </a:xfrm>
           <a:prstGeom prst="rect">
@@ -11611,7 +11605,7 @@
         </p:nvSpPr>
         <p:spPr>
           <a:xfrm>
-            <a:off x="2294217" y="3544961"/>
+            <a:off x="2291981" y="4779449"/>
             <a:ext cx="256481" cy="369332"/>
           </a:xfrm>
           <a:prstGeom prst="rect">
@@ -11650,7 +11644,7 @@
         </p:nvSpPr>
         <p:spPr>
           <a:xfrm>
-            <a:off x="3665838" y="3117928"/>
+            <a:off x="3663602" y="4352416"/>
             <a:ext cx="256481" cy="369332"/>
           </a:xfrm>
           <a:prstGeom prst="rect">
@@ -11689,7 +11683,7 @@
         </p:nvSpPr>
         <p:spPr>
           <a:xfrm>
-            <a:off x="3665838" y="3544961"/>
+            <a:off x="3663602" y="4779449"/>
             <a:ext cx="256481" cy="369332"/>
           </a:xfrm>
           <a:prstGeom prst="rect">
@@ -11728,7 +11722,7 @@
         </p:nvSpPr>
         <p:spPr>
           <a:xfrm>
-            <a:off x="4477921" y="3544961"/>
+            <a:off x="4475685" y="4779449"/>
             <a:ext cx="256481" cy="369332"/>
           </a:xfrm>
           <a:prstGeom prst="rect">
@@ -11767,7 +11761,7 @@
         </p:nvSpPr>
         <p:spPr>
           <a:xfrm>
-            <a:off x="2988051" y="4139007"/>
+            <a:off x="2982853" y="3680192"/>
             <a:ext cx="256481" cy="369332"/>
           </a:xfrm>
           <a:prstGeom prst="rect">
@@ -11806,7 +11800,7 @@
         </p:nvSpPr>
         <p:spPr>
           <a:xfrm>
-            <a:off x="3665838" y="4139007"/>
+            <a:off x="3660640" y="3680192"/>
             <a:ext cx="256481" cy="369332"/>
           </a:xfrm>
           <a:prstGeom prst="rect">
@@ -11845,7 +11839,7 @@
         </p:nvSpPr>
         <p:spPr>
           <a:xfrm>
-            <a:off x="4448694" y="4139007"/>
+            <a:off x="4443496" y="3680192"/>
             <a:ext cx="314934" cy="369332"/>
           </a:xfrm>
           <a:prstGeom prst="rect">
@@ -11889,7 +11883,7 @@
         </p:nvSpPr>
         <p:spPr>
           <a:xfrm>
-            <a:off x="5519458" y="4139007"/>
+            <a:off x="5514260" y="3680192"/>
             <a:ext cx="314934" cy="369332"/>
           </a:xfrm>
           <a:prstGeom prst="rect">
@@ -11933,7 +11927,7 @@
         </p:nvSpPr>
         <p:spPr>
           <a:xfrm>
-            <a:off x="5519458" y="4779695"/>
+            <a:off x="5523743" y="3094405"/>
             <a:ext cx="314934" cy="369332"/>
           </a:xfrm>
           <a:prstGeom prst="rect">
@@ -11977,7 +11971,7 @@
         </p:nvSpPr>
         <p:spPr>
           <a:xfrm>
-            <a:off x="7604565" y="4779695"/>
+            <a:off x="7608850" y="3094405"/>
             <a:ext cx="314934" cy="369332"/>
           </a:xfrm>
           <a:prstGeom prst="rect">
@@ -12021,8 +12015,8 @@
         </p:nvSpPr>
         <p:spPr>
           <a:xfrm>
-            <a:off x="3665838" y="4779695"/>
-            <a:ext cx="256481" cy="369332"/>
+            <a:off x="3695771" y="3094405"/>
+            <a:ext cx="205184" cy="369332"/>
           </a:xfrm>
           <a:prstGeom prst="rect">
             <a:avLst/>
@@ -12038,11 +12032,16 @@
             <a:pPr algn="ctr"/>
             <a:r>
               <a:rPr lang="en-US" sz="2400" dirty="0">
-                <a:latin typeface="Latin Modern Math" panose="02000503000000000000" pitchFamily="2" charset="77"/>
+                <a:latin typeface="Arial" panose="020B0604020202020204" pitchFamily="34" charset="0"/>
                 <a:ea typeface="Latin Modern Math" panose="02000503000000000000" pitchFamily="2" charset="77"/>
+                <a:cs typeface="Arial" panose="020B0604020202020204" pitchFamily="34" charset="0"/>
               </a:rPr>
-              <a:t>✓</a:t>
-            </a:r>
+              <a:t>X</a:t>
+            </a:r>
+            <a:endParaRPr lang="en-US" sz="2400" dirty="0">
+              <a:latin typeface="Latin Modern Math" panose="02000503000000000000" pitchFamily="2" charset="77"/>
+              <a:ea typeface="Latin Modern Math" panose="02000503000000000000" pitchFamily="2" charset="77"/>
+            </a:endParaRPr>
           </a:p>
         </p:txBody>
       </p:sp>
@@ -12062,7 +12061,7 @@
         </p:nvCxnSpPr>
         <p:spPr>
           <a:xfrm flipH="1" flipV="1">
-            <a:off x="-1323" y="4705977"/>
+            <a:off x="2962" y="3020687"/>
             <a:ext cx="8281723" cy="0"/>
           </a:xfrm>
           <a:prstGeom prst="line">
@@ -12105,7 +12104,7 @@
         </p:nvCxnSpPr>
         <p:spPr>
           <a:xfrm flipH="1" flipV="1">
-            <a:off x="5198" y="4021125"/>
+            <a:off x="2962" y="5255613"/>
             <a:ext cx="8281723" cy="0"/>
           </a:xfrm>
           <a:prstGeom prst="line">
@@ -12148,7 +12147,7 @@
         </p:nvCxnSpPr>
         <p:spPr>
           <a:xfrm flipH="1" flipV="1">
-            <a:off x="-1323" y="3086467"/>
+            <a:off x="-3559" y="4282455"/>
             <a:ext cx="8281723" cy="0"/>
           </a:xfrm>
           <a:prstGeom prst="line">
@@ -12277,7 +12276,7 @@
         </p:nvCxnSpPr>
         <p:spPr>
           <a:xfrm flipH="1">
-            <a:off x="-8548" y="5253493"/>
+            <a:off x="0" y="3540596"/>
             <a:ext cx="8294841" cy="0"/>
           </a:xfrm>
           <a:prstGeom prst="line">
@@ -12710,7 +12709,7 @@
         </p:nvSpPr>
         <p:spPr>
           <a:xfrm>
-            <a:off x="2988051" y="3117928"/>
+            <a:off x="2985815" y="4352416"/>
             <a:ext cx="256481" cy="369332"/>
           </a:xfrm>
           <a:prstGeom prst="rect">
@@ -12752,7 +12751,7 @@
         </p:nvSpPr>
         <p:spPr>
           <a:xfrm>
-            <a:off x="2988051" y="3544961"/>
+            <a:off x="2985815" y="4779449"/>
             <a:ext cx="256481" cy="369332"/>
           </a:xfrm>
           <a:prstGeom prst="rect">
@@ -12794,7 +12793,7 @@
         </p:nvSpPr>
         <p:spPr>
           <a:xfrm>
-            <a:off x="2988051" y="4779695"/>
+            <a:off x="2992336" y="3094405"/>
             <a:ext cx="256481" cy="369332"/>
           </a:xfrm>
           <a:prstGeom prst="rect">
@@ -12836,7 +12835,7 @@
         </p:nvSpPr>
         <p:spPr>
           <a:xfrm>
-            <a:off x="2294217" y="4779695"/>
+            <a:off x="2298502" y="3094405"/>
             <a:ext cx="256481" cy="369332"/>
           </a:xfrm>
           <a:prstGeom prst="rect">
@@ -12878,7 +12877,7 @@
         </p:nvSpPr>
         <p:spPr>
           <a:xfrm>
-            <a:off x="2294217" y="4139007"/>
+            <a:off x="2289019" y="3680192"/>
             <a:ext cx="256481" cy="369332"/>
           </a:xfrm>
           <a:prstGeom prst="rect">
@@ -13020,7 +13019,7 @@
         </p:nvSpPr>
         <p:spPr>
           <a:xfrm>
-            <a:off x="5554422" y="3117928"/>
+            <a:off x="5552186" y="4352416"/>
             <a:ext cx="245006" cy="369332"/>
           </a:xfrm>
           <a:prstGeom prst="rect">
@@ -13070,7 +13069,7 @@
         </p:nvSpPr>
         <p:spPr>
           <a:xfrm>
-            <a:off x="5554422" y="3544961"/>
+            <a:off x="5552186" y="4779449"/>
             <a:ext cx="245006" cy="369332"/>
           </a:xfrm>
           <a:prstGeom prst="rect">
@@ -13120,7 +13119,7 @@
         </p:nvSpPr>
         <p:spPr>
           <a:xfrm>
-            <a:off x="4483658" y="4779695"/>
+            <a:off x="4487943" y="3094405"/>
             <a:ext cx="245006" cy="369332"/>
           </a:xfrm>
           <a:prstGeom prst="rect">
@@ -13170,7 +13169,7 @@
         </p:nvSpPr>
         <p:spPr>
           <a:xfrm>
-            <a:off x="4483658" y="3117928"/>
+            <a:off x="4481422" y="4352416"/>
             <a:ext cx="245006" cy="369332"/>
           </a:xfrm>
           <a:prstGeom prst="rect">
@@ -13244,111 +13243,6 @@
                 <a:ea typeface="Latin Modern Math" panose="02000503000000000000" pitchFamily="2" charset="77"/>
               </a:rPr>
               <a:t>✓</a:t>
-            </a:r>
-          </a:p>
-        </p:txBody>
-      </p:sp>
-      <p:sp>
-        <p:nvSpPr>
-          <p:cNvPr id="1143" name="TextBox 1142">
-            <a:extLst>
-              <a:ext uri="{FF2B5EF4-FFF2-40B4-BE49-F238E27FC236}">
-                <a16:creationId xmlns:a16="http://schemas.microsoft.com/office/drawing/2014/main" id="{EE418F5E-5961-A42F-36C9-3E6A8BC00373}"/>
-              </a:ext>
-            </a:extLst>
-          </p:cNvPr>
-          <p:cNvSpPr txBox="1"/>
-          <p:nvPr/>
-        </p:nvSpPr>
-        <p:spPr>
-          <a:xfrm>
-            <a:off x="1685176" y="4065444"/>
-            <a:ext cx="341760" cy="261610"/>
-          </a:xfrm>
-          <a:prstGeom prst="rect">
-            <a:avLst/>
-          </a:prstGeom>
-          <a:noFill/>
-        </p:spPr>
-        <p:txBody>
-          <a:bodyPr wrap="none" rtlCol="0">
-            <a:spAutoFit/>
-          </a:bodyPr>
-          <a:lstStyle/>
-          <a:p>
-            <a:r>
-              <a:rPr lang="en-US" sz="1100" dirty="0"/>
-              <a:t>XX</a:t>
-            </a:r>
-          </a:p>
-        </p:txBody>
-      </p:sp>
-      <p:sp>
-        <p:nvSpPr>
-          <p:cNvPr id="1144" name="TextBox 1143">
-            <a:extLst>
-              <a:ext uri="{FF2B5EF4-FFF2-40B4-BE49-F238E27FC236}">
-                <a16:creationId xmlns:a16="http://schemas.microsoft.com/office/drawing/2014/main" id="{9070DABC-814E-6C6A-BA47-2B50FC973181}"/>
-              </a:ext>
-            </a:extLst>
-          </p:cNvPr>
-          <p:cNvSpPr txBox="1"/>
-          <p:nvPr/>
-        </p:nvSpPr>
-        <p:spPr>
-          <a:xfrm>
-            <a:off x="1678998" y="4434451"/>
-            <a:ext cx="341760" cy="261610"/>
-          </a:xfrm>
-          <a:prstGeom prst="rect">
-            <a:avLst/>
-          </a:prstGeom>
-          <a:noFill/>
-        </p:spPr>
-        <p:txBody>
-          <a:bodyPr wrap="none" rtlCol="0">
-            <a:spAutoFit/>
-          </a:bodyPr>
-          <a:lstStyle/>
-          <a:p>
-            <a:r>
-              <a:rPr lang="en-US" sz="1100" dirty="0"/>
-              <a:t>XX</a:t>
-            </a:r>
-          </a:p>
-        </p:txBody>
-      </p:sp>
-      <p:sp>
-        <p:nvSpPr>
-          <p:cNvPr id="1145" name="TextBox 1144">
-            <a:extLst>
-              <a:ext uri="{FF2B5EF4-FFF2-40B4-BE49-F238E27FC236}">
-                <a16:creationId xmlns:a16="http://schemas.microsoft.com/office/drawing/2014/main" id="{F3D3DBBD-5901-0DF6-333C-AEF2D58C323B}"/>
-              </a:ext>
-            </a:extLst>
-          </p:cNvPr>
-          <p:cNvSpPr txBox="1"/>
-          <p:nvPr/>
-        </p:nvSpPr>
-        <p:spPr>
-          <a:xfrm>
-            <a:off x="1663353" y="4834634"/>
-            <a:ext cx="341760" cy="261610"/>
-          </a:xfrm>
-          <a:prstGeom prst="rect">
-            <a:avLst/>
-          </a:prstGeom>
-          <a:noFill/>
-        </p:spPr>
-        <p:txBody>
-          <a:bodyPr wrap="none" rtlCol="0">
-            <a:spAutoFit/>
-          </a:bodyPr>
-          <a:lstStyle/>
-          <a:p>
-            <a:r>
-              <a:rPr lang="en-US" sz="1100" dirty="0"/>
-              <a:t>XX</a:t>
             </a:r>
           </a:p>
         </p:txBody>

--- a/Astro_Origin_table_horiz.pptx
+++ b/Astro_Origin_table_horiz.pptx
@@ -197,7 +197,7 @@
           <a:p>
             <a:fld id="{56190867-FD12-ED4C-AD02-12B91CD72869}" type="datetimeFigureOut">
               <a:rPr lang="en-US" smtClean="0"/>
-              <a:t>6/16/25</a:t>
+              <a:t>6/17/25</a:t>
             </a:fld>
             <a:endParaRPr lang="en-US"/>
           </a:p>
@@ -1038,7 +1038,7 @@
           <a:p>
             <a:fld id="{42B10BCD-A866-B34B-B7E8-44C4BB9D2819}" type="datetimeFigureOut">
               <a:rPr lang="en-US" smtClean="0"/>
-              <a:t>6/16/25</a:t>
+              <a:t>6/17/25</a:t>
             </a:fld>
             <a:endParaRPr lang="en-US"/>
           </a:p>
@@ -1208,7 +1208,7 @@
           <a:p>
             <a:fld id="{42B10BCD-A866-B34B-B7E8-44C4BB9D2819}" type="datetimeFigureOut">
               <a:rPr lang="en-US" smtClean="0"/>
-              <a:t>6/16/25</a:t>
+              <a:t>6/17/25</a:t>
             </a:fld>
             <a:endParaRPr lang="en-US"/>
           </a:p>
@@ -1388,7 +1388,7 @@
           <a:p>
             <a:fld id="{42B10BCD-A866-B34B-B7E8-44C4BB9D2819}" type="datetimeFigureOut">
               <a:rPr lang="en-US" smtClean="0"/>
-              <a:t>6/16/25</a:t>
+              <a:t>6/17/25</a:t>
             </a:fld>
             <a:endParaRPr lang="en-US"/>
           </a:p>
@@ -1619,7 +1619,7 @@
           <a:p>
             <a:fld id="{42B10BCD-A866-B34B-B7E8-44C4BB9D2819}" type="datetimeFigureOut">
               <a:rPr lang="en-US" smtClean="0"/>
-              <a:t>6/16/25</a:t>
+              <a:t>6/17/25</a:t>
             </a:fld>
             <a:endParaRPr lang="en-US"/>
           </a:p>
@@ -1865,7 +1865,7 @@
           <a:p>
             <a:fld id="{42B10BCD-A866-B34B-B7E8-44C4BB9D2819}" type="datetimeFigureOut">
               <a:rPr lang="en-US" smtClean="0"/>
-              <a:t>6/16/25</a:t>
+              <a:t>6/17/25</a:t>
             </a:fld>
             <a:endParaRPr lang="en-US"/>
           </a:p>
@@ -2097,7 +2097,7 @@
           <a:p>
             <a:fld id="{42B10BCD-A866-B34B-B7E8-44C4BB9D2819}" type="datetimeFigureOut">
               <a:rPr lang="en-US" smtClean="0"/>
-              <a:t>6/16/25</a:t>
+              <a:t>6/17/25</a:t>
             </a:fld>
             <a:endParaRPr lang="en-US"/>
           </a:p>
@@ -2464,7 +2464,7 @@
           <a:p>
             <a:fld id="{42B10BCD-A866-B34B-B7E8-44C4BB9D2819}" type="datetimeFigureOut">
               <a:rPr lang="en-US" smtClean="0"/>
-              <a:t>6/16/25</a:t>
+              <a:t>6/17/25</a:t>
             </a:fld>
             <a:endParaRPr lang="en-US"/>
           </a:p>
@@ -2582,7 +2582,7 @@
           <a:p>
             <a:fld id="{42B10BCD-A866-B34B-B7E8-44C4BB9D2819}" type="datetimeFigureOut">
               <a:rPr lang="en-US" smtClean="0"/>
-              <a:t>6/16/25</a:t>
+              <a:t>6/17/25</a:t>
             </a:fld>
             <a:endParaRPr lang="en-US"/>
           </a:p>
@@ -2677,7 +2677,7 @@
           <a:p>
             <a:fld id="{42B10BCD-A866-B34B-B7E8-44C4BB9D2819}" type="datetimeFigureOut">
               <a:rPr lang="en-US" smtClean="0"/>
-              <a:t>6/16/25</a:t>
+              <a:t>6/17/25</a:t>
             </a:fld>
             <a:endParaRPr lang="en-US"/>
           </a:p>
@@ -2954,7 +2954,7 @@
           <a:p>
             <a:fld id="{42B10BCD-A866-B34B-B7E8-44C4BB9D2819}" type="datetimeFigureOut">
               <a:rPr lang="en-US" smtClean="0"/>
-              <a:t>6/16/25</a:t>
+              <a:t>6/17/25</a:t>
             </a:fld>
             <a:endParaRPr lang="en-US"/>
           </a:p>
@@ -3211,7 +3211,7 @@
           <a:p>
             <a:fld id="{42B10BCD-A866-B34B-B7E8-44C4BB9D2819}" type="datetimeFigureOut">
               <a:rPr lang="en-US" smtClean="0"/>
-              <a:t>6/16/25</a:t>
+              <a:t>6/17/25</a:t>
             </a:fld>
             <a:endParaRPr lang="en-US"/>
           </a:p>
@@ -3424,7 +3424,7 @@
           <a:p>
             <a:fld id="{42B10BCD-A866-B34B-B7E8-44C4BB9D2819}" type="datetimeFigureOut">
               <a:rPr lang="en-US" smtClean="0"/>
-              <a:t>6/16/25</a:t>
+              <a:t>6/17/25</a:t>
             </a:fld>
             <a:endParaRPr lang="en-US"/>
           </a:p>
@@ -3867,60 +3867,6 @@
           <a:solidFill>
             <a:srgbClr val="CA2243">
               <a:alpha val="25000"/>
-            </a:srgbClr>
-          </a:solidFill>
-          <a:ln>
-            <a:noFill/>
-          </a:ln>
-        </p:spPr>
-        <p:style>
-          <a:lnRef idx="2">
-            <a:schemeClr val="accent1">
-              <a:shade val="15000"/>
-            </a:schemeClr>
-          </a:lnRef>
-          <a:fillRef idx="1">
-            <a:schemeClr val="accent1"/>
-          </a:fillRef>
-          <a:effectRef idx="0">
-            <a:schemeClr val="accent1"/>
-          </a:effectRef>
-          <a:fontRef idx="minor">
-            <a:schemeClr val="lt1"/>
-          </a:fontRef>
-        </p:style>
-        <p:txBody>
-          <a:bodyPr rtlCol="0" anchor="ctr"/>
-          <a:lstStyle/>
-          <a:p>
-            <a:pPr algn="ctr"/>
-            <a:endParaRPr lang="en-US"/>
-          </a:p>
-        </p:txBody>
-      </p:sp>
-      <p:sp>
-        <p:nvSpPr>
-          <p:cNvPr id="148" name="Rectangle 147">
-            <a:extLst>
-              <a:ext uri="{FF2B5EF4-FFF2-40B4-BE49-F238E27FC236}">
-                <a16:creationId xmlns:a16="http://schemas.microsoft.com/office/drawing/2014/main" id="{E2E94001-36DC-3DE7-9A2B-477059922652}"/>
-              </a:ext>
-            </a:extLst>
-          </p:cNvPr>
-          <p:cNvSpPr/>
-          <p:nvPr/>
-        </p:nvSpPr>
-        <p:spPr>
-          <a:xfrm>
-            <a:off x="2059373" y="3018532"/>
-            <a:ext cx="6221027" cy="521078"/>
-          </a:xfrm>
-          <a:prstGeom prst="rect">
-            <a:avLst/>
-          </a:prstGeom>
-          <a:solidFill>
-            <a:srgbClr val="CA2243">
-              <a:alpha val="5000"/>
             </a:srgbClr>
           </a:solidFill>
           <a:ln>
@@ -10937,7 +10883,7 @@
         </p:nvSpPr>
         <p:spPr>
           <a:xfrm>
-            <a:off x="4469164" y="5254615"/>
+            <a:off x="2966550" y="5251982"/>
             <a:ext cx="256481" cy="369332"/>
           </a:xfrm>
           <a:prstGeom prst="rect">
@@ -10976,7 +10922,7 @@
         </p:nvSpPr>
         <p:spPr>
           <a:xfrm>
-            <a:off x="2862907" y="5254615"/>
+            <a:off x="4760856" y="5251982"/>
             <a:ext cx="314934" cy="369332"/>
           </a:xfrm>
           <a:prstGeom prst="rect">
@@ -11020,7 +10966,7 @@
         </p:nvSpPr>
         <p:spPr>
           <a:xfrm>
-            <a:off x="1044360" y="5254615"/>
+            <a:off x="6608679" y="5251982"/>
             <a:ext cx="245006" cy="369332"/>
           </a:xfrm>
           <a:prstGeom prst="rect">
@@ -11070,7 +11016,7 @@
         </p:nvSpPr>
         <p:spPr>
           <a:xfrm>
-            <a:off x="6038751" y="5254615"/>
+            <a:off x="1437957" y="5251982"/>
             <a:ext cx="256481" cy="369332"/>
           </a:xfrm>
           <a:prstGeom prst="rect">
@@ -12317,7 +12263,7 @@
         </p:nvSpPr>
         <p:spPr>
           <a:xfrm>
-            <a:off x="1304788" y="5285393"/>
+            <a:off x="6914158" y="5282760"/>
             <a:ext cx="1052276" cy="338554"/>
           </a:xfrm>
           <a:prstGeom prst="rect">
@@ -12352,7 +12298,7 @@
         </p:nvSpPr>
         <p:spPr>
           <a:xfrm>
-            <a:off x="3177841" y="5285393"/>
+            <a:off x="5128641" y="5282760"/>
             <a:ext cx="1000467" cy="338554"/>
           </a:xfrm>
           <a:prstGeom prst="rect">
@@ -12387,7 +12333,7 @@
         </p:nvSpPr>
         <p:spPr>
           <a:xfrm>
-            <a:off x="4794200" y="5285393"/>
+            <a:off x="3275882" y="5282760"/>
             <a:ext cx="1005403" cy="338554"/>
           </a:xfrm>
           <a:prstGeom prst="rect">
@@ -12422,7 +12368,7 @@
         </p:nvSpPr>
         <p:spPr>
           <a:xfrm>
-            <a:off x="6288718" y="5285393"/>
+            <a:off x="1754909" y="5282760"/>
             <a:ext cx="739690" cy="338554"/>
           </a:xfrm>
           <a:prstGeom prst="rect">
@@ -13136,9 +13082,6 @@
             <a:pPr algn="ctr"/>
             <a:r>
               <a:rPr lang="en-US" sz="2400" dirty="0">
-                <a:solidFill>
-                  <a:srgbClr val="CA2243"/>
-                </a:solidFill>
                 <a:latin typeface="Arial" panose="020B0604020202020204" pitchFamily="34" charset="0"/>
                 <a:ea typeface="Latin Modern Math" panose="02000503000000000000" pitchFamily="2" charset="77"/>
                 <a:cs typeface="Arial" panose="020B0604020202020204" pitchFamily="34" charset="0"/>
@@ -13146,9 +13089,6 @@
               <a:t>X</a:t>
             </a:r>
             <a:endParaRPr lang="en-US" sz="2400" dirty="0">
-              <a:solidFill>
-                <a:srgbClr val="CA2243"/>
-              </a:solidFill>
               <a:latin typeface="Arial" panose="020B0604020202020204" pitchFamily="34" charset="0"/>
               <a:cs typeface="Arial" panose="020B0604020202020204" pitchFamily="34" charset="0"/>
             </a:endParaRPr>

--- a/Astro_Origin_table_horiz.pptx
+++ b/Astro_Origin_table_horiz.pptx
@@ -197,7 +197,7 @@
           <a:p>
             <a:fld id="{56190867-FD12-ED4C-AD02-12B91CD72869}" type="datetimeFigureOut">
               <a:rPr lang="en-US" smtClean="0"/>
-              <a:t>6/17/25</a:t>
+              <a:t>6/19/25</a:t>
             </a:fld>
             <a:endParaRPr lang="en-US"/>
           </a:p>
@@ -1038,7 +1038,7 @@
           <a:p>
             <a:fld id="{42B10BCD-A866-B34B-B7E8-44C4BB9D2819}" type="datetimeFigureOut">
               <a:rPr lang="en-US" smtClean="0"/>
-              <a:t>6/17/25</a:t>
+              <a:t>6/19/25</a:t>
             </a:fld>
             <a:endParaRPr lang="en-US"/>
           </a:p>
@@ -1208,7 +1208,7 @@
           <a:p>
             <a:fld id="{42B10BCD-A866-B34B-B7E8-44C4BB9D2819}" type="datetimeFigureOut">
               <a:rPr lang="en-US" smtClean="0"/>
-              <a:t>6/17/25</a:t>
+              <a:t>6/19/25</a:t>
             </a:fld>
             <a:endParaRPr lang="en-US"/>
           </a:p>
@@ -1388,7 +1388,7 @@
           <a:p>
             <a:fld id="{42B10BCD-A866-B34B-B7E8-44C4BB9D2819}" type="datetimeFigureOut">
               <a:rPr lang="en-US" smtClean="0"/>
-              <a:t>6/17/25</a:t>
+              <a:t>6/19/25</a:t>
             </a:fld>
             <a:endParaRPr lang="en-US"/>
           </a:p>
@@ -1619,7 +1619,7 @@
           <a:p>
             <a:fld id="{42B10BCD-A866-B34B-B7E8-44C4BB9D2819}" type="datetimeFigureOut">
               <a:rPr lang="en-US" smtClean="0"/>
-              <a:t>6/17/25</a:t>
+              <a:t>6/19/25</a:t>
             </a:fld>
             <a:endParaRPr lang="en-US"/>
           </a:p>
@@ -1865,7 +1865,7 @@
           <a:p>
             <a:fld id="{42B10BCD-A866-B34B-B7E8-44C4BB9D2819}" type="datetimeFigureOut">
               <a:rPr lang="en-US" smtClean="0"/>
-              <a:t>6/17/25</a:t>
+              <a:t>6/19/25</a:t>
             </a:fld>
             <a:endParaRPr lang="en-US"/>
           </a:p>
@@ -2097,7 +2097,7 @@
           <a:p>
             <a:fld id="{42B10BCD-A866-B34B-B7E8-44C4BB9D2819}" type="datetimeFigureOut">
               <a:rPr lang="en-US" smtClean="0"/>
-              <a:t>6/17/25</a:t>
+              <a:t>6/19/25</a:t>
             </a:fld>
             <a:endParaRPr lang="en-US"/>
           </a:p>
@@ -2464,7 +2464,7 @@
           <a:p>
             <a:fld id="{42B10BCD-A866-B34B-B7E8-44C4BB9D2819}" type="datetimeFigureOut">
               <a:rPr lang="en-US" smtClean="0"/>
-              <a:t>6/17/25</a:t>
+              <a:t>6/19/25</a:t>
             </a:fld>
             <a:endParaRPr lang="en-US"/>
           </a:p>
@@ -2582,7 +2582,7 @@
           <a:p>
             <a:fld id="{42B10BCD-A866-B34B-B7E8-44C4BB9D2819}" type="datetimeFigureOut">
               <a:rPr lang="en-US" smtClean="0"/>
-              <a:t>6/17/25</a:t>
+              <a:t>6/19/25</a:t>
             </a:fld>
             <a:endParaRPr lang="en-US"/>
           </a:p>
@@ -2677,7 +2677,7 @@
           <a:p>
             <a:fld id="{42B10BCD-A866-B34B-B7E8-44C4BB9D2819}" type="datetimeFigureOut">
               <a:rPr lang="en-US" smtClean="0"/>
-              <a:t>6/17/25</a:t>
+              <a:t>6/19/25</a:t>
             </a:fld>
             <a:endParaRPr lang="en-US"/>
           </a:p>
@@ -2954,7 +2954,7 @@
           <a:p>
             <a:fld id="{42B10BCD-A866-B34B-B7E8-44C4BB9D2819}" type="datetimeFigureOut">
               <a:rPr lang="en-US" smtClean="0"/>
-              <a:t>6/17/25</a:t>
+              <a:t>6/19/25</a:t>
             </a:fld>
             <a:endParaRPr lang="en-US"/>
           </a:p>
@@ -3211,7 +3211,7 @@
           <a:p>
             <a:fld id="{42B10BCD-A866-B34B-B7E8-44C4BB9D2819}" type="datetimeFigureOut">
               <a:rPr lang="en-US" smtClean="0"/>
-              <a:t>6/17/25</a:t>
+              <a:t>6/19/25</a:t>
             </a:fld>
             <a:endParaRPr lang="en-US"/>
           </a:p>
@@ -3424,7 +3424,7 @@
           <a:p>
             <a:fld id="{42B10BCD-A866-B34B-B7E8-44C4BB9D2819}" type="datetimeFigureOut">
               <a:rPr lang="en-US" smtClean="0"/>
-              <a:t>6/17/25</a:t>
+              <a:t>6/19/25</a:t>
             </a:fld>
             <a:endParaRPr lang="en-US"/>
           </a:p>
@@ -3858,8 +3858,8 @@
         </p:nvSpPr>
         <p:spPr>
           <a:xfrm>
-            <a:off x="2042638" y="854594"/>
-            <a:ext cx="6252204" cy="377462"/>
+            <a:off x="2042638" y="850588"/>
+            <a:ext cx="6237762" cy="769756"/>
           </a:xfrm>
           <a:prstGeom prst="rect">
             <a:avLst/>
@@ -3894,115 +3894,7 @@
           <a:lstStyle/>
           <a:p>
             <a:pPr algn="ctr"/>
-            <a:endParaRPr lang="en-US"/>
-          </a:p>
-        </p:txBody>
-      </p:sp>
-      <p:sp>
-        <p:nvSpPr>
-          <p:cNvPr id="143" name="Rectangle 142">
-            <a:extLst>
-              <a:ext uri="{FF2B5EF4-FFF2-40B4-BE49-F238E27FC236}">
-                <a16:creationId xmlns:a16="http://schemas.microsoft.com/office/drawing/2014/main" id="{3FE83F01-6FCD-4697-ED65-69A970E24283}"/>
-              </a:ext>
-            </a:extLst>
-          </p:cNvPr>
-          <p:cNvSpPr/>
-          <p:nvPr/>
-        </p:nvSpPr>
-        <p:spPr>
-          <a:xfrm>
-            <a:off x="2045525" y="1232717"/>
-            <a:ext cx="6252203" cy="388409"/>
-          </a:xfrm>
-          <a:prstGeom prst="rect">
-            <a:avLst/>
-          </a:prstGeom>
-          <a:solidFill>
-            <a:srgbClr val="CA2243">
-              <a:alpha val="15000"/>
-            </a:srgbClr>
-          </a:solidFill>
-          <a:ln>
-            <a:noFill/>
-          </a:ln>
-        </p:spPr>
-        <p:style>
-          <a:lnRef idx="2">
-            <a:schemeClr val="accent1">
-              <a:shade val="15000"/>
-            </a:schemeClr>
-          </a:lnRef>
-          <a:fillRef idx="1">
-            <a:schemeClr val="accent1"/>
-          </a:fillRef>
-          <a:effectRef idx="0">
-            <a:schemeClr val="accent1"/>
-          </a:effectRef>
-          <a:fontRef idx="minor">
-            <a:schemeClr val="lt1"/>
-          </a:fontRef>
-        </p:style>
-        <p:txBody>
-          <a:bodyPr rtlCol="0" anchor="ctr"/>
-          <a:lstStyle/>
-          <a:p>
-            <a:pPr algn="ctr"/>
-            <a:endParaRPr lang="en-US"/>
-          </a:p>
-        </p:txBody>
-      </p:sp>
-      <p:sp>
-        <p:nvSpPr>
-          <p:cNvPr id="145" name="Rectangle 144">
-            <a:extLst>
-              <a:ext uri="{FF2B5EF4-FFF2-40B4-BE49-F238E27FC236}">
-                <a16:creationId xmlns:a16="http://schemas.microsoft.com/office/drawing/2014/main" id="{19D5867A-2AB6-9BD6-24FD-1AEAB87142D8}"/>
-              </a:ext>
-            </a:extLst>
-          </p:cNvPr>
-          <p:cNvSpPr/>
-          <p:nvPr/>
-        </p:nvSpPr>
-        <p:spPr>
-          <a:xfrm>
-            <a:off x="2040673" y="4304227"/>
-            <a:ext cx="6239728" cy="426287"/>
-          </a:xfrm>
-          <a:prstGeom prst="rect">
-            <a:avLst/>
-          </a:prstGeom>
-          <a:solidFill>
-            <a:srgbClr val="CA2243">
-              <a:alpha val="30000"/>
-            </a:srgbClr>
-          </a:solidFill>
-          <a:ln>
-            <a:noFill/>
-          </a:ln>
-        </p:spPr>
-        <p:style>
-          <a:lnRef idx="2">
-            <a:schemeClr val="accent1">
-              <a:shade val="15000"/>
-            </a:schemeClr>
-          </a:lnRef>
-          <a:fillRef idx="1">
-            <a:schemeClr val="accent1"/>
-          </a:fillRef>
-          <a:effectRef idx="0">
-            <a:schemeClr val="accent1"/>
-          </a:effectRef>
-          <a:fontRef idx="minor">
-            <a:schemeClr val="lt1"/>
-          </a:fontRef>
-        </p:style>
-        <p:txBody>
-          <a:bodyPr rtlCol="0" anchor="ctr"/>
-          <a:lstStyle/>
-          <a:p>
-            <a:pPr algn="ctr"/>
-            <a:endParaRPr lang="en-US"/>
+            <a:endParaRPr lang="en-US" dirty="0"/>
           </a:p>
         </p:txBody>
       </p:sp>
@@ -4020,8 +3912,8 @@
         </p:nvSpPr>
         <p:spPr>
           <a:xfrm>
-            <a:off x="2045147" y="4730513"/>
-            <a:ext cx="6233480" cy="526711"/>
+            <a:off x="2045147" y="4272807"/>
+            <a:ext cx="6233480" cy="978067"/>
           </a:xfrm>
           <a:prstGeom prst="rect">
             <a:avLst/>
@@ -5702,8 +5594,8 @@
         </p:nvSpPr>
         <p:spPr>
           <a:xfrm>
-            <a:off x="8458" y="4335648"/>
-            <a:ext cx="1035588" cy="200055"/>
+            <a:off x="8457" y="4316598"/>
+            <a:ext cx="1275437" cy="200055"/>
           </a:xfrm>
           <a:prstGeom prst="rect">
             <a:avLst/>
@@ -5726,7 +5618,7 @@
                 </a:solidFill>
                 <a:latin typeface="Calibri" panose="020F0502020204030204"/>
               </a:rPr>
-              <a:t> 5 Hierarchical</a:t>
+              <a:t> 5. Hierarchical</a:t>
             </a:r>
           </a:p>
         </p:txBody>
@@ -5769,7 +5661,7 @@
                 </a:solidFill>
                 <a:latin typeface="Calibri" panose="020F0502020204030204"/>
               </a:rPr>
-              <a:t> 1  P-PISN</a:t>
+              <a:t> 1. P-PISN</a:t>
             </a:r>
           </a:p>
         </p:txBody>
@@ -5901,7 +5793,7 @@
         </p:nvSpPr>
         <p:spPr>
           <a:xfrm>
-            <a:off x="8458" y="3581416"/>
+            <a:off x="8458" y="3549666"/>
             <a:ext cx="1565332" cy="200055"/>
           </a:xfrm>
           <a:prstGeom prst="rect">
@@ -5925,7 +5817,7 @@
                 </a:solidFill>
                 <a:latin typeface="Calibri" panose="020F0502020204030204"/>
               </a:rPr>
-              <a:t> 4 Globular clusters</a:t>
+              <a:t> 4. Globular clusters</a:t>
             </a:r>
           </a:p>
         </p:txBody>
@@ -8230,7 +8122,7 @@
                 </a:solidFill>
                 <a:latin typeface="Calibri" panose="020F0502020204030204"/>
               </a:rPr>
-              <a:t> 3 Pop III</a:t>
+              <a:t> 3. Pop III</a:t>
             </a:r>
             <a:endParaRPr lang="en-GB" sz="1300" b="1" u="sng" dirty="0">
               <a:solidFill>
@@ -10515,7 +10407,7 @@
         <p:spPr>
           <a:xfrm>
             <a:off x="8458" y="2023840"/>
-            <a:ext cx="2050915" cy="200055"/>
+            <a:ext cx="2076084" cy="200055"/>
           </a:xfrm>
           <a:prstGeom prst="rect">
             <a:avLst/>
@@ -10538,7 +10430,7 @@
                 </a:solidFill>
                 <a:latin typeface="Calibri" panose="020F0502020204030204"/>
               </a:rPr>
-              <a:t> 2 Chemically Homogeneous</a:t>
+              <a:t> 2. Chemically Homogeneous</a:t>
             </a:r>
           </a:p>
         </p:txBody>
@@ -10736,7 +10628,7 @@
         <p:spPr>
           <a:xfrm>
             <a:off x="1289953" y="4389228"/>
-            <a:ext cx="575479" cy="169277"/>
+            <a:ext cx="636393" cy="169277"/>
           </a:xfrm>
           <a:prstGeom prst="rect">
             <a:avLst/>
@@ -10751,7 +10643,7 @@
           <a:p>
             <a:r>
               <a:rPr lang="en-US" sz="1100" dirty="0"/>
-              <a:t>A) 2g + 1g</a:t>
+              <a:t>A) 2G + 1G</a:t>
             </a:r>
           </a:p>
         </p:txBody>
@@ -10771,7 +10663,7 @@
         <p:spPr>
           <a:xfrm>
             <a:off x="1289953" y="4863053"/>
-            <a:ext cx="577081" cy="169277"/>
+            <a:ext cx="637995" cy="169277"/>
           </a:xfrm>
           <a:prstGeom prst="rect">
             <a:avLst/>
@@ -10786,7 +10678,7 @@
           <a:p>
             <a:r>
               <a:rPr lang="en-US" sz="1100" dirty="0"/>
-              <a:t>B) 2g + 2g</a:t>
+              <a:t>B) 2G + 2G</a:t>
             </a:r>
           </a:p>
         </p:txBody>
@@ -10831,41 +10723,6 @@
               <a:latin typeface="Latin Modern Math" panose="02000503000000000000" pitchFamily="2" charset="77"/>
               <a:ea typeface="Latin Modern Math" panose="02000503000000000000" pitchFamily="2" charset="77"/>
             </a:endParaRPr>
-          </a:p>
-        </p:txBody>
-      </p:sp>
-      <p:sp>
-        <p:nvSpPr>
-          <p:cNvPr id="6" name="TextBox 5">
-            <a:extLst>
-              <a:ext uri="{FF2B5EF4-FFF2-40B4-BE49-F238E27FC236}">
-                <a16:creationId xmlns:a16="http://schemas.microsoft.com/office/drawing/2014/main" id="{A17217AF-2621-253F-2C01-393D3ECF3261}"/>
-              </a:ext>
-            </a:extLst>
-          </p:cNvPr>
-          <p:cNvSpPr txBox="1"/>
-          <p:nvPr/>
-        </p:nvSpPr>
-        <p:spPr>
-          <a:xfrm>
-            <a:off x="1164385" y="524319"/>
-            <a:ext cx="914033" cy="261610"/>
-          </a:xfrm>
-          <a:prstGeom prst="rect">
-            <a:avLst/>
-          </a:prstGeom>
-          <a:noFill/>
-        </p:spPr>
-        <p:txBody>
-          <a:bodyPr wrap="none" rtlCol="0">
-            <a:spAutoFit/>
-          </a:bodyPr>
-          <a:lstStyle/>
-          <a:p>
-            <a:r>
-              <a:rPr lang="en-US" sz="1100" i="1" dirty="0"/>
-              <a:t>Subsection:</a:t>
-            </a:r>
           </a:p>
         </p:txBody>
       </p:sp>
@@ -12222,7 +12079,7 @@
         </p:nvCxnSpPr>
         <p:spPr>
           <a:xfrm flipH="1">
-            <a:off x="0" y="3540596"/>
+            <a:off x="0" y="3508846"/>
             <a:ext cx="8294841" cy="0"/>
           </a:xfrm>
           <a:prstGeom prst="line">
